--- a/REACTIVE.pptx
+++ b/REACTIVE.pptx
@@ -5,10 +5,10 @@
     <p:sldMasterId id="2147483715" r:id="rId4"/>
   </p:sldMasterIdLst>
   <p:notesMasterIdLst>
-    <p:notesMasterId r:id="rId20"/>
+    <p:notesMasterId r:id="rId27"/>
   </p:notesMasterIdLst>
   <p:handoutMasterIdLst>
-    <p:handoutMasterId r:id="rId21"/>
+    <p:handoutMasterId r:id="rId28"/>
   </p:handoutMasterIdLst>
   <p:sldIdLst>
     <p:sldId id="256" r:id="rId5"/>
@@ -16,16 +16,23 @@
     <p:sldId id="356" r:id="rId7"/>
     <p:sldId id="357" r:id="rId8"/>
     <p:sldId id="328" r:id="rId9"/>
-    <p:sldId id="348" r:id="rId10"/>
-    <p:sldId id="350" r:id="rId11"/>
-    <p:sldId id="355" r:id="rId12"/>
-    <p:sldId id="349" r:id="rId13"/>
-    <p:sldId id="352" r:id="rId14"/>
-    <p:sldId id="347" r:id="rId15"/>
-    <p:sldId id="353" r:id="rId16"/>
-    <p:sldId id="346" r:id="rId17"/>
-    <p:sldId id="354" r:id="rId18"/>
-    <p:sldId id="327" r:id="rId19"/>
+    <p:sldId id="358" r:id="rId10"/>
+    <p:sldId id="366" r:id="rId11"/>
+    <p:sldId id="359" r:id="rId12"/>
+    <p:sldId id="360" r:id="rId13"/>
+    <p:sldId id="361" r:id="rId14"/>
+    <p:sldId id="362" r:id="rId15"/>
+    <p:sldId id="364" r:id="rId16"/>
+    <p:sldId id="348" r:id="rId17"/>
+    <p:sldId id="350" r:id="rId18"/>
+    <p:sldId id="355" r:id="rId19"/>
+    <p:sldId id="349" r:id="rId20"/>
+    <p:sldId id="352" r:id="rId21"/>
+    <p:sldId id="347" r:id="rId22"/>
+    <p:sldId id="353" r:id="rId23"/>
+    <p:sldId id="346" r:id="rId24"/>
+    <p:sldId id="354" r:id="rId25"/>
+    <p:sldId id="327" r:id="rId26"/>
   </p:sldIdLst>
   <p:sldSz cx="12192000" cy="6858000"/>
   <p:notesSz cx="6858000" cy="9144000"/>
@@ -134,6 +141,13 @@
             <p14:sldId id="356"/>
             <p14:sldId id="357"/>
             <p14:sldId id="328"/>
+            <p14:sldId id="358"/>
+            <p14:sldId id="366"/>
+            <p14:sldId id="359"/>
+            <p14:sldId id="360"/>
+            <p14:sldId id="361"/>
+            <p14:sldId id="362"/>
+            <p14:sldId id="364"/>
             <p14:sldId id="348"/>
             <p14:sldId id="350"/>
             <p14:sldId id="355"/>
@@ -259,7 +273,7 @@
             <a:pPr rtl="0"/>
             <a:fld id="{3C80F580-3B6A-44CD-9A1E-E890016126F8}" type="datetime1">
               <a:rPr lang="fr-FR" smtClean="0"/>
-              <a:t>23/07/2023</a:t>
+              <a:t>27/11/2023</a:t>
             </a:fld>
             <a:endParaRPr lang="fr-FR"/>
           </a:p>
@@ -429,7 +443,7 @@
             <a:pPr rtl="0"/>
             <a:fld id="{7DF8ED89-FBF4-48E3-B6C6-C071DA98F802}" type="datetime1">
               <a:rPr lang="fr-FR" noProof="1" dirty="0" smtClean="0"/>
-              <a:t>23/07/2023</a:t>
+              <a:t>27/11/2023</a:t>
             </a:fld>
             <a:endParaRPr lang="fr-FR" noProof="1"/>
           </a:p>
@@ -857,7 +871,7 @@
             <a:pPr rtl="0"/>
             <a:fld id="{DF61EA0F-A667-4B49-8422-0062BC55E249}" type="slidenum">
               <a:rPr lang="fr-FR" noProof="1" dirty="0" smtClean="0"/>
-              <a:t>14</a:t>
+              <a:t>10</a:t>
             </a:fld>
             <a:endParaRPr lang="fr-FR" noProof="1"/>
           </a:p>
@@ -866,7 +880,7 @@
     </p:spTree>
     <p:extLst>
       <p:ext uri="{BB962C8B-B14F-4D97-AF65-F5344CB8AC3E}">
-        <p14:creationId xmlns:p14="http://schemas.microsoft.com/office/powerpoint/2010/main" val="1629293654"/>
+        <p14:creationId xmlns:p14="http://schemas.microsoft.com/office/powerpoint/2010/main" val="842118724"/>
       </p:ext>
     </p:extLst>
   </p:cSld>
@@ -942,7 +956,612 @@
             <a:pPr rtl="0"/>
             <a:fld id="{DF61EA0F-A667-4B49-8422-0062BC55E249}" type="slidenum">
               <a:rPr lang="fr-FR" noProof="1" dirty="0" smtClean="0"/>
+              <a:t>11</a:t>
+            </a:fld>
+            <a:endParaRPr lang="fr-FR" noProof="1"/>
+          </a:p>
+        </p:txBody>
+      </p:sp>
+    </p:spTree>
+    <p:extLst>
+      <p:ext uri="{BB962C8B-B14F-4D97-AF65-F5344CB8AC3E}">
+        <p14:creationId xmlns:p14="http://schemas.microsoft.com/office/powerpoint/2010/main" val="1811226210"/>
+      </p:ext>
+    </p:extLst>
+  </p:cSld>
+  <p:clrMapOvr>
+    <a:masterClrMapping/>
+  </p:clrMapOvr>
+</p:notes>
+</file>
+
+<file path=ppt/notesSlides/notesSlide12.xml><?xml version="1.0" encoding="utf-8"?>
+<p:notes xmlns:a="http://schemas.openxmlformats.org/drawingml/2006/main" xmlns:r="http://schemas.openxmlformats.org/officeDocument/2006/relationships" xmlns:p="http://schemas.openxmlformats.org/presentationml/2006/main">
+  <p:cSld>
+    <p:spTree>
+      <p:nvGrpSpPr>
+        <p:cNvPr id="1" name=""/>
+        <p:cNvGrpSpPr/>
+        <p:nvPr/>
+      </p:nvGrpSpPr>
+      <p:grpSpPr>
+        <a:xfrm>
+          <a:off x="0" y="0"/>
+          <a:ext cx="0" cy="0"/>
+          <a:chOff x="0" y="0"/>
+          <a:chExt cx="0" cy="0"/>
+        </a:xfrm>
+      </p:grpSpPr>
+      <p:sp>
+        <p:nvSpPr>
+          <p:cNvPr id="2" name="Espace réservé de l'image des diapositives 1"/>
+          <p:cNvSpPr>
+            <a:spLocks noGrp="1" noRot="1" noChangeAspect="1"/>
+          </p:cNvSpPr>
+          <p:nvPr>
+            <p:ph type="sldImg"/>
+          </p:nvPr>
+        </p:nvSpPr>
+        <p:spPr/>
+      </p:sp>
+      <p:sp>
+        <p:nvSpPr>
+          <p:cNvPr id="3" name="Espace réservé des notes 2"/>
+          <p:cNvSpPr>
+            <a:spLocks noGrp="1"/>
+          </p:cNvSpPr>
+          <p:nvPr>
+            <p:ph type="body" idx="1"/>
+          </p:nvPr>
+        </p:nvSpPr>
+        <p:spPr/>
+        <p:txBody>
+          <a:bodyPr/>
+          <a:lstStyle/>
+          <a:p>
+            <a:endParaRPr lang="fr-FR" noProof="1"/>
+          </a:p>
+        </p:txBody>
+      </p:sp>
+      <p:sp>
+        <p:nvSpPr>
+          <p:cNvPr id="4" name="Espace réservé du numéro de diapositive 3"/>
+          <p:cNvSpPr>
+            <a:spLocks noGrp="1"/>
+          </p:cNvSpPr>
+          <p:nvPr>
+            <p:ph type="sldNum" sz="quarter" idx="5"/>
+          </p:nvPr>
+        </p:nvSpPr>
+        <p:spPr/>
+        <p:txBody>
+          <a:bodyPr/>
+          <a:lstStyle/>
+          <a:p>
+            <a:pPr rtl="0"/>
+            <a:fld id="{DF61EA0F-A667-4B49-8422-0062BC55E249}" type="slidenum">
+              <a:rPr lang="fr-FR" noProof="1" dirty="0" smtClean="0"/>
+              <a:t>12</a:t>
+            </a:fld>
+            <a:endParaRPr lang="fr-FR" noProof="1"/>
+          </a:p>
+        </p:txBody>
+      </p:sp>
+    </p:spTree>
+    <p:extLst>
+      <p:ext uri="{BB962C8B-B14F-4D97-AF65-F5344CB8AC3E}">
+        <p14:creationId xmlns:p14="http://schemas.microsoft.com/office/powerpoint/2010/main" val="719562801"/>
+      </p:ext>
+    </p:extLst>
+  </p:cSld>
+  <p:clrMapOvr>
+    <a:masterClrMapping/>
+  </p:clrMapOvr>
+</p:notes>
+</file>
+
+<file path=ppt/notesSlides/notesSlide13.xml><?xml version="1.0" encoding="utf-8"?>
+<p:notes xmlns:a="http://schemas.openxmlformats.org/drawingml/2006/main" xmlns:r="http://schemas.openxmlformats.org/officeDocument/2006/relationships" xmlns:p="http://schemas.openxmlformats.org/presentationml/2006/main">
+  <p:cSld>
+    <p:spTree>
+      <p:nvGrpSpPr>
+        <p:cNvPr id="1" name=""/>
+        <p:cNvGrpSpPr/>
+        <p:nvPr/>
+      </p:nvGrpSpPr>
+      <p:grpSpPr>
+        <a:xfrm>
+          <a:off x="0" y="0"/>
+          <a:ext cx="0" cy="0"/>
+          <a:chOff x="0" y="0"/>
+          <a:chExt cx="0" cy="0"/>
+        </a:xfrm>
+      </p:grpSpPr>
+      <p:sp>
+        <p:nvSpPr>
+          <p:cNvPr id="2" name="Espace réservé de l'image des diapositives 1"/>
+          <p:cNvSpPr>
+            <a:spLocks noGrp="1" noRot="1" noChangeAspect="1"/>
+          </p:cNvSpPr>
+          <p:nvPr>
+            <p:ph type="sldImg"/>
+          </p:nvPr>
+        </p:nvSpPr>
+        <p:spPr/>
+      </p:sp>
+      <p:sp>
+        <p:nvSpPr>
+          <p:cNvPr id="3" name="Espace réservé des notes 2"/>
+          <p:cNvSpPr>
+            <a:spLocks noGrp="1"/>
+          </p:cNvSpPr>
+          <p:nvPr>
+            <p:ph type="body" idx="1"/>
+          </p:nvPr>
+        </p:nvSpPr>
+        <p:spPr/>
+        <p:txBody>
+          <a:bodyPr/>
+          <a:lstStyle/>
+          <a:p>
+            <a:r>
+              <a:rPr lang="fr-FR" dirty="0"/>
+              <a:t>Aucun parti pris pour cette présentation </a:t>
+            </a:r>
+            <a:r>
+              <a:rPr lang="fr-FR" dirty="0">
+                <a:sym typeface="Wingdings" panose="05000000000000000000" pitchFamily="2" charset="2"/>
+              </a:rPr>
+              <a:t></a:t>
+            </a:r>
+            <a:endParaRPr lang="fr-FR" dirty="0"/>
+          </a:p>
+        </p:txBody>
+      </p:sp>
+      <p:sp>
+        <p:nvSpPr>
+          <p:cNvPr id="4" name="Espace réservé du numéro de diapositive 3"/>
+          <p:cNvSpPr>
+            <a:spLocks noGrp="1"/>
+          </p:cNvSpPr>
+          <p:nvPr>
+            <p:ph type="sldNum" sz="quarter" idx="5"/>
+          </p:nvPr>
+        </p:nvSpPr>
+        <p:spPr/>
+        <p:txBody>
+          <a:bodyPr/>
+          <a:lstStyle/>
+          <a:p>
+            <a:pPr rtl="0"/>
+            <a:fld id="{DF61EA0F-A667-4B49-8422-0062BC55E249}" type="slidenum">
+              <a:rPr lang="fr-FR" noProof="1" smtClean="0"/>
+              <a:t>13</a:t>
+            </a:fld>
+            <a:endParaRPr lang="fr-FR" noProof="1"/>
+          </a:p>
+        </p:txBody>
+      </p:sp>
+    </p:spTree>
+    <p:extLst>
+      <p:ext uri="{BB962C8B-B14F-4D97-AF65-F5344CB8AC3E}">
+        <p14:creationId xmlns:p14="http://schemas.microsoft.com/office/powerpoint/2010/main" val="2465654876"/>
+      </p:ext>
+    </p:extLst>
+  </p:cSld>
+  <p:clrMapOvr>
+    <a:masterClrMapping/>
+  </p:clrMapOvr>
+</p:notes>
+</file>
+
+<file path=ppt/notesSlides/notesSlide14.xml><?xml version="1.0" encoding="utf-8"?>
+<p:notes xmlns:a="http://schemas.openxmlformats.org/drawingml/2006/main" xmlns:r="http://schemas.openxmlformats.org/officeDocument/2006/relationships" xmlns:p="http://schemas.openxmlformats.org/presentationml/2006/main">
+  <p:cSld>
+    <p:spTree>
+      <p:nvGrpSpPr>
+        <p:cNvPr id="1" name=""/>
+        <p:cNvGrpSpPr/>
+        <p:nvPr/>
+      </p:nvGrpSpPr>
+      <p:grpSpPr>
+        <a:xfrm>
+          <a:off x="0" y="0"/>
+          <a:ext cx="0" cy="0"/>
+          <a:chOff x="0" y="0"/>
+          <a:chExt cx="0" cy="0"/>
+        </a:xfrm>
+      </p:grpSpPr>
+      <p:sp>
+        <p:nvSpPr>
+          <p:cNvPr id="2" name="Espace réservé de l'image des diapositives 1"/>
+          <p:cNvSpPr>
+            <a:spLocks noGrp="1" noRot="1" noChangeAspect="1"/>
+          </p:cNvSpPr>
+          <p:nvPr>
+            <p:ph type="sldImg"/>
+          </p:nvPr>
+        </p:nvSpPr>
+        <p:spPr/>
+      </p:sp>
+      <p:sp>
+        <p:nvSpPr>
+          <p:cNvPr id="3" name="Espace réservé des notes 2"/>
+          <p:cNvSpPr>
+            <a:spLocks noGrp="1"/>
+          </p:cNvSpPr>
+          <p:nvPr>
+            <p:ph type="body" idx="1"/>
+          </p:nvPr>
+        </p:nvSpPr>
+        <p:spPr/>
+        <p:txBody>
+          <a:bodyPr/>
+          <a:lstStyle/>
+          <a:p>
+            <a:endParaRPr lang="fr-FR" noProof="1"/>
+          </a:p>
+        </p:txBody>
+      </p:sp>
+      <p:sp>
+        <p:nvSpPr>
+          <p:cNvPr id="4" name="Espace réservé du numéro de diapositive 3"/>
+          <p:cNvSpPr>
+            <a:spLocks noGrp="1"/>
+          </p:cNvSpPr>
+          <p:nvPr>
+            <p:ph type="sldNum" sz="quarter" idx="5"/>
+          </p:nvPr>
+        </p:nvSpPr>
+        <p:spPr/>
+        <p:txBody>
+          <a:bodyPr/>
+          <a:lstStyle/>
+          <a:p>
+            <a:pPr rtl="0"/>
+            <a:fld id="{DF61EA0F-A667-4B49-8422-0062BC55E249}" type="slidenum">
+              <a:rPr lang="fr-FR" noProof="1" dirty="0" smtClean="0"/>
               <a:t>15</a:t>
+            </a:fld>
+            <a:endParaRPr lang="fr-FR" noProof="1"/>
+          </a:p>
+        </p:txBody>
+      </p:sp>
+    </p:spTree>
+    <p:extLst>
+      <p:ext uri="{BB962C8B-B14F-4D97-AF65-F5344CB8AC3E}">
+        <p14:creationId xmlns:p14="http://schemas.microsoft.com/office/powerpoint/2010/main" val="1181173564"/>
+      </p:ext>
+    </p:extLst>
+  </p:cSld>
+  <p:clrMapOvr>
+    <a:masterClrMapping/>
+  </p:clrMapOvr>
+</p:notes>
+</file>
+
+<file path=ppt/notesSlides/notesSlide15.xml><?xml version="1.0" encoding="utf-8"?>
+<p:notes xmlns:a="http://schemas.openxmlformats.org/drawingml/2006/main" xmlns:r="http://schemas.openxmlformats.org/officeDocument/2006/relationships" xmlns:p="http://schemas.openxmlformats.org/presentationml/2006/main">
+  <p:cSld>
+    <p:spTree>
+      <p:nvGrpSpPr>
+        <p:cNvPr id="1" name=""/>
+        <p:cNvGrpSpPr/>
+        <p:nvPr/>
+      </p:nvGrpSpPr>
+      <p:grpSpPr>
+        <a:xfrm>
+          <a:off x="0" y="0"/>
+          <a:ext cx="0" cy="0"/>
+          <a:chOff x="0" y="0"/>
+          <a:chExt cx="0" cy="0"/>
+        </a:xfrm>
+      </p:grpSpPr>
+      <p:sp>
+        <p:nvSpPr>
+          <p:cNvPr id="2" name="Espace réservé de l'image des diapositives 1"/>
+          <p:cNvSpPr>
+            <a:spLocks noGrp="1" noRot="1" noChangeAspect="1"/>
+          </p:cNvSpPr>
+          <p:nvPr>
+            <p:ph type="sldImg"/>
+          </p:nvPr>
+        </p:nvSpPr>
+        <p:spPr/>
+      </p:sp>
+      <p:sp>
+        <p:nvSpPr>
+          <p:cNvPr id="3" name="Espace réservé des notes 2"/>
+          <p:cNvSpPr>
+            <a:spLocks noGrp="1"/>
+          </p:cNvSpPr>
+          <p:nvPr>
+            <p:ph type="body" idx="1"/>
+          </p:nvPr>
+        </p:nvSpPr>
+        <p:spPr/>
+        <p:txBody>
+          <a:bodyPr/>
+          <a:lstStyle/>
+          <a:p>
+            <a:endParaRPr lang="fr-FR" noProof="1"/>
+          </a:p>
+        </p:txBody>
+      </p:sp>
+      <p:sp>
+        <p:nvSpPr>
+          <p:cNvPr id="4" name="Espace réservé du numéro de diapositive 3"/>
+          <p:cNvSpPr>
+            <a:spLocks noGrp="1"/>
+          </p:cNvSpPr>
+          <p:nvPr>
+            <p:ph type="sldNum" sz="quarter" idx="5"/>
+          </p:nvPr>
+        </p:nvSpPr>
+        <p:spPr/>
+        <p:txBody>
+          <a:bodyPr/>
+          <a:lstStyle/>
+          <a:p>
+            <a:pPr rtl="0"/>
+            <a:fld id="{DF61EA0F-A667-4B49-8422-0062BC55E249}" type="slidenum">
+              <a:rPr lang="fr-FR" noProof="1" dirty="0" smtClean="0"/>
+              <a:t>17</a:t>
+            </a:fld>
+            <a:endParaRPr lang="fr-FR" noProof="1"/>
+          </a:p>
+        </p:txBody>
+      </p:sp>
+    </p:spTree>
+    <p:extLst>
+      <p:ext uri="{BB962C8B-B14F-4D97-AF65-F5344CB8AC3E}">
+        <p14:creationId xmlns:p14="http://schemas.microsoft.com/office/powerpoint/2010/main" val="835732994"/>
+      </p:ext>
+    </p:extLst>
+  </p:cSld>
+  <p:clrMapOvr>
+    <a:masterClrMapping/>
+  </p:clrMapOvr>
+</p:notes>
+</file>
+
+<file path=ppt/notesSlides/notesSlide16.xml><?xml version="1.0" encoding="utf-8"?>
+<p:notes xmlns:a="http://schemas.openxmlformats.org/drawingml/2006/main" xmlns:r="http://schemas.openxmlformats.org/officeDocument/2006/relationships" xmlns:p="http://schemas.openxmlformats.org/presentationml/2006/main">
+  <p:cSld>
+    <p:spTree>
+      <p:nvGrpSpPr>
+        <p:cNvPr id="1" name=""/>
+        <p:cNvGrpSpPr/>
+        <p:nvPr/>
+      </p:nvGrpSpPr>
+      <p:grpSpPr>
+        <a:xfrm>
+          <a:off x="0" y="0"/>
+          <a:ext cx="0" cy="0"/>
+          <a:chOff x="0" y="0"/>
+          <a:chExt cx="0" cy="0"/>
+        </a:xfrm>
+      </p:grpSpPr>
+      <p:sp>
+        <p:nvSpPr>
+          <p:cNvPr id="2" name="Espace réservé de l'image des diapositives 1"/>
+          <p:cNvSpPr>
+            <a:spLocks noGrp="1" noRot="1" noChangeAspect="1"/>
+          </p:cNvSpPr>
+          <p:nvPr>
+            <p:ph type="sldImg"/>
+          </p:nvPr>
+        </p:nvSpPr>
+        <p:spPr/>
+      </p:sp>
+      <p:sp>
+        <p:nvSpPr>
+          <p:cNvPr id="3" name="Espace réservé des notes 2"/>
+          <p:cNvSpPr>
+            <a:spLocks noGrp="1"/>
+          </p:cNvSpPr>
+          <p:nvPr>
+            <p:ph type="body" idx="1"/>
+          </p:nvPr>
+        </p:nvSpPr>
+        <p:spPr/>
+        <p:txBody>
+          <a:bodyPr/>
+          <a:lstStyle/>
+          <a:p>
+            <a:endParaRPr lang="fr-FR" noProof="1"/>
+          </a:p>
+        </p:txBody>
+      </p:sp>
+      <p:sp>
+        <p:nvSpPr>
+          <p:cNvPr id="4" name="Espace réservé du numéro de diapositive 3"/>
+          <p:cNvSpPr>
+            <a:spLocks noGrp="1"/>
+          </p:cNvSpPr>
+          <p:nvPr>
+            <p:ph type="sldNum" sz="quarter" idx="5"/>
+          </p:nvPr>
+        </p:nvSpPr>
+        <p:spPr/>
+        <p:txBody>
+          <a:bodyPr/>
+          <a:lstStyle/>
+          <a:p>
+            <a:pPr rtl="0"/>
+            <a:fld id="{DF61EA0F-A667-4B49-8422-0062BC55E249}" type="slidenum">
+              <a:rPr lang="fr-FR" noProof="1" dirty="0" smtClean="0"/>
+              <a:t>19</a:t>
+            </a:fld>
+            <a:endParaRPr lang="fr-FR" noProof="1"/>
+          </a:p>
+        </p:txBody>
+      </p:sp>
+    </p:spTree>
+    <p:extLst>
+      <p:ext uri="{BB962C8B-B14F-4D97-AF65-F5344CB8AC3E}">
+        <p14:creationId xmlns:p14="http://schemas.microsoft.com/office/powerpoint/2010/main" val="360691674"/>
+      </p:ext>
+    </p:extLst>
+  </p:cSld>
+  <p:clrMapOvr>
+    <a:masterClrMapping/>
+  </p:clrMapOvr>
+</p:notes>
+</file>
+
+<file path=ppt/notesSlides/notesSlide17.xml><?xml version="1.0" encoding="utf-8"?>
+<p:notes xmlns:a="http://schemas.openxmlformats.org/drawingml/2006/main" xmlns:r="http://schemas.openxmlformats.org/officeDocument/2006/relationships" xmlns:p="http://schemas.openxmlformats.org/presentationml/2006/main">
+  <p:cSld>
+    <p:spTree>
+      <p:nvGrpSpPr>
+        <p:cNvPr id="1" name=""/>
+        <p:cNvGrpSpPr/>
+        <p:nvPr/>
+      </p:nvGrpSpPr>
+      <p:grpSpPr>
+        <a:xfrm>
+          <a:off x="0" y="0"/>
+          <a:ext cx="0" cy="0"/>
+          <a:chOff x="0" y="0"/>
+          <a:chExt cx="0" cy="0"/>
+        </a:xfrm>
+      </p:grpSpPr>
+      <p:sp>
+        <p:nvSpPr>
+          <p:cNvPr id="2" name="Espace réservé de l'image des diapositives 1"/>
+          <p:cNvSpPr>
+            <a:spLocks noGrp="1" noRot="1" noChangeAspect="1"/>
+          </p:cNvSpPr>
+          <p:nvPr>
+            <p:ph type="sldImg"/>
+          </p:nvPr>
+        </p:nvSpPr>
+        <p:spPr/>
+      </p:sp>
+      <p:sp>
+        <p:nvSpPr>
+          <p:cNvPr id="3" name="Espace réservé des notes 2"/>
+          <p:cNvSpPr>
+            <a:spLocks noGrp="1"/>
+          </p:cNvSpPr>
+          <p:nvPr>
+            <p:ph type="body" idx="1"/>
+          </p:nvPr>
+        </p:nvSpPr>
+        <p:spPr/>
+        <p:txBody>
+          <a:bodyPr/>
+          <a:lstStyle/>
+          <a:p>
+            <a:endParaRPr lang="fr-FR" noProof="1"/>
+          </a:p>
+        </p:txBody>
+      </p:sp>
+      <p:sp>
+        <p:nvSpPr>
+          <p:cNvPr id="4" name="Espace réservé du numéro de diapositive 3"/>
+          <p:cNvSpPr>
+            <a:spLocks noGrp="1"/>
+          </p:cNvSpPr>
+          <p:nvPr>
+            <p:ph type="sldNum" sz="quarter" idx="5"/>
+          </p:nvPr>
+        </p:nvSpPr>
+        <p:spPr/>
+        <p:txBody>
+          <a:bodyPr/>
+          <a:lstStyle/>
+          <a:p>
+            <a:pPr rtl="0"/>
+            <a:fld id="{DF61EA0F-A667-4B49-8422-0062BC55E249}" type="slidenum">
+              <a:rPr lang="fr-FR" noProof="1" dirty="0" smtClean="0"/>
+              <a:t>21</a:t>
+            </a:fld>
+            <a:endParaRPr lang="fr-FR" noProof="1"/>
+          </a:p>
+        </p:txBody>
+      </p:sp>
+    </p:spTree>
+    <p:extLst>
+      <p:ext uri="{BB962C8B-B14F-4D97-AF65-F5344CB8AC3E}">
+        <p14:creationId xmlns:p14="http://schemas.microsoft.com/office/powerpoint/2010/main" val="1629293654"/>
+      </p:ext>
+    </p:extLst>
+  </p:cSld>
+  <p:clrMapOvr>
+    <a:masterClrMapping/>
+  </p:clrMapOvr>
+</p:notes>
+</file>
+
+<file path=ppt/notesSlides/notesSlide18.xml><?xml version="1.0" encoding="utf-8"?>
+<p:notes xmlns:a="http://schemas.openxmlformats.org/drawingml/2006/main" xmlns:r="http://schemas.openxmlformats.org/officeDocument/2006/relationships" xmlns:p="http://schemas.openxmlformats.org/presentationml/2006/main">
+  <p:cSld>
+    <p:spTree>
+      <p:nvGrpSpPr>
+        <p:cNvPr id="1" name=""/>
+        <p:cNvGrpSpPr/>
+        <p:nvPr/>
+      </p:nvGrpSpPr>
+      <p:grpSpPr>
+        <a:xfrm>
+          <a:off x="0" y="0"/>
+          <a:ext cx="0" cy="0"/>
+          <a:chOff x="0" y="0"/>
+          <a:chExt cx="0" cy="0"/>
+        </a:xfrm>
+      </p:grpSpPr>
+      <p:sp>
+        <p:nvSpPr>
+          <p:cNvPr id="2" name="Espace réservé de l'image des diapositives 1"/>
+          <p:cNvSpPr>
+            <a:spLocks noGrp="1" noRot="1" noChangeAspect="1"/>
+          </p:cNvSpPr>
+          <p:nvPr>
+            <p:ph type="sldImg"/>
+          </p:nvPr>
+        </p:nvSpPr>
+        <p:spPr/>
+      </p:sp>
+      <p:sp>
+        <p:nvSpPr>
+          <p:cNvPr id="3" name="Espace réservé des notes 2"/>
+          <p:cNvSpPr>
+            <a:spLocks noGrp="1"/>
+          </p:cNvSpPr>
+          <p:nvPr>
+            <p:ph type="body" idx="1"/>
+          </p:nvPr>
+        </p:nvSpPr>
+        <p:spPr/>
+        <p:txBody>
+          <a:bodyPr/>
+          <a:lstStyle/>
+          <a:p>
+            <a:endParaRPr lang="fr-FR" noProof="1"/>
+          </a:p>
+        </p:txBody>
+      </p:sp>
+      <p:sp>
+        <p:nvSpPr>
+          <p:cNvPr id="4" name="Espace réservé du numéro de diapositive 3"/>
+          <p:cNvSpPr>
+            <a:spLocks noGrp="1"/>
+          </p:cNvSpPr>
+          <p:nvPr>
+            <p:ph type="sldNum" sz="quarter" idx="5"/>
+          </p:nvPr>
+        </p:nvSpPr>
+        <p:spPr/>
+        <p:txBody>
+          <a:bodyPr/>
+          <a:lstStyle/>
+          <a:p>
+            <a:pPr rtl="0"/>
+            <a:fld id="{DF61EA0F-A667-4B49-8422-0062BC55E249}" type="slidenum">
+              <a:rPr lang="fr-FR" noProof="1" dirty="0" smtClean="0"/>
+              <a:t>22</a:t>
             </a:fld>
             <a:endParaRPr lang="fr-FR" noProof="1"/>
           </a:p>
@@ -1260,7 +1879,18 @@
           <a:bodyPr/>
           <a:lstStyle/>
           <a:p>
-            <a:endParaRPr lang="fr-FR" dirty="0"/>
+            <a:r>
+              <a:rPr lang="fr-FR" dirty="0"/>
+              <a:t>Web plus élégant que de parler de </a:t>
+            </a:r>
+            <a:r>
+              <a:rPr lang="fr-FR" dirty="0" err="1"/>
+              <a:t>protocol</a:t>
+            </a:r>
+            <a:r>
+              <a:rPr lang="fr-FR" dirty="0"/>
+              <a:t> HTTP dans différents types de réseau : internet, intranet, extranet</a:t>
+            </a:r>
           </a:p>
         </p:txBody>
       </p:sp>
@@ -1345,17 +1975,7 @@
           <a:bodyPr/>
           <a:lstStyle/>
           <a:p>
-            <a:r>
-              <a:rPr lang="fr-FR" dirty="0"/>
-              <a:t>Aucun parti pris pour cette présentation </a:t>
-            </a:r>
-            <a:r>
-              <a:rPr lang="fr-FR" dirty="0">
-                <a:sym typeface="Wingdings" panose="05000000000000000000" pitchFamily="2" charset="2"/>
-              </a:rPr>
-              <a:t></a:t>
-            </a:r>
-            <a:endParaRPr lang="fr-FR" dirty="0"/>
+            <a:endParaRPr lang="fr-FR" noProof="1"/>
           </a:p>
         </p:txBody>
       </p:sp>
@@ -1376,7 +1996,7 @@
           <a:p>
             <a:pPr rtl="0"/>
             <a:fld id="{DF61EA0F-A667-4B49-8422-0062BC55E249}" type="slidenum">
-              <a:rPr lang="fr-FR" noProof="1" smtClean="0"/>
+              <a:rPr lang="fr-FR" noProof="1" dirty="0" smtClean="0"/>
               <a:t>6</a:t>
             </a:fld>
             <a:endParaRPr lang="fr-FR" noProof="1"/>
@@ -1386,7 +2006,7 @@
     </p:spTree>
     <p:extLst>
       <p:ext uri="{BB962C8B-B14F-4D97-AF65-F5344CB8AC3E}">
-        <p14:creationId xmlns:p14="http://schemas.microsoft.com/office/powerpoint/2010/main" val="2465654876"/>
+        <p14:creationId xmlns:p14="http://schemas.microsoft.com/office/powerpoint/2010/main" val="3527050388"/>
       </p:ext>
     </p:extLst>
   </p:cSld>
@@ -1462,7 +2082,7 @@
             <a:pPr rtl="0"/>
             <a:fld id="{DF61EA0F-A667-4B49-8422-0062BC55E249}" type="slidenum">
               <a:rPr lang="fr-FR" noProof="1" dirty="0" smtClean="0"/>
-              <a:t>8</a:t>
+              <a:t>7</a:t>
             </a:fld>
             <a:endParaRPr lang="fr-FR" noProof="1"/>
           </a:p>
@@ -1471,7 +2091,7 @@
     </p:spTree>
     <p:extLst>
       <p:ext uri="{BB962C8B-B14F-4D97-AF65-F5344CB8AC3E}">
-        <p14:creationId xmlns:p14="http://schemas.microsoft.com/office/powerpoint/2010/main" val="1181173564"/>
+        <p14:creationId xmlns:p14="http://schemas.microsoft.com/office/powerpoint/2010/main" val="3512507246"/>
       </p:ext>
     </p:extLst>
   </p:cSld>
@@ -1547,7 +2167,7 @@
             <a:pPr rtl="0"/>
             <a:fld id="{DF61EA0F-A667-4B49-8422-0062BC55E249}" type="slidenum">
               <a:rPr lang="fr-FR" noProof="1" dirty="0" smtClean="0"/>
-              <a:t>10</a:t>
+              <a:t>8</a:t>
             </a:fld>
             <a:endParaRPr lang="fr-FR" noProof="1"/>
           </a:p>
@@ -1556,7 +2176,7 @@
     </p:spTree>
     <p:extLst>
       <p:ext uri="{BB962C8B-B14F-4D97-AF65-F5344CB8AC3E}">
-        <p14:creationId xmlns:p14="http://schemas.microsoft.com/office/powerpoint/2010/main" val="835732994"/>
+        <p14:creationId xmlns:p14="http://schemas.microsoft.com/office/powerpoint/2010/main" val="2703829539"/>
       </p:ext>
     </p:extLst>
   </p:cSld>
@@ -1632,7 +2252,7 @@
             <a:pPr rtl="0"/>
             <a:fld id="{DF61EA0F-A667-4B49-8422-0062BC55E249}" type="slidenum">
               <a:rPr lang="fr-FR" noProof="1" dirty="0" smtClean="0"/>
-              <a:t>12</a:t>
+              <a:t>9</a:t>
             </a:fld>
             <a:endParaRPr lang="fr-FR" noProof="1"/>
           </a:p>
@@ -1641,7 +2261,7 @@
     </p:spTree>
     <p:extLst>
       <p:ext uri="{BB962C8B-B14F-4D97-AF65-F5344CB8AC3E}">
-        <p14:creationId xmlns:p14="http://schemas.microsoft.com/office/powerpoint/2010/main" val="360691674"/>
+        <p14:creationId xmlns:p14="http://schemas.microsoft.com/office/powerpoint/2010/main" val="3336388612"/>
       </p:ext>
     </p:extLst>
   </p:cSld>
@@ -1799,7 +2419,7 @@
             <a:pPr rtl="0"/>
             <a:fld id="{802CD4F2-526B-4131-B91B-856C46007FC5}" type="datetime1">
               <a:rPr lang="fr-FR" noProof="0" smtClean="0"/>
-              <a:t>23/07/2023</a:t>
+              <a:t>27/11/2023</a:t>
             </a:fld>
             <a:endParaRPr lang="fr-FR" noProof="0"/>
           </a:p>
@@ -2002,7 +2622,7 @@
             <a:pPr rtl="0"/>
             <a:fld id="{802CD4F2-526B-4131-B91B-856C46007FC5}" type="datetime1">
               <a:rPr lang="fr-FR" noProof="0" smtClean="0"/>
-              <a:t>23/07/2023</a:t>
+              <a:t>27/11/2023</a:t>
             </a:fld>
             <a:endParaRPr lang="fr-FR" noProof="0"/>
           </a:p>
@@ -2215,7 +2835,7 @@
             <a:pPr rtl="0"/>
             <a:fld id="{802CD4F2-526B-4131-B91B-856C46007FC5}" type="datetime1">
               <a:rPr lang="fr-FR" noProof="0" smtClean="0"/>
-              <a:t>23/07/2023</a:t>
+              <a:t>27/11/2023</a:t>
             </a:fld>
             <a:endParaRPr lang="fr-FR" noProof="0"/>
           </a:p>
@@ -2730,7 +3350,7 @@
             <a:pPr rtl="0"/>
             <a:fld id="{7DF3CA4B-903E-431D-AF93-2AD02E04DE8A}" type="datetime1">
               <a:rPr lang="fr-FR" noProof="0" smtClean="0"/>
-              <a:t>23/07/2023</a:t>
+              <a:t>27/11/2023</a:t>
             </a:fld>
             <a:endParaRPr lang="fr-FR" noProof="0"/>
           </a:p>
@@ -3283,7 +3903,7 @@
             <a:pPr rtl="0"/>
             <a:fld id="{802CD4F2-526B-4131-B91B-856C46007FC5}" type="datetime1">
               <a:rPr lang="fr-FR" noProof="0" smtClean="0"/>
-              <a:t>23/07/2023</a:t>
+              <a:t>27/11/2023</a:t>
             </a:fld>
             <a:endParaRPr lang="fr-FR" noProof="0"/>
           </a:p>
@@ -3563,7 +4183,7 @@
             <a:pPr rtl="0"/>
             <a:fld id="{802CD4F2-526B-4131-B91B-856C46007FC5}" type="datetime1">
               <a:rPr lang="fr-FR" noProof="0" smtClean="0"/>
-              <a:t>23/07/2023</a:t>
+              <a:t>27/11/2023</a:t>
             </a:fld>
             <a:endParaRPr lang="fr-FR" noProof="0"/>
           </a:p>
@@ -3833,7 +4453,7 @@
             <a:pPr rtl="0"/>
             <a:fld id="{802CD4F2-526B-4131-B91B-856C46007FC5}" type="datetime1">
               <a:rPr lang="fr-FR" noProof="0" smtClean="0"/>
-              <a:t>23/07/2023</a:t>
+              <a:t>27/11/2023</a:t>
             </a:fld>
             <a:endParaRPr lang="fr-FR" noProof="0"/>
           </a:p>
@@ -4250,7 +4870,7 @@
             <a:pPr rtl="0"/>
             <a:fld id="{802CD4F2-526B-4131-B91B-856C46007FC5}" type="datetime1">
               <a:rPr lang="fr-FR" noProof="0" smtClean="0"/>
-              <a:t>23/07/2023</a:t>
+              <a:t>27/11/2023</a:t>
             </a:fld>
             <a:endParaRPr lang="fr-FR" noProof="0"/>
           </a:p>
@@ -4396,7 +5016,7 @@
             <a:pPr rtl="0"/>
             <a:fld id="{802CD4F2-526B-4131-B91B-856C46007FC5}" type="datetime1">
               <a:rPr lang="fr-FR" noProof="0" smtClean="0"/>
-              <a:t>23/07/2023</a:t>
+              <a:t>27/11/2023</a:t>
             </a:fld>
             <a:endParaRPr lang="fr-FR" noProof="0"/>
           </a:p>
@@ -4514,7 +5134,7 @@
             <a:pPr rtl="0"/>
             <a:fld id="{802CD4F2-526B-4131-B91B-856C46007FC5}" type="datetime1">
               <a:rPr lang="fr-FR" noProof="0" smtClean="0"/>
-              <a:t>23/07/2023</a:t>
+              <a:t>27/11/2023</a:t>
             </a:fld>
             <a:endParaRPr lang="fr-FR" noProof="0"/>
           </a:p>
@@ -4830,7 +5450,7 @@
             <a:pPr rtl="0"/>
             <a:fld id="{802CD4F2-526B-4131-B91B-856C46007FC5}" type="datetime1">
               <a:rPr lang="fr-FR" noProof="0" smtClean="0"/>
-              <a:t>23/07/2023</a:t>
+              <a:t>27/11/2023</a:t>
             </a:fld>
             <a:endParaRPr lang="fr-FR" noProof="0"/>
           </a:p>
@@ -5123,7 +5743,7 @@
             <a:pPr rtl="0"/>
             <a:fld id="{802CD4F2-526B-4131-B91B-856C46007FC5}" type="datetime1">
               <a:rPr lang="fr-FR" noProof="0" smtClean="0"/>
-              <a:t>23/07/2023</a:t>
+              <a:t>27/11/2023</a:t>
             </a:fld>
             <a:endParaRPr lang="fr-FR" noProof="0"/>
           </a:p>
@@ -5369,7 +5989,7 @@
             <a:pPr rtl="0"/>
             <a:fld id="{802CD4F2-526B-4131-B91B-856C46007FC5}" type="datetime1">
               <a:rPr lang="fr-FR" noProof="0" smtClean="0"/>
-              <a:t>23/07/2023</a:t>
+              <a:t>27/11/2023</a:t>
             </a:fld>
             <a:endParaRPr lang="fr-FR" noProof="0"/>
           </a:p>
@@ -6428,12 +7048,12 @@
         <p:spPr>
           <a:xfrm>
             <a:off x="521207" y="448056"/>
-            <a:ext cx="7783344" cy="640080"/>
+            <a:ext cx="9250322" cy="640080"/>
           </a:xfrm>
         </p:spPr>
         <p:txBody>
           <a:bodyPr rtlCol="0">
-            <a:normAutofit/>
+            <a:normAutofit fontScale="90000"/>
           </a:bodyPr>
           <a:lstStyle/>
           <a:p>
@@ -6443,17 +7063,239 @@
                 <a:latin typeface="Segoe UI Light" panose="020B0502040204020203" pitchFamily="34" charset="0"/>
                 <a:cs typeface="Segoe UI Light" panose="020B0502040204020203" pitchFamily="34" charset="0"/>
               </a:rPr>
-              <a:t>Log</a:t>
-            </a:r>
-          </a:p>
-        </p:txBody>
-      </p:sp>
-      <p:sp>
-        <p:nvSpPr>
-          <p:cNvPr id="7" name="ZoneTexte 6">
+              <a:t>Un exemple de traitement </a:t>
+            </a:r>
+            <a:r>
+              <a:rPr lang="fr-FR" noProof="1">
+                <a:solidFill>
+                  <a:srgbClr val="FF0000"/>
+                </a:solidFill>
+                <a:latin typeface="Segoe UI Light" panose="020B0502040204020203" pitchFamily="34" charset="0"/>
+                <a:cs typeface="Segoe UI Light" panose="020B0502040204020203" pitchFamily="34" charset="0"/>
+              </a:rPr>
+              <a:t>bloquant</a:t>
+            </a:r>
+            <a:r>
+              <a:rPr lang="fr-FR" noProof="1">
+                <a:latin typeface="Segoe UI Light" panose="020B0502040204020203" pitchFamily="34" charset="0"/>
+                <a:cs typeface="Segoe UI Light" panose="020B0502040204020203" pitchFamily="34" charset="0"/>
+              </a:rPr>
+              <a:t> pour comprendre les impacts</a:t>
+            </a:r>
+          </a:p>
+        </p:txBody>
+      </p:sp>
+      <p:pic>
+        <p:nvPicPr>
+          <p:cNvPr id="19" name="Image 18">
             <a:extLst>
               <a:ext uri="{FF2B5EF4-FFF2-40B4-BE49-F238E27FC236}">
-                <a16:creationId xmlns:a16="http://schemas.microsoft.com/office/drawing/2014/main" id="{1351B732-5CDD-4F7E-9691-AF0E2CE8CDA3}"/>
+                <a16:creationId xmlns:a16="http://schemas.microsoft.com/office/drawing/2014/main" id="{F0BB86AC-CB29-FDB1-DAE2-50B1E53D6BC9}"/>
+              </a:ext>
+            </a:extLst>
+          </p:cNvPr>
+          <p:cNvPicPr>
+            <a:picLocks noChangeAspect="1"/>
+          </p:cNvPicPr>
+          <p:nvPr/>
+        </p:nvPicPr>
+        <p:blipFill>
+          <a:blip r:embed="rId3"/>
+          <a:stretch>
+            <a:fillRect/>
+          </a:stretch>
+        </p:blipFill>
+        <p:spPr>
+          <a:xfrm>
+            <a:off x="6234959" y="3488949"/>
+            <a:ext cx="762000" cy="1352550"/>
+          </a:xfrm>
+          <a:prstGeom prst="rect">
+            <a:avLst/>
+          </a:prstGeom>
+          <a:ln w="19050">
+            <a:solidFill>
+              <a:srgbClr val="FF0000"/>
+            </a:solidFill>
+          </a:ln>
+        </p:spPr>
+      </p:pic>
+      <p:pic>
+        <p:nvPicPr>
+          <p:cNvPr id="20" name="Image 19">
+            <a:extLst>
+              <a:ext uri="{FF2B5EF4-FFF2-40B4-BE49-F238E27FC236}">
+                <a16:creationId xmlns:a16="http://schemas.microsoft.com/office/drawing/2014/main" id="{F7E20227-7FE3-779D-074A-358889E78C19}"/>
+              </a:ext>
+            </a:extLst>
+          </p:cNvPr>
+          <p:cNvPicPr>
+            <a:picLocks noChangeAspect="1"/>
+          </p:cNvPicPr>
+          <p:nvPr/>
+        </p:nvPicPr>
+        <p:blipFill>
+          <a:blip r:embed="rId3"/>
+          <a:stretch>
+            <a:fillRect/>
+          </a:stretch>
+        </p:blipFill>
+        <p:spPr>
+          <a:xfrm>
+            <a:off x="5422020" y="3488949"/>
+            <a:ext cx="762000" cy="1352550"/>
+          </a:xfrm>
+          <a:prstGeom prst="rect">
+            <a:avLst/>
+          </a:prstGeom>
+          <a:ln w="19050">
+            <a:solidFill>
+              <a:srgbClr val="FF0000"/>
+            </a:solidFill>
+          </a:ln>
+        </p:spPr>
+      </p:pic>
+      <p:pic>
+        <p:nvPicPr>
+          <p:cNvPr id="21" name="Image 20">
+            <a:extLst>
+              <a:ext uri="{FF2B5EF4-FFF2-40B4-BE49-F238E27FC236}">
+                <a16:creationId xmlns:a16="http://schemas.microsoft.com/office/drawing/2014/main" id="{CD679DD6-AA6B-5F55-79A5-9994A30B5BE2}"/>
+              </a:ext>
+            </a:extLst>
+          </p:cNvPr>
+          <p:cNvPicPr>
+            <a:picLocks noChangeAspect="1"/>
+          </p:cNvPicPr>
+          <p:nvPr/>
+        </p:nvPicPr>
+        <p:blipFill>
+          <a:blip r:embed="rId3"/>
+          <a:stretch>
+            <a:fillRect/>
+          </a:stretch>
+        </p:blipFill>
+        <p:spPr>
+          <a:xfrm>
+            <a:off x="3794960" y="3488949"/>
+            <a:ext cx="762000" cy="1352550"/>
+          </a:xfrm>
+          <a:prstGeom prst="rect">
+            <a:avLst/>
+          </a:prstGeom>
+          <a:ln w="19050">
+            <a:solidFill>
+              <a:srgbClr val="FF0000"/>
+            </a:solidFill>
+          </a:ln>
+        </p:spPr>
+      </p:pic>
+      <p:pic>
+        <p:nvPicPr>
+          <p:cNvPr id="22" name="Image 21">
+            <a:extLst>
+              <a:ext uri="{FF2B5EF4-FFF2-40B4-BE49-F238E27FC236}">
+                <a16:creationId xmlns:a16="http://schemas.microsoft.com/office/drawing/2014/main" id="{AFCB0AF9-7736-0460-D33E-B11D842D90BA}"/>
+              </a:ext>
+            </a:extLst>
+          </p:cNvPr>
+          <p:cNvPicPr>
+            <a:picLocks noChangeAspect="1"/>
+          </p:cNvPicPr>
+          <p:nvPr/>
+        </p:nvPicPr>
+        <p:blipFill>
+          <a:blip r:embed="rId3"/>
+          <a:stretch>
+            <a:fillRect/>
+          </a:stretch>
+        </p:blipFill>
+        <p:spPr>
+          <a:xfrm>
+            <a:off x="4608490" y="3488949"/>
+            <a:ext cx="762000" cy="1352550"/>
+          </a:xfrm>
+          <a:prstGeom prst="rect">
+            <a:avLst/>
+          </a:prstGeom>
+          <a:ln w="19050">
+            <a:solidFill>
+              <a:srgbClr val="FF0000"/>
+            </a:solidFill>
+          </a:ln>
+        </p:spPr>
+      </p:pic>
+      <p:pic>
+        <p:nvPicPr>
+          <p:cNvPr id="23" name="Image 22">
+            <a:extLst>
+              <a:ext uri="{FF2B5EF4-FFF2-40B4-BE49-F238E27FC236}">
+                <a16:creationId xmlns:a16="http://schemas.microsoft.com/office/drawing/2014/main" id="{41201704-5168-A26A-D76A-A56932737AD8}"/>
+              </a:ext>
+            </a:extLst>
+          </p:cNvPr>
+          <p:cNvPicPr>
+            <a:picLocks noChangeAspect="1"/>
+          </p:cNvPicPr>
+          <p:nvPr/>
+        </p:nvPicPr>
+        <p:blipFill>
+          <a:blip r:embed="rId3"/>
+          <a:stretch>
+            <a:fillRect/>
+          </a:stretch>
+        </p:blipFill>
+        <p:spPr>
+          <a:xfrm>
+            <a:off x="7068672" y="3488949"/>
+            <a:ext cx="762000" cy="1352550"/>
+          </a:xfrm>
+          <a:prstGeom prst="rect">
+            <a:avLst/>
+          </a:prstGeom>
+          <a:ln w="19050">
+            <a:solidFill>
+              <a:srgbClr val="FF0000"/>
+            </a:solidFill>
+          </a:ln>
+        </p:spPr>
+      </p:pic>
+      <p:pic>
+        <p:nvPicPr>
+          <p:cNvPr id="5" name="Image 4" descr="Une image contenant texte, conception, intérieur, cuisine&#10;&#10;Description générée automatiquement">
+            <a:extLst>
+              <a:ext uri="{FF2B5EF4-FFF2-40B4-BE49-F238E27FC236}">
+                <a16:creationId xmlns:a16="http://schemas.microsoft.com/office/drawing/2014/main" id="{506861EA-9DBF-1B72-B789-F6F597656C48}"/>
+              </a:ext>
+            </a:extLst>
+          </p:cNvPr>
+          <p:cNvPicPr>
+            <a:picLocks noChangeAspect="1"/>
+          </p:cNvPicPr>
+          <p:nvPr/>
+        </p:nvPicPr>
+        <p:blipFill>
+          <a:blip r:embed="rId4"/>
+          <a:stretch>
+            <a:fillRect/>
+          </a:stretch>
+        </p:blipFill>
+        <p:spPr>
+          <a:xfrm>
+            <a:off x="4155701" y="1961588"/>
+            <a:ext cx="3190875" cy="1428750"/>
+          </a:xfrm>
+          <a:prstGeom prst="rect">
+            <a:avLst/>
+          </a:prstGeom>
+        </p:spPr>
+      </p:pic>
+      <p:sp>
+        <p:nvSpPr>
+          <p:cNvPr id="6" name="ZoneTexte 5">
+            <a:extLst>
+              <a:ext uri="{FF2B5EF4-FFF2-40B4-BE49-F238E27FC236}">
+                <a16:creationId xmlns:a16="http://schemas.microsoft.com/office/drawing/2014/main" id="{16E24724-8122-5F38-4DB6-5C1CB65A0630}"/>
               </a:ext>
             </a:extLst>
           </p:cNvPr>
@@ -6462,8 +7304,8 @@
         </p:nvSpPr>
         <p:spPr>
           <a:xfrm>
-            <a:off x="521206" y="1708681"/>
-            <a:ext cx="10338081" cy="369332"/>
+            <a:off x="1446206" y="5128369"/>
+            <a:ext cx="9069394" cy="584775"/>
           </a:xfrm>
           <a:prstGeom prst="rect">
             <a:avLst/>
@@ -6471,16 +7313,21 @@
           <a:noFill/>
         </p:spPr>
         <p:txBody>
-          <a:bodyPr wrap="square">
+          <a:bodyPr wrap="square" rtlCol="0">
             <a:spAutoFit/>
           </a:bodyPr>
           <a:lstStyle/>
           <a:p>
-            <a:r>
-              <a:rPr lang="fr-FR" dirty="0">
-                <a:sym typeface="Wingdings" panose="05000000000000000000" pitchFamily="2" charset="2"/>
-              </a:rPr>
-              <a:t>f</a:t>
+            <a:pPr algn="ctr"/>
+            <a:r>
+              <a:rPr lang="fr-FR" sz="3200" dirty="0">
+                <a:solidFill>
+                  <a:schemeClr val="accent2">
+                    <a:lumMod val="75000"/>
+                  </a:schemeClr>
+                </a:solidFill>
+              </a:rPr>
+              <a:t>Ne font rien d’autre que d’attendre que ce soit prêt !</a:t>
             </a:r>
           </a:p>
         </p:txBody>
@@ -6488,7 +7335,7 @@
     </p:spTree>
     <p:extLst>
       <p:ext uri="{BB962C8B-B14F-4D97-AF65-F5344CB8AC3E}">
-        <p14:creationId xmlns:p14="http://schemas.microsoft.com/office/powerpoint/2010/main" val="3037234062"/>
+        <p14:creationId xmlns:p14="http://schemas.microsoft.com/office/powerpoint/2010/main" val="3980274946"/>
       </p:ext>
     </p:extLst>
   </p:cSld>
@@ -6525,38 +7372,60 @@
       </p:grpSpPr>
       <p:sp>
         <p:nvSpPr>
-          <p:cNvPr id="2" name="Titre 1">
+          <p:cNvPr id="4" name="Titre 3"/>
+          <p:cNvSpPr>
+            <a:spLocks noGrp="1"/>
+          </p:cNvSpPr>
+          <p:nvPr>
+            <p:ph type="title"/>
+          </p:nvPr>
+        </p:nvSpPr>
+        <p:spPr>
+          <a:xfrm>
+            <a:off x="521207" y="448056"/>
+            <a:ext cx="9250322" cy="640080"/>
+          </a:xfrm>
+        </p:spPr>
+        <p:txBody>
+          <a:bodyPr rtlCol="0">
+            <a:normAutofit fontScale="90000"/>
+          </a:bodyPr>
+          <a:lstStyle/>
+          <a:p>
+            <a:pPr rtl="0"/>
+            <a:r>
+              <a:rPr lang="fr-FR" noProof="1">
+                <a:latin typeface="Segoe UI Light" panose="020B0502040204020203" pitchFamily="34" charset="0"/>
+                <a:cs typeface="Segoe UI Light" panose="020B0502040204020203" pitchFamily="34" charset="0"/>
+              </a:rPr>
+              <a:t>Un exemple de traitement </a:t>
+            </a:r>
+            <a:r>
+              <a:rPr lang="fr-FR" noProof="1">
+                <a:solidFill>
+                  <a:srgbClr val="FF0000"/>
+                </a:solidFill>
+                <a:latin typeface="Segoe UI Light" panose="020B0502040204020203" pitchFamily="34" charset="0"/>
+                <a:cs typeface="Segoe UI Light" panose="020B0502040204020203" pitchFamily="34" charset="0"/>
+              </a:rPr>
+              <a:t>bloquant</a:t>
+            </a:r>
+            <a:r>
+              <a:rPr lang="fr-FR" noProof="1">
+                <a:latin typeface="Segoe UI Light" panose="020B0502040204020203" pitchFamily="34" charset="0"/>
+                <a:cs typeface="Segoe UI Light" panose="020B0502040204020203" pitchFamily="34" charset="0"/>
+              </a:rPr>
+              <a:t> pour comprendre les impacts</a:t>
+            </a:r>
+          </a:p>
+        </p:txBody>
+      </p:sp>
+      <p:pic>
+        <p:nvPicPr>
+          <p:cNvPr id="3" name="Image 2">
             <a:extLst>
               <a:ext uri="{FF2B5EF4-FFF2-40B4-BE49-F238E27FC236}">
-                <a16:creationId xmlns:a16="http://schemas.microsoft.com/office/drawing/2014/main" id="{0C3CF6A7-E17D-4316-8AD8-CAC6DB3A712D}"/>
-              </a:ext>
-            </a:extLst>
-          </p:cNvPr>
-          <p:cNvSpPr>
-            <a:spLocks noGrp="1"/>
-          </p:cNvSpPr>
-          <p:nvPr>
-            <p:ph type="title"/>
-          </p:nvPr>
-        </p:nvSpPr>
-        <p:spPr/>
-        <p:txBody>
-          <a:bodyPr/>
-          <a:lstStyle/>
-          <a:p>
-            <a:r>
-              <a:rPr lang="fr-FR" dirty="0"/>
-              <a:t>Les différentes « stack » logicielles</a:t>
-            </a:r>
-          </a:p>
-        </p:txBody>
-      </p:sp>
-      <p:pic>
-        <p:nvPicPr>
-          <p:cNvPr id="4" name="Image 3" descr="Une image contenant livre, pile&#10;&#10;Description générée automatiquement">
-            <a:extLst>
-              <a:ext uri="{FF2B5EF4-FFF2-40B4-BE49-F238E27FC236}">
-                <a16:creationId xmlns:a16="http://schemas.microsoft.com/office/drawing/2014/main" id="{393D76C5-8733-F62C-2406-378FF6679C57}"/>
+                <a16:creationId xmlns:a16="http://schemas.microsoft.com/office/drawing/2014/main" id="{18AFB626-AA04-5390-A8D6-5025D125191B}"/>
               </a:ext>
             </a:extLst>
           </p:cNvPr>
@@ -6566,31 +7435,376 @@
           <p:nvPr/>
         </p:nvPicPr>
         <p:blipFill>
-          <a:blip r:embed="rId2"/>
+          <a:blip r:embed="rId3"/>
           <a:stretch>
             <a:fillRect/>
           </a:stretch>
         </p:blipFill>
         <p:spPr>
           <a:xfrm>
-            <a:off x="4290172" y="3093384"/>
-            <a:ext cx="2571750" cy="2571750"/>
+            <a:off x="1562660" y="2894199"/>
+            <a:ext cx="1428750" cy="1133475"/>
           </a:xfrm>
           <a:prstGeom prst="rect">
             <a:avLst/>
           </a:prstGeom>
         </p:spPr>
       </p:pic>
+      <p:pic>
+        <p:nvPicPr>
+          <p:cNvPr id="8" name="Image 7">
+            <a:extLst>
+              <a:ext uri="{FF2B5EF4-FFF2-40B4-BE49-F238E27FC236}">
+                <a16:creationId xmlns:a16="http://schemas.microsoft.com/office/drawing/2014/main" id="{B6EEAE5A-B455-8774-E9FE-38E25F89AE04}"/>
+              </a:ext>
+            </a:extLst>
+          </p:cNvPr>
+          <p:cNvPicPr>
+            <a:picLocks noChangeAspect="1"/>
+          </p:cNvPicPr>
+          <p:nvPr/>
+        </p:nvPicPr>
+        <p:blipFill>
+          <a:blip r:embed="rId3"/>
+          <a:stretch>
+            <a:fillRect/>
+          </a:stretch>
+        </p:blipFill>
+        <p:spPr>
+          <a:xfrm>
+            <a:off x="4969248" y="1558458"/>
+            <a:ext cx="1428750" cy="1133475"/>
+          </a:xfrm>
+          <a:prstGeom prst="rect">
+            <a:avLst/>
+          </a:prstGeom>
+        </p:spPr>
+      </p:pic>
+      <p:pic>
+        <p:nvPicPr>
+          <p:cNvPr id="11" name="Image 10">
+            <a:extLst>
+              <a:ext uri="{FF2B5EF4-FFF2-40B4-BE49-F238E27FC236}">
+                <a16:creationId xmlns:a16="http://schemas.microsoft.com/office/drawing/2014/main" id="{3DD419C8-4BAB-F5FD-4029-860675C42BF4}"/>
+              </a:ext>
+            </a:extLst>
+          </p:cNvPr>
+          <p:cNvPicPr>
+            <a:picLocks noChangeAspect="1"/>
+          </p:cNvPicPr>
+          <p:nvPr/>
+        </p:nvPicPr>
+        <p:blipFill>
+          <a:blip r:embed="rId3"/>
+          <a:stretch>
+            <a:fillRect/>
+          </a:stretch>
+        </p:blipFill>
+        <p:spPr>
+          <a:xfrm>
+            <a:off x="2618384" y="5268724"/>
+            <a:ext cx="1428750" cy="1133475"/>
+          </a:xfrm>
+          <a:prstGeom prst="rect">
+            <a:avLst/>
+          </a:prstGeom>
+        </p:spPr>
+      </p:pic>
+      <p:pic>
+        <p:nvPicPr>
+          <p:cNvPr id="13" name="Image 12">
+            <a:extLst>
+              <a:ext uri="{FF2B5EF4-FFF2-40B4-BE49-F238E27FC236}">
+                <a16:creationId xmlns:a16="http://schemas.microsoft.com/office/drawing/2014/main" id="{171D3050-640E-C0AB-1292-79F280D74150}"/>
+              </a:ext>
+            </a:extLst>
+          </p:cNvPr>
+          <p:cNvPicPr>
+            <a:picLocks noChangeAspect="1"/>
+          </p:cNvPicPr>
+          <p:nvPr/>
+        </p:nvPicPr>
+        <p:blipFill>
+          <a:blip r:embed="rId3"/>
+          <a:stretch>
+            <a:fillRect/>
+          </a:stretch>
+        </p:blipFill>
+        <p:spPr>
+          <a:xfrm>
+            <a:off x="6991910" y="5276469"/>
+            <a:ext cx="1428750" cy="1133475"/>
+          </a:xfrm>
+          <a:prstGeom prst="rect">
+            <a:avLst/>
+          </a:prstGeom>
+        </p:spPr>
+      </p:pic>
+      <p:pic>
+        <p:nvPicPr>
+          <p:cNvPr id="15" name="Image 14">
+            <a:extLst>
+              <a:ext uri="{FF2B5EF4-FFF2-40B4-BE49-F238E27FC236}">
+                <a16:creationId xmlns:a16="http://schemas.microsoft.com/office/drawing/2014/main" id="{CDE63868-561A-6CD4-A4D1-51C83BD8BAC4}"/>
+              </a:ext>
+            </a:extLst>
+          </p:cNvPr>
+          <p:cNvPicPr>
+            <a:picLocks noChangeAspect="1"/>
+          </p:cNvPicPr>
+          <p:nvPr/>
+        </p:nvPicPr>
+        <p:blipFill>
+          <a:blip r:embed="rId3"/>
+          <a:stretch>
+            <a:fillRect/>
+          </a:stretch>
+        </p:blipFill>
+        <p:spPr>
+          <a:xfrm>
+            <a:off x="8035178" y="3113274"/>
+            <a:ext cx="1428750" cy="1133475"/>
+          </a:xfrm>
+          <a:prstGeom prst="rect">
+            <a:avLst/>
+          </a:prstGeom>
+        </p:spPr>
+      </p:pic>
+      <p:pic>
+        <p:nvPicPr>
+          <p:cNvPr id="19" name="Image 18">
+            <a:extLst>
+              <a:ext uri="{FF2B5EF4-FFF2-40B4-BE49-F238E27FC236}">
+                <a16:creationId xmlns:a16="http://schemas.microsoft.com/office/drawing/2014/main" id="{F0BB86AC-CB29-FDB1-DAE2-50B1E53D6BC9}"/>
+              </a:ext>
+            </a:extLst>
+          </p:cNvPr>
+          <p:cNvPicPr>
+            <a:picLocks noChangeAspect="1"/>
+          </p:cNvPicPr>
+          <p:nvPr/>
+        </p:nvPicPr>
+        <p:blipFill>
+          <a:blip r:embed="rId4"/>
+          <a:stretch>
+            <a:fillRect/>
+          </a:stretch>
+        </p:blipFill>
+        <p:spPr>
+          <a:xfrm>
+            <a:off x="3142561" y="2639265"/>
+            <a:ext cx="762000" cy="1352550"/>
+          </a:xfrm>
+          <a:prstGeom prst="rect">
+            <a:avLst/>
+          </a:prstGeom>
+          <a:ln w="19050">
+            <a:solidFill>
+              <a:srgbClr val="FF0000"/>
+            </a:solidFill>
+          </a:ln>
+        </p:spPr>
+      </p:pic>
+      <p:pic>
+        <p:nvPicPr>
+          <p:cNvPr id="20" name="Image 19">
+            <a:extLst>
+              <a:ext uri="{FF2B5EF4-FFF2-40B4-BE49-F238E27FC236}">
+                <a16:creationId xmlns:a16="http://schemas.microsoft.com/office/drawing/2014/main" id="{F7E20227-7FE3-779D-074A-358889E78C19}"/>
+              </a:ext>
+            </a:extLst>
+          </p:cNvPr>
+          <p:cNvPicPr>
+            <a:picLocks noChangeAspect="1"/>
+          </p:cNvPicPr>
+          <p:nvPr/>
+        </p:nvPicPr>
+        <p:blipFill>
+          <a:blip r:embed="rId4"/>
+          <a:stretch>
+            <a:fillRect/>
+          </a:stretch>
+        </p:blipFill>
+        <p:spPr>
+          <a:xfrm>
+            <a:off x="6558803" y="1339383"/>
+            <a:ext cx="762000" cy="1352550"/>
+          </a:xfrm>
+          <a:prstGeom prst="rect">
+            <a:avLst/>
+          </a:prstGeom>
+          <a:ln w="19050">
+            <a:solidFill>
+              <a:srgbClr val="FF0000"/>
+            </a:solidFill>
+          </a:ln>
+        </p:spPr>
+      </p:pic>
+      <p:pic>
+        <p:nvPicPr>
+          <p:cNvPr id="21" name="Image 20">
+            <a:extLst>
+              <a:ext uri="{FF2B5EF4-FFF2-40B4-BE49-F238E27FC236}">
+                <a16:creationId xmlns:a16="http://schemas.microsoft.com/office/drawing/2014/main" id="{CD679DD6-AA6B-5F55-79A5-9994A30B5BE2}"/>
+              </a:ext>
+            </a:extLst>
+          </p:cNvPr>
+          <p:cNvPicPr>
+            <a:picLocks noChangeAspect="1"/>
+          </p:cNvPicPr>
+          <p:nvPr/>
+        </p:nvPicPr>
+        <p:blipFill>
+          <a:blip r:embed="rId4"/>
+          <a:stretch>
+            <a:fillRect/>
+          </a:stretch>
+        </p:blipFill>
+        <p:spPr>
+          <a:xfrm>
+            <a:off x="4112818" y="5049649"/>
+            <a:ext cx="762000" cy="1352550"/>
+          </a:xfrm>
+          <a:prstGeom prst="rect">
+            <a:avLst/>
+          </a:prstGeom>
+          <a:ln w="19050">
+            <a:solidFill>
+              <a:srgbClr val="FF0000"/>
+            </a:solidFill>
+          </a:ln>
+        </p:spPr>
+      </p:pic>
+      <p:pic>
+        <p:nvPicPr>
+          <p:cNvPr id="22" name="Image 21">
+            <a:extLst>
+              <a:ext uri="{FF2B5EF4-FFF2-40B4-BE49-F238E27FC236}">
+                <a16:creationId xmlns:a16="http://schemas.microsoft.com/office/drawing/2014/main" id="{AFCB0AF9-7736-0460-D33E-B11D842D90BA}"/>
+              </a:ext>
+            </a:extLst>
+          </p:cNvPr>
+          <p:cNvPicPr>
+            <a:picLocks noChangeAspect="1"/>
+          </p:cNvPicPr>
+          <p:nvPr/>
+        </p:nvPicPr>
+        <p:blipFill>
+          <a:blip r:embed="rId4"/>
+          <a:stretch>
+            <a:fillRect/>
+          </a:stretch>
+        </p:blipFill>
+        <p:spPr>
+          <a:xfrm>
+            <a:off x="8530349" y="5057394"/>
+            <a:ext cx="762000" cy="1352550"/>
+          </a:xfrm>
+          <a:prstGeom prst="rect">
+            <a:avLst/>
+          </a:prstGeom>
+          <a:ln w="19050">
+            <a:solidFill>
+              <a:srgbClr val="FF0000"/>
+            </a:solidFill>
+          </a:ln>
+        </p:spPr>
+      </p:pic>
+      <p:pic>
+        <p:nvPicPr>
+          <p:cNvPr id="23" name="Image 22">
+            <a:extLst>
+              <a:ext uri="{FF2B5EF4-FFF2-40B4-BE49-F238E27FC236}">
+                <a16:creationId xmlns:a16="http://schemas.microsoft.com/office/drawing/2014/main" id="{41201704-5168-A26A-D76A-A56932737AD8}"/>
+              </a:ext>
+            </a:extLst>
+          </p:cNvPr>
+          <p:cNvPicPr>
+            <a:picLocks noChangeAspect="1"/>
+          </p:cNvPicPr>
+          <p:nvPr/>
+        </p:nvPicPr>
+        <p:blipFill>
+          <a:blip r:embed="rId4"/>
+          <a:stretch>
+            <a:fillRect/>
+          </a:stretch>
+        </p:blipFill>
+        <p:spPr>
+          <a:xfrm>
+            <a:off x="9543361" y="2894199"/>
+            <a:ext cx="762000" cy="1352550"/>
+          </a:xfrm>
+          <a:prstGeom prst="rect">
+            <a:avLst/>
+          </a:prstGeom>
+          <a:ln w="19050">
+            <a:solidFill>
+              <a:srgbClr val="FF0000"/>
+            </a:solidFill>
+          </a:ln>
+        </p:spPr>
+      </p:pic>
+      <p:sp>
+        <p:nvSpPr>
+          <p:cNvPr id="2" name="ZoneTexte 1">
+            <a:extLst>
+              <a:ext uri="{FF2B5EF4-FFF2-40B4-BE49-F238E27FC236}">
+                <a16:creationId xmlns:a16="http://schemas.microsoft.com/office/drawing/2014/main" id="{E304B957-1F77-EF69-91E7-E9FEA2FF6EB3}"/>
+              </a:ext>
+            </a:extLst>
+          </p:cNvPr>
+          <p:cNvSpPr txBox="1"/>
+          <p:nvPr/>
+        </p:nvSpPr>
+        <p:spPr>
+          <a:xfrm>
+            <a:off x="4661647" y="2943180"/>
+            <a:ext cx="2868706" cy="2062103"/>
+          </a:xfrm>
+          <a:prstGeom prst="rect">
+            <a:avLst/>
+          </a:prstGeom>
+          <a:noFill/>
+        </p:spPr>
+        <p:txBody>
+          <a:bodyPr wrap="square" rtlCol="0">
+            <a:spAutoFit/>
+          </a:bodyPr>
+          <a:lstStyle/>
+          <a:p>
+            <a:pPr algn="ctr"/>
+            <a:r>
+              <a:rPr lang="fr-FR" sz="3200" dirty="0">
+                <a:solidFill>
+                  <a:schemeClr val="accent2">
+                    <a:lumMod val="75000"/>
+                  </a:schemeClr>
+                </a:solidFill>
+              </a:rPr>
+              <a:t>Apportent le repas puis partent servir d’autres clients</a:t>
+            </a:r>
+          </a:p>
+        </p:txBody>
+      </p:sp>
     </p:spTree>
     <p:extLst>
       <p:ext uri="{BB962C8B-B14F-4D97-AF65-F5344CB8AC3E}">
-        <p14:creationId xmlns:p14="http://schemas.microsoft.com/office/powerpoint/2010/main" val="1983228113"/>
+        <p14:creationId xmlns:p14="http://schemas.microsoft.com/office/powerpoint/2010/main" val="3597936113"/>
       </p:ext>
     </p:extLst>
   </p:cSld>
   <p:clrMapOvr>
     <a:masterClrMapping/>
   </p:clrMapOvr>
+  <mc:AlternateContent xmlns:mc="http://schemas.openxmlformats.org/markup-compatibility/2006" xmlns:p14="http://schemas.microsoft.com/office/powerpoint/2010/main">
+    <mc:Choice Requires="p14">
+      <p:transition p14:dur="10"/>
+    </mc:Choice>
+    <mc:Fallback xmlns="">
+      <p:transition/>
+    </mc:Fallback>
+  </mc:AlternateContent>
 </p:sld>
 </file>
 
@@ -6623,13 +7837,13 @@
         </p:nvSpPr>
         <p:spPr>
           <a:xfrm>
-            <a:off x="521207" y="448056"/>
-            <a:ext cx="7783344" cy="640080"/>
+            <a:off x="521206" y="448056"/>
+            <a:ext cx="9940605" cy="640080"/>
           </a:xfrm>
         </p:spPr>
         <p:txBody>
           <a:bodyPr rtlCol="0">
-            <a:normAutofit/>
+            <a:normAutofit fontScale="90000"/>
           </a:bodyPr>
           <a:lstStyle/>
           <a:p>
@@ -6639,942 +7853,34 @@
                 <a:latin typeface="Segoe UI Light" panose="020B0502040204020203" pitchFamily="34" charset="0"/>
                 <a:cs typeface="Segoe UI Light" panose="020B0502040204020203" pitchFamily="34" charset="0"/>
               </a:rPr>
-              <a:t>Log</a:t>
-            </a:r>
-          </a:p>
-        </p:txBody>
-      </p:sp>
-      <p:sp>
-        <p:nvSpPr>
-          <p:cNvPr id="7" name="ZoneTexte 6">
-            <a:extLst>
-              <a:ext uri="{FF2B5EF4-FFF2-40B4-BE49-F238E27FC236}">
-                <a16:creationId xmlns:a16="http://schemas.microsoft.com/office/drawing/2014/main" id="{1351B732-5CDD-4F7E-9691-AF0E2CE8CDA3}"/>
-              </a:ext>
-            </a:extLst>
-          </p:cNvPr>
-          <p:cNvSpPr txBox="1"/>
-          <p:nvPr/>
-        </p:nvSpPr>
-        <p:spPr>
-          <a:xfrm>
-            <a:off x="521206" y="1708681"/>
-            <a:ext cx="10338081" cy="369332"/>
-          </a:xfrm>
-          <a:prstGeom prst="rect">
-            <a:avLst/>
-          </a:prstGeom>
-          <a:noFill/>
-        </p:spPr>
-        <p:txBody>
-          <a:bodyPr wrap="square">
-            <a:spAutoFit/>
-          </a:bodyPr>
-          <a:lstStyle/>
-          <a:p>
-            <a:r>
-              <a:rPr lang="fr-FR" dirty="0">
-                <a:sym typeface="Wingdings" panose="05000000000000000000" pitchFamily="2" charset="2"/>
-              </a:rPr>
-              <a:t>f</a:t>
-            </a:r>
-          </a:p>
-        </p:txBody>
-      </p:sp>
-    </p:spTree>
-    <p:extLst>
-      <p:ext uri="{BB962C8B-B14F-4D97-AF65-F5344CB8AC3E}">
-        <p14:creationId xmlns:p14="http://schemas.microsoft.com/office/powerpoint/2010/main" val="2391648638"/>
-      </p:ext>
-    </p:extLst>
-  </p:cSld>
-  <p:clrMapOvr>
-    <a:masterClrMapping/>
-  </p:clrMapOvr>
-  <mc:AlternateContent xmlns:mc="http://schemas.openxmlformats.org/markup-compatibility/2006" xmlns:p14="http://schemas.microsoft.com/office/powerpoint/2010/main">
-    <mc:Choice Requires="p14">
-      <p:transition p14:dur="10"/>
-    </mc:Choice>
-    <mc:Fallback xmlns="">
-      <p:transition/>
-    </mc:Fallback>
-  </mc:AlternateContent>
-</p:sld>
-</file>
-
-<file path=ppt/slides/slide13.xml><?xml version="1.0" encoding="utf-8"?>
-<p:sld xmlns:a="http://schemas.openxmlformats.org/drawingml/2006/main" xmlns:r="http://schemas.openxmlformats.org/officeDocument/2006/relationships" xmlns:p="http://schemas.openxmlformats.org/presentationml/2006/main">
-  <p:cSld>
-    <p:spTree>
-      <p:nvGrpSpPr>
-        <p:cNvPr id="1" name=""/>
-        <p:cNvGrpSpPr/>
-        <p:nvPr/>
-      </p:nvGrpSpPr>
-      <p:grpSpPr>
-        <a:xfrm>
-          <a:off x="0" y="0"/>
-          <a:ext cx="0" cy="0"/>
-          <a:chOff x="0" y="0"/>
-          <a:chExt cx="0" cy="0"/>
-        </a:xfrm>
-      </p:grpSpPr>
-      <p:sp>
-        <p:nvSpPr>
-          <p:cNvPr id="2" name="Titre 1">
-            <a:extLst>
-              <a:ext uri="{FF2B5EF4-FFF2-40B4-BE49-F238E27FC236}">
-                <a16:creationId xmlns:a16="http://schemas.microsoft.com/office/drawing/2014/main" id="{0C3CF6A7-E17D-4316-8AD8-CAC6DB3A712D}"/>
-              </a:ext>
-            </a:extLst>
-          </p:cNvPr>
-          <p:cNvSpPr>
-            <a:spLocks noGrp="1"/>
-          </p:cNvSpPr>
-          <p:nvPr>
-            <p:ph type="title"/>
-          </p:nvPr>
-        </p:nvSpPr>
-        <p:spPr/>
-        <p:txBody>
-          <a:bodyPr/>
-          <a:lstStyle/>
-          <a:p>
-            <a:r>
-              <a:rPr lang="fr-FR" dirty="0"/>
-              <a:t>Les tests de performances</a:t>
-            </a:r>
-          </a:p>
-        </p:txBody>
-      </p:sp>
-      <p:pic>
-        <p:nvPicPr>
-          <p:cNvPr id="6" name="Image 5" descr="Une image contenant roue, capture d’écran, personne, voiture&#10;&#10;Description générée automatiquement">
-            <a:extLst>
-              <a:ext uri="{FF2B5EF4-FFF2-40B4-BE49-F238E27FC236}">
-                <a16:creationId xmlns:a16="http://schemas.microsoft.com/office/drawing/2014/main" id="{1A8811D5-C361-4BB2-338C-E6D88CCB257D}"/>
-              </a:ext>
-            </a:extLst>
-          </p:cNvPr>
-          <p:cNvPicPr>
-            <a:picLocks noChangeAspect="1"/>
-          </p:cNvPicPr>
-          <p:nvPr/>
-        </p:nvPicPr>
-        <p:blipFill>
-          <a:blip r:embed="rId2"/>
-          <a:stretch>
-            <a:fillRect/>
-          </a:stretch>
-        </p:blipFill>
-        <p:spPr>
-          <a:xfrm>
-            <a:off x="4612902" y="3213847"/>
-            <a:ext cx="2571750" cy="2571750"/>
-          </a:xfrm>
-          <a:prstGeom prst="rect">
-            <a:avLst/>
-          </a:prstGeom>
-        </p:spPr>
-      </p:pic>
-    </p:spTree>
-    <p:extLst>
-      <p:ext uri="{BB962C8B-B14F-4D97-AF65-F5344CB8AC3E}">
-        <p14:creationId xmlns:p14="http://schemas.microsoft.com/office/powerpoint/2010/main" val="4055067017"/>
-      </p:ext>
-    </p:extLst>
-  </p:cSld>
-  <p:clrMapOvr>
-    <a:masterClrMapping/>
-  </p:clrMapOvr>
-</p:sld>
-</file>
-
-<file path=ppt/slides/slide14.xml><?xml version="1.0" encoding="utf-8"?>
-<p:sld xmlns:a="http://schemas.openxmlformats.org/drawingml/2006/main" xmlns:r="http://schemas.openxmlformats.org/officeDocument/2006/relationships" xmlns:p="http://schemas.openxmlformats.org/presentationml/2006/main">
-  <p:cSld>
-    <p:spTree>
-      <p:nvGrpSpPr>
-        <p:cNvPr id="1" name=""/>
-        <p:cNvGrpSpPr/>
-        <p:nvPr/>
-      </p:nvGrpSpPr>
-      <p:grpSpPr>
-        <a:xfrm>
-          <a:off x="0" y="0"/>
-          <a:ext cx="0" cy="0"/>
-          <a:chOff x="0" y="0"/>
-          <a:chExt cx="0" cy="0"/>
-        </a:xfrm>
-      </p:grpSpPr>
-      <p:sp>
-        <p:nvSpPr>
-          <p:cNvPr id="4" name="Titre 3"/>
-          <p:cNvSpPr>
-            <a:spLocks noGrp="1"/>
-          </p:cNvSpPr>
-          <p:nvPr>
-            <p:ph type="title"/>
-          </p:nvPr>
-        </p:nvSpPr>
-        <p:spPr>
-          <a:xfrm>
-            <a:off x="521207" y="448056"/>
-            <a:ext cx="7783344" cy="640080"/>
-          </a:xfrm>
-        </p:spPr>
-        <p:txBody>
-          <a:bodyPr rtlCol="0">
-            <a:normAutofit/>
-          </a:bodyPr>
-          <a:lstStyle/>
-          <a:p>
-            <a:pPr rtl="0"/>
+              <a:t>Un exemple de traitement </a:t>
+            </a:r>
+            <a:r>
+              <a:rPr lang="fr-FR" noProof="1">
+                <a:solidFill>
+                  <a:srgbClr val="00B050"/>
+                </a:solidFill>
+                <a:latin typeface="Segoe UI Light" panose="020B0502040204020203" pitchFamily="34" charset="0"/>
+                <a:cs typeface="Segoe UI Light" panose="020B0502040204020203" pitchFamily="34" charset="0"/>
+              </a:rPr>
+              <a:t>non bloquant </a:t>
+            </a:r>
             <a:r>
               <a:rPr lang="fr-FR" noProof="1">
                 <a:latin typeface="Segoe UI Light" panose="020B0502040204020203" pitchFamily="34" charset="0"/>
                 <a:cs typeface="Segoe UI Light" panose="020B0502040204020203" pitchFamily="34" charset="0"/>
               </a:rPr>
-              <a:t>Log</a:t>
-            </a:r>
-          </a:p>
-        </p:txBody>
-      </p:sp>
-      <p:sp>
-        <p:nvSpPr>
-          <p:cNvPr id="7" name="ZoneTexte 6">
+              <a:t>pour comprendre les impacts</a:t>
+            </a:r>
+          </a:p>
+        </p:txBody>
+      </p:sp>
+      <p:pic>
+        <p:nvPicPr>
+          <p:cNvPr id="3" name="Image 2">
             <a:extLst>
               <a:ext uri="{FF2B5EF4-FFF2-40B4-BE49-F238E27FC236}">
-                <a16:creationId xmlns:a16="http://schemas.microsoft.com/office/drawing/2014/main" id="{1351B732-5CDD-4F7E-9691-AF0E2CE8CDA3}"/>
-              </a:ext>
-            </a:extLst>
-          </p:cNvPr>
-          <p:cNvSpPr txBox="1"/>
-          <p:nvPr/>
-        </p:nvSpPr>
-        <p:spPr>
-          <a:xfrm>
-            <a:off x="521206" y="1708681"/>
-            <a:ext cx="10338081" cy="369332"/>
-          </a:xfrm>
-          <a:prstGeom prst="rect">
-            <a:avLst/>
-          </a:prstGeom>
-          <a:noFill/>
-        </p:spPr>
-        <p:txBody>
-          <a:bodyPr wrap="square">
-            <a:spAutoFit/>
-          </a:bodyPr>
-          <a:lstStyle/>
-          <a:p>
-            <a:r>
-              <a:rPr lang="fr-FR" dirty="0">
-                <a:sym typeface="Wingdings" panose="05000000000000000000" pitchFamily="2" charset="2"/>
-              </a:rPr>
-              <a:t>f</a:t>
-            </a:r>
-          </a:p>
-        </p:txBody>
-      </p:sp>
-    </p:spTree>
-    <p:extLst>
-      <p:ext uri="{BB962C8B-B14F-4D97-AF65-F5344CB8AC3E}">
-        <p14:creationId xmlns:p14="http://schemas.microsoft.com/office/powerpoint/2010/main" val="1307817516"/>
-      </p:ext>
-    </p:extLst>
-  </p:cSld>
-  <p:clrMapOvr>
-    <a:masterClrMapping/>
-  </p:clrMapOvr>
-  <mc:AlternateContent xmlns:mc="http://schemas.openxmlformats.org/markup-compatibility/2006" xmlns:p14="http://schemas.microsoft.com/office/powerpoint/2010/main">
-    <mc:Choice Requires="p14">
-      <p:transition p14:dur="10"/>
-    </mc:Choice>
-    <mc:Fallback xmlns="">
-      <p:transition/>
-    </mc:Fallback>
-  </mc:AlternateContent>
-</p:sld>
-</file>
-
-<file path=ppt/slides/slide15.xml><?xml version="1.0" encoding="utf-8"?>
-<p:sld xmlns:a="http://schemas.openxmlformats.org/drawingml/2006/main" xmlns:r="http://schemas.openxmlformats.org/officeDocument/2006/relationships" xmlns:p="http://schemas.openxmlformats.org/presentationml/2006/main">
-  <p:cSld>
-    <p:spTree>
-      <p:nvGrpSpPr>
-        <p:cNvPr id="1" name=""/>
-        <p:cNvGrpSpPr/>
-        <p:nvPr/>
-      </p:nvGrpSpPr>
-      <p:grpSpPr>
-        <a:xfrm>
-          <a:off x="0" y="0"/>
-          <a:ext cx="0" cy="0"/>
-          <a:chOff x="0" y="0"/>
-          <a:chExt cx="0" cy="0"/>
-        </a:xfrm>
-      </p:grpSpPr>
-      <p:sp>
-        <p:nvSpPr>
-          <p:cNvPr id="4" name="Titre 3"/>
-          <p:cNvSpPr>
-            <a:spLocks noGrp="1"/>
-          </p:cNvSpPr>
-          <p:nvPr>
-            <p:ph type="title"/>
-          </p:nvPr>
-        </p:nvSpPr>
-        <p:spPr>
-          <a:xfrm>
-            <a:off x="521207" y="448056"/>
-            <a:ext cx="7783344" cy="640080"/>
-          </a:xfrm>
-        </p:spPr>
-        <p:txBody>
-          <a:bodyPr rtlCol="0">
-            <a:normAutofit/>
-          </a:bodyPr>
-          <a:lstStyle/>
-          <a:p>
-            <a:pPr rtl="0"/>
-            <a:r>
-              <a:rPr lang="fr-FR" noProof="1">
-                <a:latin typeface="Segoe UI Light" panose="020B0502040204020203" pitchFamily="34" charset="0"/>
-                <a:cs typeface="Segoe UI Light" panose="020B0502040204020203" pitchFamily="34" charset="0"/>
-              </a:rPr>
-              <a:t>Questions ?</a:t>
-            </a:r>
-          </a:p>
-        </p:txBody>
-      </p:sp>
-      <p:sp>
-        <p:nvSpPr>
-          <p:cNvPr id="3" name="ZoneTexte 2">
-            <a:extLst>
-              <a:ext uri="{FF2B5EF4-FFF2-40B4-BE49-F238E27FC236}">
-                <a16:creationId xmlns:a16="http://schemas.microsoft.com/office/drawing/2014/main" id="{F7F88E4A-B916-7FC5-977C-BB5C79B019D2}"/>
-              </a:ext>
-            </a:extLst>
-          </p:cNvPr>
-          <p:cNvSpPr txBox="1"/>
-          <p:nvPr/>
-        </p:nvSpPr>
-        <p:spPr>
-          <a:xfrm>
-            <a:off x="2360097" y="3458954"/>
-            <a:ext cx="8289973" cy="584775"/>
-          </a:xfrm>
-          <a:prstGeom prst="rect">
-            <a:avLst/>
-          </a:prstGeom>
-          <a:noFill/>
-        </p:spPr>
-        <p:txBody>
-          <a:bodyPr wrap="square">
-            <a:spAutoFit/>
-          </a:bodyPr>
-          <a:lstStyle/>
-          <a:p>
-            <a:r>
-              <a:rPr lang="fr-FR" sz="3200" dirty="0">
-                <a:hlinkClick r:id="rId3"/>
-              </a:rPr>
-              <a:t>https://github.com/sebzuki/webflux-vs-web</a:t>
-            </a:r>
-            <a:r>
-              <a:rPr lang="fr-FR" sz="3200" dirty="0"/>
-              <a:t> </a:t>
-            </a:r>
-          </a:p>
-        </p:txBody>
-      </p:sp>
-    </p:spTree>
-    <p:extLst>
-      <p:ext uri="{BB962C8B-B14F-4D97-AF65-F5344CB8AC3E}">
-        <p14:creationId xmlns:p14="http://schemas.microsoft.com/office/powerpoint/2010/main" val="809557882"/>
-      </p:ext>
-    </p:extLst>
-  </p:cSld>
-  <p:clrMapOvr>
-    <a:masterClrMapping/>
-  </p:clrMapOvr>
-  <mc:AlternateContent xmlns:mc="http://schemas.openxmlformats.org/markup-compatibility/2006" xmlns:p14="http://schemas.microsoft.com/office/powerpoint/2010/main">
-    <mc:Choice Requires="p14">
-      <p:transition p14:dur="10"/>
-    </mc:Choice>
-    <mc:Fallback xmlns="">
-      <p:transition/>
-    </mc:Fallback>
-  </mc:AlternateContent>
-</p:sld>
-</file>
-
-<file path=ppt/slides/slide2.xml><?xml version="1.0" encoding="utf-8"?>
-<p:sld xmlns:a="http://schemas.openxmlformats.org/drawingml/2006/main" xmlns:r="http://schemas.openxmlformats.org/officeDocument/2006/relationships" xmlns:p="http://schemas.openxmlformats.org/presentationml/2006/main">
-  <p:cSld>
-    <p:spTree>
-      <p:nvGrpSpPr>
-        <p:cNvPr id="1" name=""/>
-        <p:cNvGrpSpPr/>
-        <p:nvPr/>
-      </p:nvGrpSpPr>
-      <p:grpSpPr>
-        <a:xfrm>
-          <a:off x="0" y="0"/>
-          <a:ext cx="0" cy="0"/>
-          <a:chOff x="0" y="0"/>
-          <a:chExt cx="0" cy="0"/>
-        </a:xfrm>
-      </p:grpSpPr>
-      <p:sp>
-        <p:nvSpPr>
-          <p:cNvPr id="4" name="Titre 3"/>
-          <p:cNvSpPr>
-            <a:spLocks noGrp="1"/>
-          </p:cNvSpPr>
-          <p:nvPr>
-            <p:ph type="title"/>
-          </p:nvPr>
-        </p:nvSpPr>
-        <p:spPr>
-          <a:xfrm>
-            <a:off x="521207" y="448056"/>
-            <a:ext cx="7783344" cy="640080"/>
-          </a:xfrm>
-        </p:spPr>
-        <p:txBody>
-          <a:bodyPr rtlCol="0">
-            <a:normAutofit/>
-          </a:bodyPr>
-          <a:lstStyle/>
-          <a:p>
-            <a:pPr rtl="0"/>
-            <a:r>
-              <a:rPr lang="fr-FR" noProof="1">
-                <a:latin typeface="Segoe UI Light" panose="020B0502040204020203" pitchFamily="34" charset="0"/>
-                <a:cs typeface="Segoe UI Light" panose="020B0502040204020203" pitchFamily="34" charset="0"/>
-              </a:rPr>
-              <a:t>Définition</a:t>
-            </a:r>
-          </a:p>
-        </p:txBody>
-      </p:sp>
-      <p:sp>
-        <p:nvSpPr>
-          <p:cNvPr id="7" name="ZoneTexte 6">
-            <a:extLst>
-              <a:ext uri="{FF2B5EF4-FFF2-40B4-BE49-F238E27FC236}">
-                <a16:creationId xmlns:a16="http://schemas.microsoft.com/office/drawing/2014/main" id="{1351B732-5CDD-4F7E-9691-AF0E2CE8CDA3}"/>
-              </a:ext>
-            </a:extLst>
-          </p:cNvPr>
-          <p:cNvSpPr txBox="1"/>
-          <p:nvPr/>
-        </p:nvSpPr>
-        <p:spPr>
-          <a:xfrm>
-            <a:off x="521205" y="1708681"/>
-            <a:ext cx="11135175" cy="1569660"/>
-          </a:xfrm>
-          <a:prstGeom prst="rect">
-            <a:avLst/>
-          </a:prstGeom>
-          <a:noFill/>
-        </p:spPr>
-        <p:txBody>
-          <a:bodyPr wrap="square">
-            <a:spAutoFit/>
-          </a:bodyPr>
-          <a:lstStyle/>
-          <a:p>
-            <a:r>
-              <a:rPr lang="fr-FR" sz="3200" dirty="0">
-                <a:sym typeface="Wingdings" panose="05000000000000000000" pitchFamily="2" charset="2"/>
-              </a:rPr>
-              <a:t>Définition en 4 mots (osé !)</a:t>
-            </a:r>
-          </a:p>
-          <a:p>
-            <a:r>
-              <a:rPr lang="fr-FR" sz="3200" dirty="0">
-                <a:solidFill>
-                  <a:srgbClr val="FF0000"/>
-                </a:solidFill>
-                <a:sym typeface="Wingdings" panose="05000000000000000000" pitchFamily="2" charset="2"/>
-              </a:rPr>
-              <a:t>Impératif</a:t>
-            </a:r>
-            <a:r>
-              <a:rPr lang="fr-FR" sz="3200" dirty="0">
-                <a:sym typeface="Wingdings" panose="05000000000000000000" pitchFamily="2" charset="2"/>
-              </a:rPr>
-              <a:t> = </a:t>
-            </a:r>
-            <a:r>
-              <a:rPr lang="fr-FR" sz="3200" dirty="0">
-                <a:solidFill>
-                  <a:srgbClr val="00B0F0"/>
-                </a:solidFill>
-                <a:sym typeface="Wingdings" panose="05000000000000000000" pitchFamily="2" charset="2"/>
-              </a:rPr>
-              <a:t>séquentiel</a:t>
-            </a:r>
-            <a:r>
-              <a:rPr lang="fr-FR" sz="3200" dirty="0">
-                <a:sym typeface="Wingdings" panose="05000000000000000000" pitchFamily="2" charset="2"/>
-              </a:rPr>
-              <a:t>    (Ex : C, Java, Python, etc…)</a:t>
-            </a:r>
-            <a:endParaRPr lang="fr-FR" sz="3200" dirty="0">
-              <a:solidFill>
-                <a:srgbClr val="FF0000"/>
-              </a:solidFill>
-              <a:sym typeface="Wingdings" panose="05000000000000000000" pitchFamily="2" charset="2"/>
-            </a:endParaRPr>
-          </a:p>
-          <a:p>
-            <a:r>
-              <a:rPr lang="fr-FR" sz="3200" dirty="0">
-                <a:solidFill>
-                  <a:srgbClr val="FF0000"/>
-                </a:solidFill>
-                <a:sym typeface="Wingdings" panose="05000000000000000000" pitchFamily="2" charset="2"/>
-              </a:rPr>
-              <a:t>Réactif</a:t>
-            </a:r>
-            <a:r>
-              <a:rPr lang="fr-FR" sz="3200" dirty="0">
-                <a:sym typeface="Wingdings" panose="05000000000000000000" pitchFamily="2" charset="2"/>
-              </a:rPr>
-              <a:t> = </a:t>
-            </a:r>
-            <a:r>
-              <a:rPr lang="fr-FR" sz="3200" dirty="0">
-                <a:solidFill>
-                  <a:srgbClr val="00B0F0"/>
-                </a:solidFill>
-                <a:sym typeface="Wingdings" panose="05000000000000000000" pitchFamily="2" charset="2"/>
-              </a:rPr>
-              <a:t>asynchrone    </a:t>
-            </a:r>
-            <a:r>
-              <a:rPr lang="fr-FR" sz="3200" dirty="0">
-                <a:sym typeface="Wingdings" panose="05000000000000000000" pitchFamily="2" charset="2"/>
-              </a:rPr>
-              <a:t>(Ex : Javascript, Java avec API P. </a:t>
-            </a:r>
-            <a:r>
-              <a:rPr lang="fr-FR" sz="3200" dirty="0" err="1">
-                <a:sym typeface="Wingdings" panose="05000000000000000000" pitchFamily="2" charset="2"/>
-              </a:rPr>
-              <a:t>Reactor</a:t>
-            </a:r>
-            <a:r>
-              <a:rPr lang="fr-FR" sz="3200" dirty="0">
-                <a:sym typeface="Wingdings" panose="05000000000000000000" pitchFamily="2" charset="2"/>
-              </a:rPr>
-              <a:t>…)</a:t>
-            </a:r>
-            <a:endParaRPr lang="fr-FR" sz="3200" dirty="0">
-              <a:solidFill>
-                <a:srgbClr val="00B0F0"/>
-              </a:solidFill>
-              <a:sym typeface="Wingdings" panose="05000000000000000000" pitchFamily="2" charset="2"/>
-            </a:endParaRPr>
-          </a:p>
-        </p:txBody>
-      </p:sp>
-    </p:spTree>
-    <p:extLst>
-      <p:ext uri="{BB962C8B-B14F-4D97-AF65-F5344CB8AC3E}">
-        <p14:creationId xmlns:p14="http://schemas.microsoft.com/office/powerpoint/2010/main" val="3477378876"/>
-      </p:ext>
-    </p:extLst>
-  </p:cSld>
-  <p:clrMapOvr>
-    <a:masterClrMapping/>
-  </p:clrMapOvr>
-  <mc:AlternateContent xmlns:mc="http://schemas.openxmlformats.org/markup-compatibility/2006" xmlns:p14="http://schemas.microsoft.com/office/powerpoint/2010/main">
-    <mc:Choice Requires="p14">
-      <p:transition p14:dur="10"/>
-    </mc:Choice>
-    <mc:Fallback xmlns="">
-      <p:transition/>
-    </mc:Fallback>
-  </mc:AlternateContent>
-</p:sld>
-</file>
-
-<file path=ppt/slides/slide3.xml><?xml version="1.0" encoding="utf-8"?>
-<p:sld xmlns:a="http://schemas.openxmlformats.org/drawingml/2006/main" xmlns:r="http://schemas.openxmlformats.org/officeDocument/2006/relationships" xmlns:p="http://schemas.openxmlformats.org/presentationml/2006/main">
-  <p:cSld>
-    <p:spTree>
-      <p:nvGrpSpPr>
-        <p:cNvPr id="1" name=""/>
-        <p:cNvGrpSpPr/>
-        <p:nvPr/>
-      </p:nvGrpSpPr>
-      <p:grpSpPr>
-        <a:xfrm>
-          <a:off x="0" y="0"/>
-          <a:ext cx="0" cy="0"/>
-          <a:chOff x="0" y="0"/>
-          <a:chExt cx="0" cy="0"/>
-        </a:xfrm>
-      </p:grpSpPr>
-      <p:sp>
-        <p:nvSpPr>
-          <p:cNvPr id="4" name="Titre 3"/>
-          <p:cNvSpPr>
-            <a:spLocks noGrp="1"/>
-          </p:cNvSpPr>
-          <p:nvPr>
-            <p:ph type="title"/>
-          </p:nvPr>
-        </p:nvSpPr>
-        <p:spPr>
-          <a:xfrm>
-            <a:off x="521207" y="448056"/>
-            <a:ext cx="7783344" cy="640080"/>
-          </a:xfrm>
-        </p:spPr>
-        <p:txBody>
-          <a:bodyPr rtlCol="0">
-            <a:normAutofit/>
-          </a:bodyPr>
-          <a:lstStyle/>
-          <a:p>
-            <a:pPr rtl="0"/>
-            <a:r>
-              <a:rPr lang="fr-FR" noProof="1">
-                <a:latin typeface="Segoe UI Light" panose="020B0502040204020203" pitchFamily="34" charset="0"/>
-                <a:cs typeface="Segoe UI Light" panose="020B0502040204020203" pitchFamily="34" charset="0"/>
-              </a:rPr>
-              <a:t>Programmation impérative dans un serveur Web</a:t>
-            </a:r>
-          </a:p>
-        </p:txBody>
-      </p:sp>
-      <p:sp>
-        <p:nvSpPr>
-          <p:cNvPr id="7" name="ZoneTexte 6">
-            <a:extLst>
-              <a:ext uri="{FF2B5EF4-FFF2-40B4-BE49-F238E27FC236}">
-                <a16:creationId xmlns:a16="http://schemas.microsoft.com/office/drawing/2014/main" id="{1351B732-5CDD-4F7E-9691-AF0E2CE8CDA3}"/>
-              </a:ext>
-            </a:extLst>
-          </p:cNvPr>
-          <p:cNvSpPr txBox="1"/>
-          <p:nvPr/>
-        </p:nvSpPr>
-        <p:spPr>
-          <a:xfrm>
-            <a:off x="521206" y="1708681"/>
-            <a:ext cx="10338081" cy="646331"/>
-          </a:xfrm>
-          <a:prstGeom prst="rect">
-            <a:avLst/>
-          </a:prstGeom>
-          <a:noFill/>
-        </p:spPr>
-        <p:txBody>
-          <a:bodyPr wrap="square">
-            <a:spAutoFit/>
-          </a:bodyPr>
-          <a:lstStyle/>
-          <a:p>
-            <a:r>
-              <a:rPr lang="fr-FR" dirty="0">
-                <a:sym typeface="Wingdings" panose="05000000000000000000" pitchFamily="2" charset="2"/>
-              </a:rPr>
-              <a:t>C’est celle que vous connaissez tous !</a:t>
-            </a:r>
-          </a:p>
-          <a:p>
-            <a:r>
-              <a:rPr lang="fr-FR" dirty="0">
-                <a:sym typeface="Wingdings" panose="05000000000000000000" pitchFamily="2" charset="2"/>
-              </a:rPr>
-              <a:t>Une suite d’instructions qui s’exécutent l’une après l’autre. </a:t>
-            </a:r>
-          </a:p>
-        </p:txBody>
-      </p:sp>
-    </p:spTree>
-    <p:extLst>
-      <p:ext uri="{BB962C8B-B14F-4D97-AF65-F5344CB8AC3E}">
-        <p14:creationId xmlns:p14="http://schemas.microsoft.com/office/powerpoint/2010/main" val="2540775821"/>
-      </p:ext>
-    </p:extLst>
-  </p:cSld>
-  <p:clrMapOvr>
-    <a:masterClrMapping/>
-  </p:clrMapOvr>
-  <mc:AlternateContent xmlns:mc="http://schemas.openxmlformats.org/markup-compatibility/2006" xmlns:p14="http://schemas.microsoft.com/office/powerpoint/2010/main">
-    <mc:Choice Requires="p14">
-      <p:transition p14:dur="10"/>
-    </mc:Choice>
-    <mc:Fallback xmlns="">
-      <p:transition/>
-    </mc:Fallback>
-  </mc:AlternateContent>
-</p:sld>
-</file>
-
-<file path=ppt/slides/slide4.xml><?xml version="1.0" encoding="utf-8"?>
-<p:sld xmlns:a="http://schemas.openxmlformats.org/drawingml/2006/main" xmlns:r="http://schemas.openxmlformats.org/officeDocument/2006/relationships" xmlns:p="http://schemas.openxmlformats.org/presentationml/2006/main">
-  <p:cSld>
-    <p:spTree>
-      <p:nvGrpSpPr>
-        <p:cNvPr id="1" name=""/>
-        <p:cNvGrpSpPr/>
-        <p:nvPr/>
-      </p:nvGrpSpPr>
-      <p:grpSpPr>
-        <a:xfrm>
-          <a:off x="0" y="0"/>
-          <a:ext cx="0" cy="0"/>
-          <a:chOff x="0" y="0"/>
-          <a:chExt cx="0" cy="0"/>
-        </a:xfrm>
-      </p:grpSpPr>
-      <p:sp>
-        <p:nvSpPr>
-          <p:cNvPr id="4" name="Titre 3"/>
-          <p:cNvSpPr>
-            <a:spLocks noGrp="1"/>
-          </p:cNvSpPr>
-          <p:nvPr>
-            <p:ph type="title"/>
-          </p:nvPr>
-        </p:nvSpPr>
-        <p:spPr>
-          <a:xfrm>
-            <a:off x="521207" y="448056"/>
-            <a:ext cx="7783344" cy="640080"/>
-          </a:xfrm>
-        </p:spPr>
-        <p:txBody>
-          <a:bodyPr rtlCol="0">
-            <a:normAutofit/>
-          </a:bodyPr>
-          <a:lstStyle/>
-          <a:p>
-            <a:pPr rtl="0"/>
-            <a:r>
-              <a:rPr lang="fr-FR" noProof="1">
-                <a:latin typeface="Segoe UI Light" panose="020B0502040204020203" pitchFamily="34" charset="0"/>
-                <a:cs typeface="Segoe UI Light" panose="020B0502040204020203" pitchFamily="34" charset="0"/>
-              </a:rPr>
-              <a:t>Programmation réactive</a:t>
-            </a:r>
-          </a:p>
-        </p:txBody>
-      </p:sp>
-      <p:sp>
-        <p:nvSpPr>
-          <p:cNvPr id="7" name="ZoneTexte 6">
-            <a:extLst>
-              <a:ext uri="{FF2B5EF4-FFF2-40B4-BE49-F238E27FC236}">
-                <a16:creationId xmlns:a16="http://schemas.microsoft.com/office/drawing/2014/main" id="{1351B732-5CDD-4F7E-9691-AF0E2CE8CDA3}"/>
-              </a:ext>
-            </a:extLst>
-          </p:cNvPr>
-          <p:cNvSpPr txBox="1"/>
-          <p:nvPr/>
-        </p:nvSpPr>
-        <p:spPr>
-          <a:xfrm>
-            <a:off x="521206" y="1708681"/>
-            <a:ext cx="10338081" cy="923330"/>
-          </a:xfrm>
-          <a:prstGeom prst="rect">
-            <a:avLst/>
-          </a:prstGeom>
-          <a:noFill/>
-        </p:spPr>
-        <p:txBody>
-          <a:bodyPr wrap="square">
-            <a:spAutoFit/>
-          </a:bodyPr>
-          <a:lstStyle/>
-          <a:p>
-            <a:r>
-              <a:rPr lang="fr-FR" dirty="0">
-                <a:sym typeface="Wingdings" panose="05000000000000000000" pitchFamily="2" charset="2"/>
-              </a:rPr>
-              <a:t>Manifeste : </a:t>
-            </a:r>
-            <a:r>
-              <a:rPr lang="fr-FR" dirty="0">
-                <a:sym typeface="Wingdings" panose="05000000000000000000" pitchFamily="2" charset="2"/>
-                <a:hlinkClick r:id="rId3"/>
-              </a:rPr>
-              <a:t>https://www.reactivemanifesto.org/fr</a:t>
-            </a:r>
-            <a:r>
-              <a:rPr lang="fr-FR" dirty="0">
-                <a:sym typeface="Wingdings" panose="05000000000000000000" pitchFamily="2" charset="2"/>
-              </a:rPr>
-              <a:t> </a:t>
-            </a:r>
-          </a:p>
-          <a:p>
-            <a:endParaRPr lang="fr-FR" dirty="0">
-              <a:sym typeface="Wingdings" panose="05000000000000000000" pitchFamily="2" charset="2"/>
-            </a:endParaRPr>
-          </a:p>
-          <a:p>
-            <a:r>
-              <a:rPr lang="fr-FR" dirty="0">
-                <a:sym typeface="Wingdings" panose="05000000000000000000" pitchFamily="2" charset="2"/>
-              </a:rPr>
-              <a:t>Notion de « </a:t>
-            </a:r>
-            <a:r>
-              <a:rPr lang="fr-FR" dirty="0" err="1">
-                <a:sym typeface="Wingdings" panose="05000000000000000000" pitchFamily="2" charset="2"/>
-              </a:rPr>
-              <a:t>publisher</a:t>
-            </a:r>
-            <a:r>
-              <a:rPr lang="fr-FR" dirty="0">
-                <a:sym typeface="Wingdings" panose="05000000000000000000" pitchFamily="2" charset="2"/>
-              </a:rPr>
-              <a:t> » / « </a:t>
-            </a:r>
-            <a:r>
-              <a:rPr lang="fr-FR" dirty="0" err="1">
-                <a:sym typeface="Wingdings" panose="05000000000000000000" pitchFamily="2" charset="2"/>
-              </a:rPr>
-              <a:t>subscriber</a:t>
-            </a:r>
-            <a:r>
-              <a:rPr lang="fr-FR" dirty="0">
-                <a:sym typeface="Wingdings" panose="05000000000000000000" pitchFamily="2" charset="2"/>
-              </a:rPr>
-              <a:t> »</a:t>
-            </a:r>
-          </a:p>
-        </p:txBody>
-      </p:sp>
-    </p:spTree>
-    <p:extLst>
-      <p:ext uri="{BB962C8B-B14F-4D97-AF65-F5344CB8AC3E}">
-        <p14:creationId xmlns:p14="http://schemas.microsoft.com/office/powerpoint/2010/main" val="430630391"/>
-      </p:ext>
-    </p:extLst>
-  </p:cSld>
-  <p:clrMapOvr>
-    <a:masterClrMapping/>
-  </p:clrMapOvr>
-  <mc:AlternateContent xmlns:mc="http://schemas.openxmlformats.org/markup-compatibility/2006" xmlns:p14="http://schemas.microsoft.com/office/powerpoint/2010/main">
-    <mc:Choice Requires="p14">
-      <p:transition p14:dur="10"/>
-    </mc:Choice>
-    <mc:Fallback xmlns="">
-      <p:transition/>
-    </mc:Fallback>
-  </mc:AlternateContent>
-</p:sld>
-</file>
-
-<file path=ppt/slides/slide5.xml><?xml version="1.0" encoding="utf-8"?>
-<p:sld xmlns:a="http://schemas.openxmlformats.org/drawingml/2006/main" xmlns:r="http://schemas.openxmlformats.org/officeDocument/2006/relationships" xmlns:p="http://schemas.openxmlformats.org/presentationml/2006/main">
-  <p:cSld>
-    <p:spTree>
-      <p:nvGrpSpPr>
-        <p:cNvPr id="1" name=""/>
-        <p:cNvGrpSpPr/>
-        <p:nvPr/>
-      </p:nvGrpSpPr>
-      <p:grpSpPr>
-        <a:xfrm>
-          <a:off x="0" y="0"/>
-          <a:ext cx="0" cy="0"/>
-          <a:chOff x="0" y="0"/>
-          <a:chExt cx="0" cy="0"/>
-        </a:xfrm>
-      </p:grpSpPr>
-      <p:sp>
-        <p:nvSpPr>
-          <p:cNvPr id="2" name="Titre 1">
-            <a:extLst>
-              <a:ext uri="{FF2B5EF4-FFF2-40B4-BE49-F238E27FC236}">
-                <a16:creationId xmlns:a16="http://schemas.microsoft.com/office/drawing/2014/main" id="{0C3CF6A7-E17D-4316-8AD8-CAC6DB3A712D}"/>
-              </a:ext>
-            </a:extLst>
-          </p:cNvPr>
-          <p:cNvSpPr>
-            <a:spLocks noGrp="1"/>
-          </p:cNvSpPr>
-          <p:nvPr>
-            <p:ph type="title"/>
-          </p:nvPr>
-        </p:nvSpPr>
-        <p:spPr/>
-        <p:txBody>
-          <a:bodyPr/>
-          <a:lstStyle/>
-          <a:p>
-            <a:r>
-              <a:rPr lang="fr-FR" dirty="0"/>
-              <a:t>Le but de cette présentation</a:t>
-            </a:r>
-          </a:p>
-        </p:txBody>
-      </p:sp>
-      <p:sp>
-        <p:nvSpPr>
-          <p:cNvPr id="3" name="Espace réservé du contenu 2">
-            <a:extLst>
-              <a:ext uri="{FF2B5EF4-FFF2-40B4-BE49-F238E27FC236}">
-                <a16:creationId xmlns:a16="http://schemas.microsoft.com/office/drawing/2014/main" id="{6159C144-B174-42C5-8664-9366D104618A}"/>
-              </a:ext>
-            </a:extLst>
-          </p:cNvPr>
-          <p:cNvSpPr>
-            <a:spLocks noGrp="1"/>
-          </p:cNvSpPr>
-          <p:nvPr>
-            <p:ph sz="quarter" idx="13"/>
-          </p:nvPr>
-        </p:nvSpPr>
-        <p:spPr>
-          <a:xfrm>
-            <a:off x="539495" y="2560320"/>
-            <a:ext cx="10790493" cy="3977640"/>
-          </a:xfrm>
-        </p:spPr>
-        <p:txBody>
-          <a:bodyPr/>
-          <a:lstStyle/>
-          <a:p>
-            <a:pPr marL="342900" indent="-342900">
-              <a:buFont typeface="Wingdings" panose="05000000000000000000" pitchFamily="2" charset="2"/>
-              <a:buChar char="Ø"/>
-            </a:pPr>
-            <a:r>
-              <a:rPr lang="fr-FR" dirty="0"/>
-              <a:t>En savoir un peu « plus » sur le fonctionnement des serveurs « web »</a:t>
-            </a:r>
-          </a:p>
-          <a:p>
-            <a:pPr marL="342900" indent="-342900">
-              <a:buFont typeface="Wingdings" panose="05000000000000000000" pitchFamily="2" charset="2"/>
-              <a:buChar char="Ø"/>
-            </a:pPr>
-            <a:endParaRPr lang="fr-FR" dirty="0"/>
-          </a:p>
-        </p:txBody>
-      </p:sp>
-      <p:pic>
-        <p:nvPicPr>
-          <p:cNvPr id="7" name="Image 6" descr="Une image contenant livre, texte, intérieur, ordinateur&#10;&#10;Description générée automatiquement">
-            <a:extLst>
-              <a:ext uri="{FF2B5EF4-FFF2-40B4-BE49-F238E27FC236}">
-                <a16:creationId xmlns:a16="http://schemas.microsoft.com/office/drawing/2014/main" id="{3FB78CEE-5C37-8D39-4B12-62BAEAD7BAAA}"/>
+                <a16:creationId xmlns:a16="http://schemas.microsoft.com/office/drawing/2014/main" id="{18AFB626-AA04-5390-A8D6-5025D125191B}"/>
               </a:ext>
             </a:extLst>
           </p:cNvPr>
@@ -7591,8 +7897,8 @@
         </p:blipFill>
         <p:spPr>
           <a:xfrm>
-            <a:off x="1457326" y="3532095"/>
-            <a:ext cx="2571750" cy="2571750"/>
+            <a:off x="1076885" y="3512761"/>
+            <a:ext cx="1428750" cy="1133475"/>
           </a:xfrm>
           <a:prstGeom prst="rect">
             <a:avLst/>
@@ -7601,10 +7907,100 @@
       </p:pic>
       <p:pic>
         <p:nvPicPr>
-          <p:cNvPr id="4" name="Image 3">
+          <p:cNvPr id="11" name="Image 10">
             <a:extLst>
               <a:ext uri="{FF2B5EF4-FFF2-40B4-BE49-F238E27FC236}">
-                <a16:creationId xmlns:a16="http://schemas.microsoft.com/office/drawing/2014/main" id="{D379EB9F-09C7-5A84-CCD3-4872CE347AA8}"/>
+                <a16:creationId xmlns:a16="http://schemas.microsoft.com/office/drawing/2014/main" id="{3DD419C8-4BAB-F5FD-4029-860675C42BF4}"/>
+              </a:ext>
+            </a:extLst>
+          </p:cNvPr>
+          <p:cNvPicPr>
+            <a:picLocks noChangeAspect="1"/>
+          </p:cNvPicPr>
+          <p:nvPr/>
+        </p:nvPicPr>
+        <p:blipFill>
+          <a:blip r:embed="rId3"/>
+          <a:stretch>
+            <a:fillRect/>
+          </a:stretch>
+        </p:blipFill>
+        <p:spPr>
+          <a:xfrm>
+            <a:off x="1076885" y="4623259"/>
+            <a:ext cx="1428750" cy="1133475"/>
+          </a:xfrm>
+          <a:prstGeom prst="rect">
+            <a:avLst/>
+          </a:prstGeom>
+        </p:spPr>
+      </p:pic>
+      <p:pic>
+        <p:nvPicPr>
+          <p:cNvPr id="13" name="Image 12">
+            <a:extLst>
+              <a:ext uri="{FF2B5EF4-FFF2-40B4-BE49-F238E27FC236}">
+                <a16:creationId xmlns:a16="http://schemas.microsoft.com/office/drawing/2014/main" id="{171D3050-640E-C0AB-1292-79F280D74150}"/>
+              </a:ext>
+            </a:extLst>
+          </p:cNvPr>
+          <p:cNvPicPr>
+            <a:picLocks noChangeAspect="1"/>
+          </p:cNvPicPr>
+          <p:nvPr/>
+        </p:nvPicPr>
+        <p:blipFill>
+          <a:blip r:embed="rId3"/>
+          <a:stretch>
+            <a:fillRect/>
+          </a:stretch>
+        </p:blipFill>
+        <p:spPr>
+          <a:xfrm>
+            <a:off x="1072403" y="5599299"/>
+            <a:ext cx="1428750" cy="1133475"/>
+          </a:xfrm>
+          <a:prstGeom prst="rect">
+            <a:avLst/>
+          </a:prstGeom>
+        </p:spPr>
+      </p:pic>
+      <p:pic>
+        <p:nvPicPr>
+          <p:cNvPr id="15" name="Image 14">
+            <a:extLst>
+              <a:ext uri="{FF2B5EF4-FFF2-40B4-BE49-F238E27FC236}">
+                <a16:creationId xmlns:a16="http://schemas.microsoft.com/office/drawing/2014/main" id="{CDE63868-561A-6CD4-A4D1-51C83BD8BAC4}"/>
+              </a:ext>
+            </a:extLst>
+          </p:cNvPr>
+          <p:cNvPicPr>
+            <a:picLocks noChangeAspect="1"/>
+          </p:cNvPicPr>
+          <p:nvPr/>
+        </p:nvPicPr>
+        <p:blipFill>
+          <a:blip r:embed="rId3"/>
+          <a:stretch>
+            <a:fillRect/>
+          </a:stretch>
+        </p:blipFill>
+        <p:spPr>
+          <a:xfrm>
+            <a:off x="1072403" y="1306607"/>
+            <a:ext cx="1428750" cy="1133475"/>
+          </a:xfrm>
+          <a:prstGeom prst="rect">
+            <a:avLst/>
+          </a:prstGeom>
+        </p:spPr>
+      </p:pic>
+      <p:pic>
+        <p:nvPicPr>
+          <p:cNvPr id="23" name="Image 22">
+            <a:extLst>
+              <a:ext uri="{FF2B5EF4-FFF2-40B4-BE49-F238E27FC236}">
+                <a16:creationId xmlns:a16="http://schemas.microsoft.com/office/drawing/2014/main" id="{41201704-5168-A26A-D76A-A56932737AD8}"/>
               </a:ext>
             </a:extLst>
           </p:cNvPr>
@@ -7621,28 +8017,661 @@
         </p:blipFill>
         <p:spPr>
           <a:xfrm>
-            <a:off x="4330514" y="3532095"/>
-            <a:ext cx="7232431" cy="2571750"/>
+            <a:off x="4265584" y="3403223"/>
+            <a:ext cx="762000" cy="1352550"/>
+          </a:xfrm>
+          <a:prstGeom prst="rect">
+            <a:avLst/>
+          </a:prstGeom>
+          <a:ln w="19050">
+            <a:solidFill>
+              <a:srgbClr val="FF0000"/>
+            </a:solidFill>
+          </a:ln>
+        </p:spPr>
+      </p:pic>
+      <p:pic>
+        <p:nvPicPr>
+          <p:cNvPr id="8" name="Image 7">
+            <a:extLst>
+              <a:ext uri="{FF2B5EF4-FFF2-40B4-BE49-F238E27FC236}">
+                <a16:creationId xmlns:a16="http://schemas.microsoft.com/office/drawing/2014/main" id="{B6EEAE5A-B455-8774-E9FE-38E25F89AE04}"/>
+              </a:ext>
+            </a:extLst>
+          </p:cNvPr>
+          <p:cNvPicPr>
+            <a:picLocks noChangeAspect="1"/>
+          </p:cNvPicPr>
+          <p:nvPr/>
+        </p:nvPicPr>
+        <p:blipFill>
+          <a:blip r:embed="rId3"/>
+          <a:stretch>
+            <a:fillRect/>
+          </a:stretch>
+        </p:blipFill>
+        <p:spPr>
+          <a:xfrm>
+            <a:off x="1072403" y="2359397"/>
+            <a:ext cx="1428750" cy="1133475"/>
           </a:xfrm>
           <a:prstGeom prst="rect">
             <a:avLst/>
           </a:prstGeom>
         </p:spPr>
       </p:pic>
+      <p:pic>
+        <p:nvPicPr>
+          <p:cNvPr id="7" name="Image 6" descr="Une image contenant texte, conception, intérieur, cuisine&#10;&#10;Description générée automatiquement">
+            <a:extLst>
+              <a:ext uri="{FF2B5EF4-FFF2-40B4-BE49-F238E27FC236}">
+                <a16:creationId xmlns:a16="http://schemas.microsoft.com/office/drawing/2014/main" id="{DFC3BE01-D19A-7662-4E27-AAADD859C6B3}"/>
+              </a:ext>
+            </a:extLst>
+          </p:cNvPr>
+          <p:cNvPicPr>
+            <a:picLocks noChangeAspect="1"/>
+          </p:cNvPicPr>
+          <p:nvPr/>
+        </p:nvPicPr>
+        <p:blipFill>
+          <a:blip r:embed="rId5"/>
+          <a:stretch>
+            <a:fillRect/>
+          </a:stretch>
+        </p:blipFill>
+        <p:spPr>
+          <a:xfrm>
+            <a:off x="6965855" y="3365123"/>
+            <a:ext cx="3190875" cy="1428750"/>
+          </a:xfrm>
+          <a:prstGeom prst="rect">
+            <a:avLst/>
+          </a:prstGeom>
+        </p:spPr>
+      </p:pic>
+      <p:cxnSp>
+        <p:nvCxnSpPr>
+          <p:cNvPr id="17" name="Connecteur droit avec flèche 16">
+            <a:extLst>
+              <a:ext uri="{FF2B5EF4-FFF2-40B4-BE49-F238E27FC236}">
+                <a16:creationId xmlns:a16="http://schemas.microsoft.com/office/drawing/2014/main" id="{BF865E6B-E49A-98C1-BD52-6DF92D8C65E0}"/>
+              </a:ext>
+            </a:extLst>
+          </p:cNvPr>
+          <p:cNvCxnSpPr>
+            <a:stCxn id="23" idx="3"/>
+            <a:endCxn id="7" idx="1"/>
+          </p:cNvCxnSpPr>
+          <p:nvPr/>
+        </p:nvCxnSpPr>
+        <p:spPr>
+          <a:xfrm>
+            <a:off x="5027584" y="4079498"/>
+            <a:ext cx="1938271" cy="0"/>
+          </a:xfrm>
+          <a:prstGeom prst="straightConnector1">
+            <a:avLst/>
+          </a:prstGeom>
+          <a:ln>
+            <a:tailEnd type="triangle"/>
+          </a:ln>
+        </p:spPr>
+        <p:style>
+          <a:lnRef idx="1">
+            <a:schemeClr val="accent1"/>
+          </a:lnRef>
+          <a:fillRef idx="0">
+            <a:schemeClr val="accent1"/>
+          </a:fillRef>
+          <a:effectRef idx="0">
+            <a:schemeClr val="accent1"/>
+          </a:effectRef>
+          <a:fontRef idx="minor">
+            <a:schemeClr val="tx1"/>
+          </a:fontRef>
+        </p:style>
+      </p:cxnSp>
+      <p:cxnSp>
+        <p:nvCxnSpPr>
+          <p:cNvPr id="20" name="Connecteur droit avec flèche 19">
+            <a:extLst>
+              <a:ext uri="{FF2B5EF4-FFF2-40B4-BE49-F238E27FC236}">
+                <a16:creationId xmlns:a16="http://schemas.microsoft.com/office/drawing/2014/main" id="{663CB719-6AFF-A5D2-9E73-B44A928EFC68}"/>
+              </a:ext>
+            </a:extLst>
+          </p:cNvPr>
+          <p:cNvCxnSpPr>
+            <a:stCxn id="23" idx="1"/>
+          </p:cNvCxnSpPr>
+          <p:nvPr/>
+        </p:nvCxnSpPr>
+        <p:spPr>
+          <a:xfrm flipH="1" flipV="1">
+            <a:off x="2581835" y="1873344"/>
+            <a:ext cx="1683749" cy="2206154"/>
+          </a:xfrm>
+          <a:prstGeom prst="straightConnector1">
+            <a:avLst/>
+          </a:prstGeom>
+          <a:ln>
+            <a:tailEnd type="triangle"/>
+          </a:ln>
+        </p:spPr>
+        <p:style>
+          <a:lnRef idx="1">
+            <a:schemeClr val="accent1"/>
+          </a:lnRef>
+          <a:fillRef idx="0">
+            <a:schemeClr val="accent1"/>
+          </a:fillRef>
+          <a:effectRef idx="0">
+            <a:schemeClr val="accent1"/>
+          </a:effectRef>
+          <a:fontRef idx="minor">
+            <a:schemeClr val="tx1"/>
+          </a:fontRef>
+        </p:style>
+      </p:cxnSp>
+      <p:cxnSp>
+        <p:nvCxnSpPr>
+          <p:cNvPr id="22" name="Connecteur droit avec flèche 21">
+            <a:extLst>
+              <a:ext uri="{FF2B5EF4-FFF2-40B4-BE49-F238E27FC236}">
+                <a16:creationId xmlns:a16="http://schemas.microsoft.com/office/drawing/2014/main" id="{4E0DD6C4-F52A-330A-33EC-8672A8205B38}"/>
+              </a:ext>
+            </a:extLst>
+          </p:cNvPr>
+          <p:cNvCxnSpPr>
+            <a:stCxn id="23" idx="1"/>
+            <a:endCxn id="8" idx="3"/>
+          </p:cNvCxnSpPr>
+          <p:nvPr/>
+        </p:nvCxnSpPr>
+        <p:spPr>
+          <a:xfrm flipH="1" flipV="1">
+            <a:off x="2501153" y="2926135"/>
+            <a:ext cx="1764431" cy="1153363"/>
+          </a:xfrm>
+          <a:prstGeom prst="straightConnector1">
+            <a:avLst/>
+          </a:prstGeom>
+          <a:ln>
+            <a:tailEnd type="triangle"/>
+          </a:ln>
+        </p:spPr>
+        <p:style>
+          <a:lnRef idx="1">
+            <a:schemeClr val="accent1"/>
+          </a:lnRef>
+          <a:fillRef idx="0">
+            <a:schemeClr val="accent1"/>
+          </a:fillRef>
+          <a:effectRef idx="0">
+            <a:schemeClr val="accent1"/>
+          </a:effectRef>
+          <a:fontRef idx="minor">
+            <a:schemeClr val="tx1"/>
+          </a:fontRef>
+        </p:style>
+      </p:cxnSp>
+      <p:cxnSp>
+        <p:nvCxnSpPr>
+          <p:cNvPr id="25" name="Connecteur droit avec flèche 24">
+            <a:extLst>
+              <a:ext uri="{FF2B5EF4-FFF2-40B4-BE49-F238E27FC236}">
+                <a16:creationId xmlns:a16="http://schemas.microsoft.com/office/drawing/2014/main" id="{36AB531B-98A9-6C22-EFA3-CA5D09A8A0E8}"/>
+              </a:ext>
+            </a:extLst>
+          </p:cNvPr>
+          <p:cNvCxnSpPr>
+            <a:stCxn id="23" idx="1"/>
+            <a:endCxn id="3" idx="3"/>
+          </p:cNvCxnSpPr>
+          <p:nvPr/>
+        </p:nvCxnSpPr>
+        <p:spPr>
+          <a:xfrm flipH="1">
+            <a:off x="2505635" y="4079498"/>
+            <a:ext cx="1759949" cy="1"/>
+          </a:xfrm>
+          <a:prstGeom prst="straightConnector1">
+            <a:avLst/>
+          </a:prstGeom>
+          <a:ln>
+            <a:tailEnd type="triangle"/>
+          </a:ln>
+        </p:spPr>
+        <p:style>
+          <a:lnRef idx="1">
+            <a:schemeClr val="accent1"/>
+          </a:lnRef>
+          <a:fillRef idx="0">
+            <a:schemeClr val="accent1"/>
+          </a:fillRef>
+          <a:effectRef idx="0">
+            <a:schemeClr val="accent1"/>
+          </a:effectRef>
+          <a:fontRef idx="minor">
+            <a:schemeClr val="tx1"/>
+          </a:fontRef>
+        </p:style>
+      </p:cxnSp>
+      <p:cxnSp>
+        <p:nvCxnSpPr>
+          <p:cNvPr id="27" name="Connecteur droit avec flèche 26">
+            <a:extLst>
+              <a:ext uri="{FF2B5EF4-FFF2-40B4-BE49-F238E27FC236}">
+                <a16:creationId xmlns:a16="http://schemas.microsoft.com/office/drawing/2014/main" id="{AD613D5C-79B3-B94A-7D63-FCC26D5FA7EA}"/>
+              </a:ext>
+            </a:extLst>
+          </p:cNvPr>
+          <p:cNvCxnSpPr>
+            <a:stCxn id="23" idx="1"/>
+            <a:endCxn id="11" idx="3"/>
+          </p:cNvCxnSpPr>
+          <p:nvPr/>
+        </p:nvCxnSpPr>
+        <p:spPr>
+          <a:xfrm flipH="1">
+            <a:off x="2505635" y="4079498"/>
+            <a:ext cx="1759949" cy="1110499"/>
+          </a:xfrm>
+          <a:prstGeom prst="straightConnector1">
+            <a:avLst/>
+          </a:prstGeom>
+          <a:ln>
+            <a:tailEnd type="triangle"/>
+          </a:ln>
+        </p:spPr>
+        <p:style>
+          <a:lnRef idx="1">
+            <a:schemeClr val="accent1"/>
+          </a:lnRef>
+          <a:fillRef idx="0">
+            <a:schemeClr val="accent1"/>
+          </a:fillRef>
+          <a:effectRef idx="0">
+            <a:schemeClr val="accent1"/>
+          </a:effectRef>
+          <a:fontRef idx="minor">
+            <a:schemeClr val="tx1"/>
+          </a:fontRef>
+        </p:style>
+      </p:cxnSp>
+      <p:cxnSp>
+        <p:nvCxnSpPr>
+          <p:cNvPr id="29" name="Connecteur droit avec flèche 28">
+            <a:extLst>
+              <a:ext uri="{FF2B5EF4-FFF2-40B4-BE49-F238E27FC236}">
+                <a16:creationId xmlns:a16="http://schemas.microsoft.com/office/drawing/2014/main" id="{85C5F898-E1F6-F4EE-8BC1-C7F2D6E7C210}"/>
+              </a:ext>
+            </a:extLst>
+          </p:cNvPr>
+          <p:cNvCxnSpPr>
+            <a:stCxn id="23" idx="1"/>
+            <a:endCxn id="13" idx="3"/>
+          </p:cNvCxnSpPr>
+          <p:nvPr/>
+        </p:nvCxnSpPr>
+        <p:spPr>
+          <a:xfrm flipH="1">
+            <a:off x="2501153" y="4079498"/>
+            <a:ext cx="1764431" cy="2086539"/>
+          </a:xfrm>
+          <a:prstGeom prst="straightConnector1">
+            <a:avLst/>
+          </a:prstGeom>
+          <a:ln>
+            <a:tailEnd type="triangle"/>
+          </a:ln>
+        </p:spPr>
+        <p:style>
+          <a:lnRef idx="1">
+            <a:schemeClr val="accent1"/>
+          </a:lnRef>
+          <a:fillRef idx="0">
+            <a:schemeClr val="accent1"/>
+          </a:fillRef>
+          <a:effectRef idx="0">
+            <a:schemeClr val="accent1"/>
+          </a:effectRef>
+          <a:fontRef idx="minor">
+            <a:schemeClr val="tx1"/>
+          </a:fontRef>
+        </p:style>
+      </p:cxnSp>
+      <p:sp>
+        <p:nvSpPr>
+          <p:cNvPr id="30" name="ZoneTexte 29">
+            <a:extLst>
+              <a:ext uri="{FF2B5EF4-FFF2-40B4-BE49-F238E27FC236}">
+                <a16:creationId xmlns:a16="http://schemas.microsoft.com/office/drawing/2014/main" id="{1FA69AEB-5627-7D3A-B395-53155B95CE23}"/>
+              </a:ext>
+            </a:extLst>
+          </p:cNvPr>
+          <p:cNvSpPr txBox="1"/>
+          <p:nvPr/>
+        </p:nvSpPr>
+        <p:spPr>
+          <a:xfrm>
+            <a:off x="3423709" y="5811558"/>
+            <a:ext cx="6110533" cy="584775"/>
+          </a:xfrm>
+          <a:prstGeom prst="rect">
+            <a:avLst/>
+          </a:prstGeom>
+          <a:noFill/>
+        </p:spPr>
+        <p:txBody>
+          <a:bodyPr wrap="square" rtlCol="0">
+            <a:spAutoFit/>
+          </a:bodyPr>
+          <a:lstStyle/>
+          <a:p>
+            <a:pPr algn="ctr"/>
+            <a:r>
+              <a:rPr lang="fr-FR" sz="3200" dirty="0">
+                <a:solidFill>
+                  <a:schemeClr val="accent2">
+                    <a:lumMod val="75000"/>
+                  </a:schemeClr>
+                </a:solidFill>
+              </a:rPr>
+              <a:t>Service classique (efficace)  !</a:t>
+            </a:r>
+          </a:p>
+        </p:txBody>
+      </p:sp>
     </p:spTree>
     <p:extLst>
       <p:ext uri="{BB962C8B-B14F-4D97-AF65-F5344CB8AC3E}">
-        <p14:creationId xmlns:p14="http://schemas.microsoft.com/office/powerpoint/2010/main" val="3600004125"/>
+        <p14:creationId xmlns:p14="http://schemas.microsoft.com/office/powerpoint/2010/main" val="4178093589"/>
       </p:ext>
     </p:extLst>
   </p:cSld>
   <p:clrMapOvr>
     <a:masterClrMapping/>
   </p:clrMapOvr>
+  <mc:AlternateContent xmlns:mc="http://schemas.openxmlformats.org/markup-compatibility/2006" xmlns:p14="http://schemas.microsoft.com/office/powerpoint/2010/main">
+    <mc:Choice Requires="p14">
+      <p:transition p14:dur="10"/>
+    </mc:Choice>
+    <mc:Fallback xmlns="">
+      <p:transition/>
+    </mc:Fallback>
+  </mc:AlternateContent>
+  <p:timing>
+    <p:tnLst>
+      <p:par>
+        <p:cTn id="1" dur="indefinite" restart="never" nodeType="tmRoot">
+          <p:childTnLst>
+            <p:seq concurrent="1" nextAc="seek">
+              <p:cTn id="2" dur="indefinite" nodeType="mainSeq">
+                <p:childTnLst>
+                  <p:par>
+                    <p:cTn id="3" fill="hold">
+                      <p:stCondLst>
+                        <p:cond delay="indefinite"/>
+                      </p:stCondLst>
+                      <p:childTnLst>
+                        <p:par>
+                          <p:cTn id="4" fill="hold">
+                            <p:stCondLst>
+                              <p:cond delay="0"/>
+                            </p:stCondLst>
+                            <p:childTnLst>
+                              <p:par>
+                                <p:cTn id="5" presetID="1" presetClass="entr" presetSubtype="0" fill="hold" nodeType="clickEffect">
+                                  <p:stCondLst>
+                                    <p:cond delay="0"/>
+                                  </p:stCondLst>
+                                  <p:childTnLst>
+                                    <p:set>
+                                      <p:cBhvr>
+                                        <p:cTn id="6" dur="1" fill="hold">
+                                          <p:stCondLst>
+                                            <p:cond delay="0"/>
+                                          </p:stCondLst>
+                                        </p:cTn>
+                                        <p:tgtEl>
+                                          <p:spTgt spid="20"/>
+                                        </p:tgtEl>
+                                        <p:attrNameLst>
+                                          <p:attrName>style.visibility</p:attrName>
+                                        </p:attrNameLst>
+                                      </p:cBhvr>
+                                      <p:to>
+                                        <p:strVal val="visible"/>
+                                      </p:to>
+                                    </p:set>
+                                  </p:childTnLst>
+                                </p:cTn>
+                              </p:par>
+                              <p:par>
+                                <p:cTn id="7" presetID="1" presetClass="entr" presetSubtype="0" fill="hold" nodeType="withEffect">
+                                  <p:stCondLst>
+                                    <p:cond delay="0"/>
+                                  </p:stCondLst>
+                                  <p:childTnLst>
+                                    <p:set>
+                                      <p:cBhvr>
+                                        <p:cTn id="8" dur="1" fill="hold">
+                                          <p:stCondLst>
+                                            <p:cond delay="0"/>
+                                          </p:stCondLst>
+                                        </p:cTn>
+                                        <p:tgtEl>
+                                          <p:spTgt spid="22"/>
+                                        </p:tgtEl>
+                                        <p:attrNameLst>
+                                          <p:attrName>style.visibility</p:attrName>
+                                        </p:attrNameLst>
+                                      </p:cBhvr>
+                                      <p:to>
+                                        <p:strVal val="visible"/>
+                                      </p:to>
+                                    </p:set>
+                                  </p:childTnLst>
+                                </p:cTn>
+                              </p:par>
+                              <p:par>
+                                <p:cTn id="9" presetID="1" presetClass="entr" presetSubtype="0" fill="hold" nodeType="withEffect">
+                                  <p:stCondLst>
+                                    <p:cond delay="0"/>
+                                  </p:stCondLst>
+                                  <p:childTnLst>
+                                    <p:set>
+                                      <p:cBhvr>
+                                        <p:cTn id="10" dur="1" fill="hold">
+                                          <p:stCondLst>
+                                            <p:cond delay="0"/>
+                                          </p:stCondLst>
+                                        </p:cTn>
+                                        <p:tgtEl>
+                                          <p:spTgt spid="25"/>
+                                        </p:tgtEl>
+                                        <p:attrNameLst>
+                                          <p:attrName>style.visibility</p:attrName>
+                                        </p:attrNameLst>
+                                      </p:cBhvr>
+                                      <p:to>
+                                        <p:strVal val="visible"/>
+                                      </p:to>
+                                    </p:set>
+                                  </p:childTnLst>
+                                </p:cTn>
+                              </p:par>
+                              <p:par>
+                                <p:cTn id="11" presetID="1" presetClass="entr" presetSubtype="0" fill="hold" nodeType="withEffect">
+                                  <p:stCondLst>
+                                    <p:cond delay="0"/>
+                                  </p:stCondLst>
+                                  <p:childTnLst>
+                                    <p:set>
+                                      <p:cBhvr>
+                                        <p:cTn id="12" dur="1" fill="hold">
+                                          <p:stCondLst>
+                                            <p:cond delay="0"/>
+                                          </p:stCondLst>
+                                        </p:cTn>
+                                        <p:tgtEl>
+                                          <p:spTgt spid="27"/>
+                                        </p:tgtEl>
+                                        <p:attrNameLst>
+                                          <p:attrName>style.visibility</p:attrName>
+                                        </p:attrNameLst>
+                                      </p:cBhvr>
+                                      <p:to>
+                                        <p:strVal val="visible"/>
+                                      </p:to>
+                                    </p:set>
+                                  </p:childTnLst>
+                                </p:cTn>
+                              </p:par>
+                              <p:par>
+                                <p:cTn id="13" presetID="1" presetClass="entr" presetSubtype="0" fill="hold" nodeType="withEffect">
+                                  <p:stCondLst>
+                                    <p:cond delay="0"/>
+                                  </p:stCondLst>
+                                  <p:childTnLst>
+                                    <p:set>
+                                      <p:cBhvr>
+                                        <p:cTn id="14" dur="1" fill="hold">
+                                          <p:stCondLst>
+                                            <p:cond delay="0"/>
+                                          </p:stCondLst>
+                                        </p:cTn>
+                                        <p:tgtEl>
+                                          <p:spTgt spid="29"/>
+                                        </p:tgtEl>
+                                        <p:attrNameLst>
+                                          <p:attrName>style.visibility</p:attrName>
+                                        </p:attrNameLst>
+                                      </p:cBhvr>
+                                      <p:to>
+                                        <p:strVal val="visible"/>
+                                      </p:to>
+                                    </p:set>
+                                  </p:childTnLst>
+                                </p:cTn>
+                              </p:par>
+                              <p:par>
+                                <p:cTn id="15" presetID="1" presetClass="entr" presetSubtype="0" fill="hold" nodeType="withEffect">
+                                  <p:stCondLst>
+                                    <p:cond delay="0"/>
+                                  </p:stCondLst>
+                                  <p:childTnLst>
+                                    <p:set>
+                                      <p:cBhvr>
+                                        <p:cTn id="16" dur="1" fill="hold">
+                                          <p:stCondLst>
+                                            <p:cond delay="0"/>
+                                          </p:stCondLst>
+                                        </p:cTn>
+                                        <p:tgtEl>
+                                          <p:spTgt spid="23"/>
+                                        </p:tgtEl>
+                                        <p:attrNameLst>
+                                          <p:attrName>style.visibility</p:attrName>
+                                        </p:attrNameLst>
+                                      </p:cBhvr>
+                                      <p:to>
+                                        <p:strVal val="visible"/>
+                                      </p:to>
+                                    </p:set>
+                                  </p:childTnLst>
+                                </p:cTn>
+                              </p:par>
+                              <p:par>
+                                <p:cTn id="17" presetID="1" presetClass="entr" presetSubtype="0" fill="hold" nodeType="withEffect">
+                                  <p:stCondLst>
+                                    <p:cond delay="0"/>
+                                  </p:stCondLst>
+                                  <p:childTnLst>
+                                    <p:set>
+                                      <p:cBhvr>
+                                        <p:cTn id="18" dur="1" fill="hold">
+                                          <p:stCondLst>
+                                            <p:cond delay="0"/>
+                                          </p:stCondLst>
+                                        </p:cTn>
+                                        <p:tgtEl>
+                                          <p:spTgt spid="17"/>
+                                        </p:tgtEl>
+                                        <p:attrNameLst>
+                                          <p:attrName>style.visibility</p:attrName>
+                                        </p:attrNameLst>
+                                      </p:cBhvr>
+                                      <p:to>
+                                        <p:strVal val="visible"/>
+                                      </p:to>
+                                    </p:set>
+                                  </p:childTnLst>
+                                </p:cTn>
+                              </p:par>
+                              <p:par>
+                                <p:cTn id="19" presetID="1" presetClass="entr" presetSubtype="0" fill="hold" grpId="0" nodeType="withEffect">
+                                  <p:stCondLst>
+                                    <p:cond delay="0"/>
+                                  </p:stCondLst>
+                                  <p:childTnLst>
+                                    <p:set>
+                                      <p:cBhvr>
+                                        <p:cTn id="20" dur="1" fill="hold">
+                                          <p:stCondLst>
+                                            <p:cond delay="0"/>
+                                          </p:stCondLst>
+                                        </p:cTn>
+                                        <p:tgtEl>
+                                          <p:spTgt spid="30"/>
+                                        </p:tgtEl>
+                                        <p:attrNameLst>
+                                          <p:attrName>style.visibility</p:attrName>
+                                        </p:attrNameLst>
+                                      </p:cBhvr>
+                                      <p:to>
+                                        <p:strVal val="visible"/>
+                                      </p:to>
+                                    </p:set>
+                                  </p:childTnLst>
+                                </p:cTn>
+                              </p:par>
+                            </p:childTnLst>
+                          </p:cTn>
+                        </p:par>
+                      </p:childTnLst>
+                    </p:cTn>
+                  </p:par>
+                </p:childTnLst>
+              </p:cTn>
+              <p:prevCondLst>
+                <p:cond evt="onPrev" delay="0">
+                  <p:tgtEl>
+                    <p:sldTgt/>
+                  </p:tgtEl>
+                </p:cond>
+              </p:prevCondLst>
+              <p:nextCondLst>
+                <p:cond evt="onNext" delay="0">
+                  <p:tgtEl>
+                    <p:sldTgt/>
+                  </p:tgtEl>
+                </p:cond>
+              </p:nextCondLst>
+            </p:seq>
+          </p:childTnLst>
+        </p:cTn>
+      </p:par>
+    </p:tnLst>
+    <p:bldLst>
+      <p:bldP spid="30" grpId="0"/>
+    </p:bldLst>
+  </p:timing>
 </p:sld>
 </file>
 
-<file path=ppt/slides/slide6.xml><?xml version="1.0" encoding="utf-8"?>
+<file path=ppt/slides/slide13.xml><?xml version="1.0" encoding="utf-8"?>
 <p:sld xmlns:a="http://schemas.openxmlformats.org/drawingml/2006/main" xmlns:r="http://schemas.openxmlformats.org/officeDocument/2006/relationships" xmlns:p="http://schemas.openxmlformats.org/presentationml/2006/main">
   <p:cSld>
     <p:spTree>
@@ -7797,7 +8826,7 @@
 </p:sld>
 </file>
 
-<file path=ppt/slides/slide7.xml><?xml version="1.0" encoding="utf-8"?>
+<file path=ppt/slides/slide14.xml><?xml version="1.0" encoding="utf-8"?>
 <p:sld xmlns:a="http://schemas.openxmlformats.org/drawingml/2006/main" xmlns:r="http://schemas.openxmlformats.org/officeDocument/2006/relationships" xmlns:p="http://schemas.openxmlformats.org/presentationml/2006/main">
   <p:cSld>
     <p:spTree>
@@ -7892,7 +8921,7 @@
 </p:sld>
 </file>
 
-<file path=ppt/slides/slide8.xml><?xml version="1.0" encoding="utf-8"?>
+<file path=ppt/slides/slide15.xml><?xml version="1.0" encoding="utf-8"?>
 <p:sld xmlns:a="http://schemas.openxmlformats.org/drawingml/2006/main" xmlns:r="http://schemas.openxmlformats.org/officeDocument/2006/relationships" xmlns:p="http://schemas.openxmlformats.org/presentationml/2006/main">
   <p:cSld>
     <p:spTree>
@@ -7937,44 +8966,7 @@
                 <a:latin typeface="Segoe UI Light" panose="020B0502040204020203" pitchFamily="34" charset="0"/>
                 <a:cs typeface="Segoe UI Light" panose="020B0502040204020203" pitchFamily="34" charset="0"/>
               </a:rPr>
-              <a:t>Log</a:t>
-            </a:r>
-          </a:p>
-        </p:txBody>
-      </p:sp>
-      <p:sp>
-        <p:nvSpPr>
-          <p:cNvPr id="7" name="ZoneTexte 6">
-            <a:extLst>
-              <a:ext uri="{FF2B5EF4-FFF2-40B4-BE49-F238E27FC236}">
-                <a16:creationId xmlns:a16="http://schemas.microsoft.com/office/drawing/2014/main" id="{1351B732-5CDD-4F7E-9691-AF0E2CE8CDA3}"/>
-              </a:ext>
-            </a:extLst>
-          </p:cNvPr>
-          <p:cNvSpPr txBox="1"/>
-          <p:nvPr/>
-        </p:nvSpPr>
-        <p:spPr>
-          <a:xfrm>
-            <a:off x="521206" y="1708681"/>
-            <a:ext cx="10338081" cy="369332"/>
-          </a:xfrm>
-          <a:prstGeom prst="rect">
-            <a:avLst/>
-          </a:prstGeom>
-          <a:noFill/>
-        </p:spPr>
-        <p:txBody>
-          <a:bodyPr wrap="square">
-            <a:spAutoFit/>
-          </a:bodyPr>
-          <a:lstStyle/>
-          <a:p>
-            <a:r>
-              <a:rPr lang="fr-FR" dirty="0">
-                <a:sym typeface="Wingdings" panose="05000000000000000000" pitchFamily="2" charset="2"/>
-              </a:rPr>
-              <a:t>f</a:t>
+              <a:t>Vue en couche</a:t>
             </a:r>
           </a:p>
         </p:txBody>
@@ -8000,7 +8992,7 @@
 </p:sld>
 </file>
 
-<file path=ppt/slides/slide9.xml><?xml version="1.0" encoding="utf-8"?>
+<file path=ppt/slides/slide16.xml><?xml version="1.0" encoding="utf-8"?>
 <p:sld xmlns:a="http://schemas.openxmlformats.org/drawingml/2006/main" xmlns:r="http://schemas.openxmlformats.org/officeDocument/2006/relationships" xmlns:p="http://schemas.openxmlformats.org/presentationml/2006/main">
   <p:cSld>
     <p:spTree>
@@ -8092,6 +9084,4973 @@
   <p:clrMapOvr>
     <a:masterClrMapping/>
   </p:clrMapOvr>
+</p:sld>
+</file>
+
+<file path=ppt/slides/slide17.xml><?xml version="1.0" encoding="utf-8"?>
+<p:sld xmlns:a="http://schemas.openxmlformats.org/drawingml/2006/main" xmlns:r="http://schemas.openxmlformats.org/officeDocument/2006/relationships" xmlns:p="http://schemas.openxmlformats.org/presentationml/2006/main">
+  <p:cSld>
+    <p:spTree>
+      <p:nvGrpSpPr>
+        <p:cNvPr id="1" name=""/>
+        <p:cNvGrpSpPr/>
+        <p:nvPr/>
+      </p:nvGrpSpPr>
+      <p:grpSpPr>
+        <a:xfrm>
+          <a:off x="0" y="0"/>
+          <a:ext cx="0" cy="0"/>
+          <a:chOff x="0" y="0"/>
+          <a:chExt cx="0" cy="0"/>
+        </a:xfrm>
+      </p:grpSpPr>
+      <p:sp>
+        <p:nvSpPr>
+          <p:cNvPr id="4" name="Titre 3"/>
+          <p:cNvSpPr>
+            <a:spLocks noGrp="1"/>
+          </p:cNvSpPr>
+          <p:nvPr>
+            <p:ph type="title"/>
+          </p:nvPr>
+        </p:nvSpPr>
+        <p:spPr>
+          <a:xfrm>
+            <a:off x="521207" y="448056"/>
+            <a:ext cx="7783344" cy="640080"/>
+          </a:xfrm>
+        </p:spPr>
+        <p:txBody>
+          <a:bodyPr rtlCol="0">
+            <a:normAutofit/>
+          </a:bodyPr>
+          <a:lstStyle/>
+          <a:p>
+            <a:pPr rtl="0"/>
+            <a:r>
+              <a:rPr lang="fr-FR" noProof="1">
+                <a:latin typeface="Segoe UI Light" panose="020B0502040204020203" pitchFamily="34" charset="0"/>
+                <a:cs typeface="Segoe UI Light" panose="020B0502040204020203" pitchFamily="34" charset="0"/>
+              </a:rPr>
+              <a:t>Log</a:t>
+            </a:r>
+          </a:p>
+        </p:txBody>
+      </p:sp>
+      <p:sp>
+        <p:nvSpPr>
+          <p:cNvPr id="7" name="ZoneTexte 6">
+            <a:extLst>
+              <a:ext uri="{FF2B5EF4-FFF2-40B4-BE49-F238E27FC236}">
+                <a16:creationId xmlns:a16="http://schemas.microsoft.com/office/drawing/2014/main" id="{1351B732-5CDD-4F7E-9691-AF0E2CE8CDA3}"/>
+              </a:ext>
+            </a:extLst>
+          </p:cNvPr>
+          <p:cNvSpPr txBox="1"/>
+          <p:nvPr/>
+        </p:nvSpPr>
+        <p:spPr>
+          <a:xfrm>
+            <a:off x="521206" y="1708681"/>
+            <a:ext cx="10338081" cy="369332"/>
+          </a:xfrm>
+          <a:prstGeom prst="rect">
+            <a:avLst/>
+          </a:prstGeom>
+          <a:noFill/>
+        </p:spPr>
+        <p:txBody>
+          <a:bodyPr wrap="square">
+            <a:spAutoFit/>
+          </a:bodyPr>
+          <a:lstStyle/>
+          <a:p>
+            <a:r>
+              <a:rPr lang="fr-FR" dirty="0">
+                <a:sym typeface="Wingdings" panose="05000000000000000000" pitchFamily="2" charset="2"/>
+              </a:rPr>
+              <a:t>f</a:t>
+            </a:r>
+          </a:p>
+        </p:txBody>
+      </p:sp>
+    </p:spTree>
+    <p:extLst>
+      <p:ext uri="{BB962C8B-B14F-4D97-AF65-F5344CB8AC3E}">
+        <p14:creationId xmlns:p14="http://schemas.microsoft.com/office/powerpoint/2010/main" val="3037234062"/>
+      </p:ext>
+    </p:extLst>
+  </p:cSld>
+  <p:clrMapOvr>
+    <a:masterClrMapping/>
+  </p:clrMapOvr>
+  <mc:AlternateContent xmlns:mc="http://schemas.openxmlformats.org/markup-compatibility/2006" xmlns:p14="http://schemas.microsoft.com/office/powerpoint/2010/main">
+    <mc:Choice Requires="p14">
+      <p:transition p14:dur="10"/>
+    </mc:Choice>
+    <mc:Fallback xmlns="">
+      <p:transition/>
+    </mc:Fallback>
+  </mc:AlternateContent>
+</p:sld>
+</file>
+
+<file path=ppt/slides/slide18.xml><?xml version="1.0" encoding="utf-8"?>
+<p:sld xmlns:a="http://schemas.openxmlformats.org/drawingml/2006/main" xmlns:r="http://schemas.openxmlformats.org/officeDocument/2006/relationships" xmlns:p="http://schemas.openxmlformats.org/presentationml/2006/main">
+  <p:cSld>
+    <p:spTree>
+      <p:nvGrpSpPr>
+        <p:cNvPr id="1" name=""/>
+        <p:cNvGrpSpPr/>
+        <p:nvPr/>
+      </p:nvGrpSpPr>
+      <p:grpSpPr>
+        <a:xfrm>
+          <a:off x="0" y="0"/>
+          <a:ext cx="0" cy="0"/>
+          <a:chOff x="0" y="0"/>
+          <a:chExt cx="0" cy="0"/>
+        </a:xfrm>
+      </p:grpSpPr>
+      <p:sp>
+        <p:nvSpPr>
+          <p:cNvPr id="2" name="Titre 1">
+            <a:extLst>
+              <a:ext uri="{FF2B5EF4-FFF2-40B4-BE49-F238E27FC236}">
+                <a16:creationId xmlns:a16="http://schemas.microsoft.com/office/drawing/2014/main" id="{0C3CF6A7-E17D-4316-8AD8-CAC6DB3A712D}"/>
+              </a:ext>
+            </a:extLst>
+          </p:cNvPr>
+          <p:cNvSpPr>
+            <a:spLocks noGrp="1"/>
+          </p:cNvSpPr>
+          <p:nvPr>
+            <p:ph type="title"/>
+          </p:nvPr>
+        </p:nvSpPr>
+        <p:spPr/>
+        <p:txBody>
+          <a:bodyPr/>
+          <a:lstStyle/>
+          <a:p>
+            <a:r>
+              <a:rPr lang="fr-FR" dirty="0"/>
+              <a:t>Les différentes « stack » logicielles</a:t>
+            </a:r>
+          </a:p>
+        </p:txBody>
+      </p:sp>
+      <p:pic>
+        <p:nvPicPr>
+          <p:cNvPr id="4" name="Image 3" descr="Une image contenant livre, pile&#10;&#10;Description générée automatiquement">
+            <a:extLst>
+              <a:ext uri="{FF2B5EF4-FFF2-40B4-BE49-F238E27FC236}">
+                <a16:creationId xmlns:a16="http://schemas.microsoft.com/office/drawing/2014/main" id="{393D76C5-8733-F62C-2406-378FF6679C57}"/>
+              </a:ext>
+            </a:extLst>
+          </p:cNvPr>
+          <p:cNvPicPr>
+            <a:picLocks noChangeAspect="1"/>
+          </p:cNvPicPr>
+          <p:nvPr/>
+        </p:nvPicPr>
+        <p:blipFill>
+          <a:blip r:embed="rId2"/>
+          <a:stretch>
+            <a:fillRect/>
+          </a:stretch>
+        </p:blipFill>
+        <p:spPr>
+          <a:xfrm>
+            <a:off x="4290172" y="3093384"/>
+            <a:ext cx="2571750" cy="2571750"/>
+          </a:xfrm>
+          <a:prstGeom prst="rect">
+            <a:avLst/>
+          </a:prstGeom>
+        </p:spPr>
+      </p:pic>
+    </p:spTree>
+    <p:extLst>
+      <p:ext uri="{BB962C8B-B14F-4D97-AF65-F5344CB8AC3E}">
+        <p14:creationId xmlns:p14="http://schemas.microsoft.com/office/powerpoint/2010/main" val="1983228113"/>
+      </p:ext>
+    </p:extLst>
+  </p:cSld>
+  <p:clrMapOvr>
+    <a:masterClrMapping/>
+  </p:clrMapOvr>
+</p:sld>
+</file>
+
+<file path=ppt/slides/slide19.xml><?xml version="1.0" encoding="utf-8"?>
+<p:sld xmlns:a="http://schemas.openxmlformats.org/drawingml/2006/main" xmlns:r="http://schemas.openxmlformats.org/officeDocument/2006/relationships" xmlns:p="http://schemas.openxmlformats.org/presentationml/2006/main">
+  <p:cSld>
+    <p:spTree>
+      <p:nvGrpSpPr>
+        <p:cNvPr id="1" name=""/>
+        <p:cNvGrpSpPr/>
+        <p:nvPr/>
+      </p:nvGrpSpPr>
+      <p:grpSpPr>
+        <a:xfrm>
+          <a:off x="0" y="0"/>
+          <a:ext cx="0" cy="0"/>
+          <a:chOff x="0" y="0"/>
+          <a:chExt cx="0" cy="0"/>
+        </a:xfrm>
+      </p:grpSpPr>
+      <p:sp>
+        <p:nvSpPr>
+          <p:cNvPr id="4" name="Titre 3"/>
+          <p:cNvSpPr>
+            <a:spLocks noGrp="1"/>
+          </p:cNvSpPr>
+          <p:nvPr>
+            <p:ph type="title"/>
+          </p:nvPr>
+        </p:nvSpPr>
+        <p:spPr>
+          <a:xfrm>
+            <a:off x="521207" y="448056"/>
+            <a:ext cx="7783344" cy="640080"/>
+          </a:xfrm>
+        </p:spPr>
+        <p:txBody>
+          <a:bodyPr rtlCol="0">
+            <a:normAutofit/>
+          </a:bodyPr>
+          <a:lstStyle/>
+          <a:p>
+            <a:pPr rtl="0"/>
+            <a:r>
+              <a:rPr lang="fr-FR" noProof="1">
+                <a:latin typeface="Segoe UI Light" panose="020B0502040204020203" pitchFamily="34" charset="0"/>
+                <a:cs typeface="Segoe UI Light" panose="020B0502040204020203" pitchFamily="34" charset="0"/>
+              </a:rPr>
+              <a:t>Log</a:t>
+            </a:r>
+          </a:p>
+        </p:txBody>
+      </p:sp>
+      <p:sp>
+        <p:nvSpPr>
+          <p:cNvPr id="7" name="ZoneTexte 6">
+            <a:extLst>
+              <a:ext uri="{FF2B5EF4-FFF2-40B4-BE49-F238E27FC236}">
+                <a16:creationId xmlns:a16="http://schemas.microsoft.com/office/drawing/2014/main" id="{1351B732-5CDD-4F7E-9691-AF0E2CE8CDA3}"/>
+              </a:ext>
+            </a:extLst>
+          </p:cNvPr>
+          <p:cNvSpPr txBox="1"/>
+          <p:nvPr/>
+        </p:nvSpPr>
+        <p:spPr>
+          <a:xfrm>
+            <a:off x="521206" y="1708681"/>
+            <a:ext cx="10338081" cy="369332"/>
+          </a:xfrm>
+          <a:prstGeom prst="rect">
+            <a:avLst/>
+          </a:prstGeom>
+          <a:noFill/>
+        </p:spPr>
+        <p:txBody>
+          <a:bodyPr wrap="square">
+            <a:spAutoFit/>
+          </a:bodyPr>
+          <a:lstStyle/>
+          <a:p>
+            <a:r>
+              <a:rPr lang="fr-FR" dirty="0">
+                <a:sym typeface="Wingdings" panose="05000000000000000000" pitchFamily="2" charset="2"/>
+              </a:rPr>
+              <a:t>f</a:t>
+            </a:r>
+          </a:p>
+        </p:txBody>
+      </p:sp>
+    </p:spTree>
+    <p:extLst>
+      <p:ext uri="{BB962C8B-B14F-4D97-AF65-F5344CB8AC3E}">
+        <p14:creationId xmlns:p14="http://schemas.microsoft.com/office/powerpoint/2010/main" val="2391648638"/>
+      </p:ext>
+    </p:extLst>
+  </p:cSld>
+  <p:clrMapOvr>
+    <a:masterClrMapping/>
+  </p:clrMapOvr>
+  <mc:AlternateContent xmlns:mc="http://schemas.openxmlformats.org/markup-compatibility/2006" xmlns:p14="http://schemas.microsoft.com/office/powerpoint/2010/main">
+    <mc:Choice Requires="p14">
+      <p:transition p14:dur="10"/>
+    </mc:Choice>
+    <mc:Fallback xmlns="">
+      <p:transition/>
+    </mc:Fallback>
+  </mc:AlternateContent>
+</p:sld>
+</file>
+
+<file path=ppt/slides/slide2.xml><?xml version="1.0" encoding="utf-8"?>
+<p:sld xmlns:a="http://schemas.openxmlformats.org/drawingml/2006/main" xmlns:r="http://schemas.openxmlformats.org/officeDocument/2006/relationships" xmlns:p="http://schemas.openxmlformats.org/presentationml/2006/main">
+  <p:cSld>
+    <p:spTree>
+      <p:nvGrpSpPr>
+        <p:cNvPr id="1" name=""/>
+        <p:cNvGrpSpPr/>
+        <p:nvPr/>
+      </p:nvGrpSpPr>
+      <p:grpSpPr>
+        <a:xfrm>
+          <a:off x="0" y="0"/>
+          <a:ext cx="0" cy="0"/>
+          <a:chOff x="0" y="0"/>
+          <a:chExt cx="0" cy="0"/>
+        </a:xfrm>
+      </p:grpSpPr>
+      <p:sp>
+        <p:nvSpPr>
+          <p:cNvPr id="4" name="Titre 3"/>
+          <p:cNvSpPr>
+            <a:spLocks noGrp="1"/>
+          </p:cNvSpPr>
+          <p:nvPr>
+            <p:ph type="title"/>
+          </p:nvPr>
+        </p:nvSpPr>
+        <p:spPr>
+          <a:xfrm>
+            <a:off x="521207" y="448056"/>
+            <a:ext cx="7783344" cy="640080"/>
+          </a:xfrm>
+        </p:spPr>
+        <p:txBody>
+          <a:bodyPr rtlCol="0">
+            <a:normAutofit/>
+          </a:bodyPr>
+          <a:lstStyle/>
+          <a:p>
+            <a:pPr rtl="0"/>
+            <a:r>
+              <a:rPr lang="fr-FR" noProof="1">
+                <a:latin typeface="Segoe UI Light" panose="020B0502040204020203" pitchFamily="34" charset="0"/>
+                <a:cs typeface="Segoe UI Light" panose="020B0502040204020203" pitchFamily="34" charset="0"/>
+              </a:rPr>
+              <a:t>Définition</a:t>
+            </a:r>
+          </a:p>
+        </p:txBody>
+      </p:sp>
+      <p:sp>
+        <p:nvSpPr>
+          <p:cNvPr id="7" name="ZoneTexte 6">
+            <a:extLst>
+              <a:ext uri="{FF2B5EF4-FFF2-40B4-BE49-F238E27FC236}">
+                <a16:creationId xmlns:a16="http://schemas.microsoft.com/office/drawing/2014/main" id="{1351B732-5CDD-4F7E-9691-AF0E2CE8CDA3}"/>
+              </a:ext>
+            </a:extLst>
+          </p:cNvPr>
+          <p:cNvSpPr txBox="1"/>
+          <p:nvPr/>
+        </p:nvSpPr>
+        <p:spPr>
+          <a:xfrm>
+            <a:off x="521205" y="1708681"/>
+            <a:ext cx="11135175" cy="1569660"/>
+          </a:xfrm>
+          <a:prstGeom prst="rect">
+            <a:avLst/>
+          </a:prstGeom>
+          <a:noFill/>
+        </p:spPr>
+        <p:txBody>
+          <a:bodyPr wrap="square">
+            <a:spAutoFit/>
+          </a:bodyPr>
+          <a:lstStyle/>
+          <a:p>
+            <a:r>
+              <a:rPr lang="fr-FR" sz="3200" dirty="0">
+                <a:sym typeface="Wingdings" panose="05000000000000000000" pitchFamily="2" charset="2"/>
+              </a:rPr>
+              <a:t>Définition en 4 mots  (</a:t>
+            </a:r>
+            <a:r>
+              <a:rPr lang="fr-FR" sz="3200" dirty="0">
+                <a:solidFill>
+                  <a:schemeClr val="accent2">
+                    <a:lumMod val="75000"/>
+                  </a:schemeClr>
+                </a:solidFill>
+                <a:sym typeface="Wingdings" panose="05000000000000000000" pitchFamily="2" charset="2"/>
+              </a:rPr>
+              <a:t>osé</a:t>
+            </a:r>
+            <a:r>
+              <a:rPr lang="fr-FR" sz="3200" dirty="0">
+                <a:sym typeface="Wingdings" panose="05000000000000000000" pitchFamily="2" charset="2"/>
+              </a:rPr>
+              <a:t> !)</a:t>
+            </a:r>
+          </a:p>
+          <a:p>
+            <a:r>
+              <a:rPr lang="fr-FR" sz="3200" dirty="0">
+                <a:solidFill>
+                  <a:schemeClr val="accent2">
+                    <a:lumMod val="75000"/>
+                  </a:schemeClr>
+                </a:solidFill>
+                <a:sym typeface="Wingdings" panose="05000000000000000000" pitchFamily="2" charset="2"/>
+              </a:rPr>
+              <a:t>Impératif</a:t>
+            </a:r>
+            <a:r>
+              <a:rPr lang="fr-FR" sz="3200" dirty="0">
+                <a:sym typeface="Wingdings" panose="05000000000000000000" pitchFamily="2" charset="2"/>
+              </a:rPr>
+              <a:t> = </a:t>
+            </a:r>
+            <a:r>
+              <a:rPr lang="fr-FR" sz="3200" dirty="0">
+                <a:solidFill>
+                  <a:srgbClr val="00B0F0"/>
+                </a:solidFill>
+                <a:sym typeface="Wingdings" panose="05000000000000000000" pitchFamily="2" charset="2"/>
+              </a:rPr>
+              <a:t>séquentiel</a:t>
+            </a:r>
+            <a:r>
+              <a:rPr lang="fr-FR" sz="3200" dirty="0">
+                <a:sym typeface="Wingdings" panose="05000000000000000000" pitchFamily="2" charset="2"/>
+              </a:rPr>
+              <a:t>    (Ex : C, Java, Python, etc…)</a:t>
+            </a:r>
+            <a:endParaRPr lang="fr-FR" sz="3200" dirty="0">
+              <a:solidFill>
+                <a:srgbClr val="FF0000"/>
+              </a:solidFill>
+              <a:sym typeface="Wingdings" panose="05000000000000000000" pitchFamily="2" charset="2"/>
+            </a:endParaRPr>
+          </a:p>
+          <a:p>
+            <a:r>
+              <a:rPr lang="fr-FR" sz="3200" dirty="0">
+                <a:solidFill>
+                  <a:schemeClr val="accent2">
+                    <a:lumMod val="75000"/>
+                  </a:schemeClr>
+                </a:solidFill>
+                <a:sym typeface="Wingdings" panose="05000000000000000000" pitchFamily="2" charset="2"/>
+              </a:rPr>
+              <a:t>Réactif</a:t>
+            </a:r>
+            <a:r>
+              <a:rPr lang="fr-FR" sz="3200" dirty="0">
+                <a:sym typeface="Wingdings" panose="05000000000000000000" pitchFamily="2" charset="2"/>
+              </a:rPr>
+              <a:t> = </a:t>
+            </a:r>
+            <a:r>
+              <a:rPr lang="fr-FR" sz="3200" dirty="0">
+                <a:solidFill>
+                  <a:srgbClr val="00B0F0"/>
+                </a:solidFill>
+                <a:sym typeface="Wingdings" panose="05000000000000000000" pitchFamily="2" charset="2"/>
+              </a:rPr>
+              <a:t>asynchrone    </a:t>
+            </a:r>
+            <a:r>
+              <a:rPr lang="fr-FR" sz="3200" dirty="0">
+                <a:sym typeface="Wingdings" panose="05000000000000000000" pitchFamily="2" charset="2"/>
+              </a:rPr>
+              <a:t>(Ex : Javascript, Java avec API P. </a:t>
+            </a:r>
+            <a:r>
+              <a:rPr lang="fr-FR" sz="3200" dirty="0" err="1">
+                <a:sym typeface="Wingdings" panose="05000000000000000000" pitchFamily="2" charset="2"/>
+              </a:rPr>
+              <a:t>Reactor</a:t>
+            </a:r>
+            <a:r>
+              <a:rPr lang="fr-FR" sz="3200" dirty="0">
+                <a:sym typeface="Wingdings" panose="05000000000000000000" pitchFamily="2" charset="2"/>
+              </a:rPr>
+              <a:t>…)</a:t>
+            </a:r>
+            <a:endParaRPr lang="fr-FR" sz="3200" dirty="0">
+              <a:solidFill>
+                <a:srgbClr val="00B0F0"/>
+              </a:solidFill>
+              <a:sym typeface="Wingdings" panose="05000000000000000000" pitchFamily="2" charset="2"/>
+            </a:endParaRPr>
+          </a:p>
+        </p:txBody>
+      </p:sp>
+    </p:spTree>
+    <p:extLst>
+      <p:ext uri="{BB962C8B-B14F-4D97-AF65-F5344CB8AC3E}">
+        <p14:creationId xmlns:p14="http://schemas.microsoft.com/office/powerpoint/2010/main" val="3477378876"/>
+      </p:ext>
+    </p:extLst>
+  </p:cSld>
+  <p:clrMapOvr>
+    <a:masterClrMapping/>
+  </p:clrMapOvr>
+  <mc:AlternateContent xmlns:mc="http://schemas.openxmlformats.org/markup-compatibility/2006" xmlns:p14="http://schemas.microsoft.com/office/powerpoint/2010/main">
+    <mc:Choice Requires="p14">
+      <p:transition p14:dur="10"/>
+    </mc:Choice>
+    <mc:Fallback xmlns="">
+      <p:transition/>
+    </mc:Fallback>
+  </mc:AlternateContent>
+</p:sld>
+</file>
+
+<file path=ppt/slides/slide20.xml><?xml version="1.0" encoding="utf-8"?>
+<p:sld xmlns:a="http://schemas.openxmlformats.org/drawingml/2006/main" xmlns:r="http://schemas.openxmlformats.org/officeDocument/2006/relationships" xmlns:p="http://schemas.openxmlformats.org/presentationml/2006/main">
+  <p:cSld>
+    <p:spTree>
+      <p:nvGrpSpPr>
+        <p:cNvPr id="1" name=""/>
+        <p:cNvGrpSpPr/>
+        <p:nvPr/>
+      </p:nvGrpSpPr>
+      <p:grpSpPr>
+        <a:xfrm>
+          <a:off x="0" y="0"/>
+          <a:ext cx="0" cy="0"/>
+          <a:chOff x="0" y="0"/>
+          <a:chExt cx="0" cy="0"/>
+        </a:xfrm>
+      </p:grpSpPr>
+      <p:sp>
+        <p:nvSpPr>
+          <p:cNvPr id="2" name="Titre 1">
+            <a:extLst>
+              <a:ext uri="{FF2B5EF4-FFF2-40B4-BE49-F238E27FC236}">
+                <a16:creationId xmlns:a16="http://schemas.microsoft.com/office/drawing/2014/main" id="{0C3CF6A7-E17D-4316-8AD8-CAC6DB3A712D}"/>
+              </a:ext>
+            </a:extLst>
+          </p:cNvPr>
+          <p:cNvSpPr>
+            <a:spLocks noGrp="1"/>
+          </p:cNvSpPr>
+          <p:nvPr>
+            <p:ph type="title"/>
+          </p:nvPr>
+        </p:nvSpPr>
+        <p:spPr/>
+        <p:txBody>
+          <a:bodyPr/>
+          <a:lstStyle/>
+          <a:p>
+            <a:r>
+              <a:rPr lang="fr-FR" dirty="0"/>
+              <a:t>Les tests de performances</a:t>
+            </a:r>
+          </a:p>
+        </p:txBody>
+      </p:sp>
+      <p:pic>
+        <p:nvPicPr>
+          <p:cNvPr id="6" name="Image 5" descr="Une image contenant roue, capture d’écran, personne, voiture&#10;&#10;Description générée automatiquement">
+            <a:extLst>
+              <a:ext uri="{FF2B5EF4-FFF2-40B4-BE49-F238E27FC236}">
+                <a16:creationId xmlns:a16="http://schemas.microsoft.com/office/drawing/2014/main" id="{1A8811D5-C361-4BB2-338C-E6D88CCB257D}"/>
+              </a:ext>
+            </a:extLst>
+          </p:cNvPr>
+          <p:cNvPicPr>
+            <a:picLocks noChangeAspect="1"/>
+          </p:cNvPicPr>
+          <p:nvPr/>
+        </p:nvPicPr>
+        <p:blipFill>
+          <a:blip r:embed="rId2"/>
+          <a:stretch>
+            <a:fillRect/>
+          </a:stretch>
+        </p:blipFill>
+        <p:spPr>
+          <a:xfrm>
+            <a:off x="4612902" y="3213847"/>
+            <a:ext cx="2571750" cy="2571750"/>
+          </a:xfrm>
+          <a:prstGeom prst="rect">
+            <a:avLst/>
+          </a:prstGeom>
+        </p:spPr>
+      </p:pic>
+    </p:spTree>
+    <p:extLst>
+      <p:ext uri="{BB962C8B-B14F-4D97-AF65-F5344CB8AC3E}">
+        <p14:creationId xmlns:p14="http://schemas.microsoft.com/office/powerpoint/2010/main" val="4055067017"/>
+      </p:ext>
+    </p:extLst>
+  </p:cSld>
+  <p:clrMapOvr>
+    <a:masterClrMapping/>
+  </p:clrMapOvr>
+</p:sld>
+</file>
+
+<file path=ppt/slides/slide21.xml><?xml version="1.0" encoding="utf-8"?>
+<p:sld xmlns:a="http://schemas.openxmlformats.org/drawingml/2006/main" xmlns:r="http://schemas.openxmlformats.org/officeDocument/2006/relationships" xmlns:p="http://schemas.openxmlformats.org/presentationml/2006/main">
+  <p:cSld>
+    <p:spTree>
+      <p:nvGrpSpPr>
+        <p:cNvPr id="1" name=""/>
+        <p:cNvGrpSpPr/>
+        <p:nvPr/>
+      </p:nvGrpSpPr>
+      <p:grpSpPr>
+        <a:xfrm>
+          <a:off x="0" y="0"/>
+          <a:ext cx="0" cy="0"/>
+          <a:chOff x="0" y="0"/>
+          <a:chExt cx="0" cy="0"/>
+        </a:xfrm>
+      </p:grpSpPr>
+      <p:sp>
+        <p:nvSpPr>
+          <p:cNvPr id="4" name="Titre 3"/>
+          <p:cNvSpPr>
+            <a:spLocks noGrp="1"/>
+          </p:cNvSpPr>
+          <p:nvPr>
+            <p:ph type="title"/>
+          </p:nvPr>
+        </p:nvSpPr>
+        <p:spPr>
+          <a:xfrm>
+            <a:off x="521207" y="448056"/>
+            <a:ext cx="7783344" cy="640080"/>
+          </a:xfrm>
+        </p:spPr>
+        <p:txBody>
+          <a:bodyPr rtlCol="0">
+            <a:normAutofit/>
+          </a:bodyPr>
+          <a:lstStyle/>
+          <a:p>
+            <a:pPr rtl="0"/>
+            <a:r>
+              <a:rPr lang="fr-FR" noProof="1">
+                <a:latin typeface="Segoe UI Light" panose="020B0502040204020203" pitchFamily="34" charset="0"/>
+                <a:cs typeface="Segoe UI Light" panose="020B0502040204020203" pitchFamily="34" charset="0"/>
+              </a:rPr>
+              <a:t>Log</a:t>
+            </a:r>
+          </a:p>
+        </p:txBody>
+      </p:sp>
+      <p:sp>
+        <p:nvSpPr>
+          <p:cNvPr id="7" name="ZoneTexte 6">
+            <a:extLst>
+              <a:ext uri="{FF2B5EF4-FFF2-40B4-BE49-F238E27FC236}">
+                <a16:creationId xmlns:a16="http://schemas.microsoft.com/office/drawing/2014/main" id="{1351B732-5CDD-4F7E-9691-AF0E2CE8CDA3}"/>
+              </a:ext>
+            </a:extLst>
+          </p:cNvPr>
+          <p:cNvSpPr txBox="1"/>
+          <p:nvPr/>
+        </p:nvSpPr>
+        <p:spPr>
+          <a:xfrm>
+            <a:off x="521206" y="1708681"/>
+            <a:ext cx="10338081" cy="2862322"/>
+          </a:xfrm>
+          <a:prstGeom prst="rect">
+            <a:avLst/>
+          </a:prstGeom>
+          <a:noFill/>
+        </p:spPr>
+        <p:txBody>
+          <a:bodyPr wrap="square">
+            <a:spAutoFit/>
+          </a:bodyPr>
+          <a:lstStyle/>
+          <a:p>
+            <a:r>
+              <a:rPr lang="fr-FR" dirty="0">
+                <a:sym typeface="Wingdings" panose="05000000000000000000" pitchFamily="2" charset="2"/>
+                <a:hlinkClick r:id="rId3"/>
+              </a:rPr>
+              <a:t>https://spring.io/blog/2023/09/19/this-week-in-spring-september-19th-2023-java-21-edition</a:t>
+            </a:r>
+            <a:endParaRPr lang="fr-FR" dirty="0">
+              <a:sym typeface="Wingdings" panose="05000000000000000000" pitchFamily="2" charset="2"/>
+              <a:hlinkClick r:id="rId4"/>
+            </a:endParaRPr>
+          </a:p>
+          <a:p>
+            <a:endParaRPr lang="fr-FR" dirty="0">
+              <a:sym typeface="Wingdings" panose="05000000000000000000" pitchFamily="2" charset="2"/>
+              <a:hlinkClick r:id="rId4"/>
+            </a:endParaRPr>
+          </a:p>
+          <a:p>
+            <a:r>
+              <a:rPr lang="fr-FR" dirty="0">
+                <a:sym typeface="Wingdings" panose="05000000000000000000" pitchFamily="2" charset="2"/>
+                <a:hlinkClick r:id="rId4"/>
+              </a:rPr>
+              <a:t>https://spring.io/blog/2022/10/11/embracing-virtual-threads</a:t>
+            </a:r>
+          </a:p>
+          <a:p>
+            <a:endParaRPr lang="fr-FR" dirty="0">
+              <a:sym typeface="Wingdings" panose="05000000000000000000" pitchFamily="2" charset="2"/>
+              <a:hlinkClick r:id="rId4"/>
+            </a:endParaRPr>
+          </a:p>
+          <a:p>
+            <a:r>
+              <a:rPr lang="fr-FR" dirty="0">
+                <a:sym typeface="Wingdings" panose="05000000000000000000" pitchFamily="2" charset="2"/>
+                <a:hlinkClick r:id="rId4"/>
+              </a:rPr>
+              <a:t>https://www.baeldung.com/spring-6-virtual-threads</a:t>
+            </a:r>
+            <a:endParaRPr lang="fr-FR" dirty="0">
+              <a:sym typeface="Wingdings" panose="05000000000000000000" pitchFamily="2" charset="2"/>
+            </a:endParaRPr>
+          </a:p>
+          <a:p>
+            <a:endParaRPr lang="fr-FR" dirty="0">
+              <a:sym typeface="Wingdings" panose="05000000000000000000" pitchFamily="2" charset="2"/>
+            </a:endParaRPr>
+          </a:p>
+          <a:p>
+            <a:r>
+              <a:rPr lang="fr-FR">
+                <a:sym typeface="Wingdings" panose="05000000000000000000" pitchFamily="2" charset="2"/>
+                <a:hlinkClick r:id="rId5"/>
+              </a:rPr>
+              <a:t>https://www.postgresql.org/about/news/postgresql-jdbc-4260-released-2613/</a:t>
+            </a:r>
+            <a:r>
+              <a:rPr lang="fr-FR">
+                <a:sym typeface="Wingdings" panose="05000000000000000000" pitchFamily="2" charset="2"/>
+              </a:rPr>
+              <a:t> </a:t>
+            </a:r>
+          </a:p>
+          <a:p>
+            <a:endParaRPr lang="fr-FR" dirty="0">
+              <a:sym typeface="Wingdings" panose="05000000000000000000" pitchFamily="2" charset="2"/>
+            </a:endParaRPr>
+          </a:p>
+          <a:p>
+            <a:endParaRPr lang="fr-FR" dirty="0">
+              <a:sym typeface="Wingdings" panose="05000000000000000000" pitchFamily="2" charset="2"/>
+            </a:endParaRPr>
+          </a:p>
+          <a:p>
+            <a:endParaRPr lang="fr-FR" dirty="0">
+              <a:sym typeface="Wingdings" panose="05000000000000000000" pitchFamily="2" charset="2"/>
+            </a:endParaRPr>
+          </a:p>
+        </p:txBody>
+      </p:sp>
+    </p:spTree>
+    <p:extLst>
+      <p:ext uri="{BB962C8B-B14F-4D97-AF65-F5344CB8AC3E}">
+        <p14:creationId xmlns:p14="http://schemas.microsoft.com/office/powerpoint/2010/main" val="1307817516"/>
+      </p:ext>
+    </p:extLst>
+  </p:cSld>
+  <p:clrMapOvr>
+    <a:masterClrMapping/>
+  </p:clrMapOvr>
+  <mc:AlternateContent xmlns:mc="http://schemas.openxmlformats.org/markup-compatibility/2006" xmlns:p14="http://schemas.microsoft.com/office/powerpoint/2010/main">
+    <mc:Choice Requires="p14">
+      <p:transition p14:dur="10"/>
+    </mc:Choice>
+    <mc:Fallback xmlns="">
+      <p:transition/>
+    </mc:Fallback>
+  </mc:AlternateContent>
+</p:sld>
+</file>
+
+<file path=ppt/slides/slide22.xml><?xml version="1.0" encoding="utf-8"?>
+<p:sld xmlns:a="http://schemas.openxmlformats.org/drawingml/2006/main" xmlns:r="http://schemas.openxmlformats.org/officeDocument/2006/relationships" xmlns:p="http://schemas.openxmlformats.org/presentationml/2006/main">
+  <p:cSld>
+    <p:spTree>
+      <p:nvGrpSpPr>
+        <p:cNvPr id="1" name=""/>
+        <p:cNvGrpSpPr/>
+        <p:nvPr/>
+      </p:nvGrpSpPr>
+      <p:grpSpPr>
+        <a:xfrm>
+          <a:off x="0" y="0"/>
+          <a:ext cx="0" cy="0"/>
+          <a:chOff x="0" y="0"/>
+          <a:chExt cx="0" cy="0"/>
+        </a:xfrm>
+      </p:grpSpPr>
+      <p:sp>
+        <p:nvSpPr>
+          <p:cNvPr id="4" name="Titre 3"/>
+          <p:cNvSpPr>
+            <a:spLocks noGrp="1"/>
+          </p:cNvSpPr>
+          <p:nvPr>
+            <p:ph type="title"/>
+          </p:nvPr>
+        </p:nvSpPr>
+        <p:spPr>
+          <a:xfrm>
+            <a:off x="521207" y="448056"/>
+            <a:ext cx="7783344" cy="640080"/>
+          </a:xfrm>
+        </p:spPr>
+        <p:txBody>
+          <a:bodyPr rtlCol="0">
+            <a:normAutofit/>
+          </a:bodyPr>
+          <a:lstStyle/>
+          <a:p>
+            <a:pPr rtl="0"/>
+            <a:r>
+              <a:rPr lang="fr-FR" noProof="1">
+                <a:latin typeface="Segoe UI Light" panose="020B0502040204020203" pitchFamily="34" charset="0"/>
+                <a:cs typeface="Segoe UI Light" panose="020B0502040204020203" pitchFamily="34" charset="0"/>
+              </a:rPr>
+              <a:t>Questions ?</a:t>
+            </a:r>
+          </a:p>
+        </p:txBody>
+      </p:sp>
+      <p:sp>
+        <p:nvSpPr>
+          <p:cNvPr id="3" name="ZoneTexte 2">
+            <a:extLst>
+              <a:ext uri="{FF2B5EF4-FFF2-40B4-BE49-F238E27FC236}">
+                <a16:creationId xmlns:a16="http://schemas.microsoft.com/office/drawing/2014/main" id="{F7F88E4A-B916-7FC5-977C-BB5C79B019D2}"/>
+              </a:ext>
+            </a:extLst>
+          </p:cNvPr>
+          <p:cNvSpPr txBox="1"/>
+          <p:nvPr/>
+        </p:nvSpPr>
+        <p:spPr>
+          <a:xfrm>
+            <a:off x="2360097" y="3458954"/>
+            <a:ext cx="8289973" cy="584775"/>
+          </a:xfrm>
+          <a:prstGeom prst="rect">
+            <a:avLst/>
+          </a:prstGeom>
+          <a:noFill/>
+        </p:spPr>
+        <p:txBody>
+          <a:bodyPr wrap="square">
+            <a:spAutoFit/>
+          </a:bodyPr>
+          <a:lstStyle/>
+          <a:p>
+            <a:r>
+              <a:rPr lang="fr-FR" sz="3200" dirty="0">
+                <a:hlinkClick r:id="rId3"/>
+              </a:rPr>
+              <a:t>https://github.com/sebzuki/webflux-vs-web</a:t>
+            </a:r>
+            <a:r>
+              <a:rPr lang="fr-FR" sz="3200" dirty="0"/>
+              <a:t> </a:t>
+            </a:r>
+          </a:p>
+        </p:txBody>
+      </p:sp>
+    </p:spTree>
+    <p:extLst>
+      <p:ext uri="{BB962C8B-B14F-4D97-AF65-F5344CB8AC3E}">
+        <p14:creationId xmlns:p14="http://schemas.microsoft.com/office/powerpoint/2010/main" val="809557882"/>
+      </p:ext>
+    </p:extLst>
+  </p:cSld>
+  <p:clrMapOvr>
+    <a:masterClrMapping/>
+  </p:clrMapOvr>
+  <mc:AlternateContent xmlns:mc="http://schemas.openxmlformats.org/markup-compatibility/2006" xmlns:p14="http://schemas.microsoft.com/office/powerpoint/2010/main">
+    <mc:Choice Requires="p14">
+      <p:transition p14:dur="10"/>
+    </mc:Choice>
+    <mc:Fallback xmlns="">
+      <p:transition/>
+    </mc:Fallback>
+  </mc:AlternateContent>
+</p:sld>
+</file>
+
+<file path=ppt/slides/slide3.xml><?xml version="1.0" encoding="utf-8"?>
+<p:sld xmlns:a="http://schemas.openxmlformats.org/drawingml/2006/main" xmlns:r="http://schemas.openxmlformats.org/officeDocument/2006/relationships" xmlns:p="http://schemas.openxmlformats.org/presentationml/2006/main">
+  <p:cSld>
+    <p:spTree>
+      <p:nvGrpSpPr>
+        <p:cNvPr id="1" name=""/>
+        <p:cNvGrpSpPr/>
+        <p:nvPr/>
+      </p:nvGrpSpPr>
+      <p:grpSpPr>
+        <a:xfrm>
+          <a:off x="0" y="0"/>
+          <a:ext cx="0" cy="0"/>
+          <a:chOff x="0" y="0"/>
+          <a:chExt cx="0" cy="0"/>
+        </a:xfrm>
+      </p:grpSpPr>
+      <p:sp>
+        <p:nvSpPr>
+          <p:cNvPr id="4" name="Titre 3"/>
+          <p:cNvSpPr>
+            <a:spLocks noGrp="1"/>
+          </p:cNvSpPr>
+          <p:nvPr>
+            <p:ph type="title"/>
+          </p:nvPr>
+        </p:nvSpPr>
+        <p:spPr>
+          <a:xfrm>
+            <a:off x="521207" y="448056"/>
+            <a:ext cx="7783344" cy="640080"/>
+          </a:xfrm>
+        </p:spPr>
+        <p:txBody>
+          <a:bodyPr rtlCol="0">
+            <a:normAutofit/>
+          </a:bodyPr>
+          <a:lstStyle/>
+          <a:p>
+            <a:pPr rtl="0"/>
+            <a:r>
+              <a:rPr lang="fr-FR" noProof="1">
+                <a:latin typeface="Segoe UI Light" panose="020B0502040204020203" pitchFamily="34" charset="0"/>
+                <a:cs typeface="Segoe UI Light" panose="020B0502040204020203" pitchFamily="34" charset="0"/>
+              </a:rPr>
+              <a:t>Programmation impérative dans un serveur Web</a:t>
+            </a:r>
+          </a:p>
+        </p:txBody>
+      </p:sp>
+      <p:sp>
+        <p:nvSpPr>
+          <p:cNvPr id="7" name="ZoneTexte 6">
+            <a:extLst>
+              <a:ext uri="{FF2B5EF4-FFF2-40B4-BE49-F238E27FC236}">
+                <a16:creationId xmlns:a16="http://schemas.microsoft.com/office/drawing/2014/main" id="{1351B732-5CDD-4F7E-9691-AF0E2CE8CDA3}"/>
+              </a:ext>
+            </a:extLst>
+          </p:cNvPr>
+          <p:cNvSpPr txBox="1"/>
+          <p:nvPr/>
+        </p:nvSpPr>
+        <p:spPr>
+          <a:xfrm>
+            <a:off x="521206" y="1708681"/>
+            <a:ext cx="10338081" cy="646331"/>
+          </a:xfrm>
+          <a:prstGeom prst="rect">
+            <a:avLst/>
+          </a:prstGeom>
+          <a:noFill/>
+        </p:spPr>
+        <p:txBody>
+          <a:bodyPr wrap="square">
+            <a:spAutoFit/>
+          </a:bodyPr>
+          <a:lstStyle/>
+          <a:p>
+            <a:r>
+              <a:rPr lang="fr-FR" dirty="0">
+                <a:sym typeface="Wingdings" panose="05000000000000000000" pitchFamily="2" charset="2"/>
+              </a:rPr>
+              <a:t>C’est celle que vous connaissez tous !</a:t>
+            </a:r>
+          </a:p>
+          <a:p>
+            <a:r>
+              <a:rPr lang="fr-FR" dirty="0">
+                <a:sym typeface="Wingdings" panose="05000000000000000000" pitchFamily="2" charset="2"/>
+              </a:rPr>
+              <a:t>Une suite d’instructions qui s’exécutent l’une après l’autre. </a:t>
+            </a:r>
+          </a:p>
+        </p:txBody>
+      </p:sp>
+      <p:sp>
+        <p:nvSpPr>
+          <p:cNvPr id="2" name="Rectangle 1">
+            <a:extLst>
+              <a:ext uri="{FF2B5EF4-FFF2-40B4-BE49-F238E27FC236}">
+                <a16:creationId xmlns:a16="http://schemas.microsoft.com/office/drawing/2014/main" id="{DE96AD07-69EB-B87E-431C-BD66578B848B}"/>
+              </a:ext>
+            </a:extLst>
+          </p:cNvPr>
+          <p:cNvSpPr>
+            <a:spLocks noChangeArrowheads="1"/>
+          </p:cNvSpPr>
+          <p:nvPr/>
+        </p:nvSpPr>
+        <p:spPr bwMode="auto">
+          <a:xfrm>
+            <a:off x="612560" y="2715823"/>
+            <a:ext cx="9747681" cy="3323987"/>
+          </a:xfrm>
+          <a:prstGeom prst="rect">
+            <a:avLst/>
+          </a:prstGeom>
+          <a:solidFill>
+            <a:srgbClr val="FFFFFF"/>
+          </a:solidFill>
+          <a:ln>
+            <a:noFill/>
+          </a:ln>
+          <a:effectLst/>
+          <a:extLst>
+            <a:ext uri="{91240B29-F687-4F45-9708-019B960494DF}">
+              <a14:hiddenLine xmlns:a14="http://schemas.microsoft.com/office/drawing/2010/main" w="9525">
+                <a:solidFill>
+                  <a:schemeClr val="tx1"/>
+                </a:solidFill>
+                <a:miter lim="800000"/>
+                <a:headEnd/>
+                <a:tailEnd/>
+              </a14:hiddenLine>
+            </a:ext>
+            <a:ext uri="{AF507438-7753-43E0-B8FC-AC1667EBCBE1}">
+              <a14:hiddenEffects xmlns:a14="http://schemas.microsoft.com/office/drawing/2010/main">
+                <a:effectLst>
+                  <a:outerShdw dist="35921" dir="2700000" algn="ctr" rotWithShape="0">
+                    <a:schemeClr val="bg2"/>
+                  </a:outerShdw>
+                </a:effectLst>
+              </a14:hiddenEffects>
+            </a:ext>
+          </a:extLst>
+        </p:spPr>
+        <p:txBody>
+          <a:bodyPr vert="horz" wrap="square" lIns="91440" tIns="45720" rIns="91440" bIns="45720" numCol="1" anchor="ctr" anchorCtr="0" compatLnSpc="1">
+            <a:prstTxWarp prst="textNoShape">
+              <a:avLst/>
+            </a:prstTxWarp>
+            <a:spAutoFit/>
+          </a:bodyPr>
+          <a:lstStyle/>
+          <a:p>
+            <a:pPr marL="0" marR="0" lvl="0" indent="0" algn="l" defTabSz="914400" rtl="0" eaLnBrk="0" fontAlgn="base" latinLnBrk="0" hangingPunct="0">
+              <a:lnSpc>
+                <a:spcPct val="100000"/>
+              </a:lnSpc>
+              <a:spcBef>
+                <a:spcPct val="0"/>
+              </a:spcBef>
+              <a:spcAft>
+                <a:spcPct val="0"/>
+              </a:spcAft>
+              <a:buClrTx/>
+              <a:buSzTx/>
+              <a:buFontTx/>
+              <a:buNone/>
+              <a:tabLst/>
+            </a:pPr>
+            <a:r>
+              <a:rPr kumimoji="0" lang="fr-FR" altLang="fr-FR" sz="1400" b="0" i="0" u="none" strike="noStrike" cap="none" normalizeH="0" baseline="0" dirty="0">
+                <a:ln>
+                  <a:noFill/>
+                </a:ln>
+                <a:solidFill>
+                  <a:srgbClr val="0033B3"/>
+                </a:solidFill>
+                <a:effectLst/>
+                <a:latin typeface="Fira Code" panose="020B0809050000020004" pitchFamily="49" charset="0"/>
+              </a:rPr>
+              <a:t>public </a:t>
+            </a:r>
+            <a:r>
+              <a:rPr kumimoji="0" lang="fr-FR" altLang="fr-FR" sz="1400" b="0" i="0" u="none" strike="noStrike" cap="none" normalizeH="0" baseline="0" dirty="0">
+                <a:ln>
+                  <a:noFill/>
+                </a:ln>
+                <a:solidFill>
+                  <a:srgbClr val="000000"/>
+                </a:solidFill>
+                <a:effectLst/>
+                <a:latin typeface="Fira Code" panose="020B0809050000020004" pitchFamily="49" charset="0"/>
+              </a:rPr>
+              <a:t>List</a:t>
+            </a:r>
+            <a:r>
+              <a:rPr kumimoji="0" lang="fr-FR" altLang="fr-FR" sz="1400" b="0" i="0" u="none" strike="noStrike" cap="none" normalizeH="0" baseline="0" dirty="0">
+                <a:ln>
+                  <a:noFill/>
+                </a:ln>
+                <a:solidFill>
+                  <a:srgbClr val="080808"/>
+                </a:solidFill>
+                <a:effectLst/>
+                <a:latin typeface="Fira Code" panose="020B0809050000020004" pitchFamily="49" charset="0"/>
+              </a:rPr>
+              <a:t>&lt;</a:t>
+            </a:r>
+            <a:r>
+              <a:rPr kumimoji="0" lang="fr-FR" altLang="fr-FR" sz="1400" b="0" i="0" u="none" strike="noStrike" cap="none" normalizeH="0" baseline="0" dirty="0">
+                <a:ln>
+                  <a:noFill/>
+                </a:ln>
+                <a:solidFill>
+                  <a:srgbClr val="000000"/>
+                </a:solidFill>
+                <a:effectLst/>
+                <a:latin typeface="Fira Code" panose="020B0809050000020004" pitchFamily="49" charset="0"/>
+              </a:rPr>
+              <a:t>Monument</a:t>
+            </a:r>
+            <a:r>
+              <a:rPr kumimoji="0" lang="fr-FR" altLang="fr-FR" sz="1400" b="0" i="0" u="none" strike="noStrike" cap="none" normalizeH="0" baseline="0" dirty="0">
+                <a:ln>
+                  <a:noFill/>
+                </a:ln>
+                <a:solidFill>
+                  <a:srgbClr val="080808"/>
+                </a:solidFill>
+                <a:effectLst/>
+                <a:latin typeface="Fira Code" panose="020B0809050000020004" pitchFamily="49" charset="0"/>
+              </a:rPr>
+              <a:t>&gt; </a:t>
+            </a:r>
+            <a:r>
+              <a:rPr kumimoji="0" lang="fr-FR" altLang="fr-FR" sz="1400" b="0" i="0" u="none" strike="noStrike" cap="none" normalizeH="0" baseline="0" dirty="0" err="1">
+                <a:ln>
+                  <a:noFill/>
+                </a:ln>
+                <a:solidFill>
+                  <a:srgbClr val="00627A"/>
+                </a:solidFill>
+                <a:effectLst/>
+                <a:latin typeface="Fira Code" panose="020B0809050000020004" pitchFamily="49" charset="0"/>
+              </a:rPr>
+              <a:t>getByAdministration</a:t>
+            </a:r>
+            <a:r>
+              <a:rPr kumimoji="0" lang="fr-FR" altLang="fr-FR" sz="1400" b="0" i="0" u="none" strike="noStrike" cap="none" normalizeH="0" baseline="0" dirty="0">
+                <a:ln>
+                  <a:noFill/>
+                </a:ln>
+                <a:solidFill>
+                  <a:srgbClr val="080808"/>
+                </a:solidFill>
+                <a:effectLst/>
+                <a:latin typeface="Fira Code" panose="020B0809050000020004" pitchFamily="49" charset="0"/>
+              </a:rPr>
+              <a:t>(</a:t>
+            </a:r>
+            <a:r>
+              <a:rPr kumimoji="0" lang="fr-FR" altLang="fr-FR" sz="1400" b="0" i="0" u="none" strike="noStrike" cap="none" normalizeH="0" baseline="0" dirty="0">
+                <a:ln>
+                  <a:noFill/>
+                </a:ln>
+                <a:solidFill>
+                  <a:srgbClr val="000000"/>
+                </a:solidFill>
+                <a:effectLst/>
+                <a:latin typeface="Fira Code" panose="020B0809050000020004" pitchFamily="49" charset="0"/>
+              </a:rPr>
+              <a:t>String </a:t>
+            </a:r>
+            <a:r>
+              <a:rPr kumimoji="0" lang="fr-FR" altLang="fr-FR" sz="1400" b="0" i="0" u="none" strike="noStrike" cap="none" normalizeH="0" baseline="0" dirty="0" err="1">
+                <a:ln>
+                  <a:noFill/>
+                </a:ln>
+                <a:solidFill>
+                  <a:srgbClr val="080808"/>
+                </a:solidFill>
+                <a:effectLst/>
+                <a:latin typeface="Fira Code" panose="020B0809050000020004" pitchFamily="49" charset="0"/>
+              </a:rPr>
+              <a:t>dept</a:t>
+            </a:r>
+            <a:r>
+              <a:rPr kumimoji="0" lang="fr-FR" altLang="fr-FR" sz="1400" b="0" i="0" u="none" strike="noStrike" cap="none" normalizeH="0" baseline="0" dirty="0">
+                <a:ln>
+                  <a:noFill/>
+                </a:ln>
+                <a:solidFill>
+                  <a:srgbClr val="080808"/>
+                </a:solidFill>
+                <a:effectLst/>
+                <a:latin typeface="Fira Code" panose="020B0809050000020004" pitchFamily="49" charset="0"/>
+              </a:rPr>
+              <a:t>, </a:t>
+            </a:r>
+            <a:r>
+              <a:rPr kumimoji="0" lang="fr-FR" altLang="fr-FR" sz="1400" b="0" i="0" u="none" strike="noStrike" cap="none" normalizeH="0" baseline="0" dirty="0">
+                <a:ln>
+                  <a:noFill/>
+                </a:ln>
+                <a:solidFill>
+                  <a:srgbClr val="000000"/>
+                </a:solidFill>
+                <a:effectLst/>
+                <a:latin typeface="Fira Code" panose="020B0809050000020004" pitchFamily="49" charset="0"/>
+              </a:rPr>
+              <a:t>String </a:t>
+            </a:r>
+            <a:r>
+              <a:rPr kumimoji="0" lang="fr-FR" altLang="fr-FR" sz="1400" b="0" i="0" u="none" strike="noStrike" cap="none" normalizeH="0" baseline="0" dirty="0">
+                <a:ln>
+                  <a:noFill/>
+                </a:ln>
+                <a:solidFill>
+                  <a:srgbClr val="080808"/>
+                </a:solidFill>
+                <a:effectLst/>
+                <a:latin typeface="Fira Code" panose="020B0809050000020004" pitchFamily="49" charset="0"/>
+              </a:rPr>
+              <a:t>ville) {</a:t>
+            </a:r>
+            <a:br>
+              <a:rPr kumimoji="0" lang="fr-FR" altLang="fr-FR" sz="1400" b="0" i="0" u="none" strike="noStrike" cap="none" normalizeH="0" baseline="0" dirty="0">
+                <a:ln>
+                  <a:noFill/>
+                </a:ln>
+                <a:solidFill>
+                  <a:srgbClr val="080808"/>
+                </a:solidFill>
+                <a:effectLst/>
+                <a:latin typeface="Fira Code" panose="020B0809050000020004" pitchFamily="49" charset="0"/>
+              </a:rPr>
+            </a:br>
+            <a:r>
+              <a:rPr kumimoji="0" lang="fr-FR" altLang="fr-FR" sz="1400" b="0" i="0" u="none" strike="noStrike" cap="none" normalizeH="0" baseline="0" dirty="0">
+                <a:ln>
+                  <a:noFill/>
+                </a:ln>
+                <a:solidFill>
+                  <a:srgbClr val="080808"/>
+                </a:solidFill>
+                <a:effectLst/>
+                <a:latin typeface="Fira Code" panose="020B0809050000020004" pitchFamily="49" charset="0"/>
+              </a:rPr>
+              <a:t>    </a:t>
+            </a:r>
+            <a:r>
+              <a:rPr kumimoji="0" lang="fr-FR" altLang="fr-FR" sz="1400" b="0" i="0" u="none" strike="noStrike" cap="none" normalizeH="0" baseline="0" dirty="0" err="1">
+                <a:ln>
+                  <a:noFill/>
+                </a:ln>
+                <a:solidFill>
+                  <a:srgbClr val="000000"/>
+                </a:solidFill>
+                <a:effectLst/>
+                <a:latin typeface="Fira Code" panose="020B0809050000020004" pitchFamily="49" charset="0"/>
+              </a:rPr>
+              <a:t>Assert</a:t>
+            </a:r>
+            <a:r>
+              <a:rPr kumimoji="0" lang="fr-FR" altLang="fr-FR" sz="1400" b="0" i="0" u="none" strike="noStrike" cap="none" normalizeH="0" baseline="0" dirty="0" err="1">
+                <a:ln>
+                  <a:noFill/>
+                </a:ln>
+                <a:solidFill>
+                  <a:srgbClr val="080808"/>
+                </a:solidFill>
+                <a:effectLst/>
+                <a:latin typeface="Fira Code" panose="020B0809050000020004" pitchFamily="49" charset="0"/>
+              </a:rPr>
+              <a:t>.</a:t>
+            </a:r>
+            <a:r>
+              <a:rPr kumimoji="0" lang="fr-FR" altLang="fr-FR" sz="1400" b="0" i="1" u="none" strike="noStrike" cap="none" normalizeH="0" baseline="0" dirty="0" err="1">
+                <a:ln>
+                  <a:noFill/>
+                </a:ln>
+                <a:solidFill>
+                  <a:srgbClr val="080808"/>
+                </a:solidFill>
+                <a:effectLst/>
+                <a:latin typeface="Fira Code" panose="020B0809050000020004" pitchFamily="49" charset="0"/>
+              </a:rPr>
+              <a:t>hasText</a:t>
+            </a:r>
+            <a:r>
+              <a:rPr kumimoji="0" lang="fr-FR" altLang="fr-FR" sz="1400" b="0" i="0" u="none" strike="noStrike" cap="none" normalizeH="0" baseline="0" dirty="0">
+                <a:ln>
+                  <a:noFill/>
+                </a:ln>
+                <a:solidFill>
+                  <a:srgbClr val="080808"/>
+                </a:solidFill>
+                <a:effectLst/>
+                <a:latin typeface="Fira Code" panose="020B0809050000020004" pitchFamily="49" charset="0"/>
+              </a:rPr>
+              <a:t>(</a:t>
+            </a:r>
+            <a:r>
+              <a:rPr kumimoji="0" lang="fr-FR" altLang="fr-FR" sz="1400" b="0" i="0" u="none" strike="noStrike" cap="none" normalizeH="0" baseline="0" dirty="0" err="1">
+                <a:ln>
+                  <a:noFill/>
+                </a:ln>
+                <a:solidFill>
+                  <a:srgbClr val="080808"/>
+                </a:solidFill>
+                <a:effectLst/>
+                <a:latin typeface="Fira Code" panose="020B0809050000020004" pitchFamily="49" charset="0"/>
+              </a:rPr>
+              <a:t>dept</a:t>
+            </a:r>
+            <a:r>
+              <a:rPr kumimoji="0" lang="fr-FR" altLang="fr-FR" sz="1400" b="0" i="0" u="none" strike="noStrike" cap="none" normalizeH="0" baseline="0" dirty="0">
+                <a:ln>
+                  <a:noFill/>
+                </a:ln>
+                <a:solidFill>
+                  <a:srgbClr val="080808"/>
+                </a:solidFill>
+                <a:effectLst/>
+                <a:latin typeface="Fira Code" panose="020B0809050000020004" pitchFamily="49" charset="0"/>
+              </a:rPr>
+              <a:t>, </a:t>
+            </a:r>
+            <a:r>
+              <a:rPr kumimoji="0" lang="fr-FR" altLang="fr-FR" sz="1400" b="0" i="0" u="none" strike="noStrike" cap="none" normalizeH="0" baseline="0" dirty="0">
+                <a:ln>
+                  <a:noFill/>
+                </a:ln>
+                <a:solidFill>
+                  <a:srgbClr val="067D17"/>
+                </a:solidFill>
+                <a:effectLst/>
+                <a:latin typeface="Fira Code" panose="020B0809050000020004" pitchFamily="49" charset="0"/>
+              </a:rPr>
+              <a:t>"</a:t>
+            </a:r>
+            <a:r>
+              <a:rPr kumimoji="0" lang="fr-FR" altLang="fr-FR" sz="1400" b="0" i="0" u="none" strike="noStrike" cap="none" normalizeH="0" baseline="0" dirty="0" err="1">
+                <a:ln>
+                  <a:noFill/>
+                </a:ln>
+                <a:solidFill>
+                  <a:srgbClr val="067D17"/>
+                </a:solidFill>
+                <a:effectLst/>
+                <a:latin typeface="Fira Code" panose="020B0809050000020004" pitchFamily="49" charset="0"/>
+              </a:rPr>
+              <a:t>dept</a:t>
+            </a:r>
+            <a:r>
+              <a:rPr kumimoji="0" lang="fr-FR" altLang="fr-FR" sz="1400" b="0" i="0" u="none" strike="noStrike" cap="none" normalizeH="0" baseline="0" dirty="0">
+                <a:ln>
+                  <a:noFill/>
+                </a:ln>
+                <a:solidFill>
+                  <a:srgbClr val="067D17"/>
+                </a:solidFill>
+                <a:effectLst/>
+                <a:latin typeface="Fira Code" panose="020B0809050000020004" pitchFamily="49" charset="0"/>
+              </a:rPr>
+              <a:t> </a:t>
+            </a:r>
+            <a:r>
+              <a:rPr lang="fr-FR" altLang="fr-FR" sz="1400" dirty="0">
+                <a:solidFill>
+                  <a:srgbClr val="067D17"/>
+                </a:solidFill>
+                <a:latin typeface="Fira Code" panose="020B0809050000020004" pitchFamily="49" charset="0"/>
+              </a:rPr>
+              <a:t>obligatoire</a:t>
+            </a:r>
+            <a:r>
+              <a:rPr kumimoji="0" lang="fr-FR" altLang="fr-FR" sz="1400" b="0" i="0" u="none" strike="noStrike" cap="none" normalizeH="0" baseline="0" dirty="0">
+                <a:ln>
+                  <a:noFill/>
+                </a:ln>
+                <a:solidFill>
+                  <a:srgbClr val="067D17"/>
+                </a:solidFill>
+                <a:effectLst/>
+                <a:latin typeface="Fira Code" panose="020B0809050000020004" pitchFamily="49" charset="0"/>
+              </a:rPr>
+              <a:t> !"</a:t>
+            </a:r>
+            <a:r>
+              <a:rPr kumimoji="0" lang="fr-FR" altLang="fr-FR" sz="1400" b="0" i="0" u="none" strike="noStrike" cap="none" normalizeH="0" baseline="0" dirty="0">
+                <a:ln>
+                  <a:noFill/>
+                </a:ln>
+                <a:solidFill>
+                  <a:srgbClr val="080808"/>
+                </a:solidFill>
+                <a:effectLst/>
+                <a:latin typeface="Fira Code" panose="020B0809050000020004" pitchFamily="49" charset="0"/>
+              </a:rPr>
+              <a:t>); </a:t>
+            </a:r>
+            <a:r>
+              <a:rPr kumimoji="0" lang="fr-FR" altLang="fr-FR" sz="1400" b="0" i="1" u="none" strike="noStrike" cap="none" normalizeH="0" baseline="0" dirty="0">
+                <a:ln>
+                  <a:noFill/>
+                </a:ln>
+                <a:solidFill>
+                  <a:srgbClr val="8C8C8C"/>
+                </a:solidFill>
+                <a:effectLst/>
+                <a:latin typeface="Fira Code" panose="020B0809050000020004" pitchFamily="49" charset="0"/>
+              </a:rPr>
+              <a:t>// </a:t>
+            </a:r>
+            <a:r>
+              <a:rPr kumimoji="0" lang="fr-FR" altLang="fr-FR" sz="1400" b="0" i="1" u="none" strike="noStrike" cap="none" normalizeH="0" baseline="0" dirty="0" err="1">
+                <a:ln>
+                  <a:noFill/>
+                </a:ln>
+                <a:solidFill>
+                  <a:srgbClr val="8C8C8C"/>
+                </a:solidFill>
+                <a:effectLst/>
+                <a:latin typeface="Fira Code" panose="020B0809050000020004" pitchFamily="49" charset="0"/>
+              </a:rPr>
+              <a:t>dept</a:t>
+            </a:r>
+            <a:r>
+              <a:rPr kumimoji="0" lang="fr-FR" altLang="fr-FR" sz="1400" b="0" i="1" u="none" strike="noStrike" cap="none" normalizeH="0" baseline="0" dirty="0">
+                <a:ln>
+                  <a:noFill/>
+                </a:ln>
+                <a:solidFill>
+                  <a:srgbClr val="8C8C8C"/>
+                </a:solidFill>
+                <a:effectLst/>
+                <a:latin typeface="Fira Code" panose="020B0809050000020004" pitchFamily="49" charset="0"/>
+              </a:rPr>
+              <a:t> pas optionnel, ville oui !</a:t>
+            </a:r>
+            <a:br>
+              <a:rPr kumimoji="0" lang="fr-FR" altLang="fr-FR" sz="1400" b="0" i="1" u="none" strike="noStrike" cap="none" normalizeH="0" baseline="0" dirty="0">
+                <a:ln>
+                  <a:noFill/>
+                </a:ln>
+                <a:solidFill>
+                  <a:srgbClr val="8C8C8C"/>
+                </a:solidFill>
+                <a:effectLst/>
+                <a:latin typeface="Fira Code" panose="020B0809050000020004" pitchFamily="49" charset="0"/>
+              </a:rPr>
+            </a:br>
+            <a:br>
+              <a:rPr kumimoji="0" lang="fr-FR" altLang="fr-FR" sz="1400" b="0" i="1" u="none" strike="noStrike" cap="none" normalizeH="0" baseline="0" dirty="0">
+                <a:ln>
+                  <a:noFill/>
+                </a:ln>
+                <a:solidFill>
+                  <a:srgbClr val="8C8C8C"/>
+                </a:solidFill>
+                <a:effectLst/>
+                <a:latin typeface="Fira Code" panose="020B0809050000020004" pitchFamily="49" charset="0"/>
+              </a:rPr>
+            </a:br>
+            <a:r>
+              <a:rPr kumimoji="0" lang="fr-FR" altLang="fr-FR" sz="1400" b="0" i="1" u="none" strike="noStrike" cap="none" normalizeH="0" baseline="0" dirty="0">
+                <a:ln>
+                  <a:noFill/>
+                </a:ln>
+                <a:solidFill>
+                  <a:srgbClr val="8C8C8C"/>
+                </a:solidFill>
+                <a:effectLst/>
+                <a:latin typeface="Fira Code" panose="020B0809050000020004" pitchFamily="49" charset="0"/>
+              </a:rPr>
+              <a:t>    </a:t>
+            </a:r>
+            <a:r>
+              <a:rPr kumimoji="0" lang="fr-FR" altLang="fr-FR" sz="1400" b="0" i="0" u="none" strike="noStrike" cap="none" normalizeH="0" baseline="0" dirty="0">
+                <a:ln>
+                  <a:noFill/>
+                </a:ln>
+                <a:solidFill>
+                  <a:srgbClr val="000000"/>
+                </a:solidFill>
+                <a:effectLst/>
+                <a:latin typeface="Fira Code" panose="020B0809050000020004" pitchFamily="49" charset="0"/>
+              </a:rPr>
+              <a:t>List</a:t>
+            </a:r>
+            <a:r>
+              <a:rPr kumimoji="0" lang="fr-FR" altLang="fr-FR" sz="1400" b="0" i="0" u="none" strike="noStrike" cap="none" normalizeH="0" baseline="0" dirty="0">
+                <a:ln>
+                  <a:noFill/>
+                </a:ln>
+                <a:solidFill>
+                  <a:srgbClr val="080808"/>
+                </a:solidFill>
+                <a:effectLst/>
+                <a:latin typeface="Fira Code" panose="020B0809050000020004" pitchFamily="49" charset="0"/>
+              </a:rPr>
+              <a:t>&lt;</a:t>
+            </a:r>
+            <a:r>
+              <a:rPr kumimoji="0" lang="fr-FR" altLang="fr-FR" sz="1400" b="0" i="0" u="none" strike="noStrike" cap="none" normalizeH="0" baseline="0" dirty="0">
+                <a:ln>
+                  <a:noFill/>
+                </a:ln>
+                <a:solidFill>
+                  <a:srgbClr val="000000"/>
+                </a:solidFill>
+                <a:effectLst/>
+                <a:latin typeface="Fira Code" panose="020B0809050000020004" pitchFamily="49" charset="0"/>
+              </a:rPr>
+              <a:t>Monument</a:t>
+            </a:r>
+            <a:r>
+              <a:rPr kumimoji="0" lang="fr-FR" altLang="fr-FR" sz="1400" b="0" i="0" u="none" strike="noStrike" cap="none" normalizeH="0" baseline="0" dirty="0">
+                <a:ln>
+                  <a:noFill/>
+                </a:ln>
+                <a:solidFill>
+                  <a:srgbClr val="080808"/>
+                </a:solidFill>
+                <a:effectLst/>
+                <a:latin typeface="Fira Code" panose="020B0809050000020004" pitchFamily="49" charset="0"/>
+              </a:rPr>
+              <a:t>&gt; </a:t>
+            </a:r>
+            <a:r>
+              <a:rPr kumimoji="0" lang="fr-FR" altLang="fr-FR" sz="1400" b="0" i="0" u="none" strike="noStrike" cap="none" normalizeH="0" baseline="0" dirty="0">
+                <a:ln>
+                  <a:noFill/>
+                </a:ln>
+                <a:solidFill>
+                  <a:srgbClr val="000000"/>
+                </a:solidFill>
+                <a:effectLst/>
+                <a:latin typeface="Fira Code" panose="020B0809050000020004" pitchFamily="49" charset="0"/>
+              </a:rPr>
+              <a:t>monuments </a:t>
+            </a:r>
+            <a:r>
+              <a:rPr kumimoji="0" lang="fr-FR" altLang="fr-FR" sz="1400" b="0" i="0" u="none" strike="noStrike" cap="none" normalizeH="0" baseline="0" dirty="0">
+                <a:ln>
+                  <a:noFill/>
+                </a:ln>
+                <a:solidFill>
+                  <a:srgbClr val="080808"/>
+                </a:solidFill>
+                <a:effectLst/>
+                <a:latin typeface="Fira Code" panose="020B0809050000020004" pitchFamily="49" charset="0"/>
+              </a:rPr>
+              <a:t>= </a:t>
+            </a:r>
+            <a:r>
+              <a:rPr kumimoji="0" lang="fr-FR" altLang="fr-FR" sz="1400" b="0" i="0" u="none" strike="noStrike" cap="none" normalizeH="0" baseline="0" dirty="0" err="1">
+                <a:ln>
+                  <a:noFill/>
+                </a:ln>
+                <a:solidFill>
+                  <a:srgbClr val="871094"/>
+                </a:solidFill>
+                <a:effectLst/>
+                <a:latin typeface="Fira Code" panose="020B0809050000020004" pitchFamily="49" charset="0"/>
+              </a:rPr>
+              <a:t>monumentCache</a:t>
+            </a:r>
+            <a:r>
+              <a:rPr kumimoji="0" lang="fr-FR" altLang="fr-FR" sz="1400" b="0" i="0" u="none" strike="noStrike" cap="none" normalizeH="0" baseline="0" dirty="0" err="1">
+                <a:ln>
+                  <a:noFill/>
+                </a:ln>
+                <a:solidFill>
+                  <a:srgbClr val="080808"/>
+                </a:solidFill>
+                <a:effectLst/>
+                <a:latin typeface="Fira Code" panose="020B0809050000020004" pitchFamily="49" charset="0"/>
+              </a:rPr>
+              <a:t>.stream</a:t>
+            </a:r>
+            <a:r>
+              <a:rPr kumimoji="0" lang="fr-FR" altLang="fr-FR" sz="1400" b="0" i="0" u="none" strike="noStrike" cap="none" normalizeH="0" baseline="0" dirty="0">
+                <a:ln>
+                  <a:noFill/>
+                </a:ln>
+                <a:solidFill>
+                  <a:srgbClr val="080808"/>
+                </a:solidFill>
+                <a:effectLst/>
+                <a:latin typeface="Fira Code" panose="020B0809050000020004" pitchFamily="49" charset="0"/>
+              </a:rPr>
+              <a:t>()</a:t>
+            </a:r>
+            <a:br>
+              <a:rPr kumimoji="0" lang="fr-FR" altLang="fr-FR" sz="1400" b="0" i="0" u="none" strike="noStrike" cap="none" normalizeH="0" baseline="0" dirty="0">
+                <a:ln>
+                  <a:noFill/>
+                </a:ln>
+                <a:solidFill>
+                  <a:srgbClr val="080808"/>
+                </a:solidFill>
+                <a:effectLst/>
+                <a:latin typeface="Fira Code" panose="020B0809050000020004" pitchFamily="49" charset="0"/>
+              </a:rPr>
+            </a:br>
+            <a:r>
+              <a:rPr kumimoji="0" lang="fr-FR" altLang="fr-FR" sz="1400" b="0" i="0" u="none" strike="noStrike" cap="none" normalizeH="0" baseline="0" dirty="0">
+                <a:ln>
+                  <a:noFill/>
+                </a:ln>
+                <a:solidFill>
+                  <a:srgbClr val="080808"/>
+                </a:solidFill>
+                <a:effectLst/>
+                <a:latin typeface="Fira Code" panose="020B0809050000020004" pitchFamily="49" charset="0"/>
+              </a:rPr>
+              <a:t>            .</a:t>
+            </a:r>
+            <a:r>
+              <a:rPr kumimoji="0" lang="fr-FR" altLang="fr-FR" sz="1400" b="0" i="0" u="none" strike="noStrike" cap="none" normalizeH="0" baseline="0" dirty="0" err="1">
+                <a:ln>
+                  <a:noFill/>
+                </a:ln>
+                <a:solidFill>
+                  <a:srgbClr val="080808"/>
+                </a:solidFill>
+                <a:effectLst/>
+                <a:latin typeface="Fira Code" panose="020B0809050000020004" pitchFamily="49" charset="0"/>
+              </a:rPr>
+              <a:t>filter</a:t>
+            </a:r>
+            <a:r>
+              <a:rPr kumimoji="0" lang="fr-FR" altLang="fr-FR" sz="1400" b="0" i="0" u="none" strike="noStrike" cap="none" normalizeH="0" baseline="0" dirty="0">
+                <a:ln>
+                  <a:noFill/>
+                </a:ln>
+                <a:solidFill>
+                  <a:srgbClr val="080808"/>
+                </a:solidFill>
+                <a:effectLst/>
+                <a:latin typeface="Fira Code" panose="020B0809050000020004" pitchFamily="49" charset="0"/>
+              </a:rPr>
+              <a:t>(m -&gt; </a:t>
+            </a:r>
+            <a:r>
+              <a:rPr kumimoji="0" lang="fr-FR" altLang="fr-FR" sz="1400" b="0" i="0" u="none" strike="noStrike" cap="none" normalizeH="0" baseline="0" dirty="0" err="1">
+                <a:ln>
+                  <a:noFill/>
+                </a:ln>
+                <a:solidFill>
+                  <a:srgbClr val="851691"/>
+                </a:solidFill>
+                <a:effectLst/>
+                <a:latin typeface="Fira Code" panose="020B0809050000020004" pitchFamily="49" charset="0"/>
+              </a:rPr>
+              <a:t>dept</a:t>
+            </a:r>
+            <a:r>
+              <a:rPr kumimoji="0" lang="fr-FR" altLang="fr-FR" sz="1400" b="0" i="0" u="none" strike="noStrike" cap="none" normalizeH="0" baseline="0" dirty="0" err="1">
+                <a:ln>
+                  <a:noFill/>
+                </a:ln>
+                <a:solidFill>
+                  <a:srgbClr val="080808"/>
+                </a:solidFill>
+                <a:effectLst/>
+                <a:latin typeface="Fira Code" panose="020B0809050000020004" pitchFamily="49" charset="0"/>
+              </a:rPr>
+              <a:t>.equalsIgnoreCase</a:t>
+            </a:r>
+            <a:r>
+              <a:rPr kumimoji="0" lang="fr-FR" altLang="fr-FR" sz="1400" b="0" i="0" u="none" strike="noStrike" cap="none" normalizeH="0" baseline="0" dirty="0">
+                <a:ln>
+                  <a:noFill/>
+                </a:ln>
+                <a:solidFill>
+                  <a:srgbClr val="080808"/>
+                </a:solidFill>
+                <a:effectLst/>
+                <a:latin typeface="Fira Code" panose="020B0809050000020004" pitchFamily="49" charset="0"/>
+              </a:rPr>
+              <a:t>(</a:t>
+            </a:r>
+            <a:r>
+              <a:rPr kumimoji="0" lang="fr-FR" altLang="fr-FR" sz="1400" b="0" i="0" u="none" strike="noStrike" cap="none" normalizeH="0" baseline="0" dirty="0" err="1">
+                <a:ln>
+                  <a:noFill/>
+                </a:ln>
+                <a:solidFill>
+                  <a:srgbClr val="080808"/>
+                </a:solidFill>
+                <a:effectLst/>
+                <a:latin typeface="Fira Code" panose="020B0809050000020004" pitchFamily="49" charset="0"/>
+              </a:rPr>
+              <a:t>m.getDepartement</a:t>
+            </a:r>
+            <a:r>
+              <a:rPr kumimoji="0" lang="fr-FR" altLang="fr-FR" sz="1400" b="0" i="0" u="none" strike="noStrike" cap="none" normalizeH="0" baseline="0" dirty="0">
+                <a:ln>
+                  <a:noFill/>
+                </a:ln>
+                <a:solidFill>
+                  <a:srgbClr val="080808"/>
+                </a:solidFill>
+                <a:effectLst/>
+                <a:latin typeface="Fira Code" panose="020B0809050000020004" pitchFamily="49" charset="0"/>
+              </a:rPr>
+              <a:t>()))</a:t>
+            </a:r>
+            <a:br>
+              <a:rPr kumimoji="0" lang="fr-FR" altLang="fr-FR" sz="1400" b="0" i="0" u="none" strike="noStrike" cap="none" normalizeH="0" baseline="0" dirty="0">
+                <a:ln>
+                  <a:noFill/>
+                </a:ln>
+                <a:solidFill>
+                  <a:srgbClr val="080808"/>
+                </a:solidFill>
+                <a:effectLst/>
+                <a:latin typeface="Fira Code" panose="020B0809050000020004" pitchFamily="49" charset="0"/>
+              </a:rPr>
+            </a:br>
+            <a:r>
+              <a:rPr kumimoji="0" lang="fr-FR" altLang="fr-FR" sz="1400" b="0" i="0" u="none" strike="noStrike" cap="none" normalizeH="0" baseline="0" dirty="0">
+                <a:ln>
+                  <a:noFill/>
+                </a:ln>
+                <a:solidFill>
+                  <a:srgbClr val="080808"/>
+                </a:solidFill>
+                <a:effectLst/>
+                <a:latin typeface="Fira Code" panose="020B0809050000020004" pitchFamily="49" charset="0"/>
+              </a:rPr>
+              <a:t>            </a:t>
+            </a:r>
+            <a:r>
+              <a:rPr lang="fr-FR" altLang="fr-FR" sz="1400" dirty="0">
+                <a:solidFill>
+                  <a:srgbClr val="080808"/>
+                </a:solidFill>
+                <a:latin typeface="Fira Code" panose="020B0809050000020004" pitchFamily="49" charset="0"/>
+              </a:rPr>
+              <a:t>.</a:t>
+            </a:r>
+            <a:r>
+              <a:rPr lang="fr-FR" altLang="fr-FR" sz="1400" dirty="0" err="1">
+                <a:solidFill>
+                  <a:srgbClr val="080808"/>
+                </a:solidFill>
+                <a:latin typeface="Fira Code" panose="020B0809050000020004" pitchFamily="49" charset="0"/>
+              </a:rPr>
+              <a:t>toList</a:t>
+            </a:r>
+            <a:r>
+              <a:rPr kumimoji="0" lang="fr-FR" altLang="fr-FR" sz="1400" b="0" i="0" u="none" strike="noStrike" cap="none" normalizeH="0" baseline="0" dirty="0">
+                <a:ln>
+                  <a:noFill/>
+                </a:ln>
+                <a:solidFill>
+                  <a:srgbClr val="080808"/>
+                </a:solidFill>
+                <a:effectLst/>
+                <a:latin typeface="Fira Code" panose="020B0809050000020004" pitchFamily="49" charset="0"/>
+              </a:rPr>
+              <a:t>();</a:t>
+            </a:r>
+            <a:br>
+              <a:rPr kumimoji="0" lang="fr-FR" altLang="fr-FR" sz="1400" b="0" i="0" u="none" strike="noStrike" cap="none" normalizeH="0" baseline="0" dirty="0">
+                <a:ln>
+                  <a:noFill/>
+                </a:ln>
+                <a:solidFill>
+                  <a:srgbClr val="080808"/>
+                </a:solidFill>
+                <a:effectLst/>
+                <a:latin typeface="Fira Code" panose="020B0809050000020004" pitchFamily="49" charset="0"/>
+              </a:rPr>
+            </a:br>
+            <a:br>
+              <a:rPr kumimoji="0" lang="fr-FR" altLang="fr-FR" sz="1400" b="0" i="0" u="none" strike="noStrike" cap="none" normalizeH="0" baseline="0" dirty="0">
+                <a:ln>
+                  <a:noFill/>
+                </a:ln>
+                <a:solidFill>
+                  <a:srgbClr val="080808"/>
+                </a:solidFill>
+                <a:effectLst/>
+                <a:latin typeface="Fira Code" panose="020B0809050000020004" pitchFamily="49" charset="0"/>
+              </a:rPr>
+            </a:br>
+            <a:r>
+              <a:rPr kumimoji="0" lang="fr-FR" altLang="fr-FR" sz="1400" b="0" i="0" u="none" strike="noStrike" cap="none" normalizeH="0" baseline="0" dirty="0">
+                <a:ln>
+                  <a:noFill/>
+                </a:ln>
+                <a:solidFill>
+                  <a:srgbClr val="080808"/>
+                </a:solidFill>
+                <a:effectLst/>
+                <a:latin typeface="Fira Code" panose="020B0809050000020004" pitchFamily="49" charset="0"/>
+              </a:rPr>
+              <a:t>    </a:t>
+            </a:r>
+            <a:r>
+              <a:rPr kumimoji="0" lang="fr-FR" altLang="fr-FR" sz="1400" b="0" i="0" u="none" strike="noStrike" cap="none" normalizeH="0" baseline="0" dirty="0">
+                <a:ln>
+                  <a:noFill/>
+                </a:ln>
+                <a:solidFill>
+                  <a:srgbClr val="0033B3"/>
+                </a:solidFill>
+                <a:effectLst/>
+                <a:latin typeface="Fira Code" panose="020B0809050000020004" pitchFamily="49" charset="0"/>
+              </a:rPr>
+              <a:t>if </a:t>
+            </a:r>
+            <a:r>
+              <a:rPr kumimoji="0" lang="fr-FR" altLang="fr-FR" sz="1400" b="0" i="0" u="none" strike="noStrike" cap="none" normalizeH="0" baseline="0" dirty="0">
+                <a:ln>
+                  <a:noFill/>
+                </a:ln>
+                <a:solidFill>
+                  <a:srgbClr val="080808"/>
+                </a:solidFill>
+                <a:effectLst/>
+                <a:latin typeface="Fira Code" panose="020B0809050000020004" pitchFamily="49" charset="0"/>
+              </a:rPr>
+              <a:t>(</a:t>
+            </a:r>
+            <a:r>
+              <a:rPr kumimoji="0" lang="fr-FR" altLang="fr-FR" sz="1400" b="0" i="0" u="none" strike="noStrike" cap="none" normalizeH="0" baseline="0" dirty="0" err="1">
+                <a:ln>
+                  <a:noFill/>
+                </a:ln>
+                <a:solidFill>
+                  <a:srgbClr val="000000"/>
+                </a:solidFill>
+                <a:effectLst/>
+                <a:latin typeface="Fira Code" panose="020B0809050000020004" pitchFamily="49" charset="0"/>
+              </a:rPr>
+              <a:t>StringUtils</a:t>
+            </a:r>
+            <a:r>
+              <a:rPr kumimoji="0" lang="fr-FR" altLang="fr-FR" sz="1400" b="0" i="0" u="none" strike="noStrike" cap="none" normalizeH="0" baseline="0" dirty="0" err="1">
+                <a:ln>
+                  <a:noFill/>
+                </a:ln>
+                <a:solidFill>
+                  <a:srgbClr val="080808"/>
+                </a:solidFill>
+                <a:effectLst/>
+                <a:latin typeface="Fira Code" panose="020B0809050000020004" pitchFamily="49" charset="0"/>
+              </a:rPr>
+              <a:t>.</a:t>
+            </a:r>
+            <a:r>
+              <a:rPr kumimoji="0" lang="fr-FR" altLang="fr-FR" sz="1400" b="0" i="1" u="none" strike="noStrike" cap="none" normalizeH="0" baseline="0" dirty="0" err="1">
+                <a:ln>
+                  <a:noFill/>
+                </a:ln>
+                <a:solidFill>
+                  <a:srgbClr val="080808"/>
+                </a:solidFill>
+                <a:effectLst/>
+                <a:latin typeface="Fira Code" panose="020B0809050000020004" pitchFamily="49" charset="0"/>
+              </a:rPr>
+              <a:t>hasText</a:t>
+            </a:r>
+            <a:r>
+              <a:rPr kumimoji="0" lang="fr-FR" altLang="fr-FR" sz="1400" b="0" i="0" u="none" strike="noStrike" cap="none" normalizeH="0" baseline="0" dirty="0">
+                <a:ln>
+                  <a:noFill/>
+                </a:ln>
+                <a:solidFill>
+                  <a:srgbClr val="080808"/>
+                </a:solidFill>
+                <a:effectLst/>
+                <a:latin typeface="Fira Code" panose="020B0809050000020004" pitchFamily="49" charset="0"/>
+              </a:rPr>
+              <a:t>(ville)) {</a:t>
+            </a:r>
+            <a:br>
+              <a:rPr kumimoji="0" lang="fr-FR" altLang="fr-FR" sz="1400" b="0" i="0" u="none" strike="noStrike" cap="none" normalizeH="0" baseline="0" dirty="0">
+                <a:ln>
+                  <a:noFill/>
+                </a:ln>
+                <a:solidFill>
+                  <a:srgbClr val="080808"/>
+                </a:solidFill>
+                <a:effectLst/>
+                <a:latin typeface="Fira Code" panose="020B0809050000020004" pitchFamily="49" charset="0"/>
+              </a:rPr>
+            </a:br>
+            <a:r>
+              <a:rPr kumimoji="0" lang="fr-FR" altLang="fr-FR" sz="1400" b="0" i="0" u="none" strike="noStrike" cap="none" normalizeH="0" baseline="0" dirty="0">
+                <a:ln>
+                  <a:noFill/>
+                </a:ln>
+                <a:solidFill>
+                  <a:srgbClr val="080808"/>
+                </a:solidFill>
+                <a:effectLst/>
+                <a:latin typeface="Fira Code" panose="020B0809050000020004" pitchFamily="49" charset="0"/>
+              </a:rPr>
+              <a:t>        </a:t>
+            </a:r>
+            <a:r>
+              <a:rPr kumimoji="0" lang="fr-FR" altLang="fr-FR" sz="1400" b="0" i="0" u="none" strike="noStrike" cap="none" normalizeH="0" baseline="0" dirty="0">
+                <a:ln>
+                  <a:noFill/>
+                </a:ln>
+                <a:solidFill>
+                  <a:srgbClr val="0033B3"/>
+                </a:solidFill>
+                <a:effectLst/>
+                <a:latin typeface="Fira Code" panose="020B0809050000020004" pitchFamily="49" charset="0"/>
+              </a:rPr>
+              <a:t>return </a:t>
+            </a:r>
+            <a:r>
+              <a:rPr kumimoji="0" lang="fr-FR" altLang="fr-FR" sz="1400" b="0" i="0" u="none" strike="noStrike" cap="none" normalizeH="0" baseline="0" dirty="0" err="1">
+                <a:ln>
+                  <a:noFill/>
+                </a:ln>
+                <a:solidFill>
+                  <a:srgbClr val="000000"/>
+                </a:solidFill>
+                <a:effectLst/>
+                <a:latin typeface="Fira Code" panose="020B0809050000020004" pitchFamily="49" charset="0"/>
+              </a:rPr>
+              <a:t>monuments</a:t>
+            </a:r>
+            <a:r>
+              <a:rPr kumimoji="0" lang="fr-FR" altLang="fr-FR" sz="1400" b="0" i="0" u="none" strike="noStrike" cap="none" normalizeH="0" baseline="0" dirty="0" err="1">
+                <a:ln>
+                  <a:noFill/>
+                </a:ln>
+                <a:solidFill>
+                  <a:srgbClr val="080808"/>
+                </a:solidFill>
+                <a:effectLst/>
+                <a:latin typeface="Fira Code" panose="020B0809050000020004" pitchFamily="49" charset="0"/>
+              </a:rPr>
+              <a:t>.stream</a:t>
+            </a:r>
+            <a:r>
+              <a:rPr kumimoji="0" lang="fr-FR" altLang="fr-FR" sz="1400" b="0" i="0" u="none" strike="noStrike" cap="none" normalizeH="0" baseline="0" dirty="0">
+                <a:ln>
+                  <a:noFill/>
+                </a:ln>
+                <a:solidFill>
+                  <a:srgbClr val="080808"/>
+                </a:solidFill>
+                <a:effectLst/>
+                <a:latin typeface="Fira Code" panose="020B0809050000020004" pitchFamily="49" charset="0"/>
+              </a:rPr>
+              <a:t>()</a:t>
+            </a:r>
+            <a:br>
+              <a:rPr kumimoji="0" lang="fr-FR" altLang="fr-FR" sz="1400" b="0" i="0" u="none" strike="noStrike" cap="none" normalizeH="0" baseline="0" dirty="0">
+                <a:ln>
+                  <a:noFill/>
+                </a:ln>
+                <a:solidFill>
+                  <a:srgbClr val="080808"/>
+                </a:solidFill>
+                <a:effectLst/>
+                <a:latin typeface="Fira Code" panose="020B0809050000020004" pitchFamily="49" charset="0"/>
+              </a:rPr>
+            </a:br>
+            <a:r>
+              <a:rPr kumimoji="0" lang="fr-FR" altLang="fr-FR" sz="1400" b="0" i="0" u="none" strike="noStrike" cap="none" normalizeH="0" baseline="0" dirty="0">
+                <a:ln>
+                  <a:noFill/>
+                </a:ln>
+                <a:solidFill>
+                  <a:srgbClr val="080808"/>
+                </a:solidFill>
+                <a:effectLst/>
+                <a:latin typeface="Fira Code" panose="020B0809050000020004" pitchFamily="49" charset="0"/>
+              </a:rPr>
+              <a:t>                .</a:t>
+            </a:r>
+            <a:r>
+              <a:rPr kumimoji="0" lang="fr-FR" altLang="fr-FR" sz="1400" b="0" i="0" u="none" strike="noStrike" cap="none" normalizeH="0" baseline="0" dirty="0" err="1">
+                <a:ln>
+                  <a:noFill/>
+                </a:ln>
+                <a:solidFill>
+                  <a:srgbClr val="080808"/>
+                </a:solidFill>
+                <a:effectLst/>
+                <a:latin typeface="Fira Code" panose="020B0809050000020004" pitchFamily="49" charset="0"/>
+              </a:rPr>
+              <a:t>filter</a:t>
+            </a:r>
+            <a:r>
+              <a:rPr kumimoji="0" lang="fr-FR" altLang="fr-FR" sz="1400" b="0" i="0" u="none" strike="noStrike" cap="none" normalizeH="0" baseline="0" dirty="0">
+                <a:ln>
+                  <a:noFill/>
+                </a:ln>
+                <a:solidFill>
+                  <a:srgbClr val="080808"/>
+                </a:solidFill>
+                <a:effectLst/>
+                <a:latin typeface="Fira Code" panose="020B0809050000020004" pitchFamily="49" charset="0"/>
+              </a:rPr>
+              <a:t>(m -&gt; </a:t>
+            </a:r>
+            <a:r>
+              <a:rPr kumimoji="0" lang="fr-FR" altLang="fr-FR" sz="1400" b="0" i="0" u="none" strike="noStrike" cap="none" normalizeH="0" baseline="0" dirty="0" err="1">
+                <a:ln>
+                  <a:noFill/>
+                </a:ln>
+                <a:solidFill>
+                  <a:srgbClr val="080808"/>
+                </a:solidFill>
+                <a:effectLst/>
+                <a:latin typeface="Fira Code" panose="020B0809050000020004" pitchFamily="49" charset="0"/>
+              </a:rPr>
+              <a:t>m.getCommune</a:t>
+            </a:r>
+            <a:r>
+              <a:rPr kumimoji="0" lang="fr-FR" altLang="fr-FR" sz="1400" b="0" i="0" u="none" strike="noStrike" cap="none" normalizeH="0" baseline="0" dirty="0">
+                <a:ln>
+                  <a:noFill/>
+                </a:ln>
+                <a:solidFill>
+                  <a:srgbClr val="080808"/>
+                </a:solidFill>
+                <a:effectLst/>
+                <a:latin typeface="Fira Code" panose="020B0809050000020004" pitchFamily="49" charset="0"/>
+              </a:rPr>
+              <a:t>().</a:t>
+            </a:r>
+            <a:r>
+              <a:rPr kumimoji="0" lang="fr-FR" altLang="fr-FR" sz="1400" b="0" i="0" u="none" strike="noStrike" cap="none" normalizeH="0" baseline="0" dirty="0" err="1">
+                <a:ln>
+                  <a:noFill/>
+                </a:ln>
+                <a:solidFill>
+                  <a:srgbClr val="080808"/>
+                </a:solidFill>
+                <a:effectLst/>
+                <a:latin typeface="Fira Code" panose="020B0809050000020004" pitchFamily="49" charset="0"/>
+              </a:rPr>
+              <a:t>equalsIgnoreCase</a:t>
+            </a:r>
+            <a:r>
+              <a:rPr kumimoji="0" lang="fr-FR" altLang="fr-FR" sz="1400" b="0" i="0" u="none" strike="noStrike" cap="none" normalizeH="0" baseline="0" dirty="0">
+                <a:ln>
+                  <a:noFill/>
+                </a:ln>
+                <a:solidFill>
+                  <a:srgbClr val="080808"/>
+                </a:solidFill>
+                <a:effectLst/>
+                <a:latin typeface="Fira Code" panose="020B0809050000020004" pitchFamily="49" charset="0"/>
+              </a:rPr>
+              <a:t>(</a:t>
+            </a:r>
+            <a:r>
+              <a:rPr kumimoji="0" lang="fr-FR" altLang="fr-FR" sz="1400" b="0" i="0" u="none" strike="noStrike" cap="none" normalizeH="0" baseline="0" dirty="0">
+                <a:ln>
+                  <a:noFill/>
+                </a:ln>
+                <a:solidFill>
+                  <a:srgbClr val="851691"/>
+                </a:solidFill>
+                <a:effectLst/>
+                <a:latin typeface="Fira Code" panose="020B0809050000020004" pitchFamily="49" charset="0"/>
+              </a:rPr>
+              <a:t>ville</a:t>
+            </a:r>
+            <a:r>
+              <a:rPr kumimoji="0" lang="fr-FR" altLang="fr-FR" sz="1400" b="0" i="0" u="none" strike="noStrike" cap="none" normalizeH="0" baseline="0" dirty="0">
+                <a:ln>
+                  <a:noFill/>
+                </a:ln>
+                <a:solidFill>
+                  <a:srgbClr val="080808"/>
+                </a:solidFill>
+                <a:effectLst/>
+                <a:latin typeface="Fira Code" panose="020B0809050000020004" pitchFamily="49" charset="0"/>
+              </a:rPr>
+              <a:t>))</a:t>
+            </a:r>
+            <a:br>
+              <a:rPr kumimoji="0" lang="fr-FR" altLang="fr-FR" sz="1400" b="0" i="0" u="none" strike="noStrike" cap="none" normalizeH="0" baseline="0" dirty="0">
+                <a:ln>
+                  <a:noFill/>
+                </a:ln>
+                <a:solidFill>
+                  <a:srgbClr val="080808"/>
+                </a:solidFill>
+                <a:effectLst/>
+                <a:latin typeface="Fira Code" panose="020B0809050000020004" pitchFamily="49" charset="0"/>
+              </a:rPr>
+            </a:br>
+            <a:r>
+              <a:rPr kumimoji="0" lang="fr-FR" altLang="fr-FR" sz="1400" b="0" i="0" u="none" strike="noStrike" cap="none" normalizeH="0" baseline="0" dirty="0">
+                <a:ln>
+                  <a:noFill/>
+                </a:ln>
+                <a:solidFill>
+                  <a:srgbClr val="080808"/>
+                </a:solidFill>
+                <a:effectLst/>
+                <a:latin typeface="Fira Code" panose="020B0809050000020004" pitchFamily="49" charset="0"/>
+              </a:rPr>
+              <a:t>                </a:t>
+            </a:r>
+            <a:r>
+              <a:rPr lang="fr-FR" altLang="fr-FR" sz="1400" dirty="0">
+                <a:solidFill>
+                  <a:srgbClr val="080808"/>
+                </a:solidFill>
+                <a:latin typeface="Fira Code" panose="020B0809050000020004" pitchFamily="49" charset="0"/>
+              </a:rPr>
+              <a:t>.</a:t>
+            </a:r>
+            <a:r>
+              <a:rPr lang="fr-FR" altLang="fr-FR" sz="1400" dirty="0" err="1">
+                <a:solidFill>
+                  <a:srgbClr val="080808"/>
+                </a:solidFill>
+                <a:latin typeface="Fira Code" panose="020B0809050000020004" pitchFamily="49" charset="0"/>
+              </a:rPr>
+              <a:t>toList</a:t>
+            </a:r>
+            <a:r>
+              <a:rPr kumimoji="0" lang="fr-FR" altLang="fr-FR" sz="1400" b="0" i="0" u="none" strike="noStrike" cap="none" normalizeH="0" baseline="0" dirty="0">
+                <a:ln>
+                  <a:noFill/>
+                </a:ln>
+                <a:solidFill>
+                  <a:srgbClr val="080808"/>
+                </a:solidFill>
+                <a:effectLst/>
+                <a:latin typeface="Fira Code" panose="020B0809050000020004" pitchFamily="49" charset="0"/>
+              </a:rPr>
+              <a:t>();</a:t>
+            </a:r>
+            <a:br>
+              <a:rPr kumimoji="0" lang="fr-FR" altLang="fr-FR" sz="1400" b="0" i="0" u="none" strike="noStrike" cap="none" normalizeH="0" baseline="0" dirty="0">
+                <a:ln>
+                  <a:noFill/>
+                </a:ln>
+                <a:solidFill>
+                  <a:srgbClr val="080808"/>
+                </a:solidFill>
+                <a:effectLst/>
+                <a:latin typeface="Fira Code" panose="020B0809050000020004" pitchFamily="49" charset="0"/>
+              </a:rPr>
+            </a:br>
+            <a:r>
+              <a:rPr kumimoji="0" lang="fr-FR" altLang="fr-FR" sz="1400" b="0" i="0" u="none" strike="noStrike" cap="none" normalizeH="0" baseline="0" dirty="0">
+                <a:ln>
+                  <a:noFill/>
+                </a:ln>
+                <a:solidFill>
+                  <a:srgbClr val="080808"/>
+                </a:solidFill>
+                <a:effectLst/>
+                <a:latin typeface="Fira Code" panose="020B0809050000020004" pitchFamily="49" charset="0"/>
+              </a:rPr>
+              <a:t>    } </a:t>
+            </a:r>
+            <a:r>
+              <a:rPr kumimoji="0" lang="fr-FR" altLang="fr-FR" sz="1400" b="0" i="0" u="none" strike="noStrike" cap="none" normalizeH="0" baseline="0" dirty="0" err="1">
+                <a:ln>
+                  <a:noFill/>
+                </a:ln>
+                <a:solidFill>
+                  <a:srgbClr val="0033B3"/>
+                </a:solidFill>
+                <a:effectLst/>
+                <a:latin typeface="Fira Code" panose="020B0809050000020004" pitchFamily="49" charset="0"/>
+              </a:rPr>
+              <a:t>else</a:t>
+            </a:r>
+            <a:r>
+              <a:rPr kumimoji="0" lang="fr-FR" altLang="fr-FR" sz="1400" b="0" i="0" u="none" strike="noStrike" cap="none" normalizeH="0" baseline="0" dirty="0">
+                <a:ln>
+                  <a:noFill/>
+                </a:ln>
+                <a:solidFill>
+                  <a:srgbClr val="0033B3"/>
+                </a:solidFill>
+                <a:effectLst/>
+                <a:latin typeface="Fira Code" panose="020B0809050000020004" pitchFamily="49" charset="0"/>
+              </a:rPr>
+              <a:t> </a:t>
+            </a:r>
+            <a:r>
+              <a:rPr kumimoji="0" lang="fr-FR" altLang="fr-FR" sz="1400" b="0" i="0" u="none" strike="noStrike" cap="none" normalizeH="0" baseline="0" dirty="0">
+                <a:ln>
+                  <a:noFill/>
+                </a:ln>
+                <a:solidFill>
+                  <a:srgbClr val="080808"/>
+                </a:solidFill>
+                <a:effectLst/>
+                <a:latin typeface="Fira Code" panose="020B0809050000020004" pitchFamily="49" charset="0"/>
+              </a:rPr>
+              <a:t>{</a:t>
+            </a:r>
+            <a:br>
+              <a:rPr kumimoji="0" lang="fr-FR" altLang="fr-FR" sz="1400" b="0" i="0" u="none" strike="noStrike" cap="none" normalizeH="0" baseline="0" dirty="0">
+                <a:ln>
+                  <a:noFill/>
+                </a:ln>
+                <a:solidFill>
+                  <a:srgbClr val="080808"/>
+                </a:solidFill>
+                <a:effectLst/>
+                <a:latin typeface="Fira Code" panose="020B0809050000020004" pitchFamily="49" charset="0"/>
+              </a:rPr>
+            </a:br>
+            <a:r>
+              <a:rPr kumimoji="0" lang="fr-FR" altLang="fr-FR" sz="1400" b="0" i="0" u="none" strike="noStrike" cap="none" normalizeH="0" baseline="0" dirty="0">
+                <a:ln>
+                  <a:noFill/>
+                </a:ln>
+                <a:solidFill>
+                  <a:srgbClr val="080808"/>
+                </a:solidFill>
+                <a:effectLst/>
+                <a:latin typeface="Fira Code" panose="020B0809050000020004" pitchFamily="49" charset="0"/>
+              </a:rPr>
+              <a:t>        </a:t>
+            </a:r>
+            <a:r>
+              <a:rPr kumimoji="0" lang="fr-FR" altLang="fr-FR" sz="1400" b="0" i="0" u="none" strike="noStrike" cap="none" normalizeH="0" baseline="0" dirty="0">
+                <a:ln>
+                  <a:noFill/>
+                </a:ln>
+                <a:solidFill>
+                  <a:srgbClr val="0033B3"/>
+                </a:solidFill>
+                <a:effectLst/>
+                <a:latin typeface="Fira Code" panose="020B0809050000020004" pitchFamily="49" charset="0"/>
+              </a:rPr>
+              <a:t>return </a:t>
+            </a:r>
+            <a:r>
+              <a:rPr kumimoji="0" lang="fr-FR" altLang="fr-FR" sz="1400" b="0" i="0" u="none" strike="noStrike" cap="none" normalizeH="0" baseline="0" dirty="0">
+                <a:ln>
+                  <a:noFill/>
+                </a:ln>
+                <a:solidFill>
+                  <a:srgbClr val="000000"/>
+                </a:solidFill>
+                <a:effectLst/>
+                <a:latin typeface="Fira Code" panose="020B0809050000020004" pitchFamily="49" charset="0"/>
+              </a:rPr>
+              <a:t>monuments</a:t>
+            </a:r>
+            <a:r>
+              <a:rPr kumimoji="0" lang="fr-FR" altLang="fr-FR" sz="1400" b="0" i="0" u="none" strike="noStrike" cap="none" normalizeH="0" baseline="0" dirty="0">
+                <a:ln>
+                  <a:noFill/>
+                </a:ln>
+                <a:solidFill>
+                  <a:srgbClr val="080808"/>
+                </a:solidFill>
+                <a:effectLst/>
+                <a:latin typeface="Fira Code" panose="020B0809050000020004" pitchFamily="49" charset="0"/>
+              </a:rPr>
+              <a:t>;</a:t>
+            </a:r>
+            <a:br>
+              <a:rPr kumimoji="0" lang="fr-FR" altLang="fr-FR" sz="1400" b="0" i="0" u="none" strike="noStrike" cap="none" normalizeH="0" baseline="0" dirty="0">
+                <a:ln>
+                  <a:noFill/>
+                </a:ln>
+                <a:solidFill>
+                  <a:srgbClr val="080808"/>
+                </a:solidFill>
+                <a:effectLst/>
+                <a:latin typeface="Fira Code" panose="020B0809050000020004" pitchFamily="49" charset="0"/>
+              </a:rPr>
+            </a:br>
+            <a:r>
+              <a:rPr kumimoji="0" lang="fr-FR" altLang="fr-FR" sz="1400" b="0" i="0" u="none" strike="noStrike" cap="none" normalizeH="0" baseline="0" dirty="0">
+                <a:ln>
+                  <a:noFill/>
+                </a:ln>
+                <a:solidFill>
+                  <a:srgbClr val="080808"/>
+                </a:solidFill>
+                <a:effectLst/>
+                <a:latin typeface="Fira Code" panose="020B0809050000020004" pitchFamily="49" charset="0"/>
+              </a:rPr>
+              <a:t>    }</a:t>
+            </a:r>
+            <a:br>
+              <a:rPr kumimoji="0" lang="fr-FR" altLang="fr-FR" sz="1400" b="0" i="0" u="none" strike="noStrike" cap="none" normalizeH="0" baseline="0" dirty="0">
+                <a:ln>
+                  <a:noFill/>
+                </a:ln>
+                <a:solidFill>
+                  <a:srgbClr val="080808"/>
+                </a:solidFill>
+                <a:effectLst/>
+                <a:latin typeface="Fira Code" panose="020B0809050000020004" pitchFamily="49" charset="0"/>
+              </a:rPr>
+            </a:br>
+            <a:r>
+              <a:rPr kumimoji="0" lang="fr-FR" altLang="fr-FR" sz="1400" b="0" i="0" u="none" strike="noStrike" cap="none" normalizeH="0" baseline="0" dirty="0">
+                <a:ln>
+                  <a:noFill/>
+                </a:ln>
+                <a:solidFill>
+                  <a:srgbClr val="080808"/>
+                </a:solidFill>
+                <a:effectLst/>
+                <a:latin typeface="Fira Code" panose="020B0809050000020004" pitchFamily="49" charset="0"/>
+              </a:rPr>
+              <a:t>} </a:t>
+            </a:r>
+            <a:r>
+              <a:rPr lang="fr-FR" altLang="fr-FR" sz="1400" i="1" dirty="0">
+                <a:solidFill>
+                  <a:srgbClr val="8C8C8C"/>
+                </a:solidFill>
+                <a:latin typeface="Fira Code" panose="020B0809050000020004" pitchFamily="49" charset="0"/>
+              </a:rPr>
+              <a:t>// oui avec une </a:t>
+            </a:r>
+            <a:r>
+              <a:rPr lang="fr-FR" altLang="fr-FR" sz="1400" i="1" dirty="0" err="1">
+                <a:solidFill>
+                  <a:srgbClr val="8C8C8C"/>
+                </a:solidFill>
+                <a:latin typeface="Fira Code" panose="020B0809050000020004" pitchFamily="49" charset="0"/>
+              </a:rPr>
+              <a:t>HashMap</a:t>
+            </a:r>
+            <a:r>
+              <a:rPr lang="fr-FR" altLang="fr-FR" sz="1400" i="1" dirty="0">
+                <a:solidFill>
+                  <a:srgbClr val="8C8C8C"/>
+                </a:solidFill>
+                <a:latin typeface="Fira Code" panose="020B0809050000020004" pitchFamily="49" charset="0"/>
+              </a:rPr>
+              <a:t> on fait mieux mais c’est moins bien pour expliquer :p </a:t>
+            </a:r>
+          </a:p>
+        </p:txBody>
+      </p:sp>
+    </p:spTree>
+    <p:extLst>
+      <p:ext uri="{BB962C8B-B14F-4D97-AF65-F5344CB8AC3E}">
+        <p14:creationId xmlns:p14="http://schemas.microsoft.com/office/powerpoint/2010/main" val="2540775821"/>
+      </p:ext>
+    </p:extLst>
+  </p:cSld>
+  <p:clrMapOvr>
+    <a:masterClrMapping/>
+  </p:clrMapOvr>
+  <mc:AlternateContent xmlns:mc="http://schemas.openxmlformats.org/markup-compatibility/2006" xmlns:p14="http://schemas.microsoft.com/office/powerpoint/2010/main">
+    <mc:Choice Requires="p14">
+      <p:transition p14:dur="10"/>
+    </mc:Choice>
+    <mc:Fallback xmlns="">
+      <p:transition/>
+    </mc:Fallback>
+  </mc:AlternateContent>
+</p:sld>
+</file>
+
+<file path=ppt/slides/slide4.xml><?xml version="1.0" encoding="utf-8"?>
+<p:sld xmlns:a="http://schemas.openxmlformats.org/drawingml/2006/main" xmlns:r="http://schemas.openxmlformats.org/officeDocument/2006/relationships" xmlns:p="http://schemas.openxmlformats.org/presentationml/2006/main">
+  <p:cSld>
+    <p:spTree>
+      <p:nvGrpSpPr>
+        <p:cNvPr id="1" name=""/>
+        <p:cNvGrpSpPr/>
+        <p:nvPr/>
+      </p:nvGrpSpPr>
+      <p:grpSpPr>
+        <a:xfrm>
+          <a:off x="0" y="0"/>
+          <a:ext cx="0" cy="0"/>
+          <a:chOff x="0" y="0"/>
+          <a:chExt cx="0" cy="0"/>
+        </a:xfrm>
+      </p:grpSpPr>
+      <p:sp>
+        <p:nvSpPr>
+          <p:cNvPr id="4" name="Titre 3"/>
+          <p:cNvSpPr>
+            <a:spLocks noGrp="1"/>
+          </p:cNvSpPr>
+          <p:nvPr>
+            <p:ph type="title"/>
+          </p:nvPr>
+        </p:nvSpPr>
+        <p:spPr>
+          <a:xfrm>
+            <a:off x="521207" y="448056"/>
+            <a:ext cx="7783344" cy="640080"/>
+          </a:xfrm>
+        </p:spPr>
+        <p:txBody>
+          <a:bodyPr rtlCol="0">
+            <a:normAutofit/>
+          </a:bodyPr>
+          <a:lstStyle/>
+          <a:p>
+            <a:pPr rtl="0"/>
+            <a:r>
+              <a:rPr lang="fr-FR" noProof="1">
+                <a:latin typeface="Segoe UI Light" panose="020B0502040204020203" pitchFamily="34" charset="0"/>
+                <a:cs typeface="Segoe UI Light" panose="020B0502040204020203" pitchFamily="34" charset="0"/>
+              </a:rPr>
+              <a:t>Programmation réactive</a:t>
+            </a:r>
+          </a:p>
+        </p:txBody>
+      </p:sp>
+      <p:sp>
+        <p:nvSpPr>
+          <p:cNvPr id="7" name="ZoneTexte 6">
+            <a:extLst>
+              <a:ext uri="{FF2B5EF4-FFF2-40B4-BE49-F238E27FC236}">
+                <a16:creationId xmlns:a16="http://schemas.microsoft.com/office/drawing/2014/main" id="{1351B732-5CDD-4F7E-9691-AF0E2CE8CDA3}"/>
+              </a:ext>
+            </a:extLst>
+          </p:cNvPr>
+          <p:cNvSpPr txBox="1"/>
+          <p:nvPr/>
+        </p:nvSpPr>
+        <p:spPr>
+          <a:xfrm>
+            <a:off x="521206" y="1708681"/>
+            <a:ext cx="10338081" cy="646331"/>
+          </a:xfrm>
+          <a:prstGeom prst="rect">
+            <a:avLst/>
+          </a:prstGeom>
+          <a:noFill/>
+        </p:spPr>
+        <p:txBody>
+          <a:bodyPr wrap="square">
+            <a:spAutoFit/>
+          </a:bodyPr>
+          <a:lstStyle/>
+          <a:p>
+            <a:r>
+              <a:rPr lang="fr-FR" dirty="0">
+                <a:sym typeface="Wingdings" panose="05000000000000000000" pitchFamily="2" charset="2"/>
+              </a:rPr>
+              <a:t>Manifeste : </a:t>
+            </a:r>
+            <a:r>
+              <a:rPr lang="fr-FR" dirty="0">
+                <a:sym typeface="Wingdings" panose="05000000000000000000" pitchFamily="2" charset="2"/>
+                <a:hlinkClick r:id="rId3"/>
+              </a:rPr>
+              <a:t>https://www.reactivemanifesto.org/fr</a:t>
+            </a:r>
+            <a:r>
+              <a:rPr lang="fr-FR" dirty="0">
+                <a:sym typeface="Wingdings" panose="05000000000000000000" pitchFamily="2" charset="2"/>
+              </a:rPr>
+              <a:t> </a:t>
+            </a:r>
+          </a:p>
+          <a:p>
+            <a:r>
+              <a:rPr lang="fr-FR" dirty="0">
+                <a:sym typeface="Wingdings" panose="05000000000000000000" pitchFamily="2" charset="2"/>
+              </a:rPr>
+              <a:t>Notion de « </a:t>
+            </a:r>
+            <a:r>
+              <a:rPr lang="fr-FR" dirty="0" err="1">
+                <a:sym typeface="Wingdings" panose="05000000000000000000" pitchFamily="2" charset="2"/>
+              </a:rPr>
+              <a:t>publisher</a:t>
+            </a:r>
+            <a:r>
+              <a:rPr lang="fr-FR" dirty="0">
+                <a:sym typeface="Wingdings" panose="05000000000000000000" pitchFamily="2" charset="2"/>
+              </a:rPr>
+              <a:t> » / « </a:t>
+            </a:r>
+            <a:r>
+              <a:rPr lang="fr-FR" dirty="0" err="1">
+                <a:sym typeface="Wingdings" panose="05000000000000000000" pitchFamily="2" charset="2"/>
+              </a:rPr>
+              <a:t>subscriber</a:t>
+            </a:r>
+            <a:r>
+              <a:rPr lang="fr-FR" dirty="0">
+                <a:sym typeface="Wingdings" panose="05000000000000000000" pitchFamily="2" charset="2"/>
+              </a:rPr>
+              <a:t> »</a:t>
+            </a:r>
+          </a:p>
+        </p:txBody>
+      </p:sp>
+      <p:sp>
+        <p:nvSpPr>
+          <p:cNvPr id="5" name="ZoneTexte 4">
+            <a:extLst>
+              <a:ext uri="{FF2B5EF4-FFF2-40B4-BE49-F238E27FC236}">
+                <a16:creationId xmlns:a16="http://schemas.microsoft.com/office/drawing/2014/main" id="{C8C0A3D9-A046-638A-DE7B-DADC25270A96}"/>
+              </a:ext>
+            </a:extLst>
+          </p:cNvPr>
+          <p:cNvSpPr txBox="1"/>
+          <p:nvPr/>
+        </p:nvSpPr>
+        <p:spPr>
+          <a:xfrm>
+            <a:off x="299256" y="2685430"/>
+            <a:ext cx="6456643" cy="923330"/>
+          </a:xfrm>
+          <a:prstGeom prst="rect">
+            <a:avLst/>
+          </a:prstGeom>
+          <a:solidFill>
+            <a:schemeClr val="bg1"/>
+          </a:solidFill>
+        </p:spPr>
+        <p:txBody>
+          <a:bodyPr wrap="square">
+            <a:spAutoFit/>
+          </a:bodyPr>
+          <a:lstStyle/>
+          <a:p>
+            <a:r>
+              <a:rPr lang="fr-FR" b="0" dirty="0" err="1">
+                <a:solidFill>
+                  <a:srgbClr val="795E26"/>
+                </a:solidFill>
+                <a:effectLst/>
+                <a:latin typeface="MonoLisa"/>
+              </a:rPr>
+              <a:t>setTimeout</a:t>
+            </a:r>
+            <a:r>
+              <a:rPr lang="fr-FR" b="0" dirty="0">
+                <a:solidFill>
+                  <a:srgbClr val="000000"/>
+                </a:solidFill>
+                <a:effectLst/>
+                <a:latin typeface="MonoLisa"/>
+              </a:rPr>
+              <a:t>(</a:t>
+            </a:r>
+            <a:r>
+              <a:rPr lang="fr-FR" b="0" dirty="0">
+                <a:solidFill>
+                  <a:srgbClr val="001080"/>
+                </a:solidFill>
+                <a:effectLst/>
+                <a:latin typeface="MonoLisa"/>
+              </a:rPr>
+              <a:t>console.log</a:t>
+            </a:r>
+            <a:r>
+              <a:rPr lang="fr-FR" b="0" dirty="0">
+                <a:solidFill>
+                  <a:srgbClr val="000000"/>
+                </a:solidFill>
+                <a:effectLst/>
+                <a:latin typeface="MonoLisa"/>
+              </a:rPr>
+              <a:t>, </a:t>
+            </a:r>
+            <a:r>
+              <a:rPr lang="fr-FR" b="0" dirty="0">
+                <a:solidFill>
+                  <a:srgbClr val="09885A"/>
+                </a:solidFill>
+                <a:effectLst/>
+                <a:latin typeface="MonoLisa"/>
+              </a:rPr>
+              <a:t>5000</a:t>
+            </a:r>
+            <a:r>
+              <a:rPr lang="fr-FR" b="0" dirty="0">
+                <a:solidFill>
+                  <a:srgbClr val="000000"/>
+                </a:solidFill>
+                <a:effectLst/>
+                <a:latin typeface="MonoLisa"/>
+              </a:rPr>
+              <a:t>, </a:t>
+            </a:r>
+            <a:r>
+              <a:rPr lang="fr-FR" b="0" dirty="0">
+                <a:solidFill>
+                  <a:srgbClr val="A31515"/>
+                </a:solidFill>
+                <a:effectLst/>
+                <a:latin typeface="MonoLisa"/>
+              </a:rPr>
+              <a:t>'Message affiché après 5 secondes'</a:t>
+            </a:r>
+            <a:r>
+              <a:rPr lang="fr-FR" b="0" dirty="0">
+                <a:solidFill>
+                  <a:srgbClr val="000000"/>
+                </a:solidFill>
+                <a:effectLst/>
+                <a:latin typeface="MonoLisa"/>
+              </a:rPr>
+              <a:t>);</a:t>
+            </a:r>
+          </a:p>
+          <a:p>
+            <a:r>
+              <a:rPr lang="fr-FR" b="0" dirty="0">
+                <a:solidFill>
+                  <a:srgbClr val="795E26"/>
+                </a:solidFill>
+                <a:effectLst/>
+                <a:latin typeface="MonoLisa"/>
+              </a:rPr>
+              <a:t>console.log</a:t>
+            </a:r>
+            <a:r>
+              <a:rPr lang="fr-FR" b="0" dirty="0">
+                <a:solidFill>
+                  <a:srgbClr val="000000"/>
+                </a:solidFill>
+                <a:effectLst/>
+                <a:latin typeface="MonoLisa"/>
+              </a:rPr>
+              <a:t>(</a:t>
+            </a:r>
+            <a:r>
+              <a:rPr lang="fr-FR" b="0" dirty="0">
+                <a:solidFill>
+                  <a:srgbClr val="A31515"/>
+                </a:solidFill>
+                <a:effectLst/>
+                <a:latin typeface="MonoLisa"/>
+              </a:rPr>
+              <a:t>'Suite du script'</a:t>
+            </a:r>
+            <a:r>
+              <a:rPr lang="fr-FR" b="0" dirty="0">
+                <a:solidFill>
+                  <a:srgbClr val="000000"/>
+                </a:solidFill>
+                <a:effectLst/>
+                <a:latin typeface="MonoLisa"/>
+              </a:rPr>
+              <a:t>);</a:t>
+            </a:r>
+          </a:p>
+          <a:p>
+            <a:endParaRPr lang="fr-FR" b="0" dirty="0" err="1">
+              <a:solidFill>
+                <a:srgbClr val="56B6C2"/>
+              </a:solidFill>
+              <a:effectLst/>
+              <a:latin typeface="Menlo"/>
+            </a:endParaRPr>
+          </a:p>
+        </p:txBody>
+      </p:sp>
+      <p:pic>
+        <p:nvPicPr>
+          <p:cNvPr id="8" name="Image 7">
+            <a:extLst>
+              <a:ext uri="{FF2B5EF4-FFF2-40B4-BE49-F238E27FC236}">
+                <a16:creationId xmlns:a16="http://schemas.microsoft.com/office/drawing/2014/main" id="{88A067F7-E227-489E-FB60-A3D822952649}"/>
+              </a:ext>
+            </a:extLst>
+          </p:cNvPr>
+          <p:cNvPicPr>
+            <a:picLocks noChangeAspect="1"/>
+          </p:cNvPicPr>
+          <p:nvPr/>
+        </p:nvPicPr>
+        <p:blipFill>
+          <a:blip r:embed="rId4"/>
+          <a:stretch>
+            <a:fillRect/>
+          </a:stretch>
+        </p:blipFill>
+        <p:spPr>
+          <a:xfrm>
+            <a:off x="1251596" y="4511653"/>
+            <a:ext cx="4438650" cy="1428750"/>
+          </a:xfrm>
+          <a:prstGeom prst="rect">
+            <a:avLst/>
+          </a:prstGeom>
+        </p:spPr>
+      </p:pic>
+      <p:sp>
+        <p:nvSpPr>
+          <p:cNvPr id="9" name="Flèche : bas 8">
+            <a:extLst>
+              <a:ext uri="{FF2B5EF4-FFF2-40B4-BE49-F238E27FC236}">
+                <a16:creationId xmlns:a16="http://schemas.microsoft.com/office/drawing/2014/main" id="{4429C90D-BED8-15DE-3355-0E672CC3F4D3}"/>
+              </a:ext>
+            </a:extLst>
+          </p:cNvPr>
+          <p:cNvSpPr/>
+          <p:nvPr/>
+        </p:nvSpPr>
+        <p:spPr>
+          <a:xfrm>
+            <a:off x="3044793" y="3719526"/>
+            <a:ext cx="852256" cy="681361"/>
+          </a:xfrm>
+          <a:prstGeom prst="downArrow">
+            <a:avLst/>
+          </a:prstGeom>
+        </p:spPr>
+        <p:style>
+          <a:lnRef idx="2">
+            <a:schemeClr val="accent1">
+              <a:shade val="15000"/>
+            </a:schemeClr>
+          </a:lnRef>
+          <a:fillRef idx="1">
+            <a:schemeClr val="accent1"/>
+          </a:fillRef>
+          <a:effectRef idx="0">
+            <a:schemeClr val="accent1"/>
+          </a:effectRef>
+          <a:fontRef idx="minor">
+            <a:schemeClr val="lt1"/>
+          </a:fontRef>
+        </p:style>
+        <p:txBody>
+          <a:bodyPr rtlCol="0" anchor="ctr"/>
+          <a:lstStyle/>
+          <a:p>
+            <a:pPr algn="ctr"/>
+            <a:endParaRPr lang="fr-FR"/>
+          </a:p>
+        </p:txBody>
+      </p:sp>
+      <p:sp>
+        <p:nvSpPr>
+          <p:cNvPr id="12" name="Rectangle 2">
+            <a:extLst>
+              <a:ext uri="{FF2B5EF4-FFF2-40B4-BE49-F238E27FC236}">
+                <a16:creationId xmlns:a16="http://schemas.microsoft.com/office/drawing/2014/main" id="{01B3C130-1B27-BE69-4FAD-EF9BFED39A7A}"/>
+              </a:ext>
+            </a:extLst>
+          </p:cNvPr>
+          <p:cNvSpPr>
+            <a:spLocks noChangeArrowheads="1"/>
+          </p:cNvSpPr>
+          <p:nvPr/>
+        </p:nvSpPr>
+        <p:spPr bwMode="auto">
+          <a:xfrm>
+            <a:off x="7480529" y="2685430"/>
+            <a:ext cx="4074851" cy="861774"/>
+          </a:xfrm>
+          <a:prstGeom prst="rect">
+            <a:avLst/>
+          </a:prstGeom>
+          <a:solidFill>
+            <a:srgbClr val="FFFFFF"/>
+          </a:solidFill>
+          <a:ln>
+            <a:noFill/>
+          </a:ln>
+          <a:effectLst/>
+          <a:extLst>
+            <a:ext uri="{91240B29-F687-4F45-9708-019B960494DF}">
+              <a14:hiddenLine xmlns:a14="http://schemas.microsoft.com/office/drawing/2010/main" w="9525">
+                <a:solidFill>
+                  <a:schemeClr val="tx1"/>
+                </a:solidFill>
+                <a:miter lim="800000"/>
+                <a:headEnd/>
+                <a:tailEnd/>
+              </a14:hiddenLine>
+            </a:ext>
+            <a:ext uri="{AF507438-7753-43E0-B8FC-AC1667EBCBE1}">
+              <a14:hiddenEffects xmlns:a14="http://schemas.microsoft.com/office/drawing/2010/main">
+                <a:effectLst>
+                  <a:outerShdw dist="35921" dir="2700000" algn="ctr" rotWithShape="0">
+                    <a:schemeClr val="bg2"/>
+                  </a:outerShdw>
+                </a:effectLst>
+              </a14:hiddenEffects>
+            </a:ext>
+          </a:extLst>
+        </p:spPr>
+        <p:txBody>
+          <a:bodyPr vert="horz" wrap="square" lIns="91440" tIns="45720" rIns="91440" bIns="45720" numCol="1" anchor="ctr" anchorCtr="0" compatLnSpc="1">
+            <a:prstTxWarp prst="textNoShape">
+              <a:avLst/>
+            </a:prstTxWarp>
+            <a:spAutoFit/>
+          </a:bodyPr>
+          <a:lstStyle/>
+          <a:p>
+            <a:pPr marL="0" marR="0" lvl="0" indent="0" algn="l" defTabSz="914400" rtl="0" eaLnBrk="0" fontAlgn="base" latinLnBrk="0" hangingPunct="0">
+              <a:lnSpc>
+                <a:spcPct val="100000"/>
+              </a:lnSpc>
+              <a:spcBef>
+                <a:spcPct val="0"/>
+              </a:spcBef>
+              <a:spcAft>
+                <a:spcPct val="0"/>
+              </a:spcAft>
+              <a:buClrTx/>
+              <a:buSzTx/>
+              <a:buFontTx/>
+              <a:buNone/>
+              <a:tabLst/>
+            </a:pPr>
+            <a:r>
+              <a:rPr kumimoji="0" lang="fr-FR" altLang="fr-FR" sz="1000" b="0" i="0" u="none" strike="noStrike" cap="none" normalizeH="0" baseline="0">
+                <a:ln>
+                  <a:noFill/>
+                </a:ln>
+                <a:solidFill>
+                  <a:srgbClr val="000000"/>
+                </a:solidFill>
+                <a:effectLst/>
+                <a:latin typeface="Fira Code" panose="020B0809050000020004" pitchFamily="49" charset="0"/>
+              </a:rPr>
+              <a:t>Mono</a:t>
+            </a:r>
+            <a:r>
+              <a:rPr kumimoji="0" lang="fr-FR" altLang="fr-FR" sz="1000" b="0" i="0" u="none" strike="noStrike" cap="none" normalizeH="0" baseline="0">
+                <a:ln>
+                  <a:noFill/>
+                </a:ln>
+                <a:solidFill>
+                  <a:srgbClr val="080808"/>
+                </a:solidFill>
+                <a:effectLst/>
+                <a:latin typeface="Fira Code" panose="020B0809050000020004" pitchFamily="49" charset="0"/>
+              </a:rPr>
+              <a:t>.</a:t>
+            </a:r>
+            <a:r>
+              <a:rPr kumimoji="0" lang="fr-FR" altLang="fr-FR" sz="1000" b="0" i="1" u="none" strike="noStrike" cap="none" normalizeH="0" baseline="0">
+                <a:ln>
+                  <a:noFill/>
+                </a:ln>
+                <a:solidFill>
+                  <a:srgbClr val="080808"/>
+                </a:solidFill>
+                <a:effectLst/>
+                <a:latin typeface="Fira Code" panose="020B0809050000020004" pitchFamily="49" charset="0"/>
+              </a:rPr>
+              <a:t>just</a:t>
+            </a:r>
+            <a:r>
+              <a:rPr kumimoji="0" lang="fr-FR" altLang="fr-FR" sz="1000" b="0" i="0" u="none" strike="noStrike" cap="none" normalizeH="0" baseline="0">
+                <a:ln>
+                  <a:noFill/>
+                </a:ln>
+                <a:solidFill>
+                  <a:srgbClr val="080808"/>
+                </a:solidFill>
+                <a:effectLst/>
+                <a:latin typeface="Fira Code" panose="020B0809050000020004" pitchFamily="49" charset="0"/>
+              </a:rPr>
+              <a:t>(</a:t>
+            </a:r>
+            <a:r>
+              <a:rPr kumimoji="0" lang="fr-FR" altLang="fr-FR" sz="1000" b="0" i="0" u="none" strike="noStrike" cap="none" normalizeH="0" baseline="0">
+                <a:ln>
+                  <a:noFill/>
+                </a:ln>
+                <a:solidFill>
+                  <a:srgbClr val="1750EB"/>
+                </a:solidFill>
+                <a:effectLst/>
+                <a:latin typeface="Fira Code" panose="020B0809050000020004" pitchFamily="49" charset="0"/>
+              </a:rPr>
+              <a:t>10</a:t>
+            </a:r>
+            <a:r>
+              <a:rPr kumimoji="0" lang="fr-FR" altLang="fr-FR" sz="1000" b="0" i="0" u="none" strike="noStrike" cap="none" normalizeH="0" baseline="0">
+                <a:ln>
+                  <a:noFill/>
+                </a:ln>
+                <a:solidFill>
+                  <a:srgbClr val="080808"/>
+                </a:solidFill>
+                <a:effectLst/>
+                <a:latin typeface="Fira Code" panose="020B0809050000020004" pitchFamily="49" charset="0"/>
+              </a:rPr>
+              <a:t>)</a:t>
+            </a:r>
+            <a:r>
+              <a:rPr kumimoji="0" lang="fr-FR" altLang="fr-FR" sz="1000" b="0" i="1" u="none" strike="noStrike" cap="none" normalizeH="0" baseline="0">
+                <a:ln>
+                  <a:noFill/>
+                </a:ln>
+                <a:solidFill>
+                  <a:srgbClr val="8C8C8C"/>
+                </a:solidFill>
+                <a:effectLst/>
+                <a:latin typeface="Fira Code" panose="020B0809050000020004" pitchFamily="49" charset="0"/>
+              </a:rPr>
+              <a:t>//</a:t>
+            </a:r>
+            <a:br>
+              <a:rPr kumimoji="0" lang="fr-FR" altLang="fr-FR" sz="1000" b="0" i="1" u="none" strike="noStrike" cap="none" normalizeH="0" baseline="0">
+                <a:ln>
+                  <a:noFill/>
+                </a:ln>
+                <a:solidFill>
+                  <a:srgbClr val="8C8C8C"/>
+                </a:solidFill>
+                <a:effectLst/>
+                <a:latin typeface="Fira Code" panose="020B0809050000020004" pitchFamily="49" charset="0"/>
+              </a:rPr>
+            </a:br>
+            <a:r>
+              <a:rPr kumimoji="0" lang="fr-FR" altLang="fr-FR" sz="1000" b="0" i="1" u="none" strike="noStrike" cap="none" normalizeH="0" baseline="0">
+                <a:ln>
+                  <a:noFill/>
+                </a:ln>
+                <a:solidFill>
+                  <a:srgbClr val="8C8C8C"/>
+                </a:solidFill>
+                <a:effectLst/>
+                <a:latin typeface="Fira Code" panose="020B0809050000020004" pitchFamily="49" charset="0"/>
+              </a:rPr>
+              <a:t>        </a:t>
+            </a:r>
+            <a:r>
+              <a:rPr kumimoji="0" lang="fr-FR" altLang="fr-FR" sz="1000" b="0" i="0" u="none" strike="noStrike" cap="none" normalizeH="0" baseline="0">
+                <a:ln>
+                  <a:noFill/>
+                </a:ln>
+                <a:solidFill>
+                  <a:srgbClr val="080808"/>
+                </a:solidFill>
+                <a:effectLst/>
+                <a:latin typeface="Fira Code" panose="020B0809050000020004" pitchFamily="49" charset="0"/>
+              </a:rPr>
+              <a:t>.map(v -&gt; v + </a:t>
+            </a:r>
+            <a:r>
+              <a:rPr kumimoji="0" lang="fr-FR" altLang="fr-FR" sz="1000" b="0" i="0" u="none" strike="noStrike" cap="none" normalizeH="0" baseline="0">
+                <a:ln>
+                  <a:noFill/>
+                </a:ln>
+                <a:solidFill>
+                  <a:srgbClr val="1750EB"/>
+                </a:solidFill>
+                <a:effectLst/>
+                <a:latin typeface="Fira Code" panose="020B0809050000020004" pitchFamily="49" charset="0"/>
+              </a:rPr>
+              <a:t>10</a:t>
+            </a:r>
+            <a:r>
+              <a:rPr kumimoji="0" lang="fr-FR" altLang="fr-FR" sz="1000" b="0" i="0" u="none" strike="noStrike" cap="none" normalizeH="0" baseline="0">
+                <a:ln>
+                  <a:noFill/>
+                </a:ln>
+                <a:solidFill>
+                  <a:srgbClr val="080808"/>
+                </a:solidFill>
+                <a:effectLst/>
+                <a:latin typeface="Fira Code" panose="020B0809050000020004" pitchFamily="49" charset="0"/>
+              </a:rPr>
+              <a:t>)</a:t>
+            </a:r>
+            <a:r>
+              <a:rPr kumimoji="0" lang="fr-FR" altLang="fr-FR" sz="1000" b="0" i="1" u="none" strike="noStrike" cap="none" normalizeH="0" baseline="0">
+                <a:ln>
+                  <a:noFill/>
+                </a:ln>
+                <a:solidFill>
+                  <a:srgbClr val="8C8C8C"/>
+                </a:solidFill>
+                <a:effectLst/>
+                <a:latin typeface="Fira Code" panose="020B0809050000020004" pitchFamily="49" charset="0"/>
+              </a:rPr>
+              <a:t>//</a:t>
+            </a:r>
+            <a:br>
+              <a:rPr kumimoji="0" lang="fr-FR" altLang="fr-FR" sz="1000" b="0" i="1" u="none" strike="noStrike" cap="none" normalizeH="0" baseline="0">
+                <a:ln>
+                  <a:noFill/>
+                </a:ln>
+                <a:solidFill>
+                  <a:srgbClr val="8C8C8C"/>
+                </a:solidFill>
+                <a:effectLst/>
+                <a:latin typeface="Fira Code" panose="020B0809050000020004" pitchFamily="49" charset="0"/>
+              </a:rPr>
+            </a:br>
+            <a:r>
+              <a:rPr kumimoji="0" lang="fr-FR" altLang="fr-FR" sz="1000" b="0" i="1" u="none" strike="noStrike" cap="none" normalizeH="0" baseline="0">
+                <a:ln>
+                  <a:noFill/>
+                </a:ln>
+                <a:solidFill>
+                  <a:srgbClr val="8C8C8C"/>
+                </a:solidFill>
+                <a:effectLst/>
+                <a:latin typeface="Fira Code" panose="020B0809050000020004" pitchFamily="49" charset="0"/>
+              </a:rPr>
+              <a:t>        </a:t>
+            </a:r>
+            <a:r>
+              <a:rPr kumimoji="0" lang="fr-FR" altLang="fr-FR" sz="1000" b="0" i="0" u="none" strike="noStrike" cap="none" normalizeH="0" baseline="0">
+                <a:ln>
+                  <a:noFill/>
+                </a:ln>
+                <a:solidFill>
+                  <a:srgbClr val="080808"/>
+                </a:solidFill>
+                <a:effectLst/>
+                <a:latin typeface="Fira Code" panose="020B0809050000020004" pitchFamily="49" charset="0"/>
+              </a:rPr>
+              <a:t>.map(v -&gt; </a:t>
+            </a:r>
+            <a:r>
+              <a:rPr kumimoji="0" lang="fr-FR" altLang="fr-FR" sz="1000" b="0" i="0" u="none" strike="noStrike" cap="none" normalizeH="0" baseline="0">
+                <a:ln>
+                  <a:noFill/>
+                </a:ln>
+                <a:solidFill>
+                  <a:srgbClr val="067D17"/>
+                </a:solidFill>
+                <a:effectLst/>
+                <a:latin typeface="Fira Code" panose="020B0809050000020004" pitchFamily="49" charset="0"/>
+              </a:rPr>
+              <a:t>"Message␣" </a:t>
+            </a:r>
+            <a:r>
+              <a:rPr kumimoji="0" lang="fr-FR" altLang="fr-FR" sz="1000" b="0" i="0" u="none" strike="noStrike" cap="none" normalizeH="0" baseline="0">
+                <a:ln>
+                  <a:noFill/>
+                </a:ln>
+                <a:solidFill>
+                  <a:srgbClr val="080808"/>
+                </a:solidFill>
+                <a:effectLst/>
+                <a:latin typeface="Fira Code" panose="020B0809050000020004" pitchFamily="49" charset="0"/>
+              </a:rPr>
+              <a:t>+ v)</a:t>
+            </a:r>
+            <a:r>
+              <a:rPr kumimoji="0" lang="fr-FR" altLang="fr-FR" sz="1000" b="0" i="1" u="none" strike="noStrike" cap="none" normalizeH="0" baseline="0">
+                <a:ln>
+                  <a:noFill/>
+                </a:ln>
+                <a:solidFill>
+                  <a:srgbClr val="8C8C8C"/>
+                </a:solidFill>
+                <a:effectLst/>
+                <a:latin typeface="Fira Code" panose="020B0809050000020004" pitchFamily="49" charset="0"/>
+              </a:rPr>
+              <a:t>//</a:t>
+            </a:r>
+            <a:br>
+              <a:rPr kumimoji="0" lang="fr-FR" altLang="fr-FR" sz="1000" b="0" i="1" u="none" strike="noStrike" cap="none" normalizeH="0" baseline="0">
+                <a:ln>
+                  <a:noFill/>
+                </a:ln>
+                <a:solidFill>
+                  <a:srgbClr val="8C8C8C"/>
+                </a:solidFill>
+                <a:effectLst/>
+                <a:latin typeface="Fira Code" panose="020B0809050000020004" pitchFamily="49" charset="0"/>
+              </a:rPr>
+            </a:br>
+            <a:r>
+              <a:rPr kumimoji="0" lang="fr-FR" altLang="fr-FR" sz="1000" b="0" i="1" u="none" strike="noStrike" cap="none" normalizeH="0" baseline="0">
+                <a:ln>
+                  <a:noFill/>
+                </a:ln>
+                <a:solidFill>
+                  <a:srgbClr val="8C8C8C"/>
+                </a:solidFill>
+                <a:effectLst/>
+                <a:latin typeface="Fira Code" panose="020B0809050000020004" pitchFamily="49" charset="0"/>
+              </a:rPr>
+              <a:t>        </a:t>
+            </a:r>
+            <a:r>
+              <a:rPr kumimoji="0" lang="fr-FR" altLang="fr-FR" sz="1000" b="0" i="0" u="none" strike="noStrike" cap="none" normalizeH="0" baseline="0">
+                <a:ln>
+                  <a:noFill/>
+                </a:ln>
+                <a:solidFill>
+                  <a:srgbClr val="080808"/>
+                </a:solidFill>
+                <a:effectLst/>
+                <a:latin typeface="Fira Code" panose="020B0809050000020004" pitchFamily="49" charset="0"/>
+              </a:rPr>
+              <a:t>.map(</a:t>
+            </a:r>
+            <a:r>
+              <a:rPr kumimoji="0" lang="fr-FR" altLang="fr-FR" sz="1000" b="0" i="0" u="none" strike="noStrike" cap="none" normalizeH="0" baseline="0">
+                <a:ln>
+                  <a:noFill/>
+                </a:ln>
+                <a:solidFill>
+                  <a:srgbClr val="000000"/>
+                </a:solidFill>
+                <a:effectLst/>
+                <a:latin typeface="Fira Code" panose="020B0809050000020004" pitchFamily="49" charset="0"/>
+              </a:rPr>
+              <a:t>String</a:t>
+            </a:r>
+            <a:r>
+              <a:rPr kumimoji="0" lang="fr-FR" altLang="fr-FR" sz="1000" b="0" i="0" u="none" strike="noStrike" cap="none" normalizeH="0" baseline="0">
+                <a:ln>
+                  <a:noFill/>
+                </a:ln>
+                <a:solidFill>
+                  <a:srgbClr val="080808"/>
+                </a:solidFill>
+                <a:effectLst/>
+                <a:latin typeface="Fira Code" panose="020B0809050000020004" pitchFamily="49" charset="0"/>
+              </a:rPr>
+              <a:t>::toUpperCase)</a:t>
+            </a:r>
+            <a:r>
+              <a:rPr kumimoji="0" lang="fr-FR" altLang="fr-FR" sz="1000" b="0" i="1" u="none" strike="noStrike" cap="none" normalizeH="0" baseline="0">
+                <a:ln>
+                  <a:noFill/>
+                </a:ln>
+                <a:solidFill>
+                  <a:srgbClr val="8C8C8C"/>
+                </a:solidFill>
+                <a:effectLst/>
+                <a:latin typeface="Fira Code" panose="020B0809050000020004" pitchFamily="49" charset="0"/>
+              </a:rPr>
+              <a:t>//</a:t>
+            </a:r>
+            <a:br>
+              <a:rPr kumimoji="0" lang="fr-FR" altLang="fr-FR" sz="1000" b="0" i="1" u="none" strike="noStrike" cap="none" normalizeH="0" baseline="0">
+                <a:ln>
+                  <a:noFill/>
+                </a:ln>
+                <a:solidFill>
+                  <a:srgbClr val="8C8C8C"/>
+                </a:solidFill>
+                <a:effectLst/>
+                <a:latin typeface="Fira Code" panose="020B0809050000020004" pitchFamily="49" charset="0"/>
+              </a:rPr>
+            </a:br>
+            <a:r>
+              <a:rPr kumimoji="0" lang="fr-FR" altLang="fr-FR" sz="1000" b="0" i="1" u="none" strike="noStrike" cap="none" normalizeH="0" baseline="0">
+                <a:ln>
+                  <a:noFill/>
+                </a:ln>
+                <a:solidFill>
+                  <a:srgbClr val="8C8C8C"/>
+                </a:solidFill>
+                <a:effectLst/>
+                <a:latin typeface="Fira Code" panose="020B0809050000020004" pitchFamily="49" charset="0"/>
+              </a:rPr>
+              <a:t>        </a:t>
+            </a:r>
+            <a:r>
+              <a:rPr kumimoji="0" lang="fr-FR" altLang="fr-FR" sz="1000" b="0" i="0" u="none" strike="noStrike" cap="none" normalizeH="0" baseline="0">
+                <a:ln>
+                  <a:noFill/>
+                </a:ln>
+                <a:solidFill>
+                  <a:srgbClr val="080808"/>
+                </a:solidFill>
+                <a:effectLst/>
+                <a:latin typeface="Fira Code" panose="020B0809050000020004" pitchFamily="49" charset="0"/>
+              </a:rPr>
+              <a:t>.subscribe(</a:t>
+            </a:r>
+            <a:r>
+              <a:rPr kumimoji="0" lang="fr-FR" altLang="fr-FR" sz="1000" b="0" i="0" u="none" strike="noStrike" cap="none" normalizeH="0" baseline="0">
+                <a:ln>
+                  <a:noFill/>
+                </a:ln>
+                <a:solidFill>
+                  <a:srgbClr val="000000"/>
+                </a:solidFill>
+                <a:effectLst/>
+                <a:latin typeface="Fira Code" panose="020B0809050000020004" pitchFamily="49" charset="0"/>
+              </a:rPr>
+              <a:t>System</a:t>
+            </a:r>
+            <a:r>
+              <a:rPr kumimoji="0" lang="fr-FR" altLang="fr-FR" sz="1000" b="0" i="0" u="none" strike="noStrike" cap="none" normalizeH="0" baseline="0">
+                <a:ln>
+                  <a:noFill/>
+                </a:ln>
+                <a:solidFill>
+                  <a:srgbClr val="080808"/>
+                </a:solidFill>
+                <a:effectLst/>
+                <a:latin typeface="Fira Code" panose="020B0809050000020004" pitchFamily="49" charset="0"/>
+              </a:rPr>
+              <a:t>.</a:t>
+            </a:r>
+            <a:r>
+              <a:rPr kumimoji="0" lang="fr-FR" altLang="fr-FR" sz="1000" b="0" i="1" u="none" strike="noStrike" cap="none" normalizeH="0" baseline="0">
+                <a:ln>
+                  <a:noFill/>
+                </a:ln>
+                <a:solidFill>
+                  <a:srgbClr val="871094"/>
+                </a:solidFill>
+                <a:effectLst/>
+                <a:latin typeface="Fira Code" panose="020B0809050000020004" pitchFamily="49" charset="0"/>
+              </a:rPr>
+              <a:t>out</a:t>
+            </a:r>
+            <a:r>
+              <a:rPr kumimoji="0" lang="fr-FR" altLang="fr-FR" sz="1000" b="0" i="0" u="none" strike="noStrike" cap="none" normalizeH="0" baseline="0">
+                <a:ln>
+                  <a:noFill/>
+                </a:ln>
+                <a:solidFill>
+                  <a:srgbClr val="080808"/>
+                </a:solidFill>
+                <a:effectLst/>
+                <a:latin typeface="Fira Code" panose="020B0809050000020004" pitchFamily="49" charset="0"/>
+              </a:rPr>
+              <a:t>::println);</a:t>
+            </a:r>
+            <a:endParaRPr kumimoji="0" lang="fr-FR" altLang="fr-FR" sz="1800" b="0" i="0" u="none" strike="noStrike" cap="none" normalizeH="0" baseline="0">
+              <a:ln>
+                <a:noFill/>
+              </a:ln>
+              <a:solidFill>
+                <a:schemeClr val="tx1"/>
+              </a:solidFill>
+              <a:effectLst/>
+              <a:latin typeface="Arial" panose="020B0604020202020204" pitchFamily="34" charset="0"/>
+            </a:endParaRPr>
+          </a:p>
+        </p:txBody>
+      </p:sp>
+      <p:sp>
+        <p:nvSpPr>
+          <p:cNvPr id="13" name="Flèche : bas 12">
+            <a:extLst>
+              <a:ext uri="{FF2B5EF4-FFF2-40B4-BE49-F238E27FC236}">
+                <a16:creationId xmlns:a16="http://schemas.microsoft.com/office/drawing/2014/main" id="{63D34E64-BA42-DF66-748B-2CF65FA76F1E}"/>
+              </a:ext>
+            </a:extLst>
+          </p:cNvPr>
+          <p:cNvSpPr/>
+          <p:nvPr/>
+        </p:nvSpPr>
+        <p:spPr>
+          <a:xfrm>
+            <a:off x="9207240" y="3722094"/>
+            <a:ext cx="852256" cy="681361"/>
+          </a:xfrm>
+          <a:prstGeom prst="downArrow">
+            <a:avLst/>
+          </a:prstGeom>
+        </p:spPr>
+        <p:style>
+          <a:lnRef idx="2">
+            <a:schemeClr val="accent1">
+              <a:shade val="15000"/>
+            </a:schemeClr>
+          </a:lnRef>
+          <a:fillRef idx="1">
+            <a:schemeClr val="accent1"/>
+          </a:fillRef>
+          <a:effectRef idx="0">
+            <a:schemeClr val="accent1"/>
+          </a:effectRef>
+          <a:fontRef idx="minor">
+            <a:schemeClr val="lt1"/>
+          </a:fontRef>
+        </p:style>
+        <p:txBody>
+          <a:bodyPr rtlCol="0" anchor="ctr"/>
+          <a:lstStyle/>
+          <a:p>
+            <a:pPr algn="ctr"/>
+            <a:endParaRPr lang="fr-FR"/>
+          </a:p>
+        </p:txBody>
+      </p:sp>
+      <p:pic>
+        <p:nvPicPr>
+          <p:cNvPr id="17" name="Image 16">
+            <a:extLst>
+              <a:ext uri="{FF2B5EF4-FFF2-40B4-BE49-F238E27FC236}">
+                <a16:creationId xmlns:a16="http://schemas.microsoft.com/office/drawing/2014/main" id="{9B50EA59-79F9-F2B0-7AE7-7DA8ABF4C424}"/>
+              </a:ext>
+            </a:extLst>
+          </p:cNvPr>
+          <p:cNvPicPr>
+            <a:picLocks noChangeAspect="1"/>
+          </p:cNvPicPr>
+          <p:nvPr/>
+        </p:nvPicPr>
+        <p:blipFill>
+          <a:blip r:embed="rId5"/>
+          <a:stretch>
+            <a:fillRect/>
+          </a:stretch>
+        </p:blipFill>
+        <p:spPr>
+          <a:xfrm>
+            <a:off x="7272986" y="4718432"/>
+            <a:ext cx="4762435" cy="861774"/>
+          </a:xfrm>
+          <a:prstGeom prst="rect">
+            <a:avLst/>
+          </a:prstGeom>
+        </p:spPr>
+      </p:pic>
+    </p:spTree>
+    <p:extLst>
+      <p:ext uri="{BB962C8B-B14F-4D97-AF65-F5344CB8AC3E}">
+        <p14:creationId xmlns:p14="http://schemas.microsoft.com/office/powerpoint/2010/main" val="430630391"/>
+      </p:ext>
+    </p:extLst>
+  </p:cSld>
+  <p:clrMapOvr>
+    <a:masterClrMapping/>
+  </p:clrMapOvr>
+  <mc:AlternateContent xmlns:mc="http://schemas.openxmlformats.org/markup-compatibility/2006" xmlns:p14="http://schemas.microsoft.com/office/powerpoint/2010/main">
+    <mc:Choice Requires="p14">
+      <p:transition p14:dur="10"/>
+    </mc:Choice>
+    <mc:Fallback xmlns="">
+      <p:transition/>
+    </mc:Fallback>
+  </mc:AlternateContent>
+</p:sld>
+</file>
+
+<file path=ppt/slides/slide5.xml><?xml version="1.0" encoding="utf-8"?>
+<p:sld xmlns:a="http://schemas.openxmlformats.org/drawingml/2006/main" xmlns:r="http://schemas.openxmlformats.org/officeDocument/2006/relationships" xmlns:p="http://schemas.openxmlformats.org/presentationml/2006/main">
+  <p:cSld>
+    <p:spTree>
+      <p:nvGrpSpPr>
+        <p:cNvPr id="1" name=""/>
+        <p:cNvGrpSpPr/>
+        <p:nvPr/>
+      </p:nvGrpSpPr>
+      <p:grpSpPr>
+        <a:xfrm>
+          <a:off x="0" y="0"/>
+          <a:ext cx="0" cy="0"/>
+          <a:chOff x="0" y="0"/>
+          <a:chExt cx="0" cy="0"/>
+        </a:xfrm>
+      </p:grpSpPr>
+      <p:sp>
+        <p:nvSpPr>
+          <p:cNvPr id="2" name="Titre 1">
+            <a:extLst>
+              <a:ext uri="{FF2B5EF4-FFF2-40B4-BE49-F238E27FC236}">
+                <a16:creationId xmlns:a16="http://schemas.microsoft.com/office/drawing/2014/main" id="{0C3CF6A7-E17D-4316-8AD8-CAC6DB3A712D}"/>
+              </a:ext>
+            </a:extLst>
+          </p:cNvPr>
+          <p:cNvSpPr>
+            <a:spLocks noGrp="1"/>
+          </p:cNvSpPr>
+          <p:nvPr>
+            <p:ph type="title"/>
+          </p:nvPr>
+        </p:nvSpPr>
+        <p:spPr/>
+        <p:txBody>
+          <a:bodyPr/>
+          <a:lstStyle/>
+          <a:p>
+            <a:r>
+              <a:rPr lang="fr-FR" dirty="0"/>
+              <a:t>Dans un environnement « web »</a:t>
+            </a:r>
+          </a:p>
+        </p:txBody>
+      </p:sp>
+      <p:sp>
+        <p:nvSpPr>
+          <p:cNvPr id="3" name="Espace réservé du contenu 2">
+            <a:extLst>
+              <a:ext uri="{FF2B5EF4-FFF2-40B4-BE49-F238E27FC236}">
+                <a16:creationId xmlns:a16="http://schemas.microsoft.com/office/drawing/2014/main" id="{6159C144-B174-42C5-8664-9366D104618A}"/>
+              </a:ext>
+            </a:extLst>
+          </p:cNvPr>
+          <p:cNvSpPr>
+            <a:spLocks noGrp="1"/>
+          </p:cNvSpPr>
+          <p:nvPr>
+            <p:ph sz="quarter" idx="13"/>
+          </p:nvPr>
+        </p:nvSpPr>
+        <p:spPr>
+          <a:xfrm>
+            <a:off x="539495" y="2560320"/>
+            <a:ext cx="10790493" cy="3977640"/>
+          </a:xfrm>
+        </p:spPr>
+        <p:txBody>
+          <a:bodyPr/>
+          <a:lstStyle/>
+          <a:p>
+            <a:pPr marL="342900" indent="-342900">
+              <a:buFont typeface="Wingdings" panose="05000000000000000000" pitchFamily="2" charset="2"/>
+              <a:buChar char="Ø"/>
+            </a:pPr>
+            <a:r>
+              <a:rPr lang="fr-FR" dirty="0"/>
+              <a:t>En savoir un peu « plus » sur le fonctionnement des serveurs « web »</a:t>
+            </a:r>
+          </a:p>
+          <a:p>
+            <a:pPr marL="342900" indent="-342900">
+              <a:buFont typeface="Wingdings" panose="05000000000000000000" pitchFamily="2" charset="2"/>
+              <a:buChar char="Ø"/>
+            </a:pPr>
+            <a:endParaRPr lang="fr-FR" dirty="0"/>
+          </a:p>
+        </p:txBody>
+      </p:sp>
+      <p:pic>
+        <p:nvPicPr>
+          <p:cNvPr id="7" name="Image 6" descr="Une image contenant livre, texte, intérieur, ordinateur&#10;&#10;Description générée automatiquement">
+            <a:extLst>
+              <a:ext uri="{FF2B5EF4-FFF2-40B4-BE49-F238E27FC236}">
+                <a16:creationId xmlns:a16="http://schemas.microsoft.com/office/drawing/2014/main" id="{3FB78CEE-5C37-8D39-4B12-62BAEAD7BAAA}"/>
+              </a:ext>
+            </a:extLst>
+          </p:cNvPr>
+          <p:cNvPicPr>
+            <a:picLocks noChangeAspect="1"/>
+          </p:cNvPicPr>
+          <p:nvPr/>
+        </p:nvPicPr>
+        <p:blipFill>
+          <a:blip r:embed="rId3"/>
+          <a:stretch>
+            <a:fillRect/>
+          </a:stretch>
+        </p:blipFill>
+        <p:spPr>
+          <a:xfrm>
+            <a:off x="1457326" y="3532095"/>
+            <a:ext cx="2571750" cy="2571750"/>
+          </a:xfrm>
+          <a:prstGeom prst="rect">
+            <a:avLst/>
+          </a:prstGeom>
+        </p:spPr>
+      </p:pic>
+      <p:pic>
+        <p:nvPicPr>
+          <p:cNvPr id="4" name="Image 3">
+            <a:extLst>
+              <a:ext uri="{FF2B5EF4-FFF2-40B4-BE49-F238E27FC236}">
+                <a16:creationId xmlns:a16="http://schemas.microsoft.com/office/drawing/2014/main" id="{D379EB9F-09C7-5A84-CCD3-4872CE347AA8}"/>
+              </a:ext>
+            </a:extLst>
+          </p:cNvPr>
+          <p:cNvPicPr>
+            <a:picLocks noChangeAspect="1"/>
+          </p:cNvPicPr>
+          <p:nvPr/>
+        </p:nvPicPr>
+        <p:blipFill>
+          <a:blip r:embed="rId4"/>
+          <a:stretch>
+            <a:fillRect/>
+          </a:stretch>
+        </p:blipFill>
+        <p:spPr>
+          <a:xfrm>
+            <a:off x="4330514" y="3532095"/>
+            <a:ext cx="7232431" cy="2571750"/>
+          </a:xfrm>
+          <a:prstGeom prst="rect">
+            <a:avLst/>
+          </a:prstGeom>
+        </p:spPr>
+      </p:pic>
+    </p:spTree>
+    <p:extLst>
+      <p:ext uri="{BB962C8B-B14F-4D97-AF65-F5344CB8AC3E}">
+        <p14:creationId xmlns:p14="http://schemas.microsoft.com/office/powerpoint/2010/main" val="3600004125"/>
+      </p:ext>
+    </p:extLst>
+  </p:cSld>
+  <p:clrMapOvr>
+    <a:masterClrMapping/>
+  </p:clrMapOvr>
+</p:sld>
+</file>
+
+<file path=ppt/slides/slide6.xml><?xml version="1.0" encoding="utf-8"?>
+<p:sld xmlns:a="http://schemas.openxmlformats.org/drawingml/2006/main" xmlns:r="http://schemas.openxmlformats.org/officeDocument/2006/relationships" xmlns:p="http://schemas.openxmlformats.org/presentationml/2006/main">
+  <p:cSld>
+    <p:spTree>
+      <p:nvGrpSpPr>
+        <p:cNvPr id="1" name=""/>
+        <p:cNvGrpSpPr/>
+        <p:nvPr/>
+      </p:nvGrpSpPr>
+      <p:grpSpPr>
+        <a:xfrm>
+          <a:off x="0" y="0"/>
+          <a:ext cx="0" cy="0"/>
+          <a:chOff x="0" y="0"/>
+          <a:chExt cx="0" cy="0"/>
+        </a:xfrm>
+      </p:grpSpPr>
+      <p:sp>
+        <p:nvSpPr>
+          <p:cNvPr id="4" name="Titre 3"/>
+          <p:cNvSpPr>
+            <a:spLocks noGrp="1"/>
+          </p:cNvSpPr>
+          <p:nvPr>
+            <p:ph type="title"/>
+          </p:nvPr>
+        </p:nvSpPr>
+        <p:spPr>
+          <a:xfrm>
+            <a:off x="521207" y="448056"/>
+            <a:ext cx="7783344" cy="640080"/>
+          </a:xfrm>
+        </p:spPr>
+        <p:txBody>
+          <a:bodyPr rtlCol="0">
+            <a:normAutofit/>
+          </a:bodyPr>
+          <a:lstStyle/>
+          <a:p>
+            <a:pPr rtl="0"/>
+            <a:r>
+              <a:rPr lang="fr-FR" noProof="1">
+                <a:latin typeface="Segoe UI Light" panose="020B0502040204020203" pitchFamily="34" charset="0"/>
+                <a:cs typeface="Segoe UI Light" panose="020B0502040204020203" pitchFamily="34" charset="0"/>
+              </a:rPr>
+              <a:t>Dans un contexte « web »</a:t>
+            </a:r>
+          </a:p>
+        </p:txBody>
+      </p:sp>
+      <p:sp>
+        <p:nvSpPr>
+          <p:cNvPr id="6" name="ZoneTexte 5">
+            <a:extLst>
+              <a:ext uri="{FF2B5EF4-FFF2-40B4-BE49-F238E27FC236}">
+                <a16:creationId xmlns:a16="http://schemas.microsoft.com/office/drawing/2014/main" id="{C7673132-E991-C997-1AE7-DF629168DA27}"/>
+              </a:ext>
+            </a:extLst>
+          </p:cNvPr>
+          <p:cNvSpPr txBox="1"/>
+          <p:nvPr/>
+        </p:nvSpPr>
+        <p:spPr>
+          <a:xfrm>
+            <a:off x="292222" y="1820713"/>
+            <a:ext cx="5377649" cy="3970318"/>
+          </a:xfrm>
+          <a:prstGeom prst="rect">
+            <a:avLst/>
+          </a:prstGeom>
+          <a:noFill/>
+        </p:spPr>
+        <p:txBody>
+          <a:bodyPr wrap="square">
+            <a:spAutoFit/>
+          </a:bodyPr>
+          <a:lstStyle/>
+          <a:p>
+            <a:pPr algn="ctr"/>
+            <a:r>
+              <a:rPr lang="fr-FR" u="sng" dirty="0">
+                <a:solidFill>
+                  <a:schemeClr val="accent2">
+                    <a:lumMod val="75000"/>
+                  </a:schemeClr>
+                </a:solidFill>
+                <a:latin typeface="Consolas" panose="020B0609020204030204" pitchFamily="49" charset="0"/>
+              </a:rPr>
+              <a:t>BLOQUANT</a:t>
+            </a:r>
+          </a:p>
+          <a:p>
+            <a:endParaRPr lang="fr-FR" dirty="0">
+              <a:latin typeface="Consolas" panose="020B0609020204030204" pitchFamily="49" charset="0"/>
+            </a:endParaRPr>
+          </a:p>
+          <a:p>
+            <a:r>
+              <a:rPr lang="fr-FR" dirty="0">
+                <a:solidFill>
+                  <a:schemeClr val="accent1">
+                    <a:lumMod val="50000"/>
+                  </a:schemeClr>
+                </a:solidFill>
+                <a:latin typeface="Consolas" panose="020B0609020204030204" pitchFamily="49" charset="0"/>
+              </a:rPr>
+              <a:t>Client         Serveur</a:t>
+            </a:r>
+          </a:p>
+          <a:p>
+            <a:r>
+              <a:rPr lang="fr-FR" dirty="0">
+                <a:solidFill>
+                  <a:schemeClr val="accent1">
+                    <a:lumMod val="50000"/>
+                  </a:schemeClr>
+                </a:solidFill>
+                <a:latin typeface="Consolas" panose="020B0609020204030204" pitchFamily="49" charset="0"/>
+              </a:rPr>
+              <a:t>   |              |</a:t>
+            </a:r>
+          </a:p>
+          <a:p>
+            <a:r>
+              <a:rPr lang="fr-FR" dirty="0">
+                <a:solidFill>
+                  <a:schemeClr val="accent1">
+                    <a:lumMod val="50000"/>
+                  </a:schemeClr>
+                </a:solidFill>
+                <a:latin typeface="Consolas" panose="020B0609020204030204" pitchFamily="49" charset="0"/>
+              </a:rPr>
+              <a:t>   |    Connexion |</a:t>
+            </a:r>
+          </a:p>
+          <a:p>
+            <a:r>
+              <a:rPr lang="fr-FR" dirty="0">
+                <a:solidFill>
+                  <a:schemeClr val="accent1">
+                    <a:lumMod val="50000"/>
+                  </a:schemeClr>
+                </a:solidFill>
+                <a:latin typeface="Consolas" panose="020B0609020204030204" pitchFamily="49" charset="0"/>
+              </a:rPr>
+              <a:t>   |-------------&gt;|  (Thread 1)</a:t>
+            </a:r>
+          </a:p>
+          <a:p>
+            <a:r>
+              <a:rPr lang="fr-FR" dirty="0">
+                <a:solidFill>
+                  <a:schemeClr val="accent1">
+                    <a:lumMod val="50000"/>
+                  </a:schemeClr>
+                </a:solidFill>
+                <a:latin typeface="Consolas" panose="020B0609020204030204" pitchFamily="49" charset="0"/>
+              </a:rPr>
+              <a:t>   |              |  Lecture Bloquante</a:t>
+            </a:r>
+          </a:p>
+          <a:p>
+            <a:r>
+              <a:rPr lang="fr-FR" dirty="0">
+                <a:solidFill>
+                  <a:schemeClr val="accent1">
+                    <a:lumMod val="50000"/>
+                  </a:schemeClr>
+                </a:solidFill>
+                <a:latin typeface="Consolas" panose="020B0609020204030204" pitchFamily="49" charset="0"/>
+              </a:rPr>
+              <a:t>   |              |</a:t>
+            </a:r>
+          </a:p>
+          <a:p>
+            <a:r>
+              <a:rPr lang="fr-FR" dirty="0">
+                <a:solidFill>
+                  <a:schemeClr val="accent1">
+                    <a:lumMod val="50000"/>
+                  </a:schemeClr>
+                </a:solidFill>
+                <a:latin typeface="Consolas" panose="020B0609020204030204" pitchFamily="49" charset="0"/>
+              </a:rPr>
+              <a:t>   |   Requête    |</a:t>
+            </a:r>
+          </a:p>
+          <a:p>
+            <a:r>
+              <a:rPr lang="fr-FR" dirty="0">
+                <a:solidFill>
+                  <a:schemeClr val="accent1">
+                    <a:lumMod val="50000"/>
+                  </a:schemeClr>
+                </a:solidFill>
+                <a:latin typeface="Consolas" panose="020B0609020204030204" pitchFamily="49" charset="0"/>
+              </a:rPr>
+              <a:t>   |-------------&gt;|  Traitement Bloquant</a:t>
+            </a:r>
+          </a:p>
+          <a:p>
+            <a:r>
+              <a:rPr lang="fr-FR" dirty="0">
+                <a:solidFill>
+                  <a:schemeClr val="accent1">
+                    <a:lumMod val="50000"/>
+                  </a:schemeClr>
+                </a:solidFill>
+                <a:latin typeface="Consolas" panose="020B0609020204030204" pitchFamily="49" charset="0"/>
+              </a:rPr>
+              <a:t>   |              |</a:t>
+            </a:r>
+          </a:p>
+          <a:p>
+            <a:r>
+              <a:rPr lang="fr-FR" dirty="0">
+                <a:solidFill>
+                  <a:schemeClr val="accent1">
+                    <a:lumMod val="50000"/>
+                  </a:schemeClr>
+                </a:solidFill>
+                <a:latin typeface="Consolas" panose="020B0609020204030204" pitchFamily="49" charset="0"/>
+              </a:rPr>
+              <a:t>   |   Réponse    |</a:t>
+            </a:r>
+          </a:p>
+          <a:p>
+            <a:r>
+              <a:rPr lang="fr-FR" dirty="0">
+                <a:solidFill>
+                  <a:schemeClr val="accent1">
+                    <a:lumMod val="50000"/>
+                  </a:schemeClr>
+                </a:solidFill>
+                <a:latin typeface="Consolas" panose="020B0609020204030204" pitchFamily="49" charset="0"/>
+              </a:rPr>
+              <a:t>   |&lt;-------------|  Envoi Bloquant</a:t>
+            </a:r>
+          </a:p>
+          <a:p>
+            <a:r>
+              <a:rPr lang="fr-FR" dirty="0">
+                <a:solidFill>
+                  <a:schemeClr val="accent1">
+                    <a:lumMod val="50000"/>
+                  </a:schemeClr>
+                </a:solidFill>
+                <a:latin typeface="Consolas" panose="020B0609020204030204" pitchFamily="49" charset="0"/>
+              </a:rPr>
+              <a:t>   |              |</a:t>
+            </a:r>
+          </a:p>
+        </p:txBody>
+      </p:sp>
+      <p:sp>
+        <p:nvSpPr>
+          <p:cNvPr id="9" name="ZoneTexte 8">
+            <a:extLst>
+              <a:ext uri="{FF2B5EF4-FFF2-40B4-BE49-F238E27FC236}">
+                <a16:creationId xmlns:a16="http://schemas.microsoft.com/office/drawing/2014/main" id="{35DF2D1F-1404-0A6B-B9A9-34BA48E71E68}"/>
+              </a:ext>
+            </a:extLst>
+          </p:cNvPr>
+          <p:cNvSpPr txBox="1"/>
+          <p:nvPr/>
+        </p:nvSpPr>
+        <p:spPr>
+          <a:xfrm>
+            <a:off x="6337177" y="1820713"/>
+            <a:ext cx="6094520" cy="3970318"/>
+          </a:xfrm>
+          <a:prstGeom prst="rect">
+            <a:avLst/>
+          </a:prstGeom>
+          <a:noFill/>
+        </p:spPr>
+        <p:txBody>
+          <a:bodyPr wrap="square">
+            <a:spAutoFit/>
+          </a:bodyPr>
+          <a:lstStyle/>
+          <a:p>
+            <a:pPr algn="ctr"/>
+            <a:r>
+              <a:rPr lang="fr-FR" u="sng" dirty="0">
+                <a:solidFill>
+                  <a:schemeClr val="accent2">
+                    <a:lumMod val="75000"/>
+                  </a:schemeClr>
+                </a:solidFill>
+                <a:latin typeface="Consolas" panose="020B0609020204030204" pitchFamily="49" charset="0"/>
+              </a:rPr>
+              <a:t>NON BLOQUANT</a:t>
+            </a:r>
+          </a:p>
+          <a:p>
+            <a:endParaRPr lang="fr-FR" dirty="0">
+              <a:latin typeface="Consolas" panose="020B0609020204030204" pitchFamily="49" charset="0"/>
+            </a:endParaRPr>
+          </a:p>
+          <a:p>
+            <a:r>
+              <a:rPr lang="fr-FR" dirty="0">
+                <a:solidFill>
+                  <a:srgbClr val="002060"/>
+                </a:solidFill>
+                <a:latin typeface="Consolas" panose="020B0609020204030204" pitchFamily="49" charset="0"/>
+              </a:rPr>
+              <a:t>Client         Serveur</a:t>
+            </a:r>
+          </a:p>
+          <a:p>
+            <a:r>
+              <a:rPr lang="fr-FR" dirty="0">
+                <a:solidFill>
+                  <a:srgbClr val="002060"/>
+                </a:solidFill>
+                <a:latin typeface="Consolas" panose="020B0609020204030204" pitchFamily="49" charset="0"/>
+              </a:rPr>
+              <a:t>   |              |</a:t>
+            </a:r>
+          </a:p>
+          <a:p>
+            <a:r>
+              <a:rPr lang="fr-FR" dirty="0">
+                <a:solidFill>
+                  <a:srgbClr val="002060"/>
+                </a:solidFill>
+                <a:latin typeface="Consolas" panose="020B0609020204030204" pitchFamily="49" charset="0"/>
+              </a:rPr>
+              <a:t>   |    Connexion |</a:t>
+            </a:r>
+          </a:p>
+          <a:p>
+            <a:r>
+              <a:rPr lang="fr-FR" dirty="0">
+                <a:solidFill>
+                  <a:srgbClr val="002060"/>
+                </a:solidFill>
+                <a:latin typeface="Consolas" panose="020B0609020204030204" pitchFamily="49" charset="0"/>
+              </a:rPr>
+              <a:t>   |-------------&gt;|  (Thread 1)</a:t>
+            </a:r>
+          </a:p>
+          <a:p>
+            <a:r>
+              <a:rPr lang="fr-FR" dirty="0">
+                <a:solidFill>
+                  <a:srgbClr val="002060"/>
+                </a:solidFill>
+                <a:latin typeface="Consolas" panose="020B0609020204030204" pitchFamily="49" charset="0"/>
+              </a:rPr>
+              <a:t>   |              |  Lecture </a:t>
+            </a:r>
+            <a:r>
+              <a:rPr lang="fr-FR" dirty="0">
+                <a:solidFill>
+                  <a:srgbClr val="00B0F0"/>
+                </a:solidFill>
+                <a:latin typeface="Consolas" panose="020B0609020204030204" pitchFamily="49" charset="0"/>
+              </a:rPr>
+              <a:t>Non</a:t>
+            </a:r>
+            <a:r>
+              <a:rPr lang="fr-FR" dirty="0">
+                <a:solidFill>
+                  <a:srgbClr val="002060"/>
+                </a:solidFill>
+                <a:latin typeface="Consolas" panose="020B0609020204030204" pitchFamily="49" charset="0"/>
+              </a:rPr>
+              <a:t> Bloquante</a:t>
+            </a:r>
+          </a:p>
+          <a:p>
+            <a:r>
+              <a:rPr lang="fr-FR" dirty="0">
+                <a:solidFill>
+                  <a:srgbClr val="002060"/>
+                </a:solidFill>
+                <a:latin typeface="Consolas" panose="020B0609020204030204" pitchFamily="49" charset="0"/>
+              </a:rPr>
+              <a:t>   |              |</a:t>
+            </a:r>
+          </a:p>
+          <a:p>
+            <a:r>
+              <a:rPr lang="fr-FR" dirty="0">
+                <a:solidFill>
+                  <a:srgbClr val="002060"/>
+                </a:solidFill>
+                <a:latin typeface="Consolas" panose="020B0609020204030204" pitchFamily="49" charset="0"/>
+              </a:rPr>
+              <a:t>   |   Requête    |</a:t>
+            </a:r>
+          </a:p>
+          <a:p>
+            <a:r>
+              <a:rPr lang="fr-FR" dirty="0">
+                <a:solidFill>
+                  <a:srgbClr val="002060"/>
+                </a:solidFill>
+                <a:latin typeface="Consolas" panose="020B0609020204030204" pitchFamily="49" charset="0"/>
+              </a:rPr>
+              <a:t>   |-------------&gt;|  Traitement </a:t>
+            </a:r>
+            <a:r>
+              <a:rPr lang="fr-FR" dirty="0">
+                <a:solidFill>
+                  <a:srgbClr val="00B0F0"/>
+                </a:solidFill>
+                <a:latin typeface="Consolas" panose="020B0609020204030204" pitchFamily="49" charset="0"/>
+              </a:rPr>
+              <a:t>Asynchrone</a:t>
+            </a:r>
+          </a:p>
+          <a:p>
+            <a:r>
+              <a:rPr lang="fr-FR" dirty="0">
+                <a:solidFill>
+                  <a:srgbClr val="002060"/>
+                </a:solidFill>
+                <a:latin typeface="Consolas" panose="020B0609020204030204" pitchFamily="49" charset="0"/>
+              </a:rPr>
+              <a:t>   |              |</a:t>
+            </a:r>
+          </a:p>
+          <a:p>
+            <a:r>
+              <a:rPr lang="fr-FR" dirty="0">
+                <a:solidFill>
+                  <a:srgbClr val="002060"/>
+                </a:solidFill>
+                <a:latin typeface="Consolas" panose="020B0609020204030204" pitchFamily="49" charset="0"/>
+              </a:rPr>
+              <a:t>   |   Réponse    |</a:t>
+            </a:r>
+          </a:p>
+          <a:p>
+            <a:r>
+              <a:rPr lang="fr-FR" dirty="0">
+                <a:solidFill>
+                  <a:srgbClr val="002060"/>
+                </a:solidFill>
+                <a:latin typeface="Consolas" panose="020B0609020204030204" pitchFamily="49" charset="0"/>
+              </a:rPr>
+              <a:t>   |&lt;-------------|  Envoi </a:t>
+            </a:r>
+            <a:r>
+              <a:rPr lang="fr-FR" dirty="0">
+                <a:solidFill>
+                  <a:srgbClr val="00B0F0"/>
+                </a:solidFill>
+                <a:latin typeface="Consolas" panose="020B0609020204030204" pitchFamily="49" charset="0"/>
+              </a:rPr>
+              <a:t>Asynchrone</a:t>
+            </a:r>
+          </a:p>
+          <a:p>
+            <a:r>
+              <a:rPr lang="fr-FR" dirty="0">
+                <a:solidFill>
+                  <a:srgbClr val="002060"/>
+                </a:solidFill>
+                <a:latin typeface="Consolas" panose="020B0609020204030204" pitchFamily="49" charset="0"/>
+              </a:rPr>
+              <a:t>   |              |</a:t>
+            </a:r>
+          </a:p>
+        </p:txBody>
+      </p:sp>
+    </p:spTree>
+    <p:extLst>
+      <p:ext uri="{BB962C8B-B14F-4D97-AF65-F5344CB8AC3E}">
+        <p14:creationId xmlns:p14="http://schemas.microsoft.com/office/powerpoint/2010/main" val="1828818287"/>
+      </p:ext>
+    </p:extLst>
+  </p:cSld>
+  <p:clrMapOvr>
+    <a:masterClrMapping/>
+  </p:clrMapOvr>
+  <mc:AlternateContent xmlns:mc="http://schemas.openxmlformats.org/markup-compatibility/2006" xmlns:p14="http://schemas.microsoft.com/office/powerpoint/2010/main">
+    <mc:Choice Requires="p14">
+      <p:transition p14:dur="10"/>
+    </mc:Choice>
+    <mc:Fallback xmlns="">
+      <p:transition/>
+    </mc:Fallback>
+  </mc:AlternateContent>
+</p:sld>
+</file>
+
+<file path=ppt/slides/slide7.xml><?xml version="1.0" encoding="utf-8"?>
+<p:sld xmlns:a="http://schemas.openxmlformats.org/drawingml/2006/main" xmlns:r="http://schemas.openxmlformats.org/officeDocument/2006/relationships" xmlns:p="http://schemas.openxmlformats.org/presentationml/2006/main">
+  <p:cSld>
+    <p:spTree>
+      <p:nvGrpSpPr>
+        <p:cNvPr id="1" name=""/>
+        <p:cNvGrpSpPr/>
+        <p:nvPr/>
+      </p:nvGrpSpPr>
+      <p:grpSpPr>
+        <a:xfrm>
+          <a:off x="0" y="0"/>
+          <a:ext cx="0" cy="0"/>
+          <a:chOff x="0" y="0"/>
+          <a:chExt cx="0" cy="0"/>
+        </a:xfrm>
+      </p:grpSpPr>
+      <p:sp>
+        <p:nvSpPr>
+          <p:cNvPr id="4" name="Titre 3"/>
+          <p:cNvSpPr>
+            <a:spLocks noGrp="1"/>
+          </p:cNvSpPr>
+          <p:nvPr>
+            <p:ph type="title"/>
+          </p:nvPr>
+        </p:nvSpPr>
+        <p:spPr>
+          <a:xfrm>
+            <a:off x="521207" y="448056"/>
+            <a:ext cx="7783344" cy="640080"/>
+          </a:xfrm>
+        </p:spPr>
+        <p:txBody>
+          <a:bodyPr rtlCol="0">
+            <a:normAutofit/>
+          </a:bodyPr>
+          <a:lstStyle/>
+          <a:p>
+            <a:pPr rtl="0"/>
+            <a:r>
+              <a:rPr lang="fr-FR" noProof="1">
+                <a:latin typeface="Segoe UI Light" panose="020B0502040204020203" pitchFamily="34" charset="0"/>
+                <a:cs typeface="Segoe UI Light" panose="020B0502040204020203" pitchFamily="34" charset="0"/>
+              </a:rPr>
+              <a:t>Oui mais au niveau applicatif ?</a:t>
+            </a:r>
+          </a:p>
+        </p:txBody>
+      </p:sp>
+    </p:spTree>
+    <p:extLst>
+      <p:ext uri="{BB962C8B-B14F-4D97-AF65-F5344CB8AC3E}">
+        <p14:creationId xmlns:p14="http://schemas.microsoft.com/office/powerpoint/2010/main" val="386158890"/>
+      </p:ext>
+    </p:extLst>
+  </p:cSld>
+  <p:clrMapOvr>
+    <a:masterClrMapping/>
+  </p:clrMapOvr>
+  <mc:AlternateContent xmlns:mc="http://schemas.openxmlformats.org/markup-compatibility/2006" xmlns:p14="http://schemas.microsoft.com/office/powerpoint/2010/main">
+    <mc:Choice Requires="p14">
+      <p:transition p14:dur="10"/>
+    </mc:Choice>
+    <mc:Fallback xmlns="">
+      <p:transition/>
+    </mc:Fallback>
+  </mc:AlternateContent>
+</p:sld>
+</file>
+
+<file path=ppt/slides/slide8.xml><?xml version="1.0" encoding="utf-8"?>
+<p:sld xmlns:a="http://schemas.openxmlformats.org/drawingml/2006/main" xmlns:r="http://schemas.openxmlformats.org/officeDocument/2006/relationships" xmlns:p="http://schemas.openxmlformats.org/presentationml/2006/main">
+  <p:cSld>
+    <p:spTree>
+      <p:nvGrpSpPr>
+        <p:cNvPr id="1" name=""/>
+        <p:cNvGrpSpPr/>
+        <p:nvPr/>
+      </p:nvGrpSpPr>
+      <p:grpSpPr>
+        <a:xfrm>
+          <a:off x="0" y="0"/>
+          <a:ext cx="0" cy="0"/>
+          <a:chOff x="0" y="0"/>
+          <a:chExt cx="0" cy="0"/>
+        </a:xfrm>
+      </p:grpSpPr>
+      <p:sp>
+        <p:nvSpPr>
+          <p:cNvPr id="4" name="Titre 3"/>
+          <p:cNvSpPr>
+            <a:spLocks noGrp="1"/>
+          </p:cNvSpPr>
+          <p:nvPr>
+            <p:ph type="title"/>
+          </p:nvPr>
+        </p:nvSpPr>
+        <p:spPr>
+          <a:xfrm>
+            <a:off x="521207" y="448056"/>
+            <a:ext cx="9250322" cy="640080"/>
+          </a:xfrm>
+        </p:spPr>
+        <p:txBody>
+          <a:bodyPr rtlCol="0">
+            <a:normAutofit/>
+          </a:bodyPr>
+          <a:lstStyle/>
+          <a:p>
+            <a:pPr rtl="0"/>
+            <a:r>
+              <a:rPr lang="fr-FR" noProof="1">
+                <a:latin typeface="Segoe UI Light" panose="020B0502040204020203" pitchFamily="34" charset="0"/>
+                <a:cs typeface="Segoe UI Light" panose="020B0502040204020203" pitchFamily="34" charset="0"/>
+              </a:rPr>
+              <a:t>Un exemple pour comprendre les impacts</a:t>
+            </a:r>
+          </a:p>
+        </p:txBody>
+      </p:sp>
+      <p:pic>
+        <p:nvPicPr>
+          <p:cNvPr id="8" name="Image 7">
+            <a:extLst>
+              <a:ext uri="{FF2B5EF4-FFF2-40B4-BE49-F238E27FC236}">
+                <a16:creationId xmlns:a16="http://schemas.microsoft.com/office/drawing/2014/main" id="{B6EEAE5A-B455-8774-E9FE-38E25F89AE04}"/>
+              </a:ext>
+            </a:extLst>
+          </p:cNvPr>
+          <p:cNvPicPr>
+            <a:picLocks noChangeAspect="1"/>
+          </p:cNvPicPr>
+          <p:nvPr/>
+        </p:nvPicPr>
+        <p:blipFill>
+          <a:blip r:embed="rId3"/>
+          <a:stretch>
+            <a:fillRect/>
+          </a:stretch>
+        </p:blipFill>
+        <p:spPr>
+          <a:xfrm>
+            <a:off x="4063813" y="2295524"/>
+            <a:ext cx="1428750" cy="1133475"/>
+          </a:xfrm>
+          <a:prstGeom prst="rect">
+            <a:avLst/>
+          </a:prstGeom>
+        </p:spPr>
+      </p:pic>
+      <p:pic>
+        <p:nvPicPr>
+          <p:cNvPr id="20" name="Image 19">
+            <a:extLst>
+              <a:ext uri="{FF2B5EF4-FFF2-40B4-BE49-F238E27FC236}">
+                <a16:creationId xmlns:a16="http://schemas.microsoft.com/office/drawing/2014/main" id="{F7E20227-7FE3-779D-074A-358889E78C19}"/>
+              </a:ext>
+            </a:extLst>
+          </p:cNvPr>
+          <p:cNvPicPr>
+            <a:picLocks noChangeAspect="1"/>
+          </p:cNvPicPr>
+          <p:nvPr/>
+        </p:nvPicPr>
+        <p:blipFill>
+          <a:blip r:embed="rId4"/>
+          <a:stretch>
+            <a:fillRect/>
+          </a:stretch>
+        </p:blipFill>
+        <p:spPr>
+          <a:xfrm>
+            <a:off x="6424333" y="2185986"/>
+            <a:ext cx="762000" cy="1352550"/>
+          </a:xfrm>
+          <a:prstGeom prst="rect">
+            <a:avLst/>
+          </a:prstGeom>
+          <a:ln w="19050">
+            <a:solidFill>
+              <a:srgbClr val="FF0000"/>
+            </a:solidFill>
+          </a:ln>
+        </p:spPr>
+      </p:pic>
+      <p:graphicFrame>
+        <p:nvGraphicFramePr>
+          <p:cNvPr id="27" name="Tableau 27">
+            <a:extLst>
+              <a:ext uri="{FF2B5EF4-FFF2-40B4-BE49-F238E27FC236}">
+                <a16:creationId xmlns:a16="http://schemas.microsoft.com/office/drawing/2014/main" id="{F89B07F6-4E5E-B828-3490-73327EA63D9F}"/>
+              </a:ext>
+            </a:extLst>
+          </p:cNvPr>
+          <p:cNvGraphicFramePr>
+            <a:graphicFrameLocks noGrp="1"/>
+          </p:cNvGraphicFramePr>
+          <p:nvPr>
+            <p:extLst>
+              <p:ext uri="{D42A27DB-BD31-4B8C-83A1-F6EECF244321}">
+                <p14:modId xmlns:p14="http://schemas.microsoft.com/office/powerpoint/2010/main" val="1138737708"/>
+              </p:ext>
+            </p:extLst>
+          </p:nvPr>
+        </p:nvGraphicFramePr>
+        <p:xfrm>
+          <a:off x="1237127" y="4290896"/>
+          <a:ext cx="9583271" cy="1784270"/>
+        </p:xfrm>
+        <a:graphic>
+          <a:graphicData uri="http://schemas.openxmlformats.org/drawingml/2006/table">
+            <a:tbl>
+              <a:tblPr firstRow="1" bandRow="1">
+                <a:tableStyleId>{5C22544A-7EE6-4342-B048-85BDC9FD1C3A}</a:tableStyleId>
+              </a:tblPr>
+              <a:tblGrid>
+                <a:gridCol w="3880562">
+                  <a:extLst>
+                    <a:ext uri="{9D8B030D-6E8A-4147-A177-3AD203B41FA5}">
+                      <a16:colId xmlns:a16="http://schemas.microsoft.com/office/drawing/2014/main" val="2255160928"/>
+                    </a:ext>
+                  </a:extLst>
+                </a:gridCol>
+                <a:gridCol w="5702709">
+                  <a:extLst>
+                    <a:ext uri="{9D8B030D-6E8A-4147-A177-3AD203B41FA5}">
+                      <a16:colId xmlns:a16="http://schemas.microsoft.com/office/drawing/2014/main" val="2844112877"/>
+                    </a:ext>
+                  </a:extLst>
+                </a:gridCol>
+              </a:tblGrid>
+              <a:tr h="422746">
+                <a:tc>
+                  <a:txBody>
+                    <a:bodyPr/>
+                    <a:lstStyle/>
+                    <a:p>
+                      <a:pPr algn="ctr"/>
+                      <a:r>
+                        <a:rPr lang="fr-FR" dirty="0"/>
+                        <a:t>ETAPES</a:t>
+                      </a:r>
+                    </a:p>
+                  </a:txBody>
+                  <a:tcPr/>
+                </a:tc>
+                <a:tc>
+                  <a:txBody>
+                    <a:bodyPr/>
+                    <a:lstStyle/>
+                    <a:p>
+                      <a:pPr algn="ctr"/>
+                      <a:r>
+                        <a:rPr lang="fr-FR" dirty="0"/>
+                        <a:t>Dans notre quotidien</a:t>
+                      </a:r>
+                    </a:p>
+                  </a:txBody>
+                  <a:tcPr/>
+                </a:tc>
+                <a:extLst>
+                  <a:ext uri="{0D108BD9-81ED-4DB2-BD59-A6C34878D82A}">
+                    <a16:rowId xmlns:a16="http://schemas.microsoft.com/office/drawing/2014/main" val="2496101040"/>
+                  </a:ext>
+                </a:extLst>
+              </a:tr>
+              <a:tr h="464760">
+                <a:tc>
+                  <a:txBody>
+                    <a:bodyPr/>
+                    <a:lstStyle/>
+                    <a:p>
+                      <a:pPr algn="ctr"/>
+                      <a:r>
+                        <a:rPr lang="fr-FR" dirty="0"/>
+                        <a:t>Commande auprès du serveur</a:t>
+                      </a:r>
+                    </a:p>
+                  </a:txBody>
+                  <a:tcPr/>
+                </a:tc>
+                <a:tc>
+                  <a:txBody>
+                    <a:bodyPr/>
+                    <a:lstStyle/>
+                    <a:p>
+                      <a:pPr algn="ctr"/>
+                      <a:r>
+                        <a:rPr lang="fr-FR" dirty="0"/>
+                        <a:t>Requête reçue et prise en compte par un thread</a:t>
+                      </a:r>
+                    </a:p>
+                  </a:txBody>
+                  <a:tcPr/>
+                </a:tc>
+                <a:extLst>
+                  <a:ext uri="{0D108BD9-81ED-4DB2-BD59-A6C34878D82A}">
+                    <a16:rowId xmlns:a16="http://schemas.microsoft.com/office/drawing/2014/main" val="3825303734"/>
+                  </a:ext>
+                </a:extLst>
+              </a:tr>
+              <a:tr h="474018">
+                <a:tc>
+                  <a:txBody>
+                    <a:bodyPr/>
+                    <a:lstStyle/>
+                    <a:p>
+                      <a:pPr algn="ctr"/>
+                      <a:r>
+                        <a:rPr lang="fr-FR" dirty="0"/>
+                        <a:t>Attente préparation repas</a:t>
+                      </a:r>
+                    </a:p>
+                  </a:txBody>
+                  <a:tcPr/>
+                </a:tc>
+                <a:tc>
+                  <a:txBody>
+                    <a:bodyPr/>
+                    <a:lstStyle/>
+                    <a:p>
+                      <a:pPr algn="ctr"/>
+                      <a:r>
+                        <a:rPr lang="fr-FR" dirty="0"/>
+                        <a:t>Attente retour base de données</a:t>
+                      </a:r>
+                    </a:p>
+                  </a:txBody>
+                  <a:tcPr/>
+                </a:tc>
+                <a:extLst>
+                  <a:ext uri="{0D108BD9-81ED-4DB2-BD59-A6C34878D82A}">
+                    <a16:rowId xmlns:a16="http://schemas.microsoft.com/office/drawing/2014/main" val="4214925703"/>
+                  </a:ext>
+                </a:extLst>
+              </a:tr>
+              <a:tr h="422746">
+                <a:tc>
+                  <a:txBody>
+                    <a:bodyPr/>
+                    <a:lstStyle/>
+                    <a:p>
+                      <a:pPr algn="ctr"/>
+                      <a:r>
+                        <a:rPr lang="fr-FR" dirty="0"/>
+                        <a:t>Client servi</a:t>
+                      </a:r>
+                    </a:p>
+                  </a:txBody>
+                  <a:tcPr/>
+                </a:tc>
+                <a:tc>
+                  <a:txBody>
+                    <a:bodyPr/>
+                    <a:lstStyle/>
+                    <a:p>
+                      <a:pPr algn="ctr"/>
+                      <a:r>
+                        <a:rPr lang="fr-FR" dirty="0"/>
+                        <a:t>Réponse requête via contrôleur</a:t>
+                      </a:r>
+                    </a:p>
+                  </a:txBody>
+                  <a:tcPr/>
+                </a:tc>
+                <a:extLst>
+                  <a:ext uri="{0D108BD9-81ED-4DB2-BD59-A6C34878D82A}">
+                    <a16:rowId xmlns:a16="http://schemas.microsoft.com/office/drawing/2014/main" val="3351543625"/>
+                  </a:ext>
+                </a:extLst>
+              </a:tr>
+            </a:tbl>
+          </a:graphicData>
+        </a:graphic>
+      </p:graphicFrame>
+    </p:spTree>
+    <p:extLst>
+      <p:ext uri="{BB962C8B-B14F-4D97-AF65-F5344CB8AC3E}">
+        <p14:creationId xmlns:p14="http://schemas.microsoft.com/office/powerpoint/2010/main" val="1996986401"/>
+      </p:ext>
+    </p:extLst>
+  </p:cSld>
+  <p:clrMapOvr>
+    <a:masterClrMapping/>
+  </p:clrMapOvr>
+  <p:timing>
+    <p:tnLst>
+      <p:par>
+        <p:cTn id="1" dur="indefinite" restart="never" nodeType="tmRoot">
+          <p:childTnLst>
+            <p:seq concurrent="1" nextAc="seek">
+              <p:cTn id="2" dur="indefinite" nodeType="mainSeq">
+                <p:childTnLst>
+                  <p:par>
+                    <p:cTn id="3" fill="hold">
+                      <p:stCondLst>
+                        <p:cond delay="indefinite"/>
+                        <p:cond evt="onBegin" delay="0">
+                          <p:tn val="2"/>
+                        </p:cond>
+                      </p:stCondLst>
+                      <p:childTnLst>
+                        <p:par>
+                          <p:cTn id="4" fill="hold">
+                            <p:stCondLst>
+                              <p:cond delay="0"/>
+                            </p:stCondLst>
+                            <p:childTnLst>
+                              <p:par>
+                                <p:cTn id="5" presetID="1" presetClass="entr" presetSubtype="0" fill="hold" nodeType="withEffect">
+                                  <p:stCondLst>
+                                    <p:cond delay="0"/>
+                                  </p:stCondLst>
+                                  <p:childTnLst>
+                                    <p:set>
+                                      <p:cBhvr>
+                                        <p:cTn id="6" dur="1" fill="hold">
+                                          <p:stCondLst>
+                                            <p:cond delay="0"/>
+                                          </p:stCondLst>
+                                        </p:cTn>
+                                        <p:tgtEl>
+                                          <p:spTgt spid="8"/>
+                                        </p:tgtEl>
+                                        <p:attrNameLst>
+                                          <p:attrName>style.visibility</p:attrName>
+                                        </p:attrNameLst>
+                                      </p:cBhvr>
+                                      <p:to>
+                                        <p:strVal val="visible"/>
+                                      </p:to>
+                                    </p:set>
+                                  </p:childTnLst>
+                                </p:cTn>
+                              </p:par>
+                            </p:childTnLst>
+                          </p:cTn>
+                        </p:par>
+                      </p:childTnLst>
+                    </p:cTn>
+                  </p:par>
+                  <p:par>
+                    <p:cTn id="7" fill="hold">
+                      <p:stCondLst>
+                        <p:cond delay="indefinite"/>
+                      </p:stCondLst>
+                      <p:childTnLst>
+                        <p:par>
+                          <p:cTn id="8" fill="hold">
+                            <p:stCondLst>
+                              <p:cond delay="0"/>
+                            </p:stCondLst>
+                            <p:childTnLst>
+                              <p:par>
+                                <p:cTn id="9" presetID="1" presetClass="entr" presetSubtype="0" fill="hold" nodeType="clickEffect">
+                                  <p:stCondLst>
+                                    <p:cond delay="0"/>
+                                  </p:stCondLst>
+                                  <p:childTnLst>
+                                    <p:set>
+                                      <p:cBhvr>
+                                        <p:cTn id="10" dur="1" fill="hold">
+                                          <p:stCondLst>
+                                            <p:cond delay="0"/>
+                                          </p:stCondLst>
+                                        </p:cTn>
+                                        <p:tgtEl>
+                                          <p:spTgt spid="20"/>
+                                        </p:tgtEl>
+                                        <p:attrNameLst>
+                                          <p:attrName>style.visibility</p:attrName>
+                                        </p:attrNameLst>
+                                      </p:cBhvr>
+                                      <p:to>
+                                        <p:strVal val="visible"/>
+                                      </p:to>
+                                    </p:set>
+                                  </p:childTnLst>
+                                </p:cTn>
+                              </p:par>
+                            </p:childTnLst>
+                          </p:cTn>
+                        </p:par>
+                      </p:childTnLst>
+                    </p:cTn>
+                  </p:par>
+                </p:childTnLst>
+              </p:cTn>
+              <p:prevCondLst>
+                <p:cond evt="onPrev" delay="0">
+                  <p:tgtEl>
+                    <p:sldTgt/>
+                  </p:tgtEl>
+                </p:cond>
+              </p:prevCondLst>
+              <p:nextCondLst>
+                <p:cond evt="onNext" delay="0">
+                  <p:tgtEl>
+                    <p:sldTgt/>
+                  </p:tgtEl>
+                </p:cond>
+              </p:nextCondLst>
+            </p:seq>
+          </p:childTnLst>
+        </p:cTn>
+      </p:par>
+    </p:tnLst>
+  </p:timing>
+</p:sld>
+</file>
+
+<file path=ppt/slides/slide9.xml><?xml version="1.0" encoding="utf-8"?>
+<p:sld xmlns:a="http://schemas.openxmlformats.org/drawingml/2006/main" xmlns:r="http://schemas.openxmlformats.org/officeDocument/2006/relationships" xmlns:p="http://schemas.openxmlformats.org/presentationml/2006/main">
+  <p:cSld>
+    <p:spTree>
+      <p:nvGrpSpPr>
+        <p:cNvPr id="1" name=""/>
+        <p:cNvGrpSpPr/>
+        <p:nvPr/>
+      </p:nvGrpSpPr>
+      <p:grpSpPr>
+        <a:xfrm>
+          <a:off x="0" y="0"/>
+          <a:ext cx="0" cy="0"/>
+          <a:chOff x="0" y="0"/>
+          <a:chExt cx="0" cy="0"/>
+        </a:xfrm>
+      </p:grpSpPr>
+      <p:sp>
+        <p:nvSpPr>
+          <p:cNvPr id="4" name="Titre 3"/>
+          <p:cNvSpPr>
+            <a:spLocks noGrp="1"/>
+          </p:cNvSpPr>
+          <p:nvPr>
+            <p:ph type="title"/>
+          </p:nvPr>
+        </p:nvSpPr>
+        <p:spPr>
+          <a:xfrm>
+            <a:off x="521207" y="448056"/>
+            <a:ext cx="9250322" cy="640080"/>
+          </a:xfrm>
+        </p:spPr>
+        <p:txBody>
+          <a:bodyPr rtlCol="0">
+            <a:normAutofit fontScale="90000"/>
+          </a:bodyPr>
+          <a:lstStyle/>
+          <a:p>
+            <a:pPr rtl="0"/>
+            <a:r>
+              <a:rPr lang="fr-FR" noProof="1">
+                <a:latin typeface="Segoe UI Light" panose="020B0502040204020203" pitchFamily="34" charset="0"/>
+                <a:cs typeface="Segoe UI Light" panose="020B0502040204020203" pitchFamily="34" charset="0"/>
+              </a:rPr>
+              <a:t>Un exemple de traitement </a:t>
+            </a:r>
+            <a:r>
+              <a:rPr lang="fr-FR" noProof="1">
+                <a:solidFill>
+                  <a:srgbClr val="FF0000"/>
+                </a:solidFill>
+                <a:latin typeface="Segoe UI Light" panose="020B0502040204020203" pitchFamily="34" charset="0"/>
+                <a:cs typeface="Segoe UI Light" panose="020B0502040204020203" pitchFamily="34" charset="0"/>
+              </a:rPr>
+              <a:t>bloquant</a:t>
+            </a:r>
+            <a:r>
+              <a:rPr lang="fr-FR" noProof="1">
+                <a:latin typeface="Segoe UI Light" panose="020B0502040204020203" pitchFamily="34" charset="0"/>
+                <a:cs typeface="Segoe UI Light" panose="020B0502040204020203" pitchFamily="34" charset="0"/>
+              </a:rPr>
+              <a:t> pour comprendre les impacts</a:t>
+            </a:r>
+          </a:p>
+        </p:txBody>
+      </p:sp>
+      <p:pic>
+        <p:nvPicPr>
+          <p:cNvPr id="3" name="Image 2">
+            <a:extLst>
+              <a:ext uri="{FF2B5EF4-FFF2-40B4-BE49-F238E27FC236}">
+                <a16:creationId xmlns:a16="http://schemas.microsoft.com/office/drawing/2014/main" id="{18AFB626-AA04-5390-A8D6-5025D125191B}"/>
+              </a:ext>
+            </a:extLst>
+          </p:cNvPr>
+          <p:cNvPicPr>
+            <a:picLocks noChangeAspect="1"/>
+          </p:cNvPicPr>
+          <p:nvPr/>
+        </p:nvPicPr>
+        <p:blipFill>
+          <a:blip r:embed="rId3"/>
+          <a:stretch>
+            <a:fillRect/>
+          </a:stretch>
+        </p:blipFill>
+        <p:spPr>
+          <a:xfrm>
+            <a:off x="1562660" y="2894199"/>
+            <a:ext cx="1428750" cy="1133475"/>
+          </a:xfrm>
+          <a:prstGeom prst="rect">
+            <a:avLst/>
+          </a:prstGeom>
+        </p:spPr>
+      </p:pic>
+      <p:pic>
+        <p:nvPicPr>
+          <p:cNvPr id="8" name="Image 7">
+            <a:extLst>
+              <a:ext uri="{FF2B5EF4-FFF2-40B4-BE49-F238E27FC236}">
+                <a16:creationId xmlns:a16="http://schemas.microsoft.com/office/drawing/2014/main" id="{B6EEAE5A-B455-8774-E9FE-38E25F89AE04}"/>
+              </a:ext>
+            </a:extLst>
+          </p:cNvPr>
+          <p:cNvPicPr>
+            <a:picLocks noChangeAspect="1"/>
+          </p:cNvPicPr>
+          <p:nvPr/>
+        </p:nvPicPr>
+        <p:blipFill>
+          <a:blip r:embed="rId3"/>
+          <a:stretch>
+            <a:fillRect/>
+          </a:stretch>
+        </p:blipFill>
+        <p:spPr>
+          <a:xfrm>
+            <a:off x="4969248" y="1558458"/>
+            <a:ext cx="1428750" cy="1133475"/>
+          </a:xfrm>
+          <a:prstGeom prst="rect">
+            <a:avLst/>
+          </a:prstGeom>
+        </p:spPr>
+      </p:pic>
+      <p:pic>
+        <p:nvPicPr>
+          <p:cNvPr id="11" name="Image 10">
+            <a:extLst>
+              <a:ext uri="{FF2B5EF4-FFF2-40B4-BE49-F238E27FC236}">
+                <a16:creationId xmlns:a16="http://schemas.microsoft.com/office/drawing/2014/main" id="{3DD419C8-4BAB-F5FD-4029-860675C42BF4}"/>
+              </a:ext>
+            </a:extLst>
+          </p:cNvPr>
+          <p:cNvPicPr>
+            <a:picLocks noChangeAspect="1"/>
+          </p:cNvPicPr>
+          <p:nvPr/>
+        </p:nvPicPr>
+        <p:blipFill>
+          <a:blip r:embed="rId3"/>
+          <a:stretch>
+            <a:fillRect/>
+          </a:stretch>
+        </p:blipFill>
+        <p:spPr>
+          <a:xfrm>
+            <a:off x="2618384" y="5268724"/>
+            <a:ext cx="1428750" cy="1133475"/>
+          </a:xfrm>
+          <a:prstGeom prst="rect">
+            <a:avLst/>
+          </a:prstGeom>
+        </p:spPr>
+      </p:pic>
+      <p:pic>
+        <p:nvPicPr>
+          <p:cNvPr id="13" name="Image 12">
+            <a:extLst>
+              <a:ext uri="{FF2B5EF4-FFF2-40B4-BE49-F238E27FC236}">
+                <a16:creationId xmlns:a16="http://schemas.microsoft.com/office/drawing/2014/main" id="{171D3050-640E-C0AB-1292-79F280D74150}"/>
+              </a:ext>
+            </a:extLst>
+          </p:cNvPr>
+          <p:cNvPicPr>
+            <a:picLocks noChangeAspect="1"/>
+          </p:cNvPicPr>
+          <p:nvPr/>
+        </p:nvPicPr>
+        <p:blipFill>
+          <a:blip r:embed="rId3"/>
+          <a:stretch>
+            <a:fillRect/>
+          </a:stretch>
+        </p:blipFill>
+        <p:spPr>
+          <a:xfrm>
+            <a:off x="6991910" y="5276469"/>
+            <a:ext cx="1428750" cy="1133475"/>
+          </a:xfrm>
+          <a:prstGeom prst="rect">
+            <a:avLst/>
+          </a:prstGeom>
+        </p:spPr>
+      </p:pic>
+      <p:pic>
+        <p:nvPicPr>
+          <p:cNvPr id="15" name="Image 14">
+            <a:extLst>
+              <a:ext uri="{FF2B5EF4-FFF2-40B4-BE49-F238E27FC236}">
+                <a16:creationId xmlns:a16="http://schemas.microsoft.com/office/drawing/2014/main" id="{CDE63868-561A-6CD4-A4D1-51C83BD8BAC4}"/>
+              </a:ext>
+            </a:extLst>
+          </p:cNvPr>
+          <p:cNvPicPr>
+            <a:picLocks noChangeAspect="1"/>
+          </p:cNvPicPr>
+          <p:nvPr/>
+        </p:nvPicPr>
+        <p:blipFill>
+          <a:blip r:embed="rId3"/>
+          <a:stretch>
+            <a:fillRect/>
+          </a:stretch>
+        </p:blipFill>
+        <p:spPr>
+          <a:xfrm>
+            <a:off x="8035178" y="3113274"/>
+            <a:ext cx="1428750" cy="1133475"/>
+          </a:xfrm>
+          <a:prstGeom prst="rect">
+            <a:avLst/>
+          </a:prstGeom>
+        </p:spPr>
+      </p:pic>
+      <p:pic>
+        <p:nvPicPr>
+          <p:cNvPr id="19" name="Image 18">
+            <a:extLst>
+              <a:ext uri="{FF2B5EF4-FFF2-40B4-BE49-F238E27FC236}">
+                <a16:creationId xmlns:a16="http://schemas.microsoft.com/office/drawing/2014/main" id="{F0BB86AC-CB29-FDB1-DAE2-50B1E53D6BC9}"/>
+              </a:ext>
+            </a:extLst>
+          </p:cNvPr>
+          <p:cNvPicPr>
+            <a:picLocks noChangeAspect="1"/>
+          </p:cNvPicPr>
+          <p:nvPr/>
+        </p:nvPicPr>
+        <p:blipFill>
+          <a:blip r:embed="rId4"/>
+          <a:stretch>
+            <a:fillRect/>
+          </a:stretch>
+        </p:blipFill>
+        <p:spPr>
+          <a:xfrm>
+            <a:off x="3142561" y="2639265"/>
+            <a:ext cx="762000" cy="1352550"/>
+          </a:xfrm>
+          <a:prstGeom prst="rect">
+            <a:avLst/>
+          </a:prstGeom>
+          <a:ln w="19050">
+            <a:solidFill>
+              <a:srgbClr val="FF0000"/>
+            </a:solidFill>
+          </a:ln>
+        </p:spPr>
+      </p:pic>
+      <p:pic>
+        <p:nvPicPr>
+          <p:cNvPr id="20" name="Image 19">
+            <a:extLst>
+              <a:ext uri="{FF2B5EF4-FFF2-40B4-BE49-F238E27FC236}">
+                <a16:creationId xmlns:a16="http://schemas.microsoft.com/office/drawing/2014/main" id="{F7E20227-7FE3-779D-074A-358889E78C19}"/>
+              </a:ext>
+            </a:extLst>
+          </p:cNvPr>
+          <p:cNvPicPr>
+            <a:picLocks noChangeAspect="1"/>
+          </p:cNvPicPr>
+          <p:nvPr/>
+        </p:nvPicPr>
+        <p:blipFill>
+          <a:blip r:embed="rId4"/>
+          <a:stretch>
+            <a:fillRect/>
+          </a:stretch>
+        </p:blipFill>
+        <p:spPr>
+          <a:xfrm>
+            <a:off x="6558803" y="1339383"/>
+            <a:ext cx="762000" cy="1352550"/>
+          </a:xfrm>
+          <a:prstGeom prst="rect">
+            <a:avLst/>
+          </a:prstGeom>
+          <a:ln w="19050">
+            <a:solidFill>
+              <a:srgbClr val="FF0000"/>
+            </a:solidFill>
+          </a:ln>
+        </p:spPr>
+      </p:pic>
+      <p:pic>
+        <p:nvPicPr>
+          <p:cNvPr id="21" name="Image 20">
+            <a:extLst>
+              <a:ext uri="{FF2B5EF4-FFF2-40B4-BE49-F238E27FC236}">
+                <a16:creationId xmlns:a16="http://schemas.microsoft.com/office/drawing/2014/main" id="{CD679DD6-AA6B-5F55-79A5-9994A30B5BE2}"/>
+              </a:ext>
+            </a:extLst>
+          </p:cNvPr>
+          <p:cNvPicPr>
+            <a:picLocks noChangeAspect="1"/>
+          </p:cNvPicPr>
+          <p:nvPr/>
+        </p:nvPicPr>
+        <p:blipFill>
+          <a:blip r:embed="rId4"/>
+          <a:stretch>
+            <a:fillRect/>
+          </a:stretch>
+        </p:blipFill>
+        <p:spPr>
+          <a:xfrm>
+            <a:off x="4112818" y="5049649"/>
+            <a:ext cx="762000" cy="1352550"/>
+          </a:xfrm>
+          <a:prstGeom prst="rect">
+            <a:avLst/>
+          </a:prstGeom>
+          <a:ln w="19050">
+            <a:solidFill>
+              <a:srgbClr val="FF0000"/>
+            </a:solidFill>
+          </a:ln>
+        </p:spPr>
+      </p:pic>
+      <p:pic>
+        <p:nvPicPr>
+          <p:cNvPr id="22" name="Image 21">
+            <a:extLst>
+              <a:ext uri="{FF2B5EF4-FFF2-40B4-BE49-F238E27FC236}">
+                <a16:creationId xmlns:a16="http://schemas.microsoft.com/office/drawing/2014/main" id="{AFCB0AF9-7736-0460-D33E-B11D842D90BA}"/>
+              </a:ext>
+            </a:extLst>
+          </p:cNvPr>
+          <p:cNvPicPr>
+            <a:picLocks noChangeAspect="1"/>
+          </p:cNvPicPr>
+          <p:nvPr/>
+        </p:nvPicPr>
+        <p:blipFill>
+          <a:blip r:embed="rId4"/>
+          <a:stretch>
+            <a:fillRect/>
+          </a:stretch>
+        </p:blipFill>
+        <p:spPr>
+          <a:xfrm>
+            <a:off x="8530349" y="5057394"/>
+            <a:ext cx="762000" cy="1352550"/>
+          </a:xfrm>
+          <a:prstGeom prst="rect">
+            <a:avLst/>
+          </a:prstGeom>
+          <a:ln w="19050">
+            <a:solidFill>
+              <a:srgbClr val="FF0000"/>
+            </a:solidFill>
+          </a:ln>
+        </p:spPr>
+      </p:pic>
+      <p:pic>
+        <p:nvPicPr>
+          <p:cNvPr id="23" name="Image 22">
+            <a:extLst>
+              <a:ext uri="{FF2B5EF4-FFF2-40B4-BE49-F238E27FC236}">
+                <a16:creationId xmlns:a16="http://schemas.microsoft.com/office/drawing/2014/main" id="{41201704-5168-A26A-D76A-A56932737AD8}"/>
+              </a:ext>
+            </a:extLst>
+          </p:cNvPr>
+          <p:cNvPicPr>
+            <a:picLocks noChangeAspect="1"/>
+          </p:cNvPicPr>
+          <p:nvPr/>
+        </p:nvPicPr>
+        <p:blipFill>
+          <a:blip r:embed="rId4"/>
+          <a:stretch>
+            <a:fillRect/>
+          </a:stretch>
+        </p:blipFill>
+        <p:spPr>
+          <a:xfrm>
+            <a:off x="9543361" y="2894199"/>
+            <a:ext cx="762000" cy="1352550"/>
+          </a:xfrm>
+          <a:prstGeom prst="rect">
+            <a:avLst/>
+          </a:prstGeom>
+          <a:ln w="19050">
+            <a:solidFill>
+              <a:srgbClr val="FF0000"/>
+            </a:solidFill>
+          </a:ln>
+        </p:spPr>
+      </p:pic>
+      <p:sp>
+        <p:nvSpPr>
+          <p:cNvPr id="2" name="ZoneTexte 1">
+            <a:extLst>
+              <a:ext uri="{FF2B5EF4-FFF2-40B4-BE49-F238E27FC236}">
+                <a16:creationId xmlns:a16="http://schemas.microsoft.com/office/drawing/2014/main" id="{E304B957-1F77-EF69-91E7-E9FEA2FF6EB3}"/>
+              </a:ext>
+            </a:extLst>
+          </p:cNvPr>
+          <p:cNvSpPr txBox="1"/>
+          <p:nvPr/>
+        </p:nvSpPr>
+        <p:spPr>
+          <a:xfrm>
+            <a:off x="4661647" y="3135686"/>
+            <a:ext cx="2868706" cy="1569660"/>
+          </a:xfrm>
+          <a:prstGeom prst="rect">
+            <a:avLst/>
+          </a:prstGeom>
+          <a:noFill/>
+        </p:spPr>
+        <p:txBody>
+          <a:bodyPr wrap="square" rtlCol="0">
+            <a:spAutoFit/>
+          </a:bodyPr>
+          <a:lstStyle/>
+          <a:p>
+            <a:pPr algn="ctr"/>
+            <a:r>
+              <a:rPr lang="fr-FR" sz="3200" dirty="0">
+                <a:solidFill>
+                  <a:schemeClr val="accent2">
+                    <a:lumMod val="75000"/>
+                  </a:schemeClr>
+                </a:solidFill>
+              </a:rPr>
+              <a:t>Autant de serveurs que de tables !!</a:t>
+            </a:r>
+          </a:p>
+        </p:txBody>
+      </p:sp>
+    </p:spTree>
+    <p:extLst>
+      <p:ext uri="{BB962C8B-B14F-4D97-AF65-F5344CB8AC3E}">
+        <p14:creationId xmlns:p14="http://schemas.microsoft.com/office/powerpoint/2010/main" val="3973895833"/>
+      </p:ext>
+    </p:extLst>
+  </p:cSld>
+  <p:clrMapOvr>
+    <a:masterClrMapping/>
+  </p:clrMapOvr>
+  <mc:AlternateContent xmlns:mc="http://schemas.openxmlformats.org/markup-compatibility/2006" xmlns:p14="http://schemas.microsoft.com/office/powerpoint/2010/main">
+    <mc:Choice Requires="p14">
+      <p:transition p14:dur="10"/>
+    </mc:Choice>
+    <mc:Fallback xmlns="">
+      <p:transition/>
+    </mc:Fallback>
+  </mc:AlternateContent>
 </p:sld>
 </file>
 
@@ -8947,6 +14906,15 @@
 </file>
 
 <file path=customXml/item1.xml><?xml version="1.0" encoding="utf-8"?>
+<?mso-contentType ?>
+<FormTemplates xmlns="http://schemas.microsoft.com/sharepoint/v3/contenttype/forms">
+  <Display>DocumentLibraryForm</Display>
+  <Edit>DocumentLibraryForm</Edit>
+  <New>DocumentLibraryForm</New>
+</FormTemplates>
+</file>
+
+<file path=customXml/item2.xml><?xml version="1.0" encoding="utf-8"?>
 <p:properties xmlns:p="http://schemas.microsoft.com/office/2006/metadata/properties" xmlns:xsi="http://www.w3.org/2001/XMLSchema-instance" xmlns:pc="http://schemas.microsoft.com/office/infopath/2007/PartnerControls">
   <documentManagement>
     <Status xmlns="71af3243-3dd4-4a8d-8c0d-dd76da1f02a5">Not started</Status>
@@ -8955,7 +14923,7 @@
 </p:properties>
 </file>
 
-<file path=customXml/item2.xml><?xml version="1.0" encoding="utf-8"?>
+<file path=customXml/item3.xml><?xml version="1.0" encoding="utf-8"?>
 <ct:contentTypeSchema xmlns:ct="http://schemas.microsoft.com/office/2006/metadata/contentType" xmlns:ma="http://schemas.microsoft.com/office/2006/metadata/properties/metaAttributes" ct:_="" ma:_="" ma:contentTypeName="Document" ma:contentTypeID="0x01010079F111ED35F8CC479449609E8A0923A6" ma:contentTypeVersion="12" ma:contentTypeDescription="Create a new document." ma:contentTypeScope="" ma:versionID="a8a52e8c320b9a064ae3583ae3861c92">
   <xsd:schema xmlns:xsd="http://www.w3.org/2001/XMLSchema" xmlns:xs="http://www.w3.org/2001/XMLSchema" xmlns:p="http://schemas.microsoft.com/office/2006/metadata/properties" xmlns:ns2="71af3243-3dd4-4a8d-8c0d-dd76da1f02a5" xmlns:ns3="16c05727-aa75-4e4a-9b5f-8a80a1165891" targetNamespace="http://schemas.microsoft.com/office/2006/metadata/properties" ma:root="true" ma:fieldsID="88020cb39231a0945110f9cd888b521a" ns2:_="" ns3:_="">
     <xsd:import namespace="71af3243-3dd4-4a8d-8c0d-dd76da1f02a5"/>
@@ -9176,16 +15144,15 @@
 </ct:contentTypeSchema>
 </file>
 
-<file path=customXml/item3.xml><?xml version="1.0" encoding="utf-8"?>
-<?mso-contentType ?>
-<FormTemplates xmlns="http://schemas.microsoft.com/sharepoint/v3/contenttype/forms">
-  <Display>DocumentLibraryForm</Display>
-  <Edit>DocumentLibraryForm</Edit>
-  <New>DocumentLibraryForm</New>
-</FormTemplates>
+<file path=customXml/itemProps1.xml><?xml version="1.0" encoding="utf-8"?>
+<ds:datastoreItem xmlns:ds="http://schemas.openxmlformats.org/officeDocument/2006/customXml" ds:itemID="{7EE8C63A-4744-4DE4-BB49-0FF0B5375C60}">
+  <ds:schemaRefs>
+    <ds:schemaRef ds:uri="http://schemas.microsoft.com/sharepoint/v3/contenttype/forms"/>
+  </ds:schemaRefs>
+</ds:datastoreItem>
 </file>
 
-<file path=customXml/itemProps1.xml><?xml version="1.0" encoding="utf-8"?>
+<file path=customXml/itemProps2.xml><?xml version="1.0" encoding="utf-8"?>
 <ds:datastoreItem xmlns:ds="http://schemas.openxmlformats.org/officeDocument/2006/customXml" ds:itemID="{950072C5-DDE0-4258-BA7A-4D4B80DFA632}">
   <ds:schemaRefs>
     <ds:schemaRef ds:uri="http://purl.org/dc/terms/"/>
@@ -9202,7 +15169,7 @@
 </ds:datastoreItem>
 </file>
 
-<file path=customXml/itemProps2.xml><?xml version="1.0" encoding="utf-8"?>
+<file path=customXml/itemProps3.xml><?xml version="1.0" encoding="utf-8"?>
 <ds:datastoreItem xmlns:ds="http://schemas.openxmlformats.org/officeDocument/2006/customXml" ds:itemID="{FD7FC771-7DFE-49DA-B577-71181BFBCB2E}">
   <ds:schemaRefs>
     <ds:schemaRef ds:uri="http://schemas.microsoft.com/office/2006/metadata/contentType"/>
@@ -9219,12 +15186,4 @@
     <ds:schemaRef ds:uri="http://schemas.microsoft.com/internal/obd"/>
   </ds:schemaRefs>
 </ds:datastoreItem>
-</file>
-
-<file path=customXml/itemProps3.xml><?xml version="1.0" encoding="utf-8"?>
-<ds:datastoreItem xmlns:ds="http://schemas.openxmlformats.org/officeDocument/2006/customXml" ds:itemID="{7EE8C63A-4744-4DE4-BB49-0FF0B5375C60}">
-  <ds:schemaRefs>
-    <ds:schemaRef ds:uri="http://schemas.microsoft.com/sharepoint/v3/contenttype/forms"/>
-  </ds:schemaRefs>
-</ds:datastoreItem>
 </file>
--- a/REACTIVE.pptx
+++ b/REACTIVE.pptx
@@ -5,10 +5,10 @@
     <p:sldMasterId id="2147483715" r:id="rId4"/>
   </p:sldMasterIdLst>
   <p:notesMasterIdLst>
-    <p:notesMasterId r:id="rId27"/>
+    <p:notesMasterId r:id="rId32"/>
   </p:notesMasterIdLst>
   <p:handoutMasterIdLst>
-    <p:handoutMasterId r:id="rId28"/>
+    <p:handoutMasterId r:id="rId33"/>
   </p:handoutMasterIdLst>
   <p:sldIdLst>
     <p:sldId id="256" r:id="rId5"/>
@@ -23,16 +23,21 @@
     <p:sldId id="361" r:id="rId14"/>
     <p:sldId id="362" r:id="rId15"/>
     <p:sldId id="364" r:id="rId16"/>
-    <p:sldId id="348" r:id="rId17"/>
-    <p:sldId id="350" r:id="rId18"/>
-    <p:sldId id="355" r:id="rId19"/>
-    <p:sldId id="349" r:id="rId20"/>
-    <p:sldId id="352" r:id="rId21"/>
-    <p:sldId id="347" r:id="rId22"/>
-    <p:sldId id="353" r:id="rId23"/>
-    <p:sldId id="346" r:id="rId24"/>
-    <p:sldId id="354" r:id="rId25"/>
-    <p:sldId id="327" r:id="rId26"/>
+    <p:sldId id="370" r:id="rId17"/>
+    <p:sldId id="371" r:id="rId18"/>
+    <p:sldId id="367" r:id="rId19"/>
+    <p:sldId id="368" r:id="rId20"/>
+    <p:sldId id="369" r:id="rId21"/>
+    <p:sldId id="348" r:id="rId22"/>
+    <p:sldId id="350" r:id="rId23"/>
+    <p:sldId id="355" r:id="rId24"/>
+    <p:sldId id="349" r:id="rId25"/>
+    <p:sldId id="352" r:id="rId26"/>
+    <p:sldId id="347" r:id="rId27"/>
+    <p:sldId id="353" r:id="rId28"/>
+    <p:sldId id="346" r:id="rId29"/>
+    <p:sldId id="354" r:id="rId30"/>
+    <p:sldId id="327" r:id="rId31"/>
   </p:sldIdLst>
   <p:sldSz cx="12192000" cy="6858000"/>
   <p:notesSz cx="6858000" cy="9144000"/>
@@ -148,6 +153,11 @@
             <p14:sldId id="361"/>
             <p14:sldId id="362"/>
             <p14:sldId id="364"/>
+            <p14:sldId id="370"/>
+            <p14:sldId id="371"/>
+            <p14:sldId id="367"/>
+            <p14:sldId id="368"/>
+            <p14:sldId id="369"/>
             <p14:sldId id="348"/>
             <p14:sldId id="350"/>
             <p14:sldId id="355"/>
@@ -273,7 +283,7 @@
             <a:pPr rtl="0"/>
             <a:fld id="{3C80F580-3B6A-44CD-9A1E-E890016126F8}" type="datetime1">
               <a:rPr lang="fr-FR" smtClean="0"/>
-              <a:t>27/11/2023</a:t>
+              <a:t>30/08/2024</a:t>
             </a:fld>
             <a:endParaRPr lang="fr-FR"/>
           </a:p>
@@ -443,7 +453,7 @@
             <a:pPr rtl="0"/>
             <a:fld id="{7DF8ED89-FBF4-48E3-B6C6-C071DA98F802}" type="datetime1">
               <a:rPr lang="fr-FR" noProof="1" dirty="0" smtClean="0"/>
-              <a:t>27/11/2023</a:t>
+              <a:t>30/08/2024</a:t>
             </a:fld>
             <a:endParaRPr lang="fr-FR" noProof="1"/>
           </a:p>
@@ -1136,7 +1146,7 @@
             <a:pPr rtl="0"/>
             <a:fld id="{DF61EA0F-A667-4B49-8422-0062BC55E249}" type="slidenum">
               <a:rPr lang="fr-FR" noProof="1" smtClean="0"/>
-              <a:t>13</a:t>
+              <a:t>18</a:t>
             </a:fld>
             <a:endParaRPr lang="fr-FR" noProof="1"/>
           </a:p>
@@ -1221,7 +1231,7 @@
             <a:pPr rtl="0"/>
             <a:fld id="{DF61EA0F-A667-4B49-8422-0062BC55E249}" type="slidenum">
               <a:rPr lang="fr-FR" noProof="1" dirty="0" smtClean="0"/>
-              <a:t>15</a:t>
+              <a:t>20</a:t>
             </a:fld>
             <a:endParaRPr lang="fr-FR" noProof="1"/>
           </a:p>
@@ -1306,7 +1316,7 @@
             <a:pPr rtl="0"/>
             <a:fld id="{DF61EA0F-A667-4B49-8422-0062BC55E249}" type="slidenum">
               <a:rPr lang="fr-FR" noProof="1" dirty="0" smtClean="0"/>
-              <a:t>17</a:t>
+              <a:t>22</a:t>
             </a:fld>
             <a:endParaRPr lang="fr-FR" noProof="1"/>
           </a:p>
@@ -1391,7 +1401,7 @@
             <a:pPr rtl="0"/>
             <a:fld id="{DF61EA0F-A667-4B49-8422-0062BC55E249}" type="slidenum">
               <a:rPr lang="fr-FR" noProof="1" dirty="0" smtClean="0"/>
-              <a:t>19</a:t>
+              <a:t>24</a:t>
             </a:fld>
             <a:endParaRPr lang="fr-FR" noProof="1"/>
           </a:p>
@@ -1476,7 +1486,7 @@
             <a:pPr rtl="0"/>
             <a:fld id="{DF61EA0F-A667-4B49-8422-0062BC55E249}" type="slidenum">
               <a:rPr lang="fr-FR" noProof="1" dirty="0" smtClean="0"/>
-              <a:t>21</a:t>
+              <a:t>26</a:t>
             </a:fld>
             <a:endParaRPr lang="fr-FR" noProof="1"/>
           </a:p>
@@ -1561,7 +1571,7 @@
             <a:pPr rtl="0"/>
             <a:fld id="{DF61EA0F-A667-4B49-8422-0062BC55E249}" type="slidenum">
               <a:rPr lang="fr-FR" noProof="1" dirty="0" smtClean="0"/>
-              <a:t>22</a:t>
+              <a:t>27</a:t>
             </a:fld>
             <a:endParaRPr lang="fr-FR" noProof="1"/>
           </a:p>
@@ -2419,7 +2429,7 @@
             <a:pPr rtl="0"/>
             <a:fld id="{802CD4F2-526B-4131-B91B-856C46007FC5}" type="datetime1">
               <a:rPr lang="fr-FR" noProof="0" smtClean="0"/>
-              <a:t>27/11/2023</a:t>
+              <a:t>30/08/2024</a:t>
             </a:fld>
             <a:endParaRPr lang="fr-FR" noProof="0"/>
           </a:p>
@@ -2622,7 +2632,7 @@
             <a:pPr rtl="0"/>
             <a:fld id="{802CD4F2-526B-4131-B91B-856C46007FC5}" type="datetime1">
               <a:rPr lang="fr-FR" noProof="0" smtClean="0"/>
-              <a:t>27/11/2023</a:t>
+              <a:t>30/08/2024</a:t>
             </a:fld>
             <a:endParaRPr lang="fr-FR" noProof="0"/>
           </a:p>
@@ -2835,7 +2845,7 @@
             <a:pPr rtl="0"/>
             <a:fld id="{802CD4F2-526B-4131-B91B-856C46007FC5}" type="datetime1">
               <a:rPr lang="fr-FR" noProof="0" smtClean="0"/>
-              <a:t>27/11/2023</a:t>
+              <a:t>30/08/2024</a:t>
             </a:fld>
             <a:endParaRPr lang="fr-FR" noProof="0"/>
           </a:p>
@@ -3350,7 +3360,7 @@
             <a:pPr rtl="0"/>
             <a:fld id="{7DF3CA4B-903E-431D-AF93-2AD02E04DE8A}" type="datetime1">
               <a:rPr lang="fr-FR" noProof="0" smtClean="0"/>
-              <a:t>27/11/2023</a:t>
+              <a:t>30/08/2024</a:t>
             </a:fld>
             <a:endParaRPr lang="fr-FR" noProof="0"/>
           </a:p>
@@ -3903,7 +3913,7 @@
             <a:pPr rtl="0"/>
             <a:fld id="{802CD4F2-526B-4131-B91B-856C46007FC5}" type="datetime1">
               <a:rPr lang="fr-FR" noProof="0" smtClean="0"/>
-              <a:t>27/11/2023</a:t>
+              <a:t>30/08/2024</a:t>
             </a:fld>
             <a:endParaRPr lang="fr-FR" noProof="0"/>
           </a:p>
@@ -4183,7 +4193,7 @@
             <a:pPr rtl="0"/>
             <a:fld id="{802CD4F2-526B-4131-B91B-856C46007FC5}" type="datetime1">
               <a:rPr lang="fr-FR" noProof="0" smtClean="0"/>
-              <a:t>27/11/2023</a:t>
+              <a:t>30/08/2024</a:t>
             </a:fld>
             <a:endParaRPr lang="fr-FR" noProof="0"/>
           </a:p>
@@ -4453,7 +4463,7 @@
             <a:pPr rtl="0"/>
             <a:fld id="{802CD4F2-526B-4131-B91B-856C46007FC5}" type="datetime1">
               <a:rPr lang="fr-FR" noProof="0" smtClean="0"/>
-              <a:t>27/11/2023</a:t>
+              <a:t>30/08/2024</a:t>
             </a:fld>
             <a:endParaRPr lang="fr-FR" noProof="0"/>
           </a:p>
@@ -4870,7 +4880,7 @@
             <a:pPr rtl="0"/>
             <a:fld id="{802CD4F2-526B-4131-B91B-856C46007FC5}" type="datetime1">
               <a:rPr lang="fr-FR" noProof="0" smtClean="0"/>
-              <a:t>27/11/2023</a:t>
+              <a:t>30/08/2024</a:t>
             </a:fld>
             <a:endParaRPr lang="fr-FR" noProof="0"/>
           </a:p>
@@ -5016,7 +5026,7 @@
             <a:pPr rtl="0"/>
             <a:fld id="{802CD4F2-526B-4131-B91B-856C46007FC5}" type="datetime1">
               <a:rPr lang="fr-FR" noProof="0" smtClean="0"/>
-              <a:t>27/11/2023</a:t>
+              <a:t>30/08/2024</a:t>
             </a:fld>
             <a:endParaRPr lang="fr-FR" noProof="0"/>
           </a:p>
@@ -5134,7 +5144,7 @@
             <a:pPr rtl="0"/>
             <a:fld id="{802CD4F2-526B-4131-B91B-856C46007FC5}" type="datetime1">
               <a:rPr lang="fr-FR" noProof="0" smtClean="0"/>
-              <a:t>27/11/2023</a:t>
+              <a:t>30/08/2024</a:t>
             </a:fld>
             <a:endParaRPr lang="fr-FR" noProof="0"/>
           </a:p>
@@ -5450,7 +5460,7 @@
             <a:pPr rtl="0"/>
             <a:fld id="{802CD4F2-526B-4131-B91B-856C46007FC5}" type="datetime1">
               <a:rPr lang="fr-FR" noProof="0" smtClean="0"/>
-              <a:t>27/11/2023</a:t>
+              <a:t>30/08/2024</a:t>
             </a:fld>
             <a:endParaRPr lang="fr-FR" noProof="0"/>
           </a:p>
@@ -5743,7 +5753,7 @@
             <a:pPr rtl="0"/>
             <a:fld id="{802CD4F2-526B-4131-B91B-856C46007FC5}" type="datetime1">
               <a:rPr lang="fr-FR" noProof="0" smtClean="0"/>
-              <a:t>27/11/2023</a:t>
+              <a:t>30/08/2024</a:t>
             </a:fld>
             <a:endParaRPr lang="fr-FR" noProof="0"/>
           </a:p>
@@ -5989,7 +5999,7 @@
             <a:pPr rtl="0"/>
             <a:fld id="{802CD4F2-526B-4131-B91B-856C46007FC5}" type="datetime1">
               <a:rPr lang="fr-FR" noProof="0" smtClean="0"/>
-              <a:t>27/11/2023</a:t>
+              <a:t>30/08/2024</a:t>
             </a:fld>
             <a:endParaRPr lang="fr-FR" noProof="0"/>
           </a:p>
@@ -8693,6 +8703,488 @@
           <p:cNvPr id="2" name="Titre 1">
             <a:extLst>
               <a:ext uri="{FF2B5EF4-FFF2-40B4-BE49-F238E27FC236}">
+                <a16:creationId xmlns:a16="http://schemas.microsoft.com/office/drawing/2014/main" id="{28155282-0AF2-87F5-2598-40DBE664613B}"/>
+              </a:ext>
+            </a:extLst>
+          </p:cNvPr>
+          <p:cNvSpPr>
+            <a:spLocks noGrp="1"/>
+          </p:cNvSpPr>
+          <p:nvPr>
+            <p:ph type="title"/>
+          </p:nvPr>
+        </p:nvSpPr>
+        <p:spPr/>
+        <p:txBody>
+          <a:bodyPr/>
+          <a:lstStyle/>
+          <a:p>
+            <a:endParaRPr lang="fr-FR"/>
+          </a:p>
+        </p:txBody>
+      </p:sp>
+      <p:pic>
+        <p:nvPicPr>
+          <p:cNvPr id="15" name="Image 14" descr="Une image contenant texte, capture d’écran, Police, nombre&#10;&#10;Description générée automatiquement">
+            <a:extLst>
+              <a:ext uri="{FF2B5EF4-FFF2-40B4-BE49-F238E27FC236}">
+                <a16:creationId xmlns:a16="http://schemas.microsoft.com/office/drawing/2014/main" id="{ABA9B486-D1F0-39B9-5234-26F870D6B29B}"/>
+              </a:ext>
+            </a:extLst>
+          </p:cNvPr>
+          <p:cNvPicPr>
+            <a:picLocks noChangeAspect="1"/>
+          </p:cNvPicPr>
+          <p:nvPr/>
+        </p:nvPicPr>
+        <p:blipFill>
+          <a:blip r:embed="rId2"/>
+          <a:stretch>
+            <a:fillRect/>
+          </a:stretch>
+        </p:blipFill>
+        <p:spPr>
+          <a:xfrm>
+            <a:off x="0" y="681699"/>
+            <a:ext cx="12192000" cy="5494601"/>
+          </a:xfrm>
+          <a:prstGeom prst="rect">
+            <a:avLst/>
+          </a:prstGeom>
+        </p:spPr>
+      </p:pic>
+    </p:spTree>
+    <p:extLst>
+      <p:ext uri="{BB962C8B-B14F-4D97-AF65-F5344CB8AC3E}">
+        <p14:creationId xmlns:p14="http://schemas.microsoft.com/office/powerpoint/2010/main" val="2967615073"/>
+      </p:ext>
+    </p:extLst>
+  </p:cSld>
+  <p:clrMapOvr>
+    <a:masterClrMapping/>
+  </p:clrMapOvr>
+</p:sld>
+</file>
+
+<file path=ppt/slides/slide14.xml><?xml version="1.0" encoding="utf-8"?>
+<p:sld xmlns:a="http://schemas.openxmlformats.org/drawingml/2006/main" xmlns:r="http://schemas.openxmlformats.org/officeDocument/2006/relationships" xmlns:p="http://schemas.openxmlformats.org/presentationml/2006/main">
+  <p:cSld>
+    <p:spTree>
+      <p:nvGrpSpPr>
+        <p:cNvPr id="1" name=""/>
+        <p:cNvGrpSpPr/>
+        <p:nvPr/>
+      </p:nvGrpSpPr>
+      <p:grpSpPr>
+        <a:xfrm>
+          <a:off x="0" y="0"/>
+          <a:ext cx="0" cy="0"/>
+          <a:chOff x="0" y="0"/>
+          <a:chExt cx="0" cy="0"/>
+        </a:xfrm>
+      </p:grpSpPr>
+      <p:sp>
+        <p:nvSpPr>
+          <p:cNvPr id="2" name="Titre 1">
+            <a:extLst>
+              <a:ext uri="{FF2B5EF4-FFF2-40B4-BE49-F238E27FC236}">
+                <a16:creationId xmlns:a16="http://schemas.microsoft.com/office/drawing/2014/main" id="{258206FC-B90A-322A-DFEE-40088F61DBDB}"/>
+              </a:ext>
+            </a:extLst>
+          </p:cNvPr>
+          <p:cNvSpPr>
+            <a:spLocks noGrp="1"/>
+          </p:cNvSpPr>
+          <p:nvPr>
+            <p:ph type="title"/>
+          </p:nvPr>
+        </p:nvSpPr>
+        <p:spPr/>
+        <p:txBody>
+          <a:bodyPr/>
+          <a:lstStyle/>
+          <a:p>
+            <a:endParaRPr lang="fr-FR"/>
+          </a:p>
+        </p:txBody>
+      </p:sp>
+      <p:pic>
+        <p:nvPicPr>
+          <p:cNvPr id="9" name="Image 8" descr="Une image contenant texte, capture d’écran, Police, nombre&#10;&#10;Description générée automatiquement">
+            <a:extLst>
+              <a:ext uri="{FF2B5EF4-FFF2-40B4-BE49-F238E27FC236}">
+                <a16:creationId xmlns:a16="http://schemas.microsoft.com/office/drawing/2014/main" id="{25EA43ED-CA81-85C7-9431-A0B51D049D58}"/>
+              </a:ext>
+            </a:extLst>
+          </p:cNvPr>
+          <p:cNvPicPr>
+            <a:picLocks noChangeAspect="1"/>
+          </p:cNvPicPr>
+          <p:nvPr/>
+        </p:nvPicPr>
+        <p:blipFill>
+          <a:blip r:embed="rId2"/>
+          <a:stretch>
+            <a:fillRect/>
+          </a:stretch>
+        </p:blipFill>
+        <p:spPr>
+          <a:xfrm>
+            <a:off x="0" y="453489"/>
+            <a:ext cx="12192000" cy="5951022"/>
+          </a:xfrm>
+          <a:prstGeom prst="rect">
+            <a:avLst/>
+          </a:prstGeom>
+        </p:spPr>
+      </p:pic>
+    </p:spTree>
+    <p:extLst>
+      <p:ext uri="{BB962C8B-B14F-4D97-AF65-F5344CB8AC3E}">
+        <p14:creationId xmlns:p14="http://schemas.microsoft.com/office/powerpoint/2010/main" val="860644961"/>
+      </p:ext>
+    </p:extLst>
+  </p:cSld>
+  <p:clrMapOvr>
+    <a:masterClrMapping/>
+  </p:clrMapOvr>
+</p:sld>
+</file>
+
+<file path=ppt/slides/slide15.xml><?xml version="1.0" encoding="utf-8"?>
+<p:sld xmlns:a="http://schemas.openxmlformats.org/drawingml/2006/main" xmlns:r="http://schemas.openxmlformats.org/officeDocument/2006/relationships" xmlns:p="http://schemas.openxmlformats.org/presentationml/2006/main">
+  <p:cSld>
+    <p:spTree>
+      <p:nvGrpSpPr>
+        <p:cNvPr id="1" name=""/>
+        <p:cNvGrpSpPr/>
+        <p:nvPr/>
+      </p:nvGrpSpPr>
+      <p:grpSpPr>
+        <a:xfrm>
+          <a:off x="0" y="0"/>
+          <a:ext cx="0" cy="0"/>
+          <a:chOff x="0" y="0"/>
+          <a:chExt cx="0" cy="0"/>
+        </a:xfrm>
+      </p:grpSpPr>
+      <p:sp>
+        <p:nvSpPr>
+          <p:cNvPr id="2" name="Titre 1">
+            <a:extLst>
+              <a:ext uri="{FF2B5EF4-FFF2-40B4-BE49-F238E27FC236}">
+                <a16:creationId xmlns:a16="http://schemas.microsoft.com/office/drawing/2014/main" id="{322CB465-D032-6320-94C8-9E6E05FD6B2C}"/>
+              </a:ext>
+            </a:extLst>
+          </p:cNvPr>
+          <p:cNvSpPr>
+            <a:spLocks noGrp="1"/>
+          </p:cNvSpPr>
+          <p:nvPr>
+            <p:ph type="title"/>
+          </p:nvPr>
+        </p:nvSpPr>
+        <p:spPr/>
+        <p:txBody>
+          <a:bodyPr/>
+          <a:lstStyle/>
+          <a:p>
+            <a:endParaRPr lang="fr-FR"/>
+          </a:p>
+        </p:txBody>
+      </p:sp>
+      <p:pic>
+        <p:nvPicPr>
+          <p:cNvPr id="5" name="Espace réservé du contenu 4" descr="Une image contenant texte, capture d’écran, affichage, diagramme&#10;&#10;Description générée automatiquement">
+            <a:extLst>
+              <a:ext uri="{FF2B5EF4-FFF2-40B4-BE49-F238E27FC236}">
+                <a16:creationId xmlns:a16="http://schemas.microsoft.com/office/drawing/2014/main" id="{CE9509FB-9D35-44E2-BABE-E77D3B80BC31}"/>
+              </a:ext>
+            </a:extLst>
+          </p:cNvPr>
+          <p:cNvPicPr>
+            <a:picLocks noGrp="1" noChangeAspect="1"/>
+          </p:cNvPicPr>
+          <p:nvPr>
+            <p:ph sz="quarter" idx="10"/>
+          </p:nvPr>
+        </p:nvPicPr>
+        <p:blipFill>
+          <a:blip r:embed="rId2"/>
+          <a:stretch>
+            <a:fillRect/>
+          </a:stretch>
+        </p:blipFill>
+        <p:spPr>
+          <a:xfrm>
+            <a:off x="539750" y="1441353"/>
+            <a:ext cx="4416425" cy="3965769"/>
+          </a:xfrm>
+        </p:spPr>
+      </p:pic>
+      <p:pic>
+        <p:nvPicPr>
+          <p:cNvPr id="9" name="Image 8" descr="Une image contenant texte, capture d’écran, diagramme, nombre&#10;&#10;Description générée automatiquement">
+            <a:extLst>
+              <a:ext uri="{FF2B5EF4-FFF2-40B4-BE49-F238E27FC236}">
+                <a16:creationId xmlns:a16="http://schemas.microsoft.com/office/drawing/2014/main" id="{DDD4DCD3-3C59-A542-32DE-3C4D64118C8E}"/>
+              </a:ext>
+            </a:extLst>
+          </p:cNvPr>
+          <p:cNvPicPr>
+            <a:picLocks noChangeAspect="1"/>
+          </p:cNvPicPr>
+          <p:nvPr/>
+        </p:nvPicPr>
+        <p:blipFill>
+          <a:blip r:embed="rId3"/>
+          <a:stretch>
+            <a:fillRect/>
+          </a:stretch>
+        </p:blipFill>
+        <p:spPr>
+          <a:xfrm>
+            <a:off x="4648478" y="1547812"/>
+            <a:ext cx="7086600" cy="3752850"/>
+          </a:xfrm>
+          <a:prstGeom prst="rect">
+            <a:avLst/>
+          </a:prstGeom>
+        </p:spPr>
+      </p:pic>
+    </p:spTree>
+    <p:extLst>
+      <p:ext uri="{BB962C8B-B14F-4D97-AF65-F5344CB8AC3E}">
+        <p14:creationId xmlns:p14="http://schemas.microsoft.com/office/powerpoint/2010/main" val="1714217400"/>
+      </p:ext>
+    </p:extLst>
+  </p:cSld>
+  <p:clrMapOvr>
+    <a:masterClrMapping/>
+  </p:clrMapOvr>
+</p:sld>
+</file>
+
+<file path=ppt/slides/slide16.xml><?xml version="1.0" encoding="utf-8"?>
+<p:sld xmlns:a="http://schemas.openxmlformats.org/drawingml/2006/main" xmlns:r="http://schemas.openxmlformats.org/officeDocument/2006/relationships" xmlns:p="http://schemas.openxmlformats.org/presentationml/2006/main">
+  <p:cSld>
+    <p:spTree>
+      <p:nvGrpSpPr>
+        <p:cNvPr id="1" name=""/>
+        <p:cNvGrpSpPr/>
+        <p:nvPr/>
+      </p:nvGrpSpPr>
+      <p:grpSpPr>
+        <a:xfrm>
+          <a:off x="0" y="0"/>
+          <a:ext cx="0" cy="0"/>
+          <a:chOff x="0" y="0"/>
+          <a:chExt cx="0" cy="0"/>
+        </a:xfrm>
+      </p:grpSpPr>
+      <p:sp>
+        <p:nvSpPr>
+          <p:cNvPr id="2" name="Titre 1">
+            <a:extLst>
+              <a:ext uri="{FF2B5EF4-FFF2-40B4-BE49-F238E27FC236}">
+                <a16:creationId xmlns:a16="http://schemas.microsoft.com/office/drawing/2014/main" id="{E689CF0D-856A-CEAD-A6F9-D27C34C93E8C}"/>
+              </a:ext>
+            </a:extLst>
+          </p:cNvPr>
+          <p:cNvSpPr>
+            <a:spLocks noGrp="1"/>
+          </p:cNvSpPr>
+          <p:nvPr>
+            <p:ph type="title"/>
+          </p:nvPr>
+        </p:nvSpPr>
+        <p:spPr/>
+        <p:txBody>
+          <a:bodyPr/>
+          <a:lstStyle/>
+          <a:p>
+            <a:endParaRPr lang="fr-FR"/>
+          </a:p>
+        </p:txBody>
+      </p:sp>
+      <p:pic>
+        <p:nvPicPr>
+          <p:cNvPr id="5" name="Espace réservé du contenu 4" descr="Une image contenant texte, capture d’écran, ligne, Parallèle&#10;&#10;Description générée automatiquement">
+            <a:extLst>
+              <a:ext uri="{FF2B5EF4-FFF2-40B4-BE49-F238E27FC236}">
+                <a16:creationId xmlns:a16="http://schemas.microsoft.com/office/drawing/2014/main" id="{FCB230CD-2A26-8B37-F138-D114645F1F0C}"/>
+              </a:ext>
+            </a:extLst>
+          </p:cNvPr>
+          <p:cNvPicPr>
+            <a:picLocks noGrp="1" noChangeAspect="1"/>
+          </p:cNvPicPr>
+          <p:nvPr>
+            <p:ph sz="quarter" idx="10"/>
+          </p:nvPr>
+        </p:nvPicPr>
+        <p:blipFill>
+          <a:blip r:embed="rId2"/>
+          <a:stretch>
+            <a:fillRect/>
+          </a:stretch>
+        </p:blipFill>
+        <p:spPr>
+          <a:xfrm>
+            <a:off x="539750" y="2353254"/>
+            <a:ext cx="4416425" cy="2141966"/>
+          </a:xfrm>
+        </p:spPr>
+      </p:pic>
+      <p:pic>
+        <p:nvPicPr>
+          <p:cNvPr id="7" name="Image 6" descr="Une image contenant texte, diagramme, capture d’écran, Plan&#10;&#10;Description générée automatiquement">
+            <a:extLst>
+              <a:ext uri="{FF2B5EF4-FFF2-40B4-BE49-F238E27FC236}">
+                <a16:creationId xmlns:a16="http://schemas.microsoft.com/office/drawing/2014/main" id="{2DF949AF-6520-286C-4113-84716C6F91FD}"/>
+              </a:ext>
+            </a:extLst>
+          </p:cNvPr>
+          <p:cNvPicPr>
+            <a:picLocks noChangeAspect="1"/>
+          </p:cNvPicPr>
+          <p:nvPr/>
+        </p:nvPicPr>
+        <p:blipFill>
+          <a:blip r:embed="rId3"/>
+          <a:stretch>
+            <a:fillRect/>
+          </a:stretch>
+        </p:blipFill>
+        <p:spPr>
+          <a:xfrm>
+            <a:off x="1522958" y="1066261"/>
+            <a:ext cx="9146084" cy="4725477"/>
+          </a:xfrm>
+          <a:prstGeom prst="rect">
+            <a:avLst/>
+          </a:prstGeom>
+        </p:spPr>
+      </p:pic>
+    </p:spTree>
+    <p:extLst>
+      <p:ext uri="{BB962C8B-B14F-4D97-AF65-F5344CB8AC3E}">
+        <p14:creationId xmlns:p14="http://schemas.microsoft.com/office/powerpoint/2010/main" val="2840058698"/>
+      </p:ext>
+    </p:extLst>
+  </p:cSld>
+  <p:clrMapOvr>
+    <a:masterClrMapping/>
+  </p:clrMapOvr>
+</p:sld>
+</file>
+
+<file path=ppt/slides/slide17.xml><?xml version="1.0" encoding="utf-8"?>
+<p:sld xmlns:a="http://schemas.openxmlformats.org/drawingml/2006/main" xmlns:r="http://schemas.openxmlformats.org/officeDocument/2006/relationships" xmlns:p="http://schemas.openxmlformats.org/presentationml/2006/main">
+  <p:cSld>
+    <p:spTree>
+      <p:nvGrpSpPr>
+        <p:cNvPr id="1" name=""/>
+        <p:cNvGrpSpPr/>
+        <p:nvPr/>
+      </p:nvGrpSpPr>
+      <p:grpSpPr>
+        <a:xfrm>
+          <a:off x="0" y="0"/>
+          <a:ext cx="0" cy="0"/>
+          <a:chOff x="0" y="0"/>
+          <a:chExt cx="0" cy="0"/>
+        </a:xfrm>
+      </p:grpSpPr>
+      <p:sp>
+        <p:nvSpPr>
+          <p:cNvPr id="2" name="Titre 1">
+            <a:extLst>
+              <a:ext uri="{FF2B5EF4-FFF2-40B4-BE49-F238E27FC236}">
+                <a16:creationId xmlns:a16="http://schemas.microsoft.com/office/drawing/2014/main" id="{BBE1B255-BB70-C8F9-B852-3F4521ED922F}"/>
+              </a:ext>
+            </a:extLst>
+          </p:cNvPr>
+          <p:cNvSpPr>
+            <a:spLocks noGrp="1"/>
+          </p:cNvSpPr>
+          <p:nvPr>
+            <p:ph type="title"/>
+          </p:nvPr>
+        </p:nvSpPr>
+        <p:spPr/>
+        <p:txBody>
+          <a:bodyPr/>
+          <a:lstStyle/>
+          <a:p>
+            <a:endParaRPr lang="fr-FR"/>
+          </a:p>
+        </p:txBody>
+      </p:sp>
+      <p:pic>
+        <p:nvPicPr>
+          <p:cNvPr id="5" name="Espace réservé du contenu 4" descr="Une image contenant texte, diagramme, Plan, capture d’écran&#10;&#10;Description générée automatiquement">
+            <a:extLst>
+              <a:ext uri="{FF2B5EF4-FFF2-40B4-BE49-F238E27FC236}">
+                <a16:creationId xmlns:a16="http://schemas.microsoft.com/office/drawing/2014/main" id="{25C3EBC4-CE2E-2088-9C0B-982D74BDBB43}"/>
+              </a:ext>
+            </a:extLst>
+          </p:cNvPr>
+          <p:cNvPicPr>
+            <a:picLocks noGrp="1" noChangeAspect="1"/>
+          </p:cNvPicPr>
+          <p:nvPr>
+            <p:ph sz="quarter" idx="10"/>
+          </p:nvPr>
+        </p:nvPicPr>
+        <p:blipFill>
+          <a:blip r:embed="rId2"/>
+          <a:stretch>
+            <a:fillRect/>
+          </a:stretch>
+        </p:blipFill>
+        <p:spPr>
+          <a:xfrm>
+            <a:off x="539750" y="2065573"/>
+            <a:ext cx="4416425" cy="2717328"/>
+          </a:xfrm>
+        </p:spPr>
+      </p:pic>
+    </p:spTree>
+    <p:extLst>
+      <p:ext uri="{BB962C8B-B14F-4D97-AF65-F5344CB8AC3E}">
+        <p14:creationId xmlns:p14="http://schemas.microsoft.com/office/powerpoint/2010/main" val="3019524420"/>
+      </p:ext>
+    </p:extLst>
+  </p:cSld>
+  <p:clrMapOvr>
+    <a:masterClrMapping/>
+  </p:clrMapOvr>
+</p:sld>
+</file>
+
+<file path=ppt/slides/slide18.xml><?xml version="1.0" encoding="utf-8"?>
+<p:sld xmlns:a="http://schemas.openxmlformats.org/drawingml/2006/main" xmlns:r="http://schemas.openxmlformats.org/officeDocument/2006/relationships" xmlns:p="http://schemas.openxmlformats.org/presentationml/2006/main">
+  <p:cSld>
+    <p:spTree>
+      <p:nvGrpSpPr>
+        <p:cNvPr id="1" name=""/>
+        <p:cNvGrpSpPr/>
+        <p:nvPr/>
+      </p:nvGrpSpPr>
+      <p:grpSpPr>
+        <a:xfrm>
+          <a:off x="0" y="0"/>
+          <a:ext cx="0" cy="0"/>
+          <a:chOff x="0" y="0"/>
+          <a:chExt cx="0" cy="0"/>
+        </a:xfrm>
+      </p:grpSpPr>
+      <p:sp>
+        <p:nvSpPr>
+          <p:cNvPr id="2" name="Titre 1">
+            <a:extLst>
+              <a:ext uri="{FF2B5EF4-FFF2-40B4-BE49-F238E27FC236}">
                 <a16:creationId xmlns:a16="http://schemas.microsoft.com/office/drawing/2014/main" id="{0C3CF6A7-E17D-4316-8AD8-CAC6DB3A712D}"/>
               </a:ext>
             </a:extLst>
@@ -8826,7 +9318,7 @@
 </p:sld>
 </file>
 
-<file path=ppt/slides/slide14.xml><?xml version="1.0" encoding="utf-8"?>
+<file path=ppt/slides/slide19.xml><?xml version="1.0" encoding="utf-8"?>
 <p:sld xmlns:a="http://schemas.openxmlformats.org/drawingml/2006/main" xmlns:r="http://schemas.openxmlformats.org/officeDocument/2006/relationships" xmlns:p="http://schemas.openxmlformats.org/presentationml/2006/main">
   <p:cSld>
     <p:spTree>
@@ -8918,476 +9410,6 @@
   <p:clrMapOvr>
     <a:masterClrMapping/>
   </p:clrMapOvr>
-</p:sld>
-</file>
-
-<file path=ppt/slides/slide15.xml><?xml version="1.0" encoding="utf-8"?>
-<p:sld xmlns:a="http://schemas.openxmlformats.org/drawingml/2006/main" xmlns:r="http://schemas.openxmlformats.org/officeDocument/2006/relationships" xmlns:p="http://schemas.openxmlformats.org/presentationml/2006/main">
-  <p:cSld>
-    <p:spTree>
-      <p:nvGrpSpPr>
-        <p:cNvPr id="1" name=""/>
-        <p:cNvGrpSpPr/>
-        <p:nvPr/>
-      </p:nvGrpSpPr>
-      <p:grpSpPr>
-        <a:xfrm>
-          <a:off x="0" y="0"/>
-          <a:ext cx="0" cy="0"/>
-          <a:chOff x="0" y="0"/>
-          <a:chExt cx="0" cy="0"/>
-        </a:xfrm>
-      </p:grpSpPr>
-      <p:sp>
-        <p:nvSpPr>
-          <p:cNvPr id="4" name="Titre 3"/>
-          <p:cNvSpPr>
-            <a:spLocks noGrp="1"/>
-          </p:cNvSpPr>
-          <p:nvPr>
-            <p:ph type="title"/>
-          </p:nvPr>
-        </p:nvSpPr>
-        <p:spPr>
-          <a:xfrm>
-            <a:off x="521207" y="448056"/>
-            <a:ext cx="7783344" cy="640080"/>
-          </a:xfrm>
-        </p:spPr>
-        <p:txBody>
-          <a:bodyPr rtlCol="0">
-            <a:normAutofit/>
-          </a:bodyPr>
-          <a:lstStyle/>
-          <a:p>
-            <a:pPr rtl="0"/>
-            <a:r>
-              <a:rPr lang="fr-FR" noProof="1">
-                <a:latin typeface="Segoe UI Light" panose="020B0502040204020203" pitchFamily="34" charset="0"/>
-                <a:cs typeface="Segoe UI Light" panose="020B0502040204020203" pitchFamily="34" charset="0"/>
-              </a:rPr>
-              <a:t>Vue en couche</a:t>
-            </a:r>
-          </a:p>
-        </p:txBody>
-      </p:sp>
-    </p:spTree>
-    <p:extLst>
-      <p:ext uri="{BB962C8B-B14F-4D97-AF65-F5344CB8AC3E}">
-        <p14:creationId xmlns:p14="http://schemas.microsoft.com/office/powerpoint/2010/main" val="3827382832"/>
-      </p:ext>
-    </p:extLst>
-  </p:cSld>
-  <p:clrMapOvr>
-    <a:masterClrMapping/>
-  </p:clrMapOvr>
-  <mc:AlternateContent xmlns:mc="http://schemas.openxmlformats.org/markup-compatibility/2006" xmlns:p14="http://schemas.microsoft.com/office/powerpoint/2010/main">
-    <mc:Choice Requires="p14">
-      <p:transition p14:dur="10"/>
-    </mc:Choice>
-    <mc:Fallback xmlns="">
-      <p:transition/>
-    </mc:Fallback>
-  </mc:AlternateContent>
-</p:sld>
-</file>
-
-<file path=ppt/slides/slide16.xml><?xml version="1.0" encoding="utf-8"?>
-<p:sld xmlns:a="http://schemas.openxmlformats.org/drawingml/2006/main" xmlns:r="http://schemas.openxmlformats.org/officeDocument/2006/relationships" xmlns:p="http://schemas.openxmlformats.org/presentationml/2006/main">
-  <p:cSld>
-    <p:spTree>
-      <p:nvGrpSpPr>
-        <p:cNvPr id="1" name=""/>
-        <p:cNvGrpSpPr/>
-        <p:nvPr/>
-      </p:nvGrpSpPr>
-      <p:grpSpPr>
-        <a:xfrm>
-          <a:off x="0" y="0"/>
-          <a:ext cx="0" cy="0"/>
-          <a:chOff x="0" y="0"/>
-          <a:chExt cx="0" cy="0"/>
-        </a:xfrm>
-      </p:grpSpPr>
-      <p:sp>
-        <p:nvSpPr>
-          <p:cNvPr id="2" name="Titre 1">
-            <a:extLst>
-              <a:ext uri="{FF2B5EF4-FFF2-40B4-BE49-F238E27FC236}">
-                <a16:creationId xmlns:a16="http://schemas.microsoft.com/office/drawing/2014/main" id="{0C3CF6A7-E17D-4316-8AD8-CAC6DB3A712D}"/>
-              </a:ext>
-            </a:extLst>
-          </p:cNvPr>
-          <p:cNvSpPr>
-            <a:spLocks noGrp="1"/>
-          </p:cNvSpPr>
-          <p:nvPr>
-            <p:ph type="title"/>
-          </p:nvPr>
-        </p:nvSpPr>
-        <p:spPr>
-          <a:xfrm>
-            <a:off x="521207" y="1536192"/>
-            <a:ext cx="10290227" cy="640080"/>
-          </a:xfrm>
-        </p:spPr>
-        <p:txBody>
-          <a:bodyPr>
-            <a:normAutofit/>
-          </a:bodyPr>
-          <a:lstStyle/>
-          <a:p>
-            <a:r>
-              <a:rPr lang="fr-FR" dirty="0"/>
-              <a:t>Accès « non bloquant » (réactif)</a:t>
-            </a:r>
-          </a:p>
-        </p:txBody>
-      </p:sp>
-      <p:pic>
-        <p:nvPicPr>
-          <p:cNvPr id="4" name="Image 3" descr="Une image contenant transport, missile, espace, Espace lointain&#10;&#10;Description générée automatiquement">
-            <a:extLst>
-              <a:ext uri="{FF2B5EF4-FFF2-40B4-BE49-F238E27FC236}">
-                <a16:creationId xmlns:a16="http://schemas.microsoft.com/office/drawing/2014/main" id="{050D4CBF-D9AF-7A6B-4D86-4C1B1CD4F51E}"/>
-              </a:ext>
-            </a:extLst>
-          </p:cNvPr>
-          <p:cNvPicPr>
-            <a:picLocks noChangeAspect="1"/>
-          </p:cNvPicPr>
-          <p:nvPr/>
-        </p:nvPicPr>
-        <p:blipFill>
-          <a:blip r:embed="rId2"/>
-          <a:stretch>
-            <a:fillRect/>
-          </a:stretch>
-        </p:blipFill>
-        <p:spPr>
-          <a:xfrm>
-            <a:off x="3831076" y="2474818"/>
-            <a:ext cx="3957357" cy="3957357"/>
-          </a:xfrm>
-          <a:prstGeom prst="rect">
-            <a:avLst/>
-          </a:prstGeom>
-        </p:spPr>
-      </p:pic>
-    </p:spTree>
-    <p:extLst>
-      <p:ext uri="{BB962C8B-B14F-4D97-AF65-F5344CB8AC3E}">
-        <p14:creationId xmlns:p14="http://schemas.microsoft.com/office/powerpoint/2010/main" val="2470160587"/>
-      </p:ext>
-    </p:extLst>
-  </p:cSld>
-  <p:clrMapOvr>
-    <a:masterClrMapping/>
-  </p:clrMapOvr>
-</p:sld>
-</file>
-
-<file path=ppt/slides/slide17.xml><?xml version="1.0" encoding="utf-8"?>
-<p:sld xmlns:a="http://schemas.openxmlformats.org/drawingml/2006/main" xmlns:r="http://schemas.openxmlformats.org/officeDocument/2006/relationships" xmlns:p="http://schemas.openxmlformats.org/presentationml/2006/main">
-  <p:cSld>
-    <p:spTree>
-      <p:nvGrpSpPr>
-        <p:cNvPr id="1" name=""/>
-        <p:cNvGrpSpPr/>
-        <p:nvPr/>
-      </p:nvGrpSpPr>
-      <p:grpSpPr>
-        <a:xfrm>
-          <a:off x="0" y="0"/>
-          <a:ext cx="0" cy="0"/>
-          <a:chOff x="0" y="0"/>
-          <a:chExt cx="0" cy="0"/>
-        </a:xfrm>
-      </p:grpSpPr>
-      <p:sp>
-        <p:nvSpPr>
-          <p:cNvPr id="4" name="Titre 3"/>
-          <p:cNvSpPr>
-            <a:spLocks noGrp="1"/>
-          </p:cNvSpPr>
-          <p:nvPr>
-            <p:ph type="title"/>
-          </p:nvPr>
-        </p:nvSpPr>
-        <p:spPr>
-          <a:xfrm>
-            <a:off x="521207" y="448056"/>
-            <a:ext cx="7783344" cy="640080"/>
-          </a:xfrm>
-        </p:spPr>
-        <p:txBody>
-          <a:bodyPr rtlCol="0">
-            <a:normAutofit/>
-          </a:bodyPr>
-          <a:lstStyle/>
-          <a:p>
-            <a:pPr rtl="0"/>
-            <a:r>
-              <a:rPr lang="fr-FR" noProof="1">
-                <a:latin typeface="Segoe UI Light" panose="020B0502040204020203" pitchFamily="34" charset="0"/>
-                <a:cs typeface="Segoe UI Light" panose="020B0502040204020203" pitchFamily="34" charset="0"/>
-              </a:rPr>
-              <a:t>Log</a:t>
-            </a:r>
-          </a:p>
-        </p:txBody>
-      </p:sp>
-      <p:sp>
-        <p:nvSpPr>
-          <p:cNvPr id="7" name="ZoneTexte 6">
-            <a:extLst>
-              <a:ext uri="{FF2B5EF4-FFF2-40B4-BE49-F238E27FC236}">
-                <a16:creationId xmlns:a16="http://schemas.microsoft.com/office/drawing/2014/main" id="{1351B732-5CDD-4F7E-9691-AF0E2CE8CDA3}"/>
-              </a:ext>
-            </a:extLst>
-          </p:cNvPr>
-          <p:cNvSpPr txBox="1"/>
-          <p:nvPr/>
-        </p:nvSpPr>
-        <p:spPr>
-          <a:xfrm>
-            <a:off x="521206" y="1708681"/>
-            <a:ext cx="10338081" cy="369332"/>
-          </a:xfrm>
-          <a:prstGeom prst="rect">
-            <a:avLst/>
-          </a:prstGeom>
-          <a:noFill/>
-        </p:spPr>
-        <p:txBody>
-          <a:bodyPr wrap="square">
-            <a:spAutoFit/>
-          </a:bodyPr>
-          <a:lstStyle/>
-          <a:p>
-            <a:r>
-              <a:rPr lang="fr-FR" dirty="0">
-                <a:sym typeface="Wingdings" panose="05000000000000000000" pitchFamily="2" charset="2"/>
-              </a:rPr>
-              <a:t>f</a:t>
-            </a:r>
-          </a:p>
-        </p:txBody>
-      </p:sp>
-    </p:spTree>
-    <p:extLst>
-      <p:ext uri="{BB962C8B-B14F-4D97-AF65-F5344CB8AC3E}">
-        <p14:creationId xmlns:p14="http://schemas.microsoft.com/office/powerpoint/2010/main" val="3037234062"/>
-      </p:ext>
-    </p:extLst>
-  </p:cSld>
-  <p:clrMapOvr>
-    <a:masterClrMapping/>
-  </p:clrMapOvr>
-  <mc:AlternateContent xmlns:mc="http://schemas.openxmlformats.org/markup-compatibility/2006" xmlns:p14="http://schemas.microsoft.com/office/powerpoint/2010/main">
-    <mc:Choice Requires="p14">
-      <p:transition p14:dur="10"/>
-    </mc:Choice>
-    <mc:Fallback xmlns="">
-      <p:transition/>
-    </mc:Fallback>
-  </mc:AlternateContent>
-</p:sld>
-</file>
-
-<file path=ppt/slides/slide18.xml><?xml version="1.0" encoding="utf-8"?>
-<p:sld xmlns:a="http://schemas.openxmlformats.org/drawingml/2006/main" xmlns:r="http://schemas.openxmlformats.org/officeDocument/2006/relationships" xmlns:p="http://schemas.openxmlformats.org/presentationml/2006/main">
-  <p:cSld>
-    <p:spTree>
-      <p:nvGrpSpPr>
-        <p:cNvPr id="1" name=""/>
-        <p:cNvGrpSpPr/>
-        <p:nvPr/>
-      </p:nvGrpSpPr>
-      <p:grpSpPr>
-        <a:xfrm>
-          <a:off x="0" y="0"/>
-          <a:ext cx="0" cy="0"/>
-          <a:chOff x="0" y="0"/>
-          <a:chExt cx="0" cy="0"/>
-        </a:xfrm>
-      </p:grpSpPr>
-      <p:sp>
-        <p:nvSpPr>
-          <p:cNvPr id="2" name="Titre 1">
-            <a:extLst>
-              <a:ext uri="{FF2B5EF4-FFF2-40B4-BE49-F238E27FC236}">
-                <a16:creationId xmlns:a16="http://schemas.microsoft.com/office/drawing/2014/main" id="{0C3CF6A7-E17D-4316-8AD8-CAC6DB3A712D}"/>
-              </a:ext>
-            </a:extLst>
-          </p:cNvPr>
-          <p:cNvSpPr>
-            <a:spLocks noGrp="1"/>
-          </p:cNvSpPr>
-          <p:nvPr>
-            <p:ph type="title"/>
-          </p:nvPr>
-        </p:nvSpPr>
-        <p:spPr/>
-        <p:txBody>
-          <a:bodyPr/>
-          <a:lstStyle/>
-          <a:p>
-            <a:r>
-              <a:rPr lang="fr-FR" dirty="0"/>
-              <a:t>Les différentes « stack » logicielles</a:t>
-            </a:r>
-          </a:p>
-        </p:txBody>
-      </p:sp>
-      <p:pic>
-        <p:nvPicPr>
-          <p:cNvPr id="4" name="Image 3" descr="Une image contenant livre, pile&#10;&#10;Description générée automatiquement">
-            <a:extLst>
-              <a:ext uri="{FF2B5EF4-FFF2-40B4-BE49-F238E27FC236}">
-                <a16:creationId xmlns:a16="http://schemas.microsoft.com/office/drawing/2014/main" id="{393D76C5-8733-F62C-2406-378FF6679C57}"/>
-              </a:ext>
-            </a:extLst>
-          </p:cNvPr>
-          <p:cNvPicPr>
-            <a:picLocks noChangeAspect="1"/>
-          </p:cNvPicPr>
-          <p:nvPr/>
-        </p:nvPicPr>
-        <p:blipFill>
-          <a:blip r:embed="rId2"/>
-          <a:stretch>
-            <a:fillRect/>
-          </a:stretch>
-        </p:blipFill>
-        <p:spPr>
-          <a:xfrm>
-            <a:off x="4290172" y="3093384"/>
-            <a:ext cx="2571750" cy="2571750"/>
-          </a:xfrm>
-          <a:prstGeom prst="rect">
-            <a:avLst/>
-          </a:prstGeom>
-        </p:spPr>
-      </p:pic>
-    </p:spTree>
-    <p:extLst>
-      <p:ext uri="{BB962C8B-B14F-4D97-AF65-F5344CB8AC3E}">
-        <p14:creationId xmlns:p14="http://schemas.microsoft.com/office/powerpoint/2010/main" val="1983228113"/>
-      </p:ext>
-    </p:extLst>
-  </p:cSld>
-  <p:clrMapOvr>
-    <a:masterClrMapping/>
-  </p:clrMapOvr>
-</p:sld>
-</file>
-
-<file path=ppt/slides/slide19.xml><?xml version="1.0" encoding="utf-8"?>
-<p:sld xmlns:a="http://schemas.openxmlformats.org/drawingml/2006/main" xmlns:r="http://schemas.openxmlformats.org/officeDocument/2006/relationships" xmlns:p="http://schemas.openxmlformats.org/presentationml/2006/main">
-  <p:cSld>
-    <p:spTree>
-      <p:nvGrpSpPr>
-        <p:cNvPr id="1" name=""/>
-        <p:cNvGrpSpPr/>
-        <p:nvPr/>
-      </p:nvGrpSpPr>
-      <p:grpSpPr>
-        <a:xfrm>
-          <a:off x="0" y="0"/>
-          <a:ext cx="0" cy="0"/>
-          <a:chOff x="0" y="0"/>
-          <a:chExt cx="0" cy="0"/>
-        </a:xfrm>
-      </p:grpSpPr>
-      <p:sp>
-        <p:nvSpPr>
-          <p:cNvPr id="4" name="Titre 3"/>
-          <p:cNvSpPr>
-            <a:spLocks noGrp="1"/>
-          </p:cNvSpPr>
-          <p:nvPr>
-            <p:ph type="title"/>
-          </p:nvPr>
-        </p:nvSpPr>
-        <p:spPr>
-          <a:xfrm>
-            <a:off x="521207" y="448056"/>
-            <a:ext cx="7783344" cy="640080"/>
-          </a:xfrm>
-        </p:spPr>
-        <p:txBody>
-          <a:bodyPr rtlCol="0">
-            <a:normAutofit/>
-          </a:bodyPr>
-          <a:lstStyle/>
-          <a:p>
-            <a:pPr rtl="0"/>
-            <a:r>
-              <a:rPr lang="fr-FR" noProof="1">
-                <a:latin typeface="Segoe UI Light" panose="020B0502040204020203" pitchFamily="34" charset="0"/>
-                <a:cs typeface="Segoe UI Light" panose="020B0502040204020203" pitchFamily="34" charset="0"/>
-              </a:rPr>
-              <a:t>Log</a:t>
-            </a:r>
-          </a:p>
-        </p:txBody>
-      </p:sp>
-      <p:sp>
-        <p:nvSpPr>
-          <p:cNvPr id="7" name="ZoneTexte 6">
-            <a:extLst>
-              <a:ext uri="{FF2B5EF4-FFF2-40B4-BE49-F238E27FC236}">
-                <a16:creationId xmlns:a16="http://schemas.microsoft.com/office/drawing/2014/main" id="{1351B732-5CDD-4F7E-9691-AF0E2CE8CDA3}"/>
-              </a:ext>
-            </a:extLst>
-          </p:cNvPr>
-          <p:cNvSpPr txBox="1"/>
-          <p:nvPr/>
-        </p:nvSpPr>
-        <p:spPr>
-          <a:xfrm>
-            <a:off x="521206" y="1708681"/>
-            <a:ext cx="10338081" cy="369332"/>
-          </a:xfrm>
-          <a:prstGeom prst="rect">
-            <a:avLst/>
-          </a:prstGeom>
-          <a:noFill/>
-        </p:spPr>
-        <p:txBody>
-          <a:bodyPr wrap="square">
-            <a:spAutoFit/>
-          </a:bodyPr>
-          <a:lstStyle/>
-          <a:p>
-            <a:r>
-              <a:rPr lang="fr-FR" dirty="0">
-                <a:sym typeface="Wingdings" panose="05000000000000000000" pitchFamily="2" charset="2"/>
-              </a:rPr>
-              <a:t>f</a:t>
-            </a:r>
-          </a:p>
-        </p:txBody>
-      </p:sp>
-    </p:spTree>
-    <p:extLst>
-      <p:ext uri="{BB962C8B-B14F-4D97-AF65-F5344CB8AC3E}">
-        <p14:creationId xmlns:p14="http://schemas.microsoft.com/office/powerpoint/2010/main" val="2391648638"/>
-      </p:ext>
-    </p:extLst>
-  </p:cSld>
-  <p:clrMapOvr>
-    <a:masterClrMapping/>
-  </p:clrMapOvr>
-  <mc:AlternateContent xmlns:mc="http://schemas.openxmlformats.org/markup-compatibility/2006" xmlns:p14="http://schemas.microsoft.com/office/powerpoint/2010/main">
-    <mc:Choice Requires="p14">
-      <p:transition p14:dur="10"/>
-    </mc:Choice>
-    <mc:Fallback xmlns="">
-      <p:transition/>
-    </mc:Fallback>
-  </mc:AlternateContent>
 </p:sld>
 </file>
 
@@ -9627,6 +9649,476 @@
       </p:grpSpPr>
       <p:sp>
         <p:nvSpPr>
+          <p:cNvPr id="4" name="Titre 3"/>
+          <p:cNvSpPr>
+            <a:spLocks noGrp="1"/>
+          </p:cNvSpPr>
+          <p:nvPr>
+            <p:ph type="title"/>
+          </p:nvPr>
+        </p:nvSpPr>
+        <p:spPr>
+          <a:xfrm>
+            <a:off x="521207" y="448056"/>
+            <a:ext cx="7783344" cy="640080"/>
+          </a:xfrm>
+        </p:spPr>
+        <p:txBody>
+          <a:bodyPr rtlCol="0">
+            <a:normAutofit/>
+          </a:bodyPr>
+          <a:lstStyle/>
+          <a:p>
+            <a:pPr rtl="0"/>
+            <a:r>
+              <a:rPr lang="fr-FR" noProof="1">
+                <a:latin typeface="Segoe UI Light" panose="020B0502040204020203" pitchFamily="34" charset="0"/>
+                <a:cs typeface="Segoe UI Light" panose="020B0502040204020203" pitchFamily="34" charset="0"/>
+              </a:rPr>
+              <a:t>Vue en couche</a:t>
+            </a:r>
+          </a:p>
+        </p:txBody>
+      </p:sp>
+    </p:spTree>
+    <p:extLst>
+      <p:ext uri="{BB962C8B-B14F-4D97-AF65-F5344CB8AC3E}">
+        <p14:creationId xmlns:p14="http://schemas.microsoft.com/office/powerpoint/2010/main" val="3827382832"/>
+      </p:ext>
+    </p:extLst>
+  </p:cSld>
+  <p:clrMapOvr>
+    <a:masterClrMapping/>
+  </p:clrMapOvr>
+  <mc:AlternateContent xmlns:mc="http://schemas.openxmlformats.org/markup-compatibility/2006" xmlns:p14="http://schemas.microsoft.com/office/powerpoint/2010/main">
+    <mc:Choice Requires="p14">
+      <p:transition p14:dur="10"/>
+    </mc:Choice>
+    <mc:Fallback xmlns="">
+      <p:transition/>
+    </mc:Fallback>
+  </mc:AlternateContent>
+</p:sld>
+</file>
+
+<file path=ppt/slides/slide21.xml><?xml version="1.0" encoding="utf-8"?>
+<p:sld xmlns:a="http://schemas.openxmlformats.org/drawingml/2006/main" xmlns:r="http://schemas.openxmlformats.org/officeDocument/2006/relationships" xmlns:p="http://schemas.openxmlformats.org/presentationml/2006/main">
+  <p:cSld>
+    <p:spTree>
+      <p:nvGrpSpPr>
+        <p:cNvPr id="1" name=""/>
+        <p:cNvGrpSpPr/>
+        <p:nvPr/>
+      </p:nvGrpSpPr>
+      <p:grpSpPr>
+        <a:xfrm>
+          <a:off x="0" y="0"/>
+          <a:ext cx="0" cy="0"/>
+          <a:chOff x="0" y="0"/>
+          <a:chExt cx="0" cy="0"/>
+        </a:xfrm>
+      </p:grpSpPr>
+      <p:sp>
+        <p:nvSpPr>
+          <p:cNvPr id="2" name="Titre 1">
+            <a:extLst>
+              <a:ext uri="{FF2B5EF4-FFF2-40B4-BE49-F238E27FC236}">
+                <a16:creationId xmlns:a16="http://schemas.microsoft.com/office/drawing/2014/main" id="{0C3CF6A7-E17D-4316-8AD8-CAC6DB3A712D}"/>
+              </a:ext>
+            </a:extLst>
+          </p:cNvPr>
+          <p:cNvSpPr>
+            <a:spLocks noGrp="1"/>
+          </p:cNvSpPr>
+          <p:nvPr>
+            <p:ph type="title"/>
+          </p:nvPr>
+        </p:nvSpPr>
+        <p:spPr>
+          <a:xfrm>
+            <a:off x="521207" y="1536192"/>
+            <a:ext cx="10290227" cy="640080"/>
+          </a:xfrm>
+        </p:spPr>
+        <p:txBody>
+          <a:bodyPr>
+            <a:normAutofit/>
+          </a:bodyPr>
+          <a:lstStyle/>
+          <a:p>
+            <a:r>
+              <a:rPr lang="fr-FR" dirty="0"/>
+              <a:t>Accès « non bloquant » (réactif)</a:t>
+            </a:r>
+          </a:p>
+        </p:txBody>
+      </p:sp>
+      <p:pic>
+        <p:nvPicPr>
+          <p:cNvPr id="4" name="Image 3" descr="Une image contenant transport, missile, espace, Espace lointain&#10;&#10;Description générée automatiquement">
+            <a:extLst>
+              <a:ext uri="{FF2B5EF4-FFF2-40B4-BE49-F238E27FC236}">
+                <a16:creationId xmlns:a16="http://schemas.microsoft.com/office/drawing/2014/main" id="{050D4CBF-D9AF-7A6B-4D86-4C1B1CD4F51E}"/>
+              </a:ext>
+            </a:extLst>
+          </p:cNvPr>
+          <p:cNvPicPr>
+            <a:picLocks noChangeAspect="1"/>
+          </p:cNvPicPr>
+          <p:nvPr/>
+        </p:nvPicPr>
+        <p:blipFill>
+          <a:blip r:embed="rId2"/>
+          <a:stretch>
+            <a:fillRect/>
+          </a:stretch>
+        </p:blipFill>
+        <p:spPr>
+          <a:xfrm>
+            <a:off x="3831076" y="2474818"/>
+            <a:ext cx="3957357" cy="3957357"/>
+          </a:xfrm>
+          <a:prstGeom prst="rect">
+            <a:avLst/>
+          </a:prstGeom>
+        </p:spPr>
+      </p:pic>
+    </p:spTree>
+    <p:extLst>
+      <p:ext uri="{BB962C8B-B14F-4D97-AF65-F5344CB8AC3E}">
+        <p14:creationId xmlns:p14="http://schemas.microsoft.com/office/powerpoint/2010/main" val="2470160587"/>
+      </p:ext>
+    </p:extLst>
+  </p:cSld>
+  <p:clrMapOvr>
+    <a:masterClrMapping/>
+  </p:clrMapOvr>
+</p:sld>
+</file>
+
+<file path=ppt/slides/slide22.xml><?xml version="1.0" encoding="utf-8"?>
+<p:sld xmlns:a="http://schemas.openxmlformats.org/drawingml/2006/main" xmlns:r="http://schemas.openxmlformats.org/officeDocument/2006/relationships" xmlns:p="http://schemas.openxmlformats.org/presentationml/2006/main">
+  <p:cSld>
+    <p:spTree>
+      <p:nvGrpSpPr>
+        <p:cNvPr id="1" name=""/>
+        <p:cNvGrpSpPr/>
+        <p:nvPr/>
+      </p:nvGrpSpPr>
+      <p:grpSpPr>
+        <a:xfrm>
+          <a:off x="0" y="0"/>
+          <a:ext cx="0" cy="0"/>
+          <a:chOff x="0" y="0"/>
+          <a:chExt cx="0" cy="0"/>
+        </a:xfrm>
+      </p:grpSpPr>
+      <p:sp>
+        <p:nvSpPr>
+          <p:cNvPr id="4" name="Titre 3"/>
+          <p:cNvSpPr>
+            <a:spLocks noGrp="1"/>
+          </p:cNvSpPr>
+          <p:nvPr>
+            <p:ph type="title"/>
+          </p:nvPr>
+        </p:nvSpPr>
+        <p:spPr>
+          <a:xfrm>
+            <a:off x="521207" y="448056"/>
+            <a:ext cx="7783344" cy="640080"/>
+          </a:xfrm>
+        </p:spPr>
+        <p:txBody>
+          <a:bodyPr rtlCol="0">
+            <a:normAutofit/>
+          </a:bodyPr>
+          <a:lstStyle/>
+          <a:p>
+            <a:pPr rtl="0"/>
+            <a:r>
+              <a:rPr lang="fr-FR" noProof="1">
+                <a:latin typeface="Segoe UI Light" panose="020B0502040204020203" pitchFamily="34" charset="0"/>
+                <a:cs typeface="Segoe UI Light" panose="020B0502040204020203" pitchFamily="34" charset="0"/>
+              </a:rPr>
+              <a:t>Log</a:t>
+            </a:r>
+          </a:p>
+        </p:txBody>
+      </p:sp>
+      <p:sp>
+        <p:nvSpPr>
+          <p:cNvPr id="7" name="ZoneTexte 6">
+            <a:extLst>
+              <a:ext uri="{FF2B5EF4-FFF2-40B4-BE49-F238E27FC236}">
+                <a16:creationId xmlns:a16="http://schemas.microsoft.com/office/drawing/2014/main" id="{1351B732-5CDD-4F7E-9691-AF0E2CE8CDA3}"/>
+              </a:ext>
+            </a:extLst>
+          </p:cNvPr>
+          <p:cNvSpPr txBox="1"/>
+          <p:nvPr/>
+        </p:nvSpPr>
+        <p:spPr>
+          <a:xfrm>
+            <a:off x="521206" y="1708681"/>
+            <a:ext cx="10338081" cy="369332"/>
+          </a:xfrm>
+          <a:prstGeom prst="rect">
+            <a:avLst/>
+          </a:prstGeom>
+          <a:noFill/>
+        </p:spPr>
+        <p:txBody>
+          <a:bodyPr wrap="square">
+            <a:spAutoFit/>
+          </a:bodyPr>
+          <a:lstStyle/>
+          <a:p>
+            <a:r>
+              <a:rPr lang="fr-FR" dirty="0">
+                <a:sym typeface="Wingdings" panose="05000000000000000000" pitchFamily="2" charset="2"/>
+              </a:rPr>
+              <a:t>f</a:t>
+            </a:r>
+          </a:p>
+        </p:txBody>
+      </p:sp>
+    </p:spTree>
+    <p:extLst>
+      <p:ext uri="{BB962C8B-B14F-4D97-AF65-F5344CB8AC3E}">
+        <p14:creationId xmlns:p14="http://schemas.microsoft.com/office/powerpoint/2010/main" val="3037234062"/>
+      </p:ext>
+    </p:extLst>
+  </p:cSld>
+  <p:clrMapOvr>
+    <a:masterClrMapping/>
+  </p:clrMapOvr>
+  <mc:AlternateContent xmlns:mc="http://schemas.openxmlformats.org/markup-compatibility/2006" xmlns:p14="http://schemas.microsoft.com/office/powerpoint/2010/main">
+    <mc:Choice Requires="p14">
+      <p:transition p14:dur="10"/>
+    </mc:Choice>
+    <mc:Fallback xmlns="">
+      <p:transition/>
+    </mc:Fallback>
+  </mc:AlternateContent>
+</p:sld>
+</file>
+
+<file path=ppt/slides/slide23.xml><?xml version="1.0" encoding="utf-8"?>
+<p:sld xmlns:a="http://schemas.openxmlformats.org/drawingml/2006/main" xmlns:r="http://schemas.openxmlformats.org/officeDocument/2006/relationships" xmlns:p="http://schemas.openxmlformats.org/presentationml/2006/main">
+  <p:cSld>
+    <p:spTree>
+      <p:nvGrpSpPr>
+        <p:cNvPr id="1" name=""/>
+        <p:cNvGrpSpPr/>
+        <p:nvPr/>
+      </p:nvGrpSpPr>
+      <p:grpSpPr>
+        <a:xfrm>
+          <a:off x="0" y="0"/>
+          <a:ext cx="0" cy="0"/>
+          <a:chOff x="0" y="0"/>
+          <a:chExt cx="0" cy="0"/>
+        </a:xfrm>
+      </p:grpSpPr>
+      <p:sp>
+        <p:nvSpPr>
+          <p:cNvPr id="2" name="Titre 1">
+            <a:extLst>
+              <a:ext uri="{FF2B5EF4-FFF2-40B4-BE49-F238E27FC236}">
+                <a16:creationId xmlns:a16="http://schemas.microsoft.com/office/drawing/2014/main" id="{0C3CF6A7-E17D-4316-8AD8-CAC6DB3A712D}"/>
+              </a:ext>
+            </a:extLst>
+          </p:cNvPr>
+          <p:cNvSpPr>
+            <a:spLocks noGrp="1"/>
+          </p:cNvSpPr>
+          <p:nvPr>
+            <p:ph type="title"/>
+          </p:nvPr>
+        </p:nvSpPr>
+        <p:spPr/>
+        <p:txBody>
+          <a:bodyPr/>
+          <a:lstStyle/>
+          <a:p>
+            <a:r>
+              <a:rPr lang="fr-FR" dirty="0"/>
+              <a:t>Les différentes « stack » logicielles</a:t>
+            </a:r>
+          </a:p>
+        </p:txBody>
+      </p:sp>
+      <p:pic>
+        <p:nvPicPr>
+          <p:cNvPr id="4" name="Image 3" descr="Une image contenant livre, pile&#10;&#10;Description générée automatiquement">
+            <a:extLst>
+              <a:ext uri="{FF2B5EF4-FFF2-40B4-BE49-F238E27FC236}">
+                <a16:creationId xmlns:a16="http://schemas.microsoft.com/office/drawing/2014/main" id="{393D76C5-8733-F62C-2406-378FF6679C57}"/>
+              </a:ext>
+            </a:extLst>
+          </p:cNvPr>
+          <p:cNvPicPr>
+            <a:picLocks noChangeAspect="1"/>
+          </p:cNvPicPr>
+          <p:nvPr/>
+        </p:nvPicPr>
+        <p:blipFill>
+          <a:blip r:embed="rId2"/>
+          <a:stretch>
+            <a:fillRect/>
+          </a:stretch>
+        </p:blipFill>
+        <p:spPr>
+          <a:xfrm>
+            <a:off x="4290172" y="3093384"/>
+            <a:ext cx="2571750" cy="2571750"/>
+          </a:xfrm>
+          <a:prstGeom prst="rect">
+            <a:avLst/>
+          </a:prstGeom>
+        </p:spPr>
+      </p:pic>
+    </p:spTree>
+    <p:extLst>
+      <p:ext uri="{BB962C8B-B14F-4D97-AF65-F5344CB8AC3E}">
+        <p14:creationId xmlns:p14="http://schemas.microsoft.com/office/powerpoint/2010/main" val="1983228113"/>
+      </p:ext>
+    </p:extLst>
+  </p:cSld>
+  <p:clrMapOvr>
+    <a:masterClrMapping/>
+  </p:clrMapOvr>
+</p:sld>
+</file>
+
+<file path=ppt/slides/slide24.xml><?xml version="1.0" encoding="utf-8"?>
+<p:sld xmlns:a="http://schemas.openxmlformats.org/drawingml/2006/main" xmlns:r="http://schemas.openxmlformats.org/officeDocument/2006/relationships" xmlns:p="http://schemas.openxmlformats.org/presentationml/2006/main">
+  <p:cSld>
+    <p:spTree>
+      <p:nvGrpSpPr>
+        <p:cNvPr id="1" name=""/>
+        <p:cNvGrpSpPr/>
+        <p:nvPr/>
+      </p:nvGrpSpPr>
+      <p:grpSpPr>
+        <a:xfrm>
+          <a:off x="0" y="0"/>
+          <a:ext cx="0" cy="0"/>
+          <a:chOff x="0" y="0"/>
+          <a:chExt cx="0" cy="0"/>
+        </a:xfrm>
+      </p:grpSpPr>
+      <p:sp>
+        <p:nvSpPr>
+          <p:cNvPr id="4" name="Titre 3"/>
+          <p:cNvSpPr>
+            <a:spLocks noGrp="1"/>
+          </p:cNvSpPr>
+          <p:nvPr>
+            <p:ph type="title"/>
+          </p:nvPr>
+        </p:nvSpPr>
+        <p:spPr>
+          <a:xfrm>
+            <a:off x="521207" y="448056"/>
+            <a:ext cx="7783344" cy="640080"/>
+          </a:xfrm>
+        </p:spPr>
+        <p:txBody>
+          <a:bodyPr rtlCol="0">
+            <a:normAutofit/>
+          </a:bodyPr>
+          <a:lstStyle/>
+          <a:p>
+            <a:pPr rtl="0"/>
+            <a:r>
+              <a:rPr lang="fr-FR" noProof="1">
+                <a:latin typeface="Segoe UI Light" panose="020B0502040204020203" pitchFamily="34" charset="0"/>
+                <a:cs typeface="Segoe UI Light" panose="020B0502040204020203" pitchFamily="34" charset="0"/>
+              </a:rPr>
+              <a:t>Log</a:t>
+            </a:r>
+          </a:p>
+        </p:txBody>
+      </p:sp>
+      <p:sp>
+        <p:nvSpPr>
+          <p:cNvPr id="7" name="ZoneTexte 6">
+            <a:extLst>
+              <a:ext uri="{FF2B5EF4-FFF2-40B4-BE49-F238E27FC236}">
+                <a16:creationId xmlns:a16="http://schemas.microsoft.com/office/drawing/2014/main" id="{1351B732-5CDD-4F7E-9691-AF0E2CE8CDA3}"/>
+              </a:ext>
+            </a:extLst>
+          </p:cNvPr>
+          <p:cNvSpPr txBox="1"/>
+          <p:nvPr/>
+        </p:nvSpPr>
+        <p:spPr>
+          <a:xfrm>
+            <a:off x="521206" y="1708681"/>
+            <a:ext cx="10338081" cy="369332"/>
+          </a:xfrm>
+          <a:prstGeom prst="rect">
+            <a:avLst/>
+          </a:prstGeom>
+          <a:noFill/>
+        </p:spPr>
+        <p:txBody>
+          <a:bodyPr wrap="square">
+            <a:spAutoFit/>
+          </a:bodyPr>
+          <a:lstStyle/>
+          <a:p>
+            <a:r>
+              <a:rPr lang="fr-FR" dirty="0">
+                <a:sym typeface="Wingdings" panose="05000000000000000000" pitchFamily="2" charset="2"/>
+              </a:rPr>
+              <a:t>f</a:t>
+            </a:r>
+          </a:p>
+        </p:txBody>
+      </p:sp>
+    </p:spTree>
+    <p:extLst>
+      <p:ext uri="{BB962C8B-B14F-4D97-AF65-F5344CB8AC3E}">
+        <p14:creationId xmlns:p14="http://schemas.microsoft.com/office/powerpoint/2010/main" val="2391648638"/>
+      </p:ext>
+    </p:extLst>
+  </p:cSld>
+  <p:clrMapOvr>
+    <a:masterClrMapping/>
+  </p:clrMapOvr>
+  <mc:AlternateContent xmlns:mc="http://schemas.openxmlformats.org/markup-compatibility/2006" xmlns:p14="http://schemas.microsoft.com/office/powerpoint/2010/main">
+    <mc:Choice Requires="p14">
+      <p:transition p14:dur="10"/>
+    </mc:Choice>
+    <mc:Fallback xmlns="">
+      <p:transition/>
+    </mc:Fallback>
+  </mc:AlternateContent>
+</p:sld>
+</file>
+
+<file path=ppt/slides/slide25.xml><?xml version="1.0" encoding="utf-8"?>
+<p:sld xmlns:a="http://schemas.openxmlformats.org/drawingml/2006/main" xmlns:r="http://schemas.openxmlformats.org/officeDocument/2006/relationships" xmlns:p="http://schemas.openxmlformats.org/presentationml/2006/main">
+  <p:cSld>
+    <p:spTree>
+      <p:nvGrpSpPr>
+        <p:cNvPr id="1" name=""/>
+        <p:cNvGrpSpPr/>
+        <p:nvPr/>
+      </p:nvGrpSpPr>
+      <p:grpSpPr>
+        <a:xfrm>
+          <a:off x="0" y="0"/>
+          <a:ext cx="0" cy="0"/>
+          <a:chOff x="0" y="0"/>
+          <a:chExt cx="0" cy="0"/>
+        </a:xfrm>
+      </p:grpSpPr>
+      <p:sp>
+        <p:nvSpPr>
           <p:cNvPr id="2" name="Titre 1">
             <a:extLst>
               <a:ext uri="{FF2B5EF4-FFF2-40B4-BE49-F238E27FC236}">
@@ -9696,7 +10188,7 @@
 </p:sld>
 </file>
 
-<file path=ppt/slides/slide21.xml><?xml version="1.0" encoding="utf-8"?>
+<file path=ppt/slides/slide26.xml><?xml version="1.0" encoding="utf-8"?>
 <p:sld xmlns:a="http://schemas.openxmlformats.org/drawingml/2006/main" xmlns:r="http://schemas.openxmlformats.org/officeDocument/2006/relationships" xmlns:p="http://schemas.openxmlformats.org/presentationml/2006/main">
   <p:cSld>
     <p:spTree>
@@ -9761,7 +10253,7 @@
         <p:spPr>
           <a:xfrm>
             <a:off x="521206" y="1708681"/>
-            <a:ext cx="10338081" cy="2862322"/>
+            <a:ext cx="10338081" cy="3693319"/>
           </a:xfrm>
           <a:prstGeom prst="rect">
             <a:avLst/>
@@ -9779,6 +10271,21 @@
                 <a:sym typeface="Wingdings" panose="05000000000000000000" pitchFamily="2" charset="2"/>
                 <a:hlinkClick r:id="rId3"/>
               </a:rPr>
+              <a:t>https://docs.oracle.com/en/java/javase/21/core/virtual-threads.html#GUID-6444CF1A-FCAD-4F8A-877F-4A72AA0143B7</a:t>
+            </a:r>
+          </a:p>
+          <a:p>
+            <a:endParaRPr lang="fr-FR" dirty="0">
+              <a:sym typeface="Wingdings" panose="05000000000000000000" pitchFamily="2" charset="2"/>
+              <a:hlinkClick r:id="rId3"/>
+            </a:endParaRPr>
+          </a:p>
+          <a:p>
+            <a:r>
+              <a:rPr lang="fr-FR" dirty="0">
+                <a:sym typeface="Wingdings" panose="05000000000000000000" pitchFamily="2" charset="2"/>
+                <a:hlinkClick r:id="rId3"/>
+              </a:rPr>
               <a:t>https://spring.io/blog/2023/09/19/this-week-in-spring-september-19th-2023-java-21-edition</a:t>
             </a:r>
             <a:endParaRPr lang="fr-FR" dirty="0">
@@ -9826,14 +10333,14 @@
           </a:p>
           <a:p>
             <a:r>
-              <a:rPr lang="fr-FR">
+              <a:rPr lang="fr-FR" dirty="0">
                 <a:sym typeface="Wingdings" panose="05000000000000000000" pitchFamily="2" charset="2"/>
                 <a:hlinkClick r:id="rId5"/>
               </a:rPr>
               <a:t>https://www.postgresql.org/about/news/postgresql-jdbc-4260-released-2613/</a:t>
             </a:r>
             <a:r>
-              <a:rPr lang="fr-FR">
+              <a:rPr lang="fr-FR" dirty="0">
                 <a:sym typeface="Wingdings" panose="05000000000000000000" pitchFamily="2" charset="2"/>
               </a:rPr>
               <a:t> </a:t>
@@ -9877,7 +10384,7 @@
 </p:sld>
 </file>
 
-<file path=ppt/slides/slide22.xml><?xml version="1.0" encoding="utf-8"?>
+<file path=ppt/slides/slide27.xml><?xml version="1.0" encoding="utf-8"?>
 <p:sld xmlns:a="http://schemas.openxmlformats.org/drawingml/2006/main" xmlns:r="http://schemas.openxmlformats.org/officeDocument/2006/relationships" xmlns:p="http://schemas.openxmlformats.org/presentationml/2006/main">
   <p:cSld>
     <p:spTree>
@@ -14906,21 +15413,21 @@
 </file>
 
 <file path=customXml/item1.xml><?xml version="1.0" encoding="utf-8"?>
+<p:properties xmlns:p="http://schemas.microsoft.com/office/2006/metadata/properties" xmlns:xsi="http://www.w3.org/2001/XMLSchema-instance" xmlns:pc="http://schemas.microsoft.com/office/infopath/2007/PartnerControls">
+  <documentManagement>
+    <Status xmlns="71af3243-3dd4-4a8d-8c0d-dd76da1f02a5">Not started</Status>
+    <MediaServiceKeyPoints xmlns="71af3243-3dd4-4a8d-8c0d-dd76da1f02a5" xsi:nil="true"/>
+  </documentManagement>
+</p:properties>
+</file>
+
+<file path=customXml/item2.xml><?xml version="1.0" encoding="utf-8"?>
 <?mso-contentType ?>
 <FormTemplates xmlns="http://schemas.microsoft.com/sharepoint/v3/contenttype/forms">
   <Display>DocumentLibraryForm</Display>
   <Edit>DocumentLibraryForm</Edit>
   <New>DocumentLibraryForm</New>
 </FormTemplates>
-</file>
-
-<file path=customXml/item2.xml><?xml version="1.0" encoding="utf-8"?>
-<p:properties xmlns:p="http://schemas.microsoft.com/office/2006/metadata/properties" xmlns:xsi="http://www.w3.org/2001/XMLSchema-instance" xmlns:pc="http://schemas.microsoft.com/office/infopath/2007/PartnerControls">
-  <documentManagement>
-    <Status xmlns="71af3243-3dd4-4a8d-8c0d-dd76da1f02a5">Not started</Status>
-    <MediaServiceKeyPoints xmlns="71af3243-3dd4-4a8d-8c0d-dd76da1f02a5" xsi:nil="true"/>
-  </documentManagement>
-</p:properties>
 </file>
 
 <file path=customXml/item3.xml><?xml version="1.0" encoding="utf-8"?>
@@ -15145,14 +15652,6 @@
 </file>
 
 <file path=customXml/itemProps1.xml><?xml version="1.0" encoding="utf-8"?>
-<ds:datastoreItem xmlns:ds="http://schemas.openxmlformats.org/officeDocument/2006/customXml" ds:itemID="{7EE8C63A-4744-4DE4-BB49-0FF0B5375C60}">
-  <ds:schemaRefs>
-    <ds:schemaRef ds:uri="http://schemas.microsoft.com/sharepoint/v3/contenttype/forms"/>
-  </ds:schemaRefs>
-</ds:datastoreItem>
-</file>
-
-<file path=customXml/itemProps2.xml><?xml version="1.0" encoding="utf-8"?>
 <ds:datastoreItem xmlns:ds="http://schemas.openxmlformats.org/officeDocument/2006/customXml" ds:itemID="{950072C5-DDE0-4258-BA7A-4D4B80DFA632}">
   <ds:schemaRefs>
     <ds:schemaRef ds:uri="http://purl.org/dc/terms/"/>
@@ -15165,6 +15664,14 @@
     <ds:schemaRef ds:uri="http://schemas.microsoft.com/office/2006/metadata/properties"/>
     <ds:schemaRef ds:uri="http://www.w3.org/XML/1998/namespace"/>
     <ds:schemaRef ds:uri="http://purl.org/dc/dcmitype/"/>
+  </ds:schemaRefs>
+</ds:datastoreItem>
+</file>
+
+<file path=customXml/itemProps2.xml><?xml version="1.0" encoding="utf-8"?>
+<ds:datastoreItem xmlns:ds="http://schemas.openxmlformats.org/officeDocument/2006/customXml" ds:itemID="{7EE8C63A-4744-4DE4-BB49-0FF0B5375C60}">
+  <ds:schemaRefs>
+    <ds:schemaRef ds:uri="http://schemas.microsoft.com/sharepoint/v3/contenttype/forms"/>
   </ds:schemaRefs>
 </ds:datastoreItem>
 </file>
